--- a/java/slides/ppt/02 - Java Basics.pptx
+++ b/java/slides/ppt/02 - Java Basics.pptx
@@ -267,7 +267,7 @@
             <a:fld id="{BAEB7694-8561-4BE2-948D-EDF7A201F8BB}" type="datetimeFigureOut">
               <a:rPr lang="it-IT" smtClean="0"/>
               <a:pPr/>
-              <a:t>24/03/21</a:t>
+              <a:t>24/09/21</a:t>
             </a:fld>
             <a:endParaRPr lang="it-IT"/>
           </a:p>
@@ -3216,7 +3216,7 @@
           <a:blip r:embed="rId13">
             <a:extLst>
               <a:ext uri="{28A0092B-C50C-407E-A947-70E740481C1C}">
-                <a14:useLocalDpi xmlns:a14="http://schemas.microsoft.com/office/drawing/2010/main" val="0"/>
+                <a14:useLocalDpi xmlns:a14="http://schemas.microsoft.com/office/drawing/2010/main"/>
               </a:ext>
             </a:extLst>
           </a:blip>
@@ -3246,7 +3246,7 @@
           <a:blip r:embed="rId13">
             <a:extLst>
               <a:ext uri="{28A0092B-C50C-407E-A947-70E740481C1C}">
-                <a14:useLocalDpi xmlns:a14="http://schemas.microsoft.com/office/drawing/2010/main" val="0"/>
+                <a14:useLocalDpi xmlns:a14="http://schemas.microsoft.com/office/drawing/2010/main"/>
               </a:ext>
             </a:extLst>
           </a:blip>
@@ -7115,7 +7115,7 @@
           <a:blip r:embed="rId2">
             <a:extLst>
               <a:ext uri="{28A0092B-C50C-407E-A947-70E740481C1C}">
-                <a14:useLocalDpi xmlns:a14="http://schemas.microsoft.com/office/drawing/2010/main" val="0"/>
+                <a14:useLocalDpi xmlns:a14="http://schemas.microsoft.com/office/drawing/2010/main"/>
               </a:ext>
             </a:extLst>
           </a:blip>
@@ -10431,7 +10431,13 @@
           </p:nvPr>
         </p:nvPicPr>
         <p:blipFill>
-          <a:blip r:embed="rId2"/>
+          <a:blip r:embed="rId2" cstate="print">
+            <a:extLst>
+              <a:ext uri="{28A0092B-C50C-407E-A947-70E740481C1C}">
+                <a14:useLocalDpi xmlns:a14="http://schemas.microsoft.com/office/drawing/2010/main"/>
+              </a:ext>
+            </a:extLst>
+          </a:blip>
           <a:srcRect t="-12199" b="-12199"/>
           <a:stretch>
             <a:fillRect/>
@@ -12256,10 +12262,10 @@
           </p:nvPr>
         </p:nvPicPr>
         <p:blipFill>
-          <a:blip r:embed="rId2">
+          <a:blip r:embed="rId2" cstate="print">
             <a:extLst>
               <a:ext uri="{28A0092B-C50C-407E-A947-70E740481C1C}">
-                <a14:useLocalDpi xmlns:a14="http://schemas.microsoft.com/office/drawing/2010/main" val="0"/>
+                <a14:useLocalDpi xmlns:a14="http://schemas.microsoft.com/office/drawing/2010/main"/>
               </a:ext>
             </a:extLst>
           </a:blip>
@@ -12357,10 +12363,10 @@
           </p:nvPr>
         </p:nvPicPr>
         <p:blipFill>
-          <a:blip r:embed="rId2">
+          <a:blip r:embed="rId2" cstate="print">
             <a:extLst>
               <a:ext uri="{28A0092B-C50C-407E-A947-70E740481C1C}">
-                <a14:useLocalDpi xmlns:a14="http://schemas.microsoft.com/office/drawing/2010/main" val="0"/>
+                <a14:useLocalDpi xmlns:a14="http://schemas.microsoft.com/office/drawing/2010/main"/>
               </a:ext>
             </a:extLst>
           </a:blip>
@@ -13900,7 +13906,7 @@
           <a:blip r:embed="rId2">
             <a:extLst>
               <a:ext uri="{28A0092B-C50C-407E-A947-70E740481C1C}">
-                <a14:useLocalDpi xmlns:a14="http://schemas.microsoft.com/office/drawing/2010/main" val="0"/>
+                <a14:useLocalDpi xmlns:a14="http://schemas.microsoft.com/office/drawing/2010/main"/>
               </a:ext>
             </a:extLst>
           </a:blip>
@@ -14041,10 +14047,10 @@
           <p:nvPr/>
         </p:nvPicPr>
         <p:blipFill>
-          <a:blip r:embed="rId2">
+          <a:blip r:embed="rId2" cstate="print">
             <a:extLst>
               <a:ext uri="{28A0092B-C50C-407E-A947-70E740481C1C}">
-                <a14:useLocalDpi xmlns:a14="http://schemas.microsoft.com/office/drawing/2010/main" val="0"/>
+                <a14:useLocalDpi xmlns:a14="http://schemas.microsoft.com/office/drawing/2010/main"/>
               </a:ext>
             </a:extLst>
           </a:blip>
@@ -14177,10 +14183,10 @@
           <p:nvPr/>
         </p:nvPicPr>
         <p:blipFill>
-          <a:blip r:embed="rId2">
+          <a:blip r:embed="rId2" cstate="print">
             <a:extLst>
               <a:ext uri="{28A0092B-C50C-407E-A947-70E740481C1C}">
-                <a14:useLocalDpi xmlns:a14="http://schemas.microsoft.com/office/drawing/2010/main" val="0"/>
+                <a14:useLocalDpi xmlns:a14="http://schemas.microsoft.com/office/drawing/2010/main"/>
               </a:ext>
             </a:extLst>
           </a:blip>
@@ -15911,10 +15917,10 @@
           </p:nvPr>
         </p:nvPicPr>
         <p:blipFill>
-          <a:blip r:embed="rId2">
+          <a:blip r:embed="rId2" cstate="print">
             <a:extLst>
               <a:ext uri="{28A0092B-C50C-407E-A947-70E740481C1C}">
-                <a14:useLocalDpi xmlns:a14="http://schemas.microsoft.com/office/drawing/2010/main" val="0"/>
+                <a14:useLocalDpi xmlns:a14="http://schemas.microsoft.com/office/drawing/2010/main"/>
               </a:ext>
             </a:extLst>
           </a:blip>
@@ -16039,10 +16045,10 @@
           <p:nvPr/>
         </p:nvPicPr>
         <p:blipFill>
-          <a:blip r:embed="rId2">
+          <a:blip r:embed="rId2" cstate="print">
             <a:extLst>
               <a:ext uri="{28A0092B-C50C-407E-A947-70E740481C1C}">
-                <a14:useLocalDpi xmlns:a14="http://schemas.microsoft.com/office/drawing/2010/main" val="0"/>
+                <a14:useLocalDpi xmlns:a14="http://schemas.microsoft.com/office/drawing/2010/main"/>
               </a:ext>
             </a:extLst>
           </a:blip>
@@ -16077,10 +16083,10 @@
           </p:nvPr>
         </p:nvPicPr>
         <p:blipFill>
-          <a:blip r:embed="rId3">
+          <a:blip r:embed="rId3" cstate="print">
             <a:extLst>
               <a:ext uri="{28A0092B-C50C-407E-A947-70E740481C1C}">
-                <a14:useLocalDpi xmlns:a14="http://schemas.microsoft.com/office/drawing/2010/main" val="0"/>
+                <a14:useLocalDpi xmlns:a14="http://schemas.microsoft.com/office/drawing/2010/main"/>
               </a:ext>
             </a:extLst>
           </a:blip>
@@ -16240,10 +16246,10 @@
           <p:nvPr/>
         </p:nvPicPr>
         <p:blipFill>
-          <a:blip r:embed="rId2">
+          <a:blip r:embed="rId2" cstate="print">
             <a:extLst>
               <a:ext uri="{28A0092B-C50C-407E-A947-70E740481C1C}">
-                <a14:useLocalDpi xmlns:a14="http://schemas.microsoft.com/office/drawing/2010/main" val="0"/>
+                <a14:useLocalDpi xmlns:a14="http://schemas.microsoft.com/office/drawing/2010/main"/>
               </a:ext>
             </a:extLst>
           </a:blip>

--- a/java/slides/ppt/02 - Java Basics.pptx
+++ b/java/slides/ppt/02 - Java Basics.pptx
@@ -7,6 +7,9 @@
   <p:notesMasterIdLst>
     <p:notesMasterId r:id="rId46"/>
   </p:notesMasterIdLst>
+  <p:handoutMasterIdLst>
+    <p:handoutMasterId r:id="rId47"/>
+  </p:handoutMasterIdLst>
   <p:sldIdLst>
     <p:sldId id="256" r:id="rId2"/>
     <p:sldId id="257" r:id="rId3"/>
@@ -53,7 +56,7 @@
     <p:sldId id="407" r:id="rId44"/>
     <p:sldId id="406" r:id="rId45"/>
   </p:sldIdLst>
-  <p:sldSz cx="9144000" cy="6858000" type="screen4x3"/>
+  <p:sldSz cx="12192000" cy="6858000"/>
   <p:notesSz cx="6858000" cy="9144000"/>
   <p:defaultTextStyle>
     <a:defPPr>
@@ -153,34 +156,210 @@
   <p:extLst>
     <p:ext uri="{EFAFB233-063F-42B5-8137-9DF3F51BA10A}">
       <p15:sldGuideLst xmlns:p15="http://schemas.microsoft.com/office/powerpoint/2012/main">
-        <p15:guide id="1" orient="horz" pos="2160">
+        <p15:guide id="1" orient="horz" pos="2160" userDrawn="1">
           <p15:clr>
             <a:srgbClr val="A4A3A4"/>
           </p15:clr>
         </p15:guide>
-        <p15:guide id="2" pos="2880">
+        <p15:guide id="2" pos="3840" userDrawn="1">
           <p15:clr>
             <a:srgbClr val="A4A3A4"/>
           </p15:clr>
         </p15:guide>
       </p15:sldGuideLst>
     </p:ext>
-    <p:ext uri="{2D200454-40CA-4A62-9FC3-DE9A4176ACB9}">
-      <p15:notesGuideLst xmlns:p15="http://schemas.microsoft.com/office/powerpoint/2012/main">
-        <p15:guide id="1" orient="horz" pos="2880">
-          <p15:clr>
-            <a:srgbClr val="A4A3A4"/>
-          </p15:clr>
-        </p15:guide>
-        <p15:guide id="2" pos="2160">
-          <p15:clr>
-            <a:srgbClr val="A4A3A4"/>
-          </p15:clr>
-        </p15:guide>
-      </p15:notesGuideLst>
-    </p:ext>
   </p:extLst>
 </p:presentation>
+</file>
+
+<file path=ppt/handoutMasters/handoutMaster1.xml><?xml version="1.0" encoding="utf-8"?>
+<p:handoutMaster xmlns:a="http://schemas.openxmlformats.org/drawingml/2006/main" xmlns:r="http://schemas.openxmlformats.org/officeDocument/2006/relationships" xmlns:p="http://schemas.openxmlformats.org/presentationml/2006/main">
+  <p:cSld>
+    <p:bg>
+      <p:bgRef idx="1001">
+        <a:schemeClr val="bg1"/>
+      </p:bgRef>
+    </p:bg>
+    <p:spTree>
+      <p:nvGrpSpPr>
+        <p:cNvPr id="1" name=""/>
+        <p:cNvGrpSpPr/>
+        <p:nvPr/>
+      </p:nvGrpSpPr>
+      <p:grpSpPr>
+        <a:xfrm>
+          <a:off x="0" y="0"/>
+          <a:ext cx="0" cy="0"/>
+          <a:chOff x="0" y="0"/>
+          <a:chExt cx="0" cy="0"/>
+        </a:xfrm>
+      </p:grpSpPr>
+      <p:sp>
+        <p:nvSpPr>
+          <p:cNvPr id="2" name="Header Placeholder 1">
+            <a:extLst>
+              <a:ext uri="{FF2B5EF4-FFF2-40B4-BE49-F238E27FC236}">
+                <a16:creationId xmlns:a16="http://schemas.microsoft.com/office/drawing/2014/main" id="{F25CBCAF-8195-0B41-9F39-155992CBB6CE}"/>
+              </a:ext>
+            </a:extLst>
+          </p:cNvPr>
+          <p:cNvSpPr>
+            <a:spLocks noGrp="1"/>
+          </p:cNvSpPr>
+          <p:nvPr>
+            <p:ph type="hdr" sz="quarter"/>
+          </p:nvPr>
+        </p:nvSpPr>
+        <p:spPr>
+          <a:xfrm>
+            <a:off x="0" y="0"/>
+            <a:ext cx="2971800" cy="458788"/>
+          </a:xfrm>
+          <a:prstGeom prst="rect">
+            <a:avLst/>
+          </a:prstGeom>
+        </p:spPr>
+        <p:txBody>
+          <a:bodyPr vert="horz" lIns="91440" tIns="45720" rIns="91440" bIns="45720" rtlCol="0"/>
+          <a:lstStyle>
+            <a:lvl1pPr algn="l">
+              <a:defRPr sz="1200"/>
+            </a:lvl1pPr>
+          </a:lstStyle>
+          <a:p>
+            <a:endParaRPr lang="en-IT"/>
+          </a:p>
+        </p:txBody>
+      </p:sp>
+      <p:sp>
+        <p:nvSpPr>
+          <p:cNvPr id="3" name="Date Placeholder 2">
+            <a:extLst>
+              <a:ext uri="{FF2B5EF4-FFF2-40B4-BE49-F238E27FC236}">
+                <a16:creationId xmlns:a16="http://schemas.microsoft.com/office/drawing/2014/main" id="{4530F5F1-56F9-594B-8002-505C0B3A9533}"/>
+              </a:ext>
+            </a:extLst>
+          </p:cNvPr>
+          <p:cNvSpPr>
+            <a:spLocks noGrp="1"/>
+          </p:cNvSpPr>
+          <p:nvPr>
+            <p:ph type="dt" sz="quarter" idx="1"/>
+          </p:nvPr>
+        </p:nvSpPr>
+        <p:spPr>
+          <a:xfrm>
+            <a:off x="3884613" y="0"/>
+            <a:ext cx="2971800" cy="458788"/>
+          </a:xfrm>
+          <a:prstGeom prst="rect">
+            <a:avLst/>
+          </a:prstGeom>
+        </p:spPr>
+        <p:txBody>
+          <a:bodyPr vert="horz" lIns="91440" tIns="45720" rIns="91440" bIns="45720" rtlCol="0"/>
+          <a:lstStyle>
+            <a:lvl1pPr algn="r">
+              <a:defRPr sz="1200"/>
+            </a:lvl1pPr>
+          </a:lstStyle>
+          <a:p>
+            <a:fld id="{5591E39A-28E5-5D4D-B97C-ECEB96F19817}" type="datetimeFigureOut">
+              <a:rPr lang="en-IT" smtClean="0"/>
+              <a:t>29/09/21</a:t>
+            </a:fld>
+            <a:endParaRPr lang="en-IT"/>
+          </a:p>
+        </p:txBody>
+      </p:sp>
+      <p:sp>
+        <p:nvSpPr>
+          <p:cNvPr id="4" name="Footer Placeholder 3">
+            <a:extLst>
+              <a:ext uri="{FF2B5EF4-FFF2-40B4-BE49-F238E27FC236}">
+                <a16:creationId xmlns:a16="http://schemas.microsoft.com/office/drawing/2014/main" id="{0D01DB9C-5FE6-5646-A4CF-CACE1FBFD1F6}"/>
+              </a:ext>
+            </a:extLst>
+          </p:cNvPr>
+          <p:cNvSpPr>
+            <a:spLocks noGrp="1"/>
+          </p:cNvSpPr>
+          <p:nvPr>
+            <p:ph type="ftr" sz="quarter" idx="2"/>
+          </p:nvPr>
+        </p:nvSpPr>
+        <p:spPr>
+          <a:xfrm>
+            <a:off x="0" y="8685213"/>
+            <a:ext cx="2971800" cy="458787"/>
+          </a:xfrm>
+          <a:prstGeom prst="rect">
+            <a:avLst/>
+          </a:prstGeom>
+        </p:spPr>
+        <p:txBody>
+          <a:bodyPr vert="horz" lIns="91440" tIns="45720" rIns="91440" bIns="45720" rtlCol="0" anchor="b"/>
+          <a:lstStyle>
+            <a:lvl1pPr algn="l">
+              <a:defRPr sz="1200"/>
+            </a:lvl1pPr>
+          </a:lstStyle>
+          <a:p>
+            <a:endParaRPr lang="en-IT"/>
+          </a:p>
+        </p:txBody>
+      </p:sp>
+      <p:sp>
+        <p:nvSpPr>
+          <p:cNvPr id="5" name="Slide Number Placeholder 4">
+            <a:extLst>
+              <a:ext uri="{FF2B5EF4-FFF2-40B4-BE49-F238E27FC236}">
+                <a16:creationId xmlns:a16="http://schemas.microsoft.com/office/drawing/2014/main" id="{1807AD1E-ED4D-4F49-B2E9-34CF7F0E16D1}"/>
+              </a:ext>
+            </a:extLst>
+          </p:cNvPr>
+          <p:cNvSpPr>
+            <a:spLocks noGrp="1"/>
+          </p:cNvSpPr>
+          <p:nvPr>
+            <p:ph type="sldNum" sz="quarter" idx="3"/>
+          </p:nvPr>
+        </p:nvSpPr>
+        <p:spPr>
+          <a:xfrm>
+            <a:off x="3884613" y="8685213"/>
+            <a:ext cx="2971800" cy="458787"/>
+          </a:xfrm>
+          <a:prstGeom prst="rect">
+            <a:avLst/>
+          </a:prstGeom>
+        </p:spPr>
+        <p:txBody>
+          <a:bodyPr vert="horz" lIns="91440" tIns="45720" rIns="91440" bIns="45720" rtlCol="0" anchor="b"/>
+          <a:lstStyle>
+            <a:lvl1pPr algn="r">
+              <a:defRPr sz="1200"/>
+            </a:lvl1pPr>
+          </a:lstStyle>
+          <a:p>
+            <a:fld id="{D8E6113E-382B-5C49-947E-9975DE242C1F}" type="slidenum">
+              <a:rPr lang="en-IT" smtClean="0"/>
+              <a:t>‹#›</a:t>
+            </a:fld>
+            <a:endParaRPr lang="en-IT"/>
+          </a:p>
+        </p:txBody>
+      </p:sp>
+    </p:spTree>
+    <p:extLst>
+      <p:ext uri="{BB962C8B-B14F-4D97-AF65-F5344CB8AC3E}">
+        <p14:creationId xmlns:p14="http://schemas.microsoft.com/office/powerpoint/2010/main" val="711723140"/>
+      </p:ext>
+    </p:extLst>
+  </p:cSld>
+  <p:clrMap bg1="lt1" tx1="dk1" bg2="lt2" tx2="dk2" accent1="accent1" accent2="accent2" accent3="accent3" accent4="accent4" accent5="accent5" accent6="accent6" hlink="hlink" folHlink="folHlink"/>
+  <p:hf hdr="0" ftr="0" dt="0"/>
+</p:handoutMaster>
 </file>
 
 <file path=ppt/notesMasters/notesMaster1.xml><?xml version="1.0" encoding="utf-8"?>
@@ -284,8 +463,8 @@
         </p:nvSpPr>
         <p:spPr>
           <a:xfrm>
-            <a:off x="1143000" y="685800"/>
-            <a:ext cx="4572000" cy="3429000"/>
+            <a:off x="381000" y="685800"/>
+            <a:ext cx="6096000" cy="3429000"/>
           </a:xfrm>
           <a:prstGeom prst="rect">
             <a:avLst/>
@@ -441,6 +620,7 @@
     </p:extLst>
   </p:cSld>
   <p:clrMap bg1="lt1" tx1="dk1" bg2="lt2" tx2="dk2" accent1="accent1" accent2="accent2" accent3="accent3" accent4="accent4" accent5="accent5" accent6="accent6" hlink="hlink" folHlink="folHlink"/>
+  <p:hf hdr="0" ftr="0" dt="0"/>
   <p:notesStyle>
     <a:lvl1pPr marL="0" algn="l" defTabSz="914400" rtl="0" eaLnBrk="1" latinLnBrk="0" hangingPunct="1">
       <a:defRPr sz="1200" kern="1200">
@@ -622,7 +802,7 @@
 </file>
 
 <file path=ppt/slideLayouts/slideLayout1.xml><?xml version="1.0" encoding="utf-8"?>
-<p:sldLayout xmlns:a="http://schemas.openxmlformats.org/drawingml/2006/main" xmlns:r="http://schemas.openxmlformats.org/officeDocument/2006/relationships" xmlns:p="http://schemas.openxmlformats.org/presentationml/2006/main" type="title" preserve="1">
+<p:sldLayout xmlns:a="http://schemas.openxmlformats.org/drawingml/2006/main" xmlns:r="http://schemas.openxmlformats.org/officeDocument/2006/relationships" xmlns:p="http://schemas.openxmlformats.org/presentationml/2006/main" preserve="1" userDrawn="1">
   <p:cSld name="Title Slide">
     <p:spTree>
       <p:nvGrpSpPr>
@@ -650,8 +830,8 @@
         </p:nvSpPr>
         <p:spPr>
           <a:xfrm>
-            <a:off x="685800" y="2130425"/>
-            <a:ext cx="7772400" cy="1470025"/>
+            <a:off x="914400" y="2130426"/>
+            <a:ext cx="10363200" cy="1470025"/>
           </a:xfrm>
         </p:spPr>
         <p:txBody>
@@ -659,7 +839,7 @@
           <a:lstStyle/>
           <a:p>
             <a:r>
-              <a:rPr lang="it-IT"/>
+              <a:rPr lang="en-GB"/>
               <a:t>Click to edit Master title style</a:t>
             </a:r>
             <a:endParaRPr lang="en-US"/>
@@ -678,8 +858,8 @@
         </p:nvSpPr>
         <p:spPr>
           <a:xfrm>
-            <a:off x="1371600" y="3886200"/>
-            <a:ext cx="6400800" cy="1752600"/>
+            <a:off x="1828800" y="3886200"/>
+            <a:ext cx="8534400" cy="1752600"/>
           </a:xfrm>
         </p:spPr>
         <p:txBody>
@@ -778,7 +958,7 @@
           </a:lstStyle>
           <a:p>
             <a:r>
-              <a:rPr lang="it-IT"/>
+              <a:rPr lang="en-GB"/>
               <a:t>Click to edit Master subtitle style</a:t>
             </a:r>
             <a:endParaRPr lang="en-US"/>
@@ -797,8 +977,8 @@
         </p:nvSpPr>
         <p:spPr>
           <a:xfrm>
-            <a:off x="3836609" y="6362700"/>
-            <a:ext cx="4850191" cy="365125"/>
+            <a:off x="5115480" y="6362701"/>
+            <a:ext cx="6466921" cy="365125"/>
           </a:xfrm>
           <a:prstGeom prst="rect">
             <a:avLst/>
@@ -825,8 +1005,8 @@
         </p:nvCxnSpPr>
         <p:spPr>
           <a:xfrm flipV="1">
-            <a:off x="457200" y="3600450"/>
-            <a:ext cx="8686800" cy="2"/>
+            <a:off x="609600" y="3600450"/>
+            <a:ext cx="11582400" cy="2"/>
           </a:xfrm>
           <a:prstGeom prst="line">
             <a:avLst/>
@@ -871,7 +1051,6 @@
   <p:clrMapOvr>
     <a:masterClrMapping/>
   </p:clrMapOvr>
-  <p:hf hdr="0" ftr="0" dt="0"/>
 </p:sldLayout>
 </file>
 
@@ -908,7 +1087,7 @@
           <a:lstStyle/>
           <a:p>
             <a:r>
-              <a:rPr lang="it-IT"/>
+              <a:rPr lang="en-GB"/>
               <a:t>Click to edit Master title style</a:t>
             </a:r>
             <a:endParaRPr lang="en-US"/>
@@ -932,35 +1111,35 @@
           <a:p>
             <a:pPr lvl="0"/>
             <a:r>
-              <a:rPr lang="it-IT"/>
+              <a:rPr lang="en-GB"/>
               <a:t>Click to edit Master text styles</a:t>
             </a:r>
           </a:p>
           <a:p>
             <a:pPr lvl="1"/>
             <a:r>
-              <a:rPr lang="it-IT"/>
+              <a:rPr lang="en-GB"/>
               <a:t>Second level</a:t>
             </a:r>
           </a:p>
           <a:p>
             <a:pPr lvl="2"/>
             <a:r>
-              <a:rPr lang="it-IT"/>
+              <a:rPr lang="en-GB"/>
               <a:t>Third level</a:t>
             </a:r>
           </a:p>
           <a:p>
             <a:pPr lvl="3"/>
             <a:r>
-              <a:rPr lang="it-IT"/>
+              <a:rPr lang="en-GB"/>
               <a:t>Fourth level</a:t>
             </a:r>
           </a:p>
           <a:p>
             <a:pPr lvl="4"/>
             <a:r>
-              <a:rPr lang="it-IT"/>
+              <a:rPr lang="en-GB"/>
               <a:t>Fifth level</a:t>
             </a:r>
             <a:endParaRPr lang="en-US"/>
@@ -979,8 +1158,8 @@
         </p:nvSpPr>
         <p:spPr>
           <a:xfrm>
-            <a:off x="3836609" y="6362700"/>
-            <a:ext cx="4850191" cy="365125"/>
+            <a:off x="5115480" y="6362701"/>
+            <a:ext cx="6466921" cy="365125"/>
           </a:xfrm>
           <a:prstGeom prst="rect">
             <a:avLst/>
@@ -1007,8 +1186,8 @@
         </p:nvCxnSpPr>
         <p:spPr>
           <a:xfrm flipV="1">
-            <a:off x="457200" y="1388917"/>
-            <a:ext cx="8686800" cy="2"/>
+            <a:off x="609600" y="1388917"/>
+            <a:ext cx="11582400" cy="2"/>
           </a:xfrm>
           <a:prstGeom prst="line">
             <a:avLst/>
@@ -1053,7 +1232,6 @@
   <p:clrMapOvr>
     <a:masterClrMapping/>
   </p:clrMapOvr>
-  <p:hf hdr="0" ftr="0" dt="0"/>
 </p:sldLayout>
 </file>
 
@@ -1086,8 +1264,8 @@
         </p:nvSpPr>
         <p:spPr>
           <a:xfrm>
-            <a:off x="6629400" y="274638"/>
-            <a:ext cx="2057400" cy="5851525"/>
+            <a:off x="8839200" y="274639"/>
+            <a:ext cx="2743200" cy="5851525"/>
           </a:xfrm>
         </p:spPr>
         <p:txBody>
@@ -1095,7 +1273,7 @@
           <a:lstStyle/>
           <a:p>
             <a:r>
-              <a:rPr lang="it-IT"/>
+              <a:rPr lang="en-GB"/>
               <a:t>Click to edit Master title style</a:t>
             </a:r>
             <a:endParaRPr lang="en-US"/>
@@ -1114,8 +1292,8 @@
         </p:nvSpPr>
         <p:spPr>
           <a:xfrm>
-            <a:off x="457200" y="274638"/>
-            <a:ext cx="6019800" cy="5851525"/>
+            <a:off x="609600" y="274639"/>
+            <a:ext cx="8026400" cy="5851525"/>
           </a:xfrm>
         </p:spPr>
         <p:txBody>
@@ -1124,35 +1302,35 @@
           <a:p>
             <a:pPr lvl="0"/>
             <a:r>
-              <a:rPr lang="it-IT"/>
+              <a:rPr lang="en-GB"/>
               <a:t>Click to edit Master text styles</a:t>
             </a:r>
           </a:p>
           <a:p>
             <a:pPr lvl="1"/>
             <a:r>
-              <a:rPr lang="it-IT"/>
+              <a:rPr lang="en-GB"/>
               <a:t>Second level</a:t>
             </a:r>
           </a:p>
           <a:p>
             <a:pPr lvl="2"/>
             <a:r>
-              <a:rPr lang="it-IT"/>
+              <a:rPr lang="en-GB"/>
               <a:t>Third level</a:t>
             </a:r>
           </a:p>
           <a:p>
             <a:pPr lvl="3"/>
             <a:r>
-              <a:rPr lang="it-IT"/>
+              <a:rPr lang="en-GB"/>
               <a:t>Fourth level</a:t>
             </a:r>
           </a:p>
           <a:p>
             <a:pPr lvl="4"/>
             <a:r>
-              <a:rPr lang="it-IT"/>
+              <a:rPr lang="en-GB"/>
               <a:t>Fifth level</a:t>
             </a:r>
             <a:endParaRPr lang="en-US"/>
@@ -1171,8 +1349,8 @@
         </p:nvSpPr>
         <p:spPr>
           <a:xfrm>
-            <a:off x="3836609" y="6362700"/>
-            <a:ext cx="4850191" cy="365125"/>
+            <a:off x="5115480" y="6362701"/>
+            <a:ext cx="6466921" cy="365125"/>
           </a:xfrm>
           <a:prstGeom prst="rect">
             <a:avLst/>
@@ -1201,7 +1379,6 @@
   <p:clrMapOvr>
     <a:masterClrMapping/>
   </p:clrMapOvr>
-  <p:hf hdr="0" ftr="0" dt="0"/>
 </p:sldLayout>
 </file>
 
@@ -1238,7 +1415,7 @@
           <a:lstStyle/>
           <a:p>
             <a:r>
-              <a:rPr lang="it-IT"/>
+              <a:rPr lang="en-GB"/>
               <a:t>Click to edit Master title style</a:t>
             </a:r>
             <a:endParaRPr lang="en-US"/>
@@ -1262,35 +1439,35 @@
           <a:p>
             <a:pPr lvl="0"/>
             <a:r>
-              <a:rPr lang="it-IT"/>
+              <a:rPr lang="en-GB"/>
               <a:t>Click to edit Master text styles</a:t>
             </a:r>
           </a:p>
           <a:p>
             <a:pPr lvl="1"/>
             <a:r>
-              <a:rPr lang="it-IT"/>
+              <a:rPr lang="en-GB"/>
               <a:t>Second level</a:t>
             </a:r>
           </a:p>
           <a:p>
             <a:pPr lvl="2"/>
             <a:r>
-              <a:rPr lang="it-IT"/>
+              <a:rPr lang="en-GB"/>
               <a:t>Third level</a:t>
             </a:r>
           </a:p>
           <a:p>
             <a:pPr lvl="3"/>
             <a:r>
-              <a:rPr lang="it-IT"/>
+              <a:rPr lang="en-GB"/>
               <a:t>Fourth level</a:t>
             </a:r>
           </a:p>
           <a:p>
             <a:pPr lvl="4"/>
             <a:r>
-              <a:rPr lang="it-IT"/>
+              <a:rPr lang="en-GB"/>
               <a:t>Fifth level</a:t>
             </a:r>
             <a:endParaRPr lang="en-US"/>
@@ -1309,8 +1486,8 @@
         </p:nvSpPr>
         <p:spPr>
           <a:xfrm>
-            <a:off x="3836609" y="6362700"/>
-            <a:ext cx="4850191" cy="365125"/>
+            <a:off x="5115480" y="6362701"/>
+            <a:ext cx="6466921" cy="365125"/>
           </a:xfrm>
           <a:prstGeom prst="rect">
             <a:avLst/>
@@ -1337,8 +1514,8 @@
         </p:nvCxnSpPr>
         <p:spPr>
           <a:xfrm flipV="1">
-            <a:off x="457200" y="1388917"/>
-            <a:ext cx="8686800" cy="2"/>
+            <a:off x="609600" y="1388917"/>
+            <a:ext cx="11582400" cy="2"/>
           </a:xfrm>
           <a:prstGeom prst="line">
             <a:avLst/>
@@ -1383,7 +1560,6 @@
   <p:clrMapOvr>
     <a:masterClrMapping/>
   </p:clrMapOvr>
-  <p:hf hdr="0" ftr="0" dt="0"/>
 </p:sldLayout>
 </file>
 
@@ -1416,8 +1592,8 @@
         </p:nvSpPr>
         <p:spPr>
           <a:xfrm>
-            <a:off x="722313" y="4406900"/>
-            <a:ext cx="7772400" cy="1362075"/>
+            <a:off x="963084" y="4406901"/>
+            <a:ext cx="10363200" cy="1362075"/>
           </a:xfrm>
         </p:spPr>
         <p:txBody>
@@ -1429,7 +1605,7 @@
           </a:lstStyle>
           <a:p>
             <a:r>
-              <a:rPr lang="it-IT"/>
+              <a:rPr lang="en-GB"/>
               <a:t>Click to edit Master title style</a:t>
             </a:r>
             <a:endParaRPr lang="en-US"/>
@@ -1448,8 +1624,8 @@
         </p:nvSpPr>
         <p:spPr>
           <a:xfrm>
-            <a:off x="722313" y="2906713"/>
-            <a:ext cx="7772400" cy="1500187"/>
+            <a:off x="963084" y="2906713"/>
+            <a:ext cx="10363200" cy="1500187"/>
           </a:xfrm>
         </p:spPr>
         <p:txBody>
@@ -1549,7 +1725,7 @@
           <a:p>
             <a:pPr lvl="0"/>
             <a:r>
-              <a:rPr lang="it-IT"/>
+              <a:rPr lang="en-GB"/>
               <a:t>Click to edit Master text styles</a:t>
             </a:r>
           </a:p>
@@ -1567,8 +1743,8 @@
         </p:nvSpPr>
         <p:spPr>
           <a:xfrm>
-            <a:off x="3836609" y="6362700"/>
-            <a:ext cx="4850191" cy="365125"/>
+            <a:off x="5115480" y="6362701"/>
+            <a:ext cx="6466921" cy="365125"/>
           </a:xfrm>
           <a:prstGeom prst="rect">
             <a:avLst/>
@@ -1595,8 +1771,8 @@
         </p:nvCxnSpPr>
         <p:spPr>
           <a:xfrm flipV="1">
-            <a:off x="722313" y="4406900"/>
-            <a:ext cx="8421687" cy="2"/>
+            <a:off x="963085" y="4406900"/>
+            <a:ext cx="11228916" cy="2"/>
           </a:xfrm>
           <a:prstGeom prst="line">
             <a:avLst/>
@@ -1641,7 +1817,6 @@
   <p:clrMapOvr>
     <a:masterClrMapping/>
   </p:clrMapOvr>
-  <p:hf hdr="0" ftr="0" dt="0"/>
 </p:sldLayout>
 </file>
 
@@ -1678,7 +1853,7 @@
           <a:lstStyle/>
           <a:p>
             <a:r>
-              <a:rPr lang="it-IT"/>
+              <a:rPr lang="en-GB"/>
               <a:t>Click to edit Master title style</a:t>
             </a:r>
             <a:endParaRPr lang="en-US"/>
@@ -1697,8 +1872,8 @@
         </p:nvSpPr>
         <p:spPr>
           <a:xfrm>
-            <a:off x="457200" y="1600200"/>
-            <a:ext cx="4038600" cy="4525963"/>
+            <a:off x="609600" y="1600201"/>
+            <a:ext cx="5384800" cy="4525963"/>
           </a:xfrm>
         </p:spPr>
         <p:txBody>
@@ -1735,35 +1910,35 @@
           <a:p>
             <a:pPr lvl="0"/>
             <a:r>
-              <a:rPr lang="it-IT"/>
+              <a:rPr lang="en-GB"/>
               <a:t>Click to edit Master text styles</a:t>
             </a:r>
           </a:p>
           <a:p>
             <a:pPr lvl="1"/>
             <a:r>
-              <a:rPr lang="it-IT"/>
+              <a:rPr lang="en-GB"/>
               <a:t>Second level</a:t>
             </a:r>
           </a:p>
           <a:p>
             <a:pPr lvl="2"/>
             <a:r>
-              <a:rPr lang="it-IT"/>
+              <a:rPr lang="en-GB"/>
               <a:t>Third level</a:t>
             </a:r>
           </a:p>
           <a:p>
             <a:pPr lvl="3"/>
             <a:r>
-              <a:rPr lang="it-IT"/>
+              <a:rPr lang="en-GB"/>
               <a:t>Fourth level</a:t>
             </a:r>
           </a:p>
           <a:p>
             <a:pPr lvl="4"/>
             <a:r>
-              <a:rPr lang="it-IT"/>
+              <a:rPr lang="en-GB"/>
               <a:t>Fifth level</a:t>
             </a:r>
             <a:endParaRPr lang="en-US"/>
@@ -1782,8 +1957,8 @@
         </p:nvSpPr>
         <p:spPr>
           <a:xfrm>
-            <a:off x="4648200" y="1600200"/>
-            <a:ext cx="4038600" cy="4525963"/>
+            <a:off x="6197600" y="1600201"/>
+            <a:ext cx="5384800" cy="4525963"/>
           </a:xfrm>
         </p:spPr>
         <p:txBody>
@@ -1820,35 +1995,35 @@
           <a:p>
             <a:pPr lvl="0"/>
             <a:r>
-              <a:rPr lang="it-IT"/>
+              <a:rPr lang="en-GB"/>
               <a:t>Click to edit Master text styles</a:t>
             </a:r>
           </a:p>
           <a:p>
             <a:pPr lvl="1"/>
             <a:r>
-              <a:rPr lang="it-IT"/>
+              <a:rPr lang="en-GB"/>
               <a:t>Second level</a:t>
             </a:r>
           </a:p>
           <a:p>
             <a:pPr lvl="2"/>
             <a:r>
-              <a:rPr lang="it-IT"/>
+              <a:rPr lang="en-GB"/>
               <a:t>Third level</a:t>
             </a:r>
           </a:p>
           <a:p>
             <a:pPr lvl="3"/>
             <a:r>
-              <a:rPr lang="it-IT"/>
+              <a:rPr lang="en-GB"/>
               <a:t>Fourth level</a:t>
             </a:r>
           </a:p>
           <a:p>
             <a:pPr lvl="4"/>
             <a:r>
-              <a:rPr lang="it-IT"/>
+              <a:rPr lang="en-GB"/>
               <a:t>Fifth level</a:t>
             </a:r>
             <a:endParaRPr lang="en-US"/>
@@ -1867,8 +2042,8 @@
         </p:nvSpPr>
         <p:spPr>
           <a:xfrm>
-            <a:off x="3836609" y="6362700"/>
-            <a:ext cx="4850191" cy="365125"/>
+            <a:off x="5115480" y="6362701"/>
+            <a:ext cx="6466921" cy="365125"/>
           </a:xfrm>
           <a:prstGeom prst="rect">
             <a:avLst/>
@@ -1895,8 +2070,8 @@
         </p:nvCxnSpPr>
         <p:spPr>
           <a:xfrm flipV="1">
-            <a:off x="457200" y="1388917"/>
-            <a:ext cx="8686800" cy="2"/>
+            <a:off x="609600" y="1388917"/>
+            <a:ext cx="11582400" cy="2"/>
           </a:xfrm>
           <a:prstGeom prst="line">
             <a:avLst/>
@@ -1941,7 +2116,6 @@
   <p:clrMapOvr>
     <a:masterClrMapping/>
   </p:clrMapOvr>
-  <p:hf hdr="0" ftr="0" dt="0"/>
 </p:sldLayout>
 </file>
 
@@ -1982,7 +2156,7 @@
           </a:lstStyle>
           <a:p>
             <a:r>
-              <a:rPr lang="it-IT"/>
+              <a:rPr lang="en-GB"/>
               <a:t>Click to edit Master title style</a:t>
             </a:r>
             <a:endParaRPr lang="en-US"/>
@@ -2001,8 +2175,8 @@
         </p:nvSpPr>
         <p:spPr>
           <a:xfrm>
-            <a:off x="457200" y="1535113"/>
-            <a:ext cx="4040188" cy="639762"/>
+            <a:off x="609600" y="1535113"/>
+            <a:ext cx="5386917" cy="639762"/>
           </a:xfrm>
         </p:spPr>
         <p:txBody>
@@ -2048,7 +2222,7 @@
           <a:p>
             <a:pPr lvl="0"/>
             <a:r>
-              <a:rPr lang="it-IT"/>
+              <a:rPr lang="en-GB"/>
               <a:t>Click to edit Master text styles</a:t>
             </a:r>
           </a:p>
@@ -2066,8 +2240,8 @@
         </p:nvSpPr>
         <p:spPr>
           <a:xfrm>
-            <a:off x="457200" y="2174875"/>
-            <a:ext cx="4040188" cy="3951288"/>
+            <a:off x="609600" y="2174875"/>
+            <a:ext cx="5386917" cy="3951288"/>
           </a:xfrm>
         </p:spPr>
         <p:txBody>
@@ -2104,35 +2278,35 @@
           <a:p>
             <a:pPr lvl="0"/>
             <a:r>
-              <a:rPr lang="it-IT"/>
+              <a:rPr lang="en-GB"/>
               <a:t>Click to edit Master text styles</a:t>
             </a:r>
           </a:p>
           <a:p>
             <a:pPr lvl="1"/>
             <a:r>
-              <a:rPr lang="it-IT"/>
+              <a:rPr lang="en-GB"/>
               <a:t>Second level</a:t>
             </a:r>
           </a:p>
           <a:p>
             <a:pPr lvl="2"/>
             <a:r>
-              <a:rPr lang="it-IT"/>
+              <a:rPr lang="en-GB"/>
               <a:t>Third level</a:t>
             </a:r>
           </a:p>
           <a:p>
             <a:pPr lvl="3"/>
             <a:r>
-              <a:rPr lang="it-IT"/>
+              <a:rPr lang="en-GB"/>
               <a:t>Fourth level</a:t>
             </a:r>
           </a:p>
           <a:p>
             <a:pPr lvl="4"/>
             <a:r>
-              <a:rPr lang="it-IT"/>
+              <a:rPr lang="en-GB"/>
               <a:t>Fifth level</a:t>
             </a:r>
             <a:endParaRPr lang="en-US"/>
@@ -2151,8 +2325,8 @@
         </p:nvSpPr>
         <p:spPr>
           <a:xfrm>
-            <a:off x="4645025" y="1535113"/>
-            <a:ext cx="4041775" cy="639762"/>
+            <a:off x="6193368" y="1535113"/>
+            <a:ext cx="5389033" cy="639762"/>
           </a:xfrm>
         </p:spPr>
         <p:txBody>
@@ -2198,7 +2372,7 @@
           <a:p>
             <a:pPr lvl="0"/>
             <a:r>
-              <a:rPr lang="it-IT"/>
+              <a:rPr lang="en-GB"/>
               <a:t>Click to edit Master text styles</a:t>
             </a:r>
           </a:p>
@@ -2216,8 +2390,8 @@
         </p:nvSpPr>
         <p:spPr>
           <a:xfrm>
-            <a:off x="4645025" y="2174875"/>
-            <a:ext cx="4041775" cy="3951288"/>
+            <a:off x="6193368" y="2174875"/>
+            <a:ext cx="5389033" cy="3951288"/>
           </a:xfrm>
         </p:spPr>
         <p:txBody>
@@ -2254,35 +2428,35 @@
           <a:p>
             <a:pPr lvl="0"/>
             <a:r>
-              <a:rPr lang="it-IT"/>
+              <a:rPr lang="en-GB"/>
               <a:t>Click to edit Master text styles</a:t>
             </a:r>
           </a:p>
           <a:p>
             <a:pPr lvl="1"/>
             <a:r>
-              <a:rPr lang="it-IT"/>
+              <a:rPr lang="en-GB"/>
               <a:t>Second level</a:t>
             </a:r>
           </a:p>
           <a:p>
             <a:pPr lvl="2"/>
             <a:r>
-              <a:rPr lang="it-IT"/>
+              <a:rPr lang="en-GB"/>
               <a:t>Third level</a:t>
             </a:r>
           </a:p>
           <a:p>
             <a:pPr lvl="3"/>
             <a:r>
-              <a:rPr lang="it-IT"/>
+              <a:rPr lang="en-GB"/>
               <a:t>Fourth level</a:t>
             </a:r>
           </a:p>
           <a:p>
             <a:pPr lvl="4"/>
             <a:r>
-              <a:rPr lang="it-IT"/>
+              <a:rPr lang="en-GB"/>
               <a:t>Fifth level</a:t>
             </a:r>
             <a:endParaRPr lang="en-US"/>
@@ -2301,8 +2475,8 @@
         </p:nvSpPr>
         <p:spPr>
           <a:xfrm>
-            <a:off x="3836609" y="6362700"/>
-            <a:ext cx="4850191" cy="365125"/>
+            <a:off x="5115480" y="6362701"/>
+            <a:ext cx="6466921" cy="365125"/>
           </a:xfrm>
           <a:prstGeom prst="rect">
             <a:avLst/>
@@ -2329,8 +2503,8 @@
         </p:nvCxnSpPr>
         <p:spPr>
           <a:xfrm flipV="1">
-            <a:off x="457200" y="1388917"/>
-            <a:ext cx="8686800" cy="2"/>
+            <a:off x="609600" y="1388917"/>
+            <a:ext cx="11582400" cy="2"/>
           </a:xfrm>
           <a:prstGeom prst="line">
             <a:avLst/>
@@ -2375,7 +2549,6 @@
   <p:clrMapOvr>
     <a:masterClrMapping/>
   </p:clrMapOvr>
-  <p:hf hdr="0" ftr="0" dt="0"/>
 </p:sldLayout>
 </file>
 
@@ -2412,7 +2585,7 @@
           <a:lstStyle/>
           <a:p>
             <a:r>
-              <a:rPr lang="it-IT"/>
+              <a:rPr lang="en-GB"/>
               <a:t>Click to edit Master title style</a:t>
             </a:r>
             <a:endParaRPr lang="en-US"/>
@@ -2431,8 +2604,8 @@
         </p:nvSpPr>
         <p:spPr>
           <a:xfrm>
-            <a:off x="3836609" y="6362700"/>
-            <a:ext cx="4850191" cy="365125"/>
+            <a:off x="5115480" y="6362701"/>
+            <a:ext cx="6466921" cy="365125"/>
           </a:xfrm>
           <a:prstGeom prst="rect">
             <a:avLst/>
@@ -2459,8 +2632,8 @@
         </p:nvCxnSpPr>
         <p:spPr>
           <a:xfrm flipV="1">
-            <a:off x="457200" y="1388917"/>
-            <a:ext cx="8686800" cy="2"/>
+            <a:off x="609600" y="1388917"/>
+            <a:ext cx="11582400" cy="2"/>
           </a:xfrm>
           <a:prstGeom prst="line">
             <a:avLst/>
@@ -2505,7 +2678,6 @@
   <p:clrMapOvr>
     <a:masterClrMapping/>
   </p:clrMapOvr>
-  <p:hf hdr="0" ftr="0" dt="0"/>
 </p:sldLayout>
 </file>
 
@@ -2538,8 +2710,8 @@
         </p:nvSpPr>
         <p:spPr>
           <a:xfrm>
-            <a:off x="3836609" y="6362700"/>
-            <a:ext cx="4850191" cy="365125"/>
+            <a:off x="5115480" y="6362701"/>
+            <a:ext cx="6466921" cy="365125"/>
           </a:xfrm>
           <a:prstGeom prst="rect">
             <a:avLst/>
@@ -2568,7 +2740,6 @@
   <p:clrMapOvr>
     <a:masterClrMapping/>
   </p:clrMapOvr>
-  <p:hf hdr="0" ftr="0" dt="0"/>
 </p:sldLayout>
 </file>
 
@@ -2601,8 +2772,8 @@
         </p:nvSpPr>
         <p:spPr>
           <a:xfrm>
-            <a:off x="457200" y="273050"/>
-            <a:ext cx="3008313" cy="1162050"/>
+            <a:off x="609601" y="273050"/>
+            <a:ext cx="4011084" cy="1162050"/>
           </a:xfrm>
         </p:spPr>
         <p:txBody>
@@ -2614,7 +2785,7 @@
           </a:lstStyle>
           <a:p>
             <a:r>
-              <a:rPr lang="it-IT"/>
+              <a:rPr lang="en-GB"/>
               <a:t>Click to edit Master title style</a:t>
             </a:r>
             <a:endParaRPr lang="en-US"/>
@@ -2633,8 +2804,8 @@
         </p:nvSpPr>
         <p:spPr>
           <a:xfrm>
-            <a:off x="3575050" y="273050"/>
-            <a:ext cx="5111750" cy="5853113"/>
+            <a:off x="4766733" y="273051"/>
+            <a:ext cx="6815667" cy="5853113"/>
           </a:xfrm>
         </p:spPr>
         <p:txBody>
@@ -2671,35 +2842,35 @@
           <a:p>
             <a:pPr lvl="0"/>
             <a:r>
-              <a:rPr lang="it-IT"/>
+              <a:rPr lang="en-GB"/>
               <a:t>Click to edit Master text styles</a:t>
             </a:r>
           </a:p>
           <a:p>
             <a:pPr lvl="1"/>
             <a:r>
-              <a:rPr lang="it-IT"/>
+              <a:rPr lang="en-GB"/>
               <a:t>Second level</a:t>
             </a:r>
           </a:p>
           <a:p>
             <a:pPr lvl="2"/>
             <a:r>
-              <a:rPr lang="it-IT"/>
+              <a:rPr lang="en-GB"/>
               <a:t>Third level</a:t>
             </a:r>
           </a:p>
           <a:p>
             <a:pPr lvl="3"/>
             <a:r>
-              <a:rPr lang="it-IT"/>
+              <a:rPr lang="en-GB"/>
               <a:t>Fourth level</a:t>
             </a:r>
           </a:p>
           <a:p>
             <a:pPr lvl="4"/>
             <a:r>
-              <a:rPr lang="it-IT"/>
+              <a:rPr lang="en-GB"/>
               <a:t>Fifth level</a:t>
             </a:r>
             <a:endParaRPr lang="en-US"/>
@@ -2718,8 +2889,8 @@
         </p:nvSpPr>
         <p:spPr>
           <a:xfrm>
-            <a:off x="457200" y="1435100"/>
-            <a:ext cx="3008313" cy="4691063"/>
+            <a:off x="609601" y="1435101"/>
+            <a:ext cx="4011084" cy="4691063"/>
           </a:xfrm>
         </p:spPr>
         <p:txBody>
@@ -2765,7 +2936,7 @@
           <a:p>
             <a:pPr lvl="0"/>
             <a:r>
-              <a:rPr lang="it-IT"/>
+              <a:rPr lang="en-GB"/>
               <a:t>Click to edit Master text styles</a:t>
             </a:r>
           </a:p>
@@ -2783,8 +2954,8 @@
         </p:nvSpPr>
         <p:spPr>
           <a:xfrm>
-            <a:off x="3836609" y="6362700"/>
-            <a:ext cx="4850191" cy="365125"/>
+            <a:off x="5115480" y="6362701"/>
+            <a:ext cx="6466921" cy="365125"/>
           </a:xfrm>
           <a:prstGeom prst="rect">
             <a:avLst/>
@@ -2813,7 +2984,6 @@
   <p:clrMapOvr>
     <a:masterClrMapping/>
   </p:clrMapOvr>
-  <p:hf hdr="0" ftr="0" dt="0"/>
 </p:sldLayout>
 </file>
 
@@ -2846,8 +3016,8 @@
         </p:nvSpPr>
         <p:spPr>
           <a:xfrm>
-            <a:off x="1792288" y="4800600"/>
-            <a:ext cx="5486400" cy="566738"/>
+            <a:off x="2389717" y="4800600"/>
+            <a:ext cx="7315200" cy="566738"/>
           </a:xfrm>
         </p:spPr>
         <p:txBody>
@@ -2859,7 +3029,7 @@
           </a:lstStyle>
           <a:p>
             <a:r>
-              <a:rPr lang="it-IT"/>
+              <a:rPr lang="en-GB"/>
               <a:t>Click to edit Master title style</a:t>
             </a:r>
             <a:endParaRPr lang="en-US"/>
@@ -2878,8 +3048,8 @@
         </p:nvSpPr>
         <p:spPr>
           <a:xfrm>
-            <a:off x="1792288" y="612775"/>
-            <a:ext cx="5486400" cy="4114800"/>
+            <a:off x="2389717" y="612775"/>
+            <a:ext cx="7315200" cy="4114800"/>
           </a:xfrm>
         </p:spPr>
         <p:txBody>
@@ -2924,8 +3094,8 @@
           </a:lstStyle>
           <a:p>
             <a:r>
-              <a:rPr lang="it-IT"/>
-              <a:t>Drag picture to placeholder or click icon to add</a:t>
+              <a:rPr lang="en-GB"/>
+              <a:t>Click icon to add picture</a:t>
             </a:r>
             <a:endParaRPr lang="en-US"/>
           </a:p>
@@ -2943,8 +3113,8 @@
         </p:nvSpPr>
         <p:spPr>
           <a:xfrm>
-            <a:off x="1792288" y="5367338"/>
-            <a:ext cx="5486400" cy="804862"/>
+            <a:off x="2389717" y="5367338"/>
+            <a:ext cx="7315200" cy="804862"/>
           </a:xfrm>
         </p:spPr>
         <p:txBody>
@@ -2990,7 +3160,7 @@
           <a:p>
             <a:pPr lvl="0"/>
             <a:r>
-              <a:rPr lang="it-IT"/>
+              <a:rPr lang="en-GB"/>
               <a:t>Click to edit Master text styles</a:t>
             </a:r>
           </a:p>
@@ -3008,8 +3178,8 @@
         </p:nvSpPr>
         <p:spPr>
           <a:xfrm>
-            <a:off x="3836609" y="6362700"/>
-            <a:ext cx="4850191" cy="365125"/>
+            <a:off x="5115480" y="6362701"/>
+            <a:ext cx="6466921" cy="365125"/>
           </a:xfrm>
           <a:prstGeom prst="rect">
             <a:avLst/>
@@ -3036,8 +3206,8 @@
         </p:nvCxnSpPr>
         <p:spPr>
           <a:xfrm flipV="1">
-            <a:off x="457200" y="4752218"/>
-            <a:ext cx="8686800" cy="2"/>
+            <a:off x="609600" y="4752218"/>
+            <a:ext cx="11582400" cy="2"/>
           </a:xfrm>
           <a:prstGeom prst="line">
             <a:avLst/>
@@ -3082,7 +3252,6 @@
   <p:clrMapOvr>
     <a:masterClrMapping/>
   </p:clrMapOvr>
-  <p:hf hdr="0" ftr="0" dt="0"/>
 </p:sldLayout>
 </file>
 
@@ -3120,8 +3289,8 @@
         </p:nvSpPr>
         <p:spPr>
           <a:xfrm>
-            <a:off x="457200" y="274638"/>
-            <a:ext cx="8229600" cy="1143000"/>
+            <a:off x="609600" y="274638"/>
+            <a:ext cx="10972800" cy="1143000"/>
           </a:xfrm>
           <a:prstGeom prst="rect">
             <a:avLst/>
@@ -3134,7 +3303,7 @@
           <a:lstStyle/>
           <a:p>
             <a:r>
-              <a:rPr lang="it-IT"/>
+              <a:rPr lang="en-GB"/>
               <a:t>Click to edit Master title style</a:t>
             </a:r>
             <a:endParaRPr lang="en-US" dirty="0"/>
@@ -3153,8 +3322,8 @@
         </p:nvSpPr>
         <p:spPr>
           <a:xfrm>
-            <a:off x="457200" y="1600200"/>
-            <a:ext cx="8229600" cy="4525963"/>
+            <a:off x="609600" y="1600201"/>
+            <a:ext cx="10972800" cy="4525963"/>
           </a:xfrm>
           <a:prstGeom prst="rect">
             <a:avLst/>
@@ -3168,71 +3337,41 @@
           <a:p>
             <a:pPr lvl="0"/>
             <a:r>
-              <a:rPr lang="it-IT"/>
+              <a:rPr lang="en-GB"/>
               <a:t>Click to edit Master text styles</a:t>
             </a:r>
           </a:p>
           <a:p>
             <a:pPr lvl="1"/>
             <a:r>
-              <a:rPr lang="it-IT"/>
+              <a:rPr lang="en-GB"/>
               <a:t>Second level</a:t>
             </a:r>
           </a:p>
           <a:p>
             <a:pPr lvl="2"/>
             <a:r>
-              <a:rPr lang="it-IT"/>
+              <a:rPr lang="en-GB"/>
               <a:t>Third level</a:t>
             </a:r>
           </a:p>
           <a:p>
             <a:pPr lvl="3"/>
             <a:r>
-              <a:rPr lang="it-IT"/>
+              <a:rPr lang="en-GB"/>
               <a:t>Fourth level</a:t>
             </a:r>
           </a:p>
           <a:p>
             <a:pPr lvl="4"/>
             <a:r>
-              <a:rPr lang="it-IT"/>
+              <a:rPr lang="en-GB"/>
               <a:t>Fifth level</a:t>
             </a:r>
             <a:endParaRPr lang="en-US" dirty="0"/>
           </a:p>
         </p:txBody>
       </p:sp>
-      <p:pic>
-        <p:nvPicPr>
-          <p:cNvPr id="7" name="Picture 6" descr="ing-modena copy.png"/>
-          <p:cNvPicPr>
-            <a:picLocks noChangeAspect="1"/>
-          </p:cNvPicPr>
-          <p:nvPr/>
-        </p:nvPicPr>
-        <p:blipFill>
-          <a:blip r:embed="rId13">
-            <a:extLst>
-              <a:ext uri="{28A0092B-C50C-407E-A947-70E740481C1C}">
-                <a14:useLocalDpi xmlns:a14="http://schemas.microsoft.com/office/drawing/2010/main"/>
-              </a:ext>
-            </a:extLst>
-          </a:blip>
-          <a:stretch>
-            <a:fillRect/>
-          </a:stretch>
-        </p:blipFill>
-        <p:spPr>
-          <a:xfrm>
-            <a:off x="24190" y="5781975"/>
-            <a:ext cx="1689100" cy="1066800"/>
-          </a:xfrm>
-          <a:prstGeom prst="rect">
-            <a:avLst/>
-          </a:prstGeom>
-        </p:spPr>
-      </p:pic>
       <p:pic>
         <p:nvPicPr>
           <p:cNvPr id="8" name="Picture 7" descr="ing-modena copy.png"/>
@@ -3245,7 +3384,7 @@
           <a:blip r:embed="rId13">
             <a:extLst>
               <a:ext uri="{28A0092B-C50C-407E-A947-70E740481C1C}">
-                <a14:useLocalDpi xmlns:a14="http://schemas.microsoft.com/office/drawing/2010/main"/>
+                <a14:useLocalDpi xmlns:a14="http://schemas.microsoft.com/office/drawing/2010/main" val="0"/>
               </a:ext>
             </a:extLst>
           </a:blip>
@@ -3255,8 +3394,8 @@
         </p:blipFill>
         <p:spPr>
           <a:xfrm>
-            <a:off x="24190" y="5781975"/>
-            <a:ext cx="1689100" cy="1066800"/>
+            <a:off x="-45803" y="6021288"/>
+            <a:ext cx="1533291" cy="899495"/>
           </a:xfrm>
           <a:prstGeom prst="rect">
             <a:avLst/>
@@ -3275,8 +3414,8 @@
         </p:nvSpPr>
         <p:spPr>
           <a:xfrm>
-            <a:off x="3836609" y="6362700"/>
-            <a:ext cx="4850191" cy="365125"/>
+            <a:off x="5115480" y="6362701"/>
+            <a:ext cx="6466921" cy="365125"/>
           </a:xfrm>
           <a:prstGeom prst="rect">
             <a:avLst/>
@@ -3623,7 +3762,7 @@
         </p:nvSpPr>
         <p:spPr>
           <a:xfrm>
-            <a:off x="1371600" y="3886200"/>
+            <a:off x="2895600" y="3886200"/>
             <a:ext cx="6400800" cy="1752600"/>
           </a:xfrm>
         </p:spPr>
@@ -3779,142 +3918,137 @@
             <a:pPr marL="0" indent="0">
               <a:buNone/>
             </a:pPr>
+            <a:endParaRPr lang="en-US" sz="2000" dirty="0">
+              <a:latin typeface="Courier New"/>
+              <a:cs typeface="Courier New"/>
+            </a:endParaRPr>
+          </a:p>
+          <a:p>
+            <a:pPr marL="0" indent="0">
+              <a:buNone/>
+            </a:pPr>
             <a:r>
               <a:rPr lang="en-US" sz="2000" dirty="0">
-                <a:latin typeface="Courier New"/>
-                <a:cs typeface="Courier New"/>
-              </a:rPr>
-              <a:t>for (</a:t>
+                <a:latin typeface="Consolas" panose="020B0609020204030204" pitchFamily="49" charset="0"/>
+                <a:cs typeface="Consolas" panose="020B0609020204030204" pitchFamily="49" charset="0"/>
+              </a:rPr>
+              <a:t>for (int </a:t>
             </a:r>
             <a:r>
               <a:rPr lang="en-US" sz="2000" dirty="0" err="1">
-                <a:latin typeface="Courier New"/>
-                <a:cs typeface="Courier New"/>
+                <a:latin typeface="Consolas" panose="020B0609020204030204" pitchFamily="49" charset="0"/>
+                <a:cs typeface="Consolas" panose="020B0609020204030204" pitchFamily="49" charset="0"/>
+              </a:rPr>
+              <a:t>i</a:t>
+            </a:r>
+            <a:r>
+              <a:rPr lang="en-US" sz="2000" dirty="0">
+                <a:latin typeface="Consolas" panose="020B0609020204030204" pitchFamily="49" charset="0"/>
+                <a:cs typeface="Consolas" panose="020B0609020204030204" pitchFamily="49" charset="0"/>
+              </a:rPr>
+              <a:t>=0; </a:t>
+            </a:r>
+            <a:r>
+              <a:rPr lang="en-US" sz="2000" dirty="0" err="1">
+                <a:latin typeface="Consolas" panose="020B0609020204030204" pitchFamily="49" charset="0"/>
+                <a:cs typeface="Consolas" panose="020B0609020204030204" pitchFamily="49" charset="0"/>
+              </a:rPr>
+              <a:t>i</a:t>
+            </a:r>
+            <a:r>
+              <a:rPr lang="en-US" sz="2000" dirty="0">
+                <a:latin typeface="Consolas" panose="020B0609020204030204" pitchFamily="49" charset="0"/>
+                <a:cs typeface="Consolas" panose="020B0609020204030204" pitchFamily="49" charset="0"/>
+              </a:rPr>
+              <a:t>&lt;10; </a:t>
+            </a:r>
+            <a:r>
+              <a:rPr lang="en-US" sz="2000" dirty="0" err="1">
+                <a:latin typeface="Consolas" panose="020B0609020204030204" pitchFamily="49" charset="0"/>
+                <a:cs typeface="Consolas" panose="020B0609020204030204" pitchFamily="49" charset="0"/>
+              </a:rPr>
+              <a:t>i</a:t>
+            </a:r>
+            <a:r>
+              <a:rPr lang="en-US" sz="2000" dirty="0">
+                <a:latin typeface="Consolas" panose="020B0609020204030204" pitchFamily="49" charset="0"/>
+                <a:cs typeface="Consolas" panose="020B0609020204030204" pitchFamily="49" charset="0"/>
+              </a:rPr>
+              <a:t>++){ </a:t>
+            </a:r>
+          </a:p>
+          <a:p>
+            <a:pPr marL="400050" lvl="1" indent="0">
+              <a:buNone/>
+            </a:pPr>
+            <a:r>
+              <a:rPr lang="en-US" sz="2000" dirty="0" err="1">
+                <a:latin typeface="Consolas" panose="020B0609020204030204" pitchFamily="49" charset="0"/>
+                <a:cs typeface="Consolas" panose="020B0609020204030204" pitchFamily="49" charset="0"/>
               </a:rPr>
               <a:t>int</a:t>
             </a:r>
             <a:r>
               <a:rPr lang="en-US" sz="2000" dirty="0">
-                <a:latin typeface="Courier New"/>
-                <a:cs typeface="Courier New"/>
-              </a:rPr>
-              <a:t> </a:t>
-            </a:r>
+                <a:latin typeface="Consolas" panose="020B0609020204030204" pitchFamily="49" charset="0"/>
+                <a:cs typeface="Consolas" panose="020B0609020204030204" pitchFamily="49" charset="0"/>
+              </a:rPr>
+              <a:t> x = 12;</a:t>
+            </a:r>
+            <a:br>
+              <a:rPr lang="en-US" sz="2000" dirty="0">
+                <a:latin typeface="Consolas" panose="020B0609020204030204" pitchFamily="49" charset="0"/>
+                <a:cs typeface="Consolas" panose="020B0609020204030204" pitchFamily="49" charset="0"/>
+              </a:rPr>
+            </a:br>
+            <a:r>
+              <a:rPr lang="en-US" sz="2000" dirty="0">
+                <a:latin typeface="Consolas" panose="020B0609020204030204" pitchFamily="49" charset="0"/>
+                <a:cs typeface="Consolas" panose="020B0609020204030204" pitchFamily="49" charset="0"/>
+              </a:rPr>
+              <a:t>...</a:t>
+            </a:r>
+            <a:br>
+              <a:rPr lang="en-US" sz="2000" dirty="0">
+                <a:latin typeface="Consolas" panose="020B0609020204030204" pitchFamily="49" charset="0"/>
+                <a:cs typeface="Consolas" panose="020B0609020204030204" pitchFamily="49" charset="0"/>
+              </a:rPr>
+            </a:br>
             <a:r>
               <a:rPr lang="en-US" sz="2000" dirty="0" err="1">
-                <a:latin typeface="Courier New"/>
-                <a:cs typeface="Courier New"/>
-              </a:rPr>
-              <a:t>i</a:t>
+                <a:latin typeface="Consolas" panose="020B0609020204030204" pitchFamily="49" charset="0"/>
+                <a:cs typeface="Consolas" panose="020B0609020204030204" pitchFamily="49" charset="0"/>
+              </a:rPr>
+              <a:t>int</a:t>
             </a:r>
             <a:r>
               <a:rPr lang="en-US" sz="2000" dirty="0">
-                <a:latin typeface="Courier New"/>
-                <a:cs typeface="Courier New"/>
-              </a:rPr>
-              <a:t>=0; </a:t>
-            </a:r>
-            <a:r>
-              <a:rPr lang="en-US" sz="2000" dirty="0" err="1">
-                <a:latin typeface="Courier New"/>
-                <a:cs typeface="Courier New"/>
-              </a:rPr>
-              <a:t>i</a:t>
-            </a:r>
+                <a:latin typeface="Consolas" panose="020B0609020204030204" pitchFamily="49" charset="0"/>
+                <a:cs typeface="Consolas" panose="020B0609020204030204" pitchFamily="49" charset="0"/>
+              </a:rPr>
+              <a:t> y; </a:t>
+            </a:r>
+          </a:p>
+          <a:p>
+            <a:pPr marL="400050" lvl="1" indent="0">
+              <a:buNone/>
+            </a:pPr>
             <a:r>
               <a:rPr lang="en-US" sz="2000" dirty="0">
-                <a:latin typeface="Courier New"/>
-                <a:cs typeface="Courier New"/>
-              </a:rPr>
-              <a:t>&lt;10; </a:t>
-            </a:r>
-            <a:r>
-              <a:rPr lang="en-US" sz="2000" dirty="0" err="1">
-                <a:latin typeface="Courier New"/>
-                <a:cs typeface="Courier New"/>
-              </a:rPr>
-              <a:t>i</a:t>
-            </a:r>
+                <a:latin typeface="Consolas" panose="020B0609020204030204" pitchFamily="49" charset="0"/>
+                <a:cs typeface="Consolas" panose="020B0609020204030204" pitchFamily="49" charset="0"/>
+              </a:rPr>
+              <a:t>... </a:t>
+            </a:r>
+          </a:p>
+          <a:p>
+            <a:pPr marL="0" indent="0">
+              <a:buNone/>
+            </a:pPr>
             <a:r>
               <a:rPr lang="en-US" sz="2000" dirty="0">
-                <a:latin typeface="Courier New"/>
-                <a:cs typeface="Courier New"/>
-              </a:rPr>
-              <a:t>++){ </a:t>
-            </a:r>
-          </a:p>
-          <a:p>
-            <a:pPr marL="400050" lvl="1" indent="0">
-              <a:buNone/>
-            </a:pPr>
-            <a:r>
-              <a:rPr lang="en-US" sz="1600" dirty="0" err="1">
-                <a:latin typeface="Courier New"/>
-                <a:cs typeface="Courier New"/>
-              </a:rPr>
-              <a:t>int</a:t>
-            </a:r>
-            <a:r>
-              <a:rPr lang="en-US" sz="1600" dirty="0">
-                <a:latin typeface="Courier New"/>
-                <a:cs typeface="Courier New"/>
-              </a:rPr>
-              <a:t> x = 12;</a:t>
-            </a:r>
-            <a:br>
-              <a:rPr lang="en-US" sz="1600" dirty="0">
-                <a:latin typeface="Courier New"/>
-                <a:cs typeface="Courier New"/>
-              </a:rPr>
-            </a:br>
-            <a:r>
-              <a:rPr lang="en-US" sz="1600" dirty="0">
-                <a:latin typeface="Courier New"/>
-                <a:cs typeface="Courier New"/>
-              </a:rPr>
-              <a:t>...</a:t>
-            </a:r>
-            <a:br>
-              <a:rPr lang="en-US" sz="1600" dirty="0">
-                <a:latin typeface="Courier New"/>
-                <a:cs typeface="Courier New"/>
-              </a:rPr>
-            </a:br>
-            <a:r>
-              <a:rPr lang="en-US" sz="1600" dirty="0" err="1">
-                <a:latin typeface="Courier New"/>
-                <a:cs typeface="Courier New"/>
-              </a:rPr>
-              <a:t>int</a:t>
-            </a:r>
-            <a:r>
-              <a:rPr lang="en-US" sz="1600" dirty="0">
-                <a:latin typeface="Courier New"/>
-                <a:cs typeface="Courier New"/>
-              </a:rPr>
-              <a:t> y; </a:t>
-            </a:r>
-          </a:p>
-          <a:p>
-            <a:pPr marL="400050" lvl="1" indent="0">
-              <a:buNone/>
-            </a:pPr>
-            <a:r>
-              <a:rPr lang="en-US" sz="1600" dirty="0">
-                <a:latin typeface="Courier New"/>
-                <a:cs typeface="Courier New"/>
-              </a:rPr>
-              <a:t>... </a:t>
-            </a:r>
-          </a:p>
-          <a:p>
-            <a:pPr marL="0" indent="0">
-              <a:buNone/>
-            </a:pPr>
-            <a:r>
-              <a:rPr lang="en-US" sz="2000" dirty="0">
-                <a:latin typeface="Courier New"/>
-                <a:cs typeface="Courier New"/>
+                <a:latin typeface="Consolas" panose="020B0609020204030204" pitchFamily="49" charset="0"/>
+                <a:cs typeface="Consolas" panose="020B0609020204030204" pitchFamily="49" charset="0"/>
               </a:rPr>
               <a:t>} </a:t>
             </a:r>
@@ -4962,7 +5096,7 @@
         </p:nvSpPr>
         <p:spPr>
           <a:xfrm>
-            <a:off x="457199" y="1600200"/>
+            <a:off x="1981200" y="1600201"/>
             <a:ext cx="4308485" cy="4525963"/>
           </a:xfrm>
         </p:spPr>
@@ -5576,7 +5710,7 @@
         </p:nvSpPr>
         <p:spPr>
           <a:xfrm>
-            <a:off x="6000113" y="2846053"/>
+            <a:off x="7524113" y="2846053"/>
             <a:ext cx="1296144" cy="576064"/>
           </a:xfrm>
           <a:prstGeom prst="roundRect">
@@ -5623,7 +5757,7 @@
         </p:nvSpPr>
         <p:spPr>
           <a:xfrm>
-            <a:off x="6000113" y="3782157"/>
+            <a:off x="7524113" y="3782157"/>
             <a:ext cx="1296144" cy="576064"/>
           </a:xfrm>
           <a:prstGeom prst="roundRect">
@@ -5670,7 +5804,7 @@
         </p:nvSpPr>
         <p:spPr>
           <a:xfrm>
-            <a:off x="4765685" y="2949419"/>
+            <a:off x="6289685" y="2949419"/>
             <a:ext cx="423514" cy="369332"/>
           </a:xfrm>
           <a:prstGeom prst="rect">
@@ -5705,7 +5839,7 @@
         </p:nvSpPr>
         <p:spPr>
           <a:xfrm>
-            <a:off x="4765685" y="3885523"/>
+            <a:off x="6289685" y="3885523"/>
             <a:ext cx="423514" cy="369332"/>
           </a:xfrm>
           <a:prstGeom prst="rect">
@@ -5742,7 +5876,7 @@
         </p:nvCxnSpPr>
         <p:spPr>
           <a:xfrm>
-            <a:off x="5289129" y="3134085"/>
+            <a:off x="6813129" y="3134085"/>
             <a:ext cx="566968" cy="0"/>
           </a:xfrm>
           <a:prstGeom prst="straightConnector1">
@@ -5783,7 +5917,7 @@
         </p:nvCxnSpPr>
         <p:spPr>
           <a:xfrm>
-            <a:off x="5289129" y="4070189"/>
+            <a:off x="6813129" y="4070189"/>
             <a:ext cx="566968" cy="0"/>
           </a:xfrm>
           <a:prstGeom prst="straightConnector1">
@@ -5822,7 +5956,7 @@
         </p:nvCxnSpPr>
         <p:spPr>
           <a:xfrm>
-            <a:off x="7452320" y="1781824"/>
+            <a:off x="8976320" y="1781824"/>
             <a:ext cx="0" cy="3888432"/>
           </a:xfrm>
           <a:prstGeom prst="line">
@@ -5865,7 +5999,7 @@
         </p:nvSpPr>
         <p:spPr>
           <a:xfrm>
-            <a:off x="4524041" y="2295310"/>
+            <a:off x="6048042" y="2295310"/>
             <a:ext cx="795411" cy="369332"/>
           </a:xfrm>
           <a:prstGeom prst="rect">
@@ -5904,7 +6038,7 @@
         </p:nvSpPr>
         <p:spPr>
           <a:xfrm>
-            <a:off x="7599728" y="2315253"/>
+            <a:off x="9123728" y="2315253"/>
             <a:ext cx="809324" cy="369332"/>
           </a:xfrm>
           <a:prstGeom prst="rect">
@@ -5939,7 +6073,7 @@
         </p:nvSpPr>
         <p:spPr>
           <a:xfrm>
-            <a:off x="8630977" y="2901643"/>
+            <a:off x="10154977" y="2901643"/>
             <a:ext cx="423514" cy="369332"/>
           </a:xfrm>
           <a:prstGeom prst="rect">
@@ -5974,7 +6108,7 @@
         </p:nvSpPr>
         <p:spPr>
           <a:xfrm>
-            <a:off x="8650636" y="3837519"/>
+            <a:off x="10174636" y="3837519"/>
             <a:ext cx="423514" cy="369332"/>
           </a:xfrm>
           <a:prstGeom prst="rect">
@@ -6011,7 +6145,7 @@
         </p:nvCxnSpPr>
         <p:spPr>
           <a:xfrm flipH="1">
-            <a:off x="7608384" y="3116777"/>
+            <a:off x="9132385" y="3116777"/>
             <a:ext cx="923933" cy="0"/>
           </a:xfrm>
           <a:prstGeom prst="straightConnector1">
@@ -6052,7 +6186,7 @@
         </p:nvCxnSpPr>
         <p:spPr>
           <a:xfrm flipH="1">
-            <a:off x="7608384" y="4042460"/>
+            <a:off x="9132385" y="4042460"/>
             <a:ext cx="923933" cy="0"/>
           </a:xfrm>
           <a:prstGeom prst="straightConnector1">
@@ -6093,7 +6227,7 @@
         </p:nvCxnSpPr>
         <p:spPr>
           <a:xfrm flipH="1">
-            <a:off x="7608384" y="3252124"/>
+            <a:off x="9132384" y="3252125"/>
             <a:ext cx="923934" cy="584981"/>
           </a:xfrm>
           <a:prstGeom prst="straightConnector1">
@@ -6137,7 +6271,7 @@
         </p:nvCxnSpPr>
         <p:spPr>
           <a:xfrm flipH="1" flipV="1">
-            <a:off x="7599728" y="3270975"/>
+            <a:off x="9123728" y="3270975"/>
             <a:ext cx="932590" cy="566130"/>
           </a:xfrm>
           <a:prstGeom prst="straightConnector1">
@@ -6179,7 +6313,7 @@
         </p:nvCxnSpPr>
         <p:spPr>
           <a:xfrm>
-            <a:off x="5879803" y="1837941"/>
+            <a:off x="7403803" y="1837941"/>
             <a:ext cx="0" cy="3888432"/>
           </a:xfrm>
           <a:prstGeom prst="line">
@@ -6222,7 +6356,7 @@
         </p:nvSpPr>
         <p:spPr>
           <a:xfrm>
-            <a:off x="6339577" y="2276872"/>
+            <a:off x="7863577" y="2276872"/>
             <a:ext cx="654346" cy="369332"/>
           </a:xfrm>
           <a:prstGeom prst="rect">
@@ -6332,7 +6466,7 @@
         </p:nvSpPr>
         <p:spPr>
           <a:xfrm>
-            <a:off x="457199" y="1600200"/>
+            <a:off x="1981200" y="1600201"/>
             <a:ext cx="4308485" cy="4525963"/>
           </a:xfrm>
         </p:spPr>
@@ -6927,7 +7061,7 @@
         </p:nvSpPr>
         <p:spPr>
           <a:xfrm>
-            <a:off x="6000113" y="2846053"/>
+            <a:off x="7524113" y="2846053"/>
             <a:ext cx="1296144" cy="576064"/>
           </a:xfrm>
           <a:prstGeom prst="roundRect">
@@ -6974,7 +7108,7 @@
         </p:nvSpPr>
         <p:spPr>
           <a:xfrm>
-            <a:off x="6000113" y="3782157"/>
+            <a:off x="7524113" y="3782157"/>
             <a:ext cx="1296144" cy="576064"/>
           </a:xfrm>
           <a:prstGeom prst="roundRect">
@@ -7021,7 +7155,7 @@
         </p:nvSpPr>
         <p:spPr>
           <a:xfrm>
-            <a:off x="4765685" y="2949419"/>
+            <a:off x="6289685" y="2949419"/>
             <a:ext cx="423514" cy="369332"/>
           </a:xfrm>
           <a:prstGeom prst="rect">
@@ -7056,7 +7190,7 @@
         </p:nvSpPr>
         <p:spPr>
           <a:xfrm>
-            <a:off x="4765685" y="3885523"/>
+            <a:off x="6289685" y="3885523"/>
             <a:ext cx="423514" cy="369332"/>
           </a:xfrm>
           <a:prstGeom prst="rect">
@@ -7093,7 +7227,7 @@
         </p:nvCxnSpPr>
         <p:spPr>
           <a:xfrm>
-            <a:off x="5289129" y="3134085"/>
+            <a:off x="6813129" y="3134085"/>
             <a:ext cx="566968" cy="0"/>
           </a:xfrm>
           <a:prstGeom prst="straightConnector1">
@@ -7134,7 +7268,7 @@
         </p:nvCxnSpPr>
         <p:spPr>
           <a:xfrm>
-            <a:off x="5289129" y="4070189"/>
+            <a:off x="6813129" y="4070189"/>
             <a:ext cx="566968" cy="0"/>
           </a:xfrm>
           <a:prstGeom prst="straightConnector1">
@@ -7173,7 +7307,7 @@
         </p:nvCxnSpPr>
         <p:spPr>
           <a:xfrm>
-            <a:off x="7452320" y="1781824"/>
+            <a:off x="8976320" y="1781824"/>
             <a:ext cx="0" cy="3888432"/>
           </a:xfrm>
           <a:prstGeom prst="line">
@@ -7216,7 +7350,7 @@
         </p:nvSpPr>
         <p:spPr>
           <a:xfrm>
-            <a:off x="4524041" y="2295310"/>
+            <a:off x="6048042" y="2295310"/>
             <a:ext cx="795411" cy="369332"/>
           </a:xfrm>
           <a:prstGeom prst="rect">
@@ -7255,7 +7389,7 @@
         </p:nvSpPr>
         <p:spPr>
           <a:xfrm>
-            <a:off x="7596336" y="2295310"/>
+            <a:off x="9120336" y="2295310"/>
             <a:ext cx="848246" cy="369332"/>
           </a:xfrm>
           <a:prstGeom prst="rect">
@@ -7294,7 +7428,7 @@
         </p:nvSpPr>
         <p:spPr>
           <a:xfrm>
-            <a:off x="8630977" y="2901643"/>
+            <a:off x="10154977" y="2901643"/>
             <a:ext cx="423514" cy="369332"/>
           </a:xfrm>
           <a:prstGeom prst="rect">
@@ -7329,7 +7463,7 @@
         </p:nvSpPr>
         <p:spPr>
           <a:xfrm>
-            <a:off x="8650636" y="3837519"/>
+            <a:off x="10174636" y="3837519"/>
             <a:ext cx="423514" cy="369332"/>
           </a:xfrm>
           <a:prstGeom prst="rect">
@@ -7366,7 +7500,7 @@
         </p:nvCxnSpPr>
         <p:spPr>
           <a:xfrm flipH="1">
-            <a:off x="7608384" y="3116777"/>
+            <a:off x="9132385" y="3116777"/>
             <a:ext cx="923933" cy="0"/>
           </a:xfrm>
           <a:prstGeom prst="straightConnector1">
@@ -7407,7 +7541,7 @@
         </p:nvCxnSpPr>
         <p:spPr>
           <a:xfrm flipH="1">
-            <a:off x="7608384" y="4042460"/>
+            <a:off x="9132385" y="4042460"/>
             <a:ext cx="923933" cy="0"/>
           </a:xfrm>
           <a:prstGeom prst="straightConnector1">
@@ -7446,7 +7580,7 @@
         </p:nvCxnSpPr>
         <p:spPr>
           <a:xfrm>
-            <a:off x="5879803" y="1837941"/>
+            <a:off x="7403803" y="1837941"/>
             <a:ext cx="0" cy="3888432"/>
           </a:xfrm>
           <a:prstGeom prst="line">
@@ -7583,7 +7717,7 @@
         </p:blipFill>
         <p:spPr>
           <a:xfrm>
-            <a:off x="1187624" y="1600200"/>
+            <a:off x="2711624" y="1600201"/>
             <a:ext cx="7069554" cy="4525963"/>
           </a:xfrm>
         </p:spPr>
@@ -7803,7 +7937,7 @@
         <p:spPr/>
         <p:txBody>
           <a:bodyPr>
-            <a:normAutofit fontScale="90000"/>
+            <a:normAutofit/>
           </a:bodyPr>
           <a:lstStyle/>
           <a:p>
@@ -8431,13 +8565,7 @@
           <a:p>
             <a:r>
               <a:rPr lang="en-US" sz="2400" dirty="0"/>
-              <a:t>1996: Java 1</a:t>
-            </a:r>
-          </a:p>
-          <a:p>
-            <a:r>
-              <a:rPr lang="en-US" sz="2400" dirty="0"/>
-              <a:t>1996: Netscape browser supports Java. Popularity grows</a:t>
+              <a:t>1996: Java 1 (Netscape browser supports Java, popularity grows)</a:t>
             </a:r>
           </a:p>
           <a:p>
@@ -10335,7 +10463,7 @@
         <p:spPr/>
         <p:txBody>
           <a:bodyPr>
-            <a:normAutofit fontScale="92500" lnSpcReduction="20000"/>
+            <a:normAutofit fontScale="92500" lnSpcReduction="10000"/>
           </a:bodyPr>
           <a:lstStyle/>
           <a:p>
@@ -11718,7 +11846,7 @@
         <p:spPr/>
         <p:txBody>
           <a:bodyPr>
-            <a:normAutofit fontScale="92500"/>
+            <a:normAutofit/>
           </a:bodyPr>
           <a:lstStyle/>
           <a:p>
@@ -12051,7 +12179,12 @@
             <a:fillRect/>
           </a:stretch>
         </p:blipFill>
-        <p:spPr/>
+        <p:spPr>
+          <a:xfrm>
+            <a:off x="2243572" y="1627188"/>
+            <a:ext cx="7704856" cy="4525963"/>
+          </a:xfrm>
+        </p:spPr>
       </p:pic>
       <p:sp>
         <p:nvSpPr>
@@ -12152,7 +12285,12 @@
             <a:fillRect/>
           </a:stretch>
         </p:blipFill>
-        <p:spPr/>
+        <p:spPr>
+          <a:xfrm>
+            <a:off x="1984648" y="1614434"/>
+            <a:ext cx="8222704" cy="4525963"/>
+          </a:xfrm>
+        </p:spPr>
       </p:pic>
       <p:sp>
         <p:nvSpPr>
@@ -12836,7 +12974,7 @@
         <p:spPr/>
         <p:txBody>
           <a:bodyPr>
-            <a:normAutofit lnSpcReduction="10000"/>
+            <a:normAutofit/>
           </a:bodyPr>
           <a:lstStyle/>
           <a:p>
@@ -13548,7 +13686,7 @@
         </p:blipFill>
         <p:spPr>
           <a:xfrm>
-            <a:off x="827584" y="2204864"/>
+            <a:off x="2351584" y="2204865"/>
             <a:ext cx="6660232" cy="3274111"/>
           </a:xfrm>
           <a:prstGeom prst="rect">
@@ -13633,7 +13771,7 @@
         </p:blipFill>
         <p:spPr>
           <a:xfrm>
-            <a:off x="899592" y="1600201"/>
+            <a:off x="2423592" y="1600201"/>
             <a:ext cx="7787208" cy="4282664"/>
           </a:xfrm>
         </p:spPr>
@@ -13798,7 +13936,7 @@
         </p:blipFill>
         <p:spPr>
           <a:xfrm>
-            <a:off x="755576" y="3356992"/>
+            <a:off x="2279576" y="3356992"/>
             <a:ext cx="6804248" cy="2003538"/>
           </a:xfrm>
           <a:prstGeom prst="rect">
@@ -13934,7 +14072,7 @@
         </p:blipFill>
         <p:spPr>
           <a:xfrm>
-            <a:off x="827584" y="2708920"/>
+            <a:off x="2351584" y="2708920"/>
             <a:ext cx="6456636" cy="3312368"/>
           </a:xfrm>
           <a:prstGeom prst="rect">
@@ -15696,8 +15834,8 @@
         </p:blipFill>
         <p:spPr>
           <a:xfrm>
-            <a:off x="457200" y="2132856"/>
-            <a:ext cx="4059102" cy="2664296"/>
+            <a:off x="774440" y="2132856"/>
+            <a:ext cx="5265862" cy="3456384"/>
           </a:xfrm>
           <a:prstGeom prst="rect">
             <a:avLst/>
@@ -15735,8 +15873,8 @@
         </p:blipFill>
         <p:spPr>
           <a:xfrm>
-            <a:off x="4355976" y="2132857"/>
-            <a:ext cx="4846917" cy="2665618"/>
+            <a:off x="5879977" y="2132856"/>
+            <a:ext cx="6284772" cy="3456383"/>
           </a:xfrm>
         </p:spPr>
       </p:pic>
@@ -15806,7 +15944,7 @@
         </p:nvSpPr>
         <p:spPr>
           <a:xfrm>
-            <a:off x="457200" y="1600201"/>
+            <a:off x="1981200" y="1600201"/>
             <a:ext cx="8229600" cy="3340968"/>
           </a:xfrm>
         </p:spPr>
@@ -15897,7 +16035,7 @@
         </p:blipFill>
         <p:spPr>
           <a:xfrm>
-            <a:off x="899592" y="3705625"/>
+            <a:off x="2423592" y="3705626"/>
             <a:ext cx="7452320" cy="1955623"/>
           </a:xfrm>
           <a:prstGeom prst="rect">
@@ -15948,7 +16086,7 @@
         <p:spPr/>
         <p:txBody>
           <a:bodyPr>
-            <a:normAutofit fontScale="90000"/>
+            <a:normAutofit/>
           </a:bodyPr>
           <a:lstStyle/>
           <a:p>
@@ -16651,6 +16789,11 @@
     </a:lnDef>
   </a:objectDefaults>
   <a:extraClrSchemeLst/>
+  <a:extLst>
+    <a:ext uri="{05A4C25C-085E-4340-85A3-A5531E510DB2}">
+      <thm15:themeFamily xmlns:thm15="http://schemas.microsoft.com/office/thememl/2012/main" name="00 - Java Introduction" id="{2D0C21C8-6F94-AC4C-8309-F1E5902B85F9}" vid="{1BB67297-C6B5-5C49-B905-92E04B265F5A}"/>
+    </a:ext>
+  </a:extLst>
 </a:theme>
 </file>
 
@@ -16935,4 +17078,299 @@
   <a:objectDefaults/>
   <a:extraClrSchemeLst/>
 </a:theme>
+</file>
+
+<file path=ppt/theme/theme3.xml><?xml version="1.0" encoding="utf-8"?>
+<a:theme xmlns:a="http://schemas.openxmlformats.org/drawingml/2006/main" name="Office Theme">
+  <a:themeElements>
+    <a:clrScheme name="Office">
+      <a:dk1>
+        <a:sysClr val="windowText" lastClr="000000"/>
+      </a:dk1>
+      <a:lt1>
+        <a:sysClr val="window" lastClr="FFFFFF"/>
+      </a:lt1>
+      <a:dk2>
+        <a:srgbClr val="44546A"/>
+      </a:dk2>
+      <a:lt2>
+        <a:srgbClr val="E7E6E6"/>
+      </a:lt2>
+      <a:accent1>
+        <a:srgbClr val="4472C4"/>
+      </a:accent1>
+      <a:accent2>
+        <a:srgbClr val="ED7D31"/>
+      </a:accent2>
+      <a:accent3>
+        <a:srgbClr val="A5A5A5"/>
+      </a:accent3>
+      <a:accent4>
+        <a:srgbClr val="FFC000"/>
+      </a:accent4>
+      <a:accent5>
+        <a:srgbClr val="5B9BD5"/>
+      </a:accent5>
+      <a:accent6>
+        <a:srgbClr val="70AD47"/>
+      </a:accent6>
+      <a:hlink>
+        <a:srgbClr val="0563C1"/>
+      </a:hlink>
+      <a:folHlink>
+        <a:srgbClr val="954F72"/>
+      </a:folHlink>
+    </a:clrScheme>
+    <a:fontScheme name="Office">
+      <a:majorFont>
+        <a:latin typeface="Calibri Light" panose="020F0302020204030204"/>
+        <a:ea typeface=""/>
+        <a:cs typeface=""/>
+        <a:font script="Jpan" typeface="游ゴシック Light"/>
+        <a:font script="Hang" typeface="맑은 고딕"/>
+        <a:font script="Hans" typeface="等线 Light"/>
+        <a:font script="Hant" typeface="新細明體"/>
+        <a:font script="Arab" typeface="Times New Roman"/>
+        <a:font script="Hebr" typeface="Times New Roman"/>
+        <a:font script="Thai" typeface="Angsana New"/>
+        <a:font script="Ethi" typeface="Nyala"/>
+        <a:font script="Beng" typeface="Vrinda"/>
+        <a:font script="Gujr" typeface="Shruti"/>
+        <a:font script="Khmr" typeface="MoolBoran"/>
+        <a:font script="Knda" typeface="Tunga"/>
+        <a:font script="Guru" typeface="Raavi"/>
+        <a:font script="Cans" typeface="Euphemia"/>
+        <a:font script="Cher" typeface="Plantagenet Cherokee"/>
+        <a:font script="Yiii" typeface="Microsoft Yi Baiti"/>
+        <a:font script="Tibt" typeface="Microsoft Himalaya"/>
+        <a:font script="Thaa" typeface="MV Boli"/>
+        <a:font script="Deva" typeface="Mangal"/>
+        <a:font script="Telu" typeface="Gautami"/>
+        <a:font script="Taml" typeface="Latha"/>
+        <a:font script="Syrc" typeface="Estrangelo Edessa"/>
+        <a:font script="Orya" typeface="Kalinga"/>
+        <a:font script="Mlym" typeface="Kartika"/>
+        <a:font script="Laoo" typeface="DokChampa"/>
+        <a:font script="Sinh" typeface="Iskoola Pota"/>
+        <a:font script="Mong" typeface="Mongolian Baiti"/>
+        <a:font script="Viet" typeface="Times New Roman"/>
+        <a:font script="Uigh" typeface="Microsoft Uighur"/>
+        <a:font script="Geor" typeface="Sylfaen"/>
+        <a:font script="Armn" typeface="Arial"/>
+        <a:font script="Bugi" typeface="Leelawadee UI"/>
+        <a:font script="Bopo" typeface="Microsoft JhengHei"/>
+        <a:font script="Java" typeface="Javanese Text"/>
+        <a:font script="Lisu" typeface="Segoe UI"/>
+        <a:font script="Mymr" typeface="Myanmar Text"/>
+        <a:font script="Nkoo" typeface="Ebrima"/>
+        <a:font script="Olck" typeface="Nirmala UI"/>
+        <a:font script="Osma" typeface="Ebrima"/>
+        <a:font script="Phag" typeface="Phagspa"/>
+        <a:font script="Syrn" typeface="Estrangelo Edessa"/>
+        <a:font script="Syrj" typeface="Estrangelo Edessa"/>
+        <a:font script="Syre" typeface="Estrangelo Edessa"/>
+        <a:font script="Sora" typeface="Nirmala UI"/>
+        <a:font script="Tale" typeface="Microsoft Tai Le"/>
+        <a:font script="Talu" typeface="Microsoft New Tai Lue"/>
+        <a:font script="Tfng" typeface="Ebrima"/>
+      </a:majorFont>
+      <a:minorFont>
+        <a:latin typeface="Calibri" panose="020F0502020204030204"/>
+        <a:ea typeface=""/>
+        <a:cs typeface=""/>
+        <a:font script="Jpan" typeface="游ゴシック"/>
+        <a:font script="Hang" typeface="맑은 고딕"/>
+        <a:font script="Hans" typeface="等线"/>
+        <a:font script="Hant" typeface="新細明體"/>
+        <a:font script="Arab" typeface="Arial"/>
+        <a:font script="Hebr" typeface="Arial"/>
+        <a:font script="Thai" typeface="Cordia New"/>
+        <a:font script="Ethi" typeface="Nyala"/>
+        <a:font script="Beng" typeface="Vrinda"/>
+        <a:font script="Gujr" typeface="Shruti"/>
+        <a:font script="Khmr" typeface="DaunPenh"/>
+        <a:font script="Knda" typeface="Tunga"/>
+        <a:font script="Guru" typeface="Raavi"/>
+        <a:font script="Cans" typeface="Euphemia"/>
+        <a:font script="Cher" typeface="Plantagenet Cherokee"/>
+        <a:font script="Yiii" typeface="Microsoft Yi Baiti"/>
+        <a:font script="Tibt" typeface="Microsoft Himalaya"/>
+        <a:font script="Thaa" typeface="MV Boli"/>
+        <a:font script="Deva" typeface="Mangal"/>
+        <a:font script="Telu" typeface="Gautami"/>
+        <a:font script="Taml" typeface="Latha"/>
+        <a:font script="Syrc" typeface="Estrangelo Edessa"/>
+        <a:font script="Orya" typeface="Kalinga"/>
+        <a:font script="Mlym" typeface="Kartika"/>
+        <a:font script="Laoo" typeface="DokChampa"/>
+        <a:font script="Sinh" typeface="Iskoola Pota"/>
+        <a:font script="Mong" typeface="Mongolian Baiti"/>
+        <a:font script="Viet" typeface="Arial"/>
+        <a:font script="Uigh" typeface="Microsoft Uighur"/>
+        <a:font script="Geor" typeface="Sylfaen"/>
+        <a:font script="Armn" typeface="Arial"/>
+        <a:font script="Bugi" typeface="Leelawadee UI"/>
+        <a:font script="Bopo" typeface="Microsoft JhengHei"/>
+        <a:font script="Java" typeface="Javanese Text"/>
+        <a:font script="Lisu" typeface="Segoe UI"/>
+        <a:font script="Mymr" typeface="Myanmar Text"/>
+        <a:font script="Nkoo" typeface="Ebrima"/>
+        <a:font script="Olck" typeface="Nirmala UI"/>
+        <a:font script="Osma" typeface="Ebrima"/>
+        <a:font script="Phag" typeface="Phagspa"/>
+        <a:font script="Syrn" typeface="Estrangelo Edessa"/>
+        <a:font script="Syrj" typeface="Estrangelo Edessa"/>
+        <a:font script="Syre" typeface="Estrangelo Edessa"/>
+        <a:font script="Sora" typeface="Nirmala UI"/>
+        <a:font script="Tale" typeface="Microsoft Tai Le"/>
+        <a:font script="Talu" typeface="Microsoft New Tai Lue"/>
+        <a:font script="Tfng" typeface="Ebrima"/>
+      </a:minorFont>
+    </a:fontScheme>
+    <a:fmtScheme name="Office">
+      <a:fillStyleLst>
+        <a:solidFill>
+          <a:schemeClr val="phClr"/>
+        </a:solidFill>
+        <a:gradFill rotWithShape="1">
+          <a:gsLst>
+            <a:gs pos="0">
+              <a:schemeClr val="phClr">
+                <a:lumMod val="110000"/>
+                <a:satMod val="105000"/>
+                <a:tint val="67000"/>
+              </a:schemeClr>
+            </a:gs>
+            <a:gs pos="50000">
+              <a:schemeClr val="phClr">
+                <a:lumMod val="105000"/>
+                <a:satMod val="103000"/>
+                <a:tint val="73000"/>
+              </a:schemeClr>
+            </a:gs>
+            <a:gs pos="100000">
+              <a:schemeClr val="phClr">
+                <a:lumMod val="105000"/>
+                <a:satMod val="109000"/>
+                <a:tint val="81000"/>
+              </a:schemeClr>
+            </a:gs>
+          </a:gsLst>
+          <a:lin ang="5400000" scaled="0"/>
+        </a:gradFill>
+        <a:gradFill rotWithShape="1">
+          <a:gsLst>
+            <a:gs pos="0">
+              <a:schemeClr val="phClr">
+                <a:satMod val="103000"/>
+                <a:lumMod val="102000"/>
+                <a:tint val="94000"/>
+              </a:schemeClr>
+            </a:gs>
+            <a:gs pos="50000">
+              <a:schemeClr val="phClr">
+                <a:satMod val="110000"/>
+                <a:lumMod val="100000"/>
+                <a:shade val="100000"/>
+              </a:schemeClr>
+            </a:gs>
+            <a:gs pos="100000">
+              <a:schemeClr val="phClr">
+                <a:lumMod val="99000"/>
+                <a:satMod val="120000"/>
+                <a:shade val="78000"/>
+              </a:schemeClr>
+            </a:gs>
+          </a:gsLst>
+          <a:lin ang="5400000" scaled="0"/>
+        </a:gradFill>
+      </a:fillStyleLst>
+      <a:lnStyleLst>
+        <a:ln w="6350" cap="flat" cmpd="sng" algn="ctr">
+          <a:solidFill>
+            <a:schemeClr val="phClr"/>
+          </a:solidFill>
+          <a:prstDash val="solid"/>
+          <a:miter lim="800000"/>
+        </a:ln>
+        <a:ln w="12700" cap="flat" cmpd="sng" algn="ctr">
+          <a:solidFill>
+            <a:schemeClr val="phClr"/>
+          </a:solidFill>
+          <a:prstDash val="solid"/>
+          <a:miter lim="800000"/>
+        </a:ln>
+        <a:ln w="19050" cap="flat" cmpd="sng" algn="ctr">
+          <a:solidFill>
+            <a:schemeClr val="phClr"/>
+          </a:solidFill>
+          <a:prstDash val="solid"/>
+          <a:miter lim="800000"/>
+        </a:ln>
+      </a:lnStyleLst>
+      <a:effectStyleLst>
+        <a:effectStyle>
+          <a:effectLst/>
+        </a:effectStyle>
+        <a:effectStyle>
+          <a:effectLst/>
+        </a:effectStyle>
+        <a:effectStyle>
+          <a:effectLst>
+            <a:outerShdw blurRad="57150" dist="19050" dir="5400000" algn="ctr" rotWithShape="0">
+              <a:srgbClr val="000000">
+                <a:alpha val="63000"/>
+              </a:srgbClr>
+            </a:outerShdw>
+          </a:effectLst>
+        </a:effectStyle>
+      </a:effectStyleLst>
+      <a:bgFillStyleLst>
+        <a:solidFill>
+          <a:schemeClr val="phClr"/>
+        </a:solidFill>
+        <a:solidFill>
+          <a:schemeClr val="phClr">
+            <a:tint val="95000"/>
+            <a:satMod val="170000"/>
+          </a:schemeClr>
+        </a:solidFill>
+        <a:gradFill rotWithShape="1">
+          <a:gsLst>
+            <a:gs pos="0">
+              <a:schemeClr val="phClr">
+                <a:tint val="93000"/>
+                <a:satMod val="150000"/>
+                <a:shade val="98000"/>
+                <a:lumMod val="102000"/>
+              </a:schemeClr>
+            </a:gs>
+            <a:gs pos="50000">
+              <a:schemeClr val="phClr">
+                <a:tint val="98000"/>
+                <a:satMod val="130000"/>
+                <a:shade val="90000"/>
+                <a:lumMod val="103000"/>
+              </a:schemeClr>
+            </a:gs>
+            <a:gs pos="100000">
+              <a:schemeClr val="phClr">
+                <a:shade val="63000"/>
+                <a:satMod val="120000"/>
+              </a:schemeClr>
+            </a:gs>
+          </a:gsLst>
+          <a:lin ang="5400000" scaled="0"/>
+        </a:gradFill>
+      </a:bgFillStyleLst>
+    </a:fmtScheme>
+  </a:themeElements>
+  <a:objectDefaults/>
+  <a:extraClrSchemeLst/>
+  <a:extLst>
+    <a:ext uri="{05A4C25C-085E-4340-85A3-A5531E510DB2}">
+      <thm15:themeFamily xmlns:thm15="http://schemas.microsoft.com/office/thememl/2012/main" name="Office Theme" id="{62F939B6-93AF-4DB8-9C6B-D6C7DFDC589F}" vid="{4A3C46E8-61CC-4603-A589-7422A47A8E4A}"/>
+    </a:ext>
+  </a:extLst>
+</a:theme>
 </file>
--- a/java/slides/ppt/02 - Java Basics.pptx
+++ b/java/slides/ppt/02 - Java Basics.pptx
@@ -8047,7 +8047,7 @@
             <a:spLocks noGrp="1"/>
           </p:cNvSpPr>
           <p:nvPr>
-            <p:ph idx="1"/>
+            <p:ph sz="half" idx="1"/>
           </p:nvPr>
         </p:nvSpPr>
         <p:spPr/>
@@ -8162,6 +8162,41 @@
           </a:p>
         </p:txBody>
       </p:sp>
+      <p:pic>
+        <p:nvPicPr>
+          <p:cNvPr id="11" name="Content Placeholder 10">
+            <a:extLst>
+              <a:ext uri="{FF2B5EF4-FFF2-40B4-BE49-F238E27FC236}">
+                <a16:creationId xmlns:a16="http://schemas.microsoft.com/office/drawing/2014/main" id="{534727AC-63E0-6447-89EB-71A6E02A0ED2}"/>
+              </a:ext>
+            </a:extLst>
+          </p:cNvPr>
+          <p:cNvPicPr>
+            <a:picLocks noGrp="1" noChangeAspect="1"/>
+          </p:cNvPicPr>
+          <p:nvPr>
+            <p:ph sz="half" idx="2"/>
+          </p:nvPr>
+        </p:nvPicPr>
+        <p:blipFill>
+          <a:blip r:embed="rId2">
+            <a:extLst>
+              <a:ext uri="{28A0092B-C50C-407E-A947-70E740481C1C}">
+                <a14:useLocalDpi xmlns:a14="http://schemas.microsoft.com/office/drawing/2010/main" val="0"/>
+              </a:ext>
+            </a:extLst>
+          </a:blip>
+          <a:stretch>
+            <a:fillRect/>
+          </a:stretch>
+        </p:blipFill>
+        <p:spPr>
+          <a:xfrm>
+            <a:off x="6197600" y="2049575"/>
+            <a:ext cx="5384800" cy="3627212"/>
+          </a:xfrm>
+        </p:spPr>
+      </p:pic>
     </p:spTree>
     <p:extLst>
       <p:ext uri="{BB962C8B-B14F-4D97-AF65-F5344CB8AC3E}">

--- a/java/slides/ppt/02 - Java Basics.pptx
+++ b/java/slides/ppt/02 - Java Basics.pptx
@@ -5,10 +5,10 @@
     <p:sldMasterId id="2147483672" r:id="rId1"/>
   </p:sldMasterIdLst>
   <p:notesMasterIdLst>
-    <p:notesMasterId r:id="rId57"/>
+    <p:notesMasterId r:id="rId58"/>
   </p:notesMasterIdLst>
   <p:handoutMasterIdLst>
-    <p:handoutMasterId r:id="rId58"/>
+    <p:handoutMasterId r:id="rId59"/>
   </p:handoutMasterIdLst>
   <p:sldIdLst>
     <p:sldId id="256" r:id="rId2"/>
@@ -66,6 +66,7 @@
     <p:sldId id="405" r:id="rId54"/>
     <p:sldId id="407" r:id="rId55"/>
     <p:sldId id="406" r:id="rId56"/>
+    <p:sldId id="421" r:id="rId57"/>
   </p:sldIdLst>
   <p:sldSz cx="12192000" cy="6858000"/>
   <p:notesSz cx="6858000" cy="9144000"/>
@@ -277,7 +278,7 @@
           <a:p>
             <a:fld id="{5591E39A-28E5-5D4D-B97C-ECEB96F19817}" type="datetimeFigureOut">
               <a:rPr lang="en-IT" smtClean="0"/>
-              <a:t>01/10/21</a:t>
+              <a:t>03/10/21</a:t>
             </a:fld>
             <a:endParaRPr lang="en-IT"/>
           </a:p>
@@ -456,7 +457,7 @@
             <a:fld id="{BAEB7694-8561-4BE2-948D-EDF7A201F8BB}" type="datetimeFigureOut">
               <a:rPr lang="it-IT" smtClean="0"/>
               <a:pPr/>
-              <a:t>01/10/21</a:t>
+              <a:t>03/10/21</a:t>
             </a:fld>
             <a:endParaRPr lang="it-IT"/>
           </a:p>
@@ -21220,6 +21221,132 @@
     <p:extLst>
       <p:ext uri="{BB962C8B-B14F-4D97-AF65-F5344CB8AC3E}">
         <p14:creationId xmlns:p14="http://schemas.microsoft.com/office/powerpoint/2010/main" val="2719454593"/>
+      </p:ext>
+    </p:extLst>
+  </p:cSld>
+  <p:clrMapOvr>
+    <a:masterClrMapping/>
+  </p:clrMapOvr>
+</p:sld>
+</file>
+
+<file path=ppt/slides/slide56.xml><?xml version="1.0" encoding="utf-8"?>
+<p:sld xmlns:a="http://schemas.openxmlformats.org/drawingml/2006/main" xmlns:r="http://schemas.openxmlformats.org/officeDocument/2006/relationships" xmlns:p="http://schemas.openxmlformats.org/presentationml/2006/main">
+  <p:cSld>
+    <p:spTree>
+      <p:nvGrpSpPr>
+        <p:cNvPr id="1" name=""/>
+        <p:cNvGrpSpPr/>
+        <p:nvPr/>
+      </p:nvGrpSpPr>
+      <p:grpSpPr>
+        <a:xfrm>
+          <a:off x="0" y="0"/>
+          <a:ext cx="0" cy="0"/>
+          <a:chOff x="0" y="0"/>
+          <a:chExt cx="0" cy="0"/>
+        </a:xfrm>
+      </p:grpSpPr>
+      <p:sp>
+        <p:nvSpPr>
+          <p:cNvPr id="2" name="Title 1">
+            <a:extLst>
+              <a:ext uri="{FF2B5EF4-FFF2-40B4-BE49-F238E27FC236}">
+                <a16:creationId xmlns:a16="http://schemas.microsoft.com/office/drawing/2014/main" id="{4A0CF442-F795-3E46-AC58-421F9F5D5502}"/>
+              </a:ext>
+            </a:extLst>
+          </p:cNvPr>
+          <p:cNvSpPr>
+            <a:spLocks noGrp="1"/>
+          </p:cNvSpPr>
+          <p:nvPr>
+            <p:ph type="title"/>
+          </p:nvPr>
+        </p:nvSpPr>
+        <p:spPr/>
+        <p:txBody>
+          <a:bodyPr/>
+          <a:lstStyle/>
+          <a:p>
+            <a:r>
+              <a:rPr lang="en-IT" dirty="0"/>
+              <a:t>Wisdom Pills</a:t>
+            </a:r>
+          </a:p>
+        </p:txBody>
+      </p:sp>
+      <p:sp>
+        <p:nvSpPr>
+          <p:cNvPr id="3" name="Content Placeholder 2">
+            <a:extLst>
+              <a:ext uri="{FF2B5EF4-FFF2-40B4-BE49-F238E27FC236}">
+                <a16:creationId xmlns:a16="http://schemas.microsoft.com/office/drawing/2014/main" id="{210D2B36-5F6C-C648-A16C-A97E432A56F4}"/>
+              </a:ext>
+            </a:extLst>
+          </p:cNvPr>
+          <p:cNvSpPr>
+            <a:spLocks noGrp="1"/>
+          </p:cNvSpPr>
+          <p:nvPr>
+            <p:ph idx="1"/>
+          </p:nvPr>
+        </p:nvSpPr>
+        <p:spPr/>
+        <p:txBody>
+          <a:bodyPr>
+            <a:normAutofit fontScale="92500" lnSpcReduction="10000"/>
+          </a:bodyPr>
+          <a:lstStyle/>
+          <a:p>
+            <a:r>
+              <a:rPr lang="en-GB" i="1" dirty="0"/>
+              <a:t>The first rule of functions is that they should be small. The second rule of functions is that they should be smaller than that. This is not an assertion that I can justify. I can’t provide any references to research that shows that very small functions are better. What I can tell you is that for nearly four decades I have written functions of all different sizes. I’ve writ- ten several nasty 3,000-line abominations. I’ve written scads of functions in the 100 to 300 line range. And I’ve written functions that were 20 to 30 lines long. What this experience has taught me, through long trial and error, is that functions should be very small.   -- </a:t>
+            </a:r>
+            <a:r>
+              <a:rPr lang="en-GB" b="1" dirty="0"/>
+              <a:t>Clean Code, Robert C. Martin</a:t>
+            </a:r>
+            <a:endParaRPr lang="en-GB" dirty="0"/>
+          </a:p>
+          <a:p>
+            <a:endParaRPr lang="en-IT" dirty="0"/>
+          </a:p>
+        </p:txBody>
+      </p:sp>
+      <p:sp>
+        <p:nvSpPr>
+          <p:cNvPr id="4" name="Slide Number Placeholder 3">
+            <a:extLst>
+              <a:ext uri="{FF2B5EF4-FFF2-40B4-BE49-F238E27FC236}">
+                <a16:creationId xmlns:a16="http://schemas.microsoft.com/office/drawing/2014/main" id="{54C0A88D-ECBF-EB44-AD92-01336BACC331}"/>
+              </a:ext>
+            </a:extLst>
+          </p:cNvPr>
+          <p:cNvSpPr>
+            <a:spLocks noGrp="1"/>
+          </p:cNvSpPr>
+          <p:nvPr>
+            <p:ph type="sldNum" sz="quarter" idx="12"/>
+          </p:nvPr>
+        </p:nvSpPr>
+        <p:spPr/>
+        <p:txBody>
+          <a:bodyPr/>
+          <a:lstStyle/>
+          <a:p>
+            <a:fld id="{D2040F39-7941-49A4-B48D-F201B18B6351}" type="slidenum">
+              <a:rPr lang="it-IT" smtClean="0"/>
+              <a:pPr/>
+              <a:t>56</a:t>
+            </a:fld>
+            <a:endParaRPr lang="it-IT" dirty="0"/>
+          </a:p>
+        </p:txBody>
+      </p:sp>
+    </p:spTree>
+    <p:extLst>
+      <p:ext uri="{BB962C8B-B14F-4D97-AF65-F5344CB8AC3E}">
+        <p14:creationId xmlns:p14="http://schemas.microsoft.com/office/powerpoint/2010/main" val="1681402336"/>
       </p:ext>
     </p:extLst>
   </p:cSld>

--- a/java/slides/ppt/02 - Java Basics.pptx
+++ b/java/slides/ppt/02 - Java Basics.pptx
@@ -5,10 +5,10 @@
     <p:sldMasterId id="2147483672" r:id="rId1"/>
   </p:sldMasterIdLst>
   <p:notesMasterIdLst>
-    <p:notesMasterId r:id="rId58"/>
+    <p:notesMasterId r:id="rId62"/>
   </p:notesMasterIdLst>
   <p:handoutMasterIdLst>
-    <p:handoutMasterId r:id="rId59"/>
+    <p:handoutMasterId r:id="rId63"/>
   </p:handoutMasterIdLst>
   <p:sldIdLst>
     <p:sldId id="256" r:id="rId2"/>
@@ -66,7 +66,11 @@
     <p:sldId id="405" r:id="rId54"/>
     <p:sldId id="407" r:id="rId55"/>
     <p:sldId id="406" r:id="rId56"/>
-    <p:sldId id="421" r:id="rId57"/>
+    <p:sldId id="422" r:id="rId57"/>
+    <p:sldId id="424" r:id="rId58"/>
+    <p:sldId id="423" r:id="rId59"/>
+    <p:sldId id="425" r:id="rId60"/>
+    <p:sldId id="421" r:id="rId61"/>
   </p:sldIdLst>
   <p:sldSz cx="12192000" cy="6858000"/>
   <p:notesSz cx="6858000" cy="9144000"/>
@@ -278,7 +282,7 @@
           <a:p>
             <a:fld id="{5591E39A-28E5-5D4D-B97C-ECEB96F19817}" type="datetimeFigureOut">
               <a:rPr lang="en-IT" smtClean="0"/>
-              <a:t>03/10/21</a:t>
+              <a:t>10/10/21</a:t>
             </a:fld>
             <a:endParaRPr lang="en-IT"/>
           </a:p>
@@ -457,7 +461,7 @@
             <a:fld id="{BAEB7694-8561-4BE2-948D-EDF7A201F8BB}" type="datetimeFigureOut">
               <a:rPr lang="it-IT" smtClean="0"/>
               <a:pPr/>
-              <a:t>03/10/21</a:t>
+              <a:t>10/10/21</a:t>
             </a:fld>
             <a:endParaRPr lang="it-IT"/>
           </a:p>
@@ -21249,10 +21253,65 @@
       </p:grpSpPr>
       <p:sp>
         <p:nvSpPr>
+          <p:cNvPr id="2" name="Titolo 1"/>
+          <p:cNvSpPr>
+            <a:spLocks noGrp="1"/>
+          </p:cNvSpPr>
+          <p:nvPr>
+            <p:ph type="ctrTitle"/>
+          </p:nvPr>
+        </p:nvSpPr>
+        <p:spPr/>
+        <p:txBody>
+          <a:bodyPr>
+            <a:normAutofit/>
+          </a:bodyPr>
+          <a:lstStyle/>
+          <a:p>
+            <a:r>
+              <a:rPr lang="en-US" dirty="0"/>
+              <a:t>Accessing Terminal</a:t>
+            </a:r>
+            <a:endParaRPr lang="it-IT" dirty="0"/>
+          </a:p>
+        </p:txBody>
+      </p:sp>
+    </p:spTree>
+    <p:extLst>
+      <p:ext uri="{BB962C8B-B14F-4D97-AF65-F5344CB8AC3E}">
+        <p14:creationId xmlns:p14="http://schemas.microsoft.com/office/powerpoint/2010/main" val="3833663219"/>
+      </p:ext>
+    </p:extLst>
+  </p:cSld>
+  <p:clrMapOvr>
+    <a:masterClrMapping/>
+  </p:clrMapOvr>
+</p:sld>
+</file>
+
+<file path=ppt/slides/slide57.xml><?xml version="1.0" encoding="utf-8"?>
+<p:sld xmlns:a="http://schemas.openxmlformats.org/drawingml/2006/main" xmlns:r="http://schemas.openxmlformats.org/officeDocument/2006/relationships" xmlns:p="http://schemas.openxmlformats.org/presentationml/2006/main">
+  <p:cSld>
+    <p:spTree>
+      <p:nvGrpSpPr>
+        <p:cNvPr id="1" name=""/>
+        <p:cNvGrpSpPr/>
+        <p:nvPr/>
+      </p:nvGrpSpPr>
+      <p:grpSpPr>
+        <a:xfrm>
+          <a:off x="0" y="0"/>
+          <a:ext cx="0" cy="0"/>
+          <a:chOff x="0" y="0"/>
+          <a:chExt cx="0" cy="0"/>
+        </a:xfrm>
+      </p:grpSpPr>
+      <p:sp>
+        <p:nvSpPr>
           <p:cNvPr id="2" name="Title 1">
             <a:extLst>
               <a:ext uri="{FF2B5EF4-FFF2-40B4-BE49-F238E27FC236}">
-                <a16:creationId xmlns:a16="http://schemas.microsoft.com/office/drawing/2014/main" id="{4A0CF442-F795-3E46-AC58-421F9F5D5502}"/>
+                <a16:creationId xmlns:a16="http://schemas.microsoft.com/office/drawing/2014/main" id="{9EA242F9-5FF5-A14D-8E76-E14449EA1290}"/>
               </a:ext>
             </a:extLst>
           </p:cNvPr>
@@ -21268,10 +21327,7 @@
           <a:bodyPr/>
           <a:lstStyle/>
           <a:p>
-            <a:r>
-              <a:rPr lang="en-IT" dirty="0"/>
-              <a:t>Wisdom Pills</a:t>
-            </a:r>
+            <a:endParaRPr lang="en-IT"/>
           </a:p>
         </p:txBody>
       </p:sp>
@@ -21280,7 +21336,7 @@
           <p:cNvPr id="3" name="Content Placeholder 2">
             <a:extLst>
               <a:ext uri="{FF2B5EF4-FFF2-40B4-BE49-F238E27FC236}">
-                <a16:creationId xmlns:a16="http://schemas.microsoft.com/office/drawing/2014/main" id="{210D2B36-5F6C-C648-A16C-A97E432A56F4}"/>
+                <a16:creationId xmlns:a16="http://schemas.microsoft.com/office/drawing/2014/main" id="{5A83D9CA-B017-9F49-89D0-89CBC8B814BA}"/>
               </a:ext>
             </a:extLst>
           </p:cNvPr>
@@ -21294,22 +21350,87 @@
         <p:spPr/>
         <p:txBody>
           <a:bodyPr>
-            <a:normAutofit fontScale="92500" lnSpcReduction="10000"/>
+            <a:normAutofit/>
           </a:bodyPr>
           <a:lstStyle/>
           <a:p>
             <a:r>
-              <a:rPr lang="en-GB" i="1" dirty="0"/>
-              <a:t>The first rule of functions is that they should be small. The second rule of functions is that they should be smaller than that. This is not an assertion that I can justify. I can’t provide any references to research that shows that very small functions are better. What I can tell you is that for nearly four decades I have written functions of all different sizes. I’ve writ- ten several nasty 3,000-line abominations. I’ve written scads of functions in the 100 to 300 line range. And I’ve written functions that were 20 to 30 lines long. What this experience has taught me, through long trial and error, is that functions should be very small.   -- </a:t>
-            </a:r>
-            <a:r>
-              <a:rPr lang="en-GB" b="1" dirty="0"/>
-              <a:t>Clean Code, Robert C. Martin</a:t>
-            </a:r>
-            <a:endParaRPr lang="en-GB" dirty="0"/>
-          </a:p>
-          <a:p>
-            <a:endParaRPr lang="en-IT" dirty="0"/>
+              <a:rPr lang="en-IT" sz="2800" dirty="0">
+                <a:latin typeface="Consolas" panose="020B0609020204030204" pitchFamily="49" charset="0"/>
+                <a:cs typeface="Consolas" panose="020B0609020204030204" pitchFamily="49" charset="0"/>
+              </a:rPr>
+              <a:t>System.in</a:t>
+            </a:r>
+          </a:p>
+          <a:p>
+            <a:r>
+              <a:rPr lang="en-IT" sz="2800" dirty="0">
+                <a:latin typeface="Consolas" panose="020B0609020204030204" pitchFamily="49" charset="0"/>
+                <a:cs typeface="Consolas" panose="020B0609020204030204" pitchFamily="49" charset="0"/>
+              </a:rPr>
+              <a:t>System.out</a:t>
+            </a:r>
+          </a:p>
+          <a:p>
+            <a:r>
+              <a:rPr lang="en-GB" sz="2800" dirty="0">
+                <a:latin typeface="Consolas" panose="020B0609020204030204" pitchFamily="49" charset="0"/>
+                <a:cs typeface="Consolas" panose="020B0609020204030204" pitchFamily="49" charset="0"/>
+              </a:rPr>
+              <a:t>print()</a:t>
+            </a:r>
+          </a:p>
+          <a:p>
+            <a:r>
+              <a:rPr lang="en-GB" sz="2800" dirty="0" err="1">
+                <a:latin typeface="Consolas" panose="020B0609020204030204" pitchFamily="49" charset="0"/>
+                <a:cs typeface="Consolas" panose="020B0609020204030204" pitchFamily="49" charset="0"/>
+              </a:rPr>
+              <a:t>println</a:t>
+            </a:r>
+            <a:r>
+              <a:rPr lang="en-GB" sz="2800" dirty="0">
+                <a:latin typeface="Consolas" panose="020B0609020204030204" pitchFamily="49" charset="0"/>
+                <a:cs typeface="Consolas" panose="020B0609020204030204" pitchFamily="49" charset="0"/>
+              </a:rPr>
+              <a:t>()</a:t>
+            </a:r>
+          </a:p>
+          <a:p>
+            <a:r>
+              <a:rPr lang="en-GB" sz="2800" dirty="0" err="1">
+                <a:latin typeface="Consolas" panose="020B0609020204030204" pitchFamily="49" charset="0"/>
+                <a:cs typeface="Consolas" panose="020B0609020204030204" pitchFamily="49" charset="0"/>
+              </a:rPr>
+              <a:t>printf</a:t>
+            </a:r>
+            <a:r>
+              <a:rPr lang="en-GB" sz="2800" dirty="0">
+                <a:latin typeface="Consolas" panose="020B0609020204030204" pitchFamily="49" charset="0"/>
+                <a:cs typeface="Consolas" panose="020B0609020204030204" pitchFamily="49" charset="0"/>
+              </a:rPr>
+              <a:t>()</a:t>
+            </a:r>
+          </a:p>
+          <a:p>
+            <a:r>
+              <a:rPr lang="en-GB" sz="2800" dirty="0" err="1">
+                <a:latin typeface="Consolas" panose="020B0609020204030204" pitchFamily="49" charset="0"/>
+                <a:cs typeface="Consolas" panose="020B0609020204030204" pitchFamily="49" charset="0"/>
+              </a:rPr>
+              <a:t>String.format</a:t>
+            </a:r>
+            <a:r>
+              <a:rPr lang="en-GB" sz="2800" dirty="0">
+                <a:latin typeface="Consolas" panose="020B0609020204030204" pitchFamily="49" charset="0"/>
+                <a:cs typeface="Consolas" panose="020B0609020204030204" pitchFamily="49" charset="0"/>
+              </a:rPr>
+              <a:t>()</a:t>
+            </a:r>
+            <a:endParaRPr lang="en-IT" sz="2800" dirty="0">
+              <a:latin typeface="Consolas" panose="020B0609020204030204" pitchFamily="49" charset="0"/>
+              <a:cs typeface="Consolas" panose="020B0609020204030204" pitchFamily="49" charset="0"/>
+            </a:endParaRPr>
           </a:p>
         </p:txBody>
       </p:sp>
@@ -21318,7 +21439,7 @@
           <p:cNvPr id="4" name="Slide Number Placeholder 3">
             <a:extLst>
               <a:ext uri="{FF2B5EF4-FFF2-40B4-BE49-F238E27FC236}">
-                <a16:creationId xmlns:a16="http://schemas.microsoft.com/office/drawing/2014/main" id="{54C0A88D-ECBF-EB44-AD92-01336BACC331}"/>
+                <a16:creationId xmlns:a16="http://schemas.microsoft.com/office/drawing/2014/main" id="{950E86F1-DB0A-5247-A2AF-A8007D6AB541}"/>
               </a:ext>
             </a:extLst>
           </p:cNvPr>
@@ -21337,7 +21458,7 @@
             <a:fld id="{D2040F39-7941-49A4-B48D-F201B18B6351}" type="slidenum">
               <a:rPr lang="it-IT" smtClean="0"/>
               <a:pPr/>
-              <a:t>56</a:t>
+              <a:t>57</a:t>
             </a:fld>
             <a:endParaRPr lang="it-IT" dirty="0"/>
           </a:p>
@@ -21346,7 +21467,172 @@
     </p:spTree>
     <p:extLst>
       <p:ext uri="{BB962C8B-B14F-4D97-AF65-F5344CB8AC3E}">
-        <p14:creationId xmlns:p14="http://schemas.microsoft.com/office/powerpoint/2010/main" val="1681402336"/>
+        <p14:creationId xmlns:p14="http://schemas.microsoft.com/office/powerpoint/2010/main" val="3471296952"/>
+      </p:ext>
+    </p:extLst>
+  </p:cSld>
+  <p:clrMapOvr>
+    <a:masterClrMapping/>
+  </p:clrMapOvr>
+</p:sld>
+</file>
+
+<file path=ppt/slides/slide58.xml><?xml version="1.0" encoding="utf-8"?>
+<p:sld xmlns:a="http://schemas.openxmlformats.org/drawingml/2006/main" xmlns:r="http://schemas.openxmlformats.org/officeDocument/2006/relationships" xmlns:p="http://schemas.openxmlformats.org/presentationml/2006/main">
+  <p:cSld>
+    <p:spTree>
+      <p:nvGrpSpPr>
+        <p:cNvPr id="1" name=""/>
+        <p:cNvGrpSpPr/>
+        <p:nvPr/>
+      </p:nvGrpSpPr>
+      <p:grpSpPr>
+        <a:xfrm>
+          <a:off x="0" y="0"/>
+          <a:ext cx="0" cy="0"/>
+          <a:chOff x="0" y="0"/>
+          <a:chExt cx="0" cy="0"/>
+        </a:xfrm>
+      </p:grpSpPr>
+      <p:sp>
+        <p:nvSpPr>
+          <p:cNvPr id="2" name="Titolo 1"/>
+          <p:cNvSpPr>
+            <a:spLocks noGrp="1"/>
+          </p:cNvSpPr>
+          <p:nvPr>
+            <p:ph type="ctrTitle"/>
+          </p:nvPr>
+        </p:nvSpPr>
+        <p:spPr/>
+        <p:txBody>
+          <a:bodyPr>
+            <a:normAutofit/>
+          </a:bodyPr>
+          <a:lstStyle/>
+          <a:p>
+            <a:r>
+              <a:rPr lang="en-US" dirty="0"/>
+              <a:t>Random Numbers</a:t>
+            </a:r>
+            <a:endParaRPr lang="it-IT" dirty="0"/>
+          </a:p>
+        </p:txBody>
+      </p:sp>
+    </p:spTree>
+    <p:extLst>
+      <p:ext uri="{BB962C8B-B14F-4D97-AF65-F5344CB8AC3E}">
+        <p14:creationId xmlns:p14="http://schemas.microsoft.com/office/powerpoint/2010/main" val="3407923413"/>
+      </p:ext>
+    </p:extLst>
+  </p:cSld>
+  <p:clrMapOvr>
+    <a:masterClrMapping/>
+  </p:clrMapOvr>
+</p:sld>
+</file>
+
+<file path=ppt/slides/slide59.xml><?xml version="1.0" encoding="utf-8"?>
+<p:sld xmlns:a="http://schemas.openxmlformats.org/drawingml/2006/main" xmlns:r="http://schemas.openxmlformats.org/officeDocument/2006/relationships" xmlns:p="http://schemas.openxmlformats.org/presentationml/2006/main">
+  <p:cSld>
+    <p:spTree>
+      <p:nvGrpSpPr>
+        <p:cNvPr id="1" name=""/>
+        <p:cNvGrpSpPr/>
+        <p:nvPr/>
+      </p:nvGrpSpPr>
+      <p:grpSpPr>
+        <a:xfrm>
+          <a:off x="0" y="0"/>
+          <a:ext cx="0" cy="0"/>
+          <a:chOff x="0" y="0"/>
+          <a:chExt cx="0" cy="0"/>
+        </a:xfrm>
+      </p:grpSpPr>
+      <p:sp>
+        <p:nvSpPr>
+          <p:cNvPr id="2" name="Title 1">
+            <a:extLst>
+              <a:ext uri="{FF2B5EF4-FFF2-40B4-BE49-F238E27FC236}">
+                <a16:creationId xmlns:a16="http://schemas.microsoft.com/office/drawing/2014/main" id="{5AD5CF95-8EA8-CE41-AFD5-C8121B3960B1}"/>
+              </a:ext>
+            </a:extLst>
+          </p:cNvPr>
+          <p:cNvSpPr>
+            <a:spLocks noGrp="1"/>
+          </p:cNvSpPr>
+          <p:nvPr>
+            <p:ph type="title"/>
+          </p:nvPr>
+        </p:nvSpPr>
+        <p:spPr/>
+        <p:txBody>
+          <a:bodyPr/>
+          <a:lstStyle/>
+          <a:p>
+            <a:endParaRPr lang="en-IT"/>
+          </a:p>
+        </p:txBody>
+      </p:sp>
+      <p:sp>
+        <p:nvSpPr>
+          <p:cNvPr id="3" name="Content Placeholder 2">
+            <a:extLst>
+              <a:ext uri="{FF2B5EF4-FFF2-40B4-BE49-F238E27FC236}">
+                <a16:creationId xmlns:a16="http://schemas.microsoft.com/office/drawing/2014/main" id="{2B3C7F43-DF1D-FD44-95B0-ACF0F0BF3695}"/>
+              </a:ext>
+            </a:extLst>
+          </p:cNvPr>
+          <p:cNvSpPr>
+            <a:spLocks noGrp="1"/>
+          </p:cNvSpPr>
+          <p:nvPr>
+            <p:ph idx="1"/>
+          </p:nvPr>
+        </p:nvSpPr>
+        <p:spPr/>
+        <p:txBody>
+          <a:bodyPr/>
+          <a:lstStyle/>
+          <a:p>
+            <a:endParaRPr lang="en-IT"/>
+          </a:p>
+        </p:txBody>
+      </p:sp>
+      <p:sp>
+        <p:nvSpPr>
+          <p:cNvPr id="4" name="Slide Number Placeholder 3">
+            <a:extLst>
+              <a:ext uri="{FF2B5EF4-FFF2-40B4-BE49-F238E27FC236}">
+                <a16:creationId xmlns:a16="http://schemas.microsoft.com/office/drawing/2014/main" id="{F2F98F19-C953-7C4D-BFCD-53A12851C502}"/>
+              </a:ext>
+            </a:extLst>
+          </p:cNvPr>
+          <p:cNvSpPr>
+            <a:spLocks noGrp="1"/>
+          </p:cNvSpPr>
+          <p:nvPr>
+            <p:ph type="sldNum" sz="quarter" idx="12"/>
+          </p:nvPr>
+        </p:nvSpPr>
+        <p:spPr/>
+        <p:txBody>
+          <a:bodyPr/>
+          <a:lstStyle/>
+          <a:p>
+            <a:fld id="{D2040F39-7941-49A4-B48D-F201B18B6351}" type="slidenum">
+              <a:rPr lang="it-IT" smtClean="0"/>
+              <a:pPr/>
+              <a:t>59</a:t>
+            </a:fld>
+            <a:endParaRPr lang="it-IT" dirty="0"/>
+          </a:p>
+        </p:txBody>
+      </p:sp>
+    </p:spTree>
+    <p:extLst>
+      <p:ext uri="{BB962C8B-B14F-4D97-AF65-F5344CB8AC3E}">
+        <p14:creationId xmlns:p14="http://schemas.microsoft.com/office/powerpoint/2010/main" val="1648934633"/>
       </p:ext>
     </p:extLst>
   </p:cSld>
@@ -21512,6 +21798,132 @@
     <p:extLst>
       <p:ext uri="{BB962C8B-B14F-4D97-AF65-F5344CB8AC3E}">
         <p14:creationId xmlns:p14="http://schemas.microsoft.com/office/powerpoint/2010/main" val="3466143654"/>
+      </p:ext>
+    </p:extLst>
+  </p:cSld>
+  <p:clrMapOvr>
+    <a:masterClrMapping/>
+  </p:clrMapOvr>
+</p:sld>
+</file>
+
+<file path=ppt/slides/slide60.xml><?xml version="1.0" encoding="utf-8"?>
+<p:sld xmlns:a="http://schemas.openxmlformats.org/drawingml/2006/main" xmlns:r="http://schemas.openxmlformats.org/officeDocument/2006/relationships" xmlns:p="http://schemas.openxmlformats.org/presentationml/2006/main">
+  <p:cSld>
+    <p:spTree>
+      <p:nvGrpSpPr>
+        <p:cNvPr id="1" name=""/>
+        <p:cNvGrpSpPr/>
+        <p:nvPr/>
+      </p:nvGrpSpPr>
+      <p:grpSpPr>
+        <a:xfrm>
+          <a:off x="0" y="0"/>
+          <a:ext cx="0" cy="0"/>
+          <a:chOff x="0" y="0"/>
+          <a:chExt cx="0" cy="0"/>
+        </a:xfrm>
+      </p:grpSpPr>
+      <p:sp>
+        <p:nvSpPr>
+          <p:cNvPr id="2" name="Title 1">
+            <a:extLst>
+              <a:ext uri="{FF2B5EF4-FFF2-40B4-BE49-F238E27FC236}">
+                <a16:creationId xmlns:a16="http://schemas.microsoft.com/office/drawing/2014/main" id="{4A0CF442-F795-3E46-AC58-421F9F5D5502}"/>
+              </a:ext>
+            </a:extLst>
+          </p:cNvPr>
+          <p:cNvSpPr>
+            <a:spLocks noGrp="1"/>
+          </p:cNvSpPr>
+          <p:nvPr>
+            <p:ph type="title"/>
+          </p:nvPr>
+        </p:nvSpPr>
+        <p:spPr/>
+        <p:txBody>
+          <a:bodyPr/>
+          <a:lstStyle/>
+          <a:p>
+            <a:r>
+              <a:rPr lang="en-IT" dirty="0"/>
+              <a:t>Wisdom Pills</a:t>
+            </a:r>
+          </a:p>
+        </p:txBody>
+      </p:sp>
+      <p:sp>
+        <p:nvSpPr>
+          <p:cNvPr id="3" name="Content Placeholder 2">
+            <a:extLst>
+              <a:ext uri="{FF2B5EF4-FFF2-40B4-BE49-F238E27FC236}">
+                <a16:creationId xmlns:a16="http://schemas.microsoft.com/office/drawing/2014/main" id="{210D2B36-5F6C-C648-A16C-A97E432A56F4}"/>
+              </a:ext>
+            </a:extLst>
+          </p:cNvPr>
+          <p:cNvSpPr>
+            <a:spLocks noGrp="1"/>
+          </p:cNvSpPr>
+          <p:nvPr>
+            <p:ph idx="1"/>
+          </p:nvPr>
+        </p:nvSpPr>
+        <p:spPr/>
+        <p:txBody>
+          <a:bodyPr>
+            <a:normAutofit fontScale="92500" lnSpcReduction="10000"/>
+          </a:bodyPr>
+          <a:lstStyle/>
+          <a:p>
+            <a:r>
+              <a:rPr lang="en-GB" i="1" dirty="0"/>
+              <a:t>The first rule of functions is that they should be small. The second rule of functions is that they should be smaller than that. This is not an assertion that I can justify. I can’t provide any references to research that shows that very small functions are better. What I can tell you is that for nearly four decades I have written functions of all different sizes. I’ve writ- ten several nasty 3,000-line abominations. I’ve written scads of functions in the 100 to 300 line range. And I’ve written functions that were 20 to 30 lines long. What this experience has taught me, through long trial and error, is that functions should be very small.   -- </a:t>
+            </a:r>
+            <a:r>
+              <a:rPr lang="en-GB" b="1" dirty="0"/>
+              <a:t>Clean Code, Robert C. Martin</a:t>
+            </a:r>
+            <a:endParaRPr lang="en-GB" dirty="0"/>
+          </a:p>
+          <a:p>
+            <a:endParaRPr lang="en-IT" dirty="0"/>
+          </a:p>
+        </p:txBody>
+      </p:sp>
+      <p:sp>
+        <p:nvSpPr>
+          <p:cNvPr id="4" name="Slide Number Placeholder 3">
+            <a:extLst>
+              <a:ext uri="{FF2B5EF4-FFF2-40B4-BE49-F238E27FC236}">
+                <a16:creationId xmlns:a16="http://schemas.microsoft.com/office/drawing/2014/main" id="{54C0A88D-ECBF-EB44-AD92-01336BACC331}"/>
+              </a:ext>
+            </a:extLst>
+          </p:cNvPr>
+          <p:cNvSpPr>
+            <a:spLocks noGrp="1"/>
+          </p:cNvSpPr>
+          <p:nvPr>
+            <p:ph type="sldNum" sz="quarter" idx="12"/>
+          </p:nvPr>
+        </p:nvSpPr>
+        <p:spPr/>
+        <p:txBody>
+          <a:bodyPr/>
+          <a:lstStyle/>
+          <a:p>
+            <a:fld id="{D2040F39-7941-49A4-B48D-F201B18B6351}" type="slidenum">
+              <a:rPr lang="it-IT" smtClean="0"/>
+              <a:pPr/>
+              <a:t>60</a:t>
+            </a:fld>
+            <a:endParaRPr lang="it-IT" dirty="0"/>
+          </a:p>
+        </p:txBody>
+      </p:sp>
+    </p:spTree>
+    <p:extLst>
+      <p:ext uri="{BB962C8B-B14F-4D97-AF65-F5344CB8AC3E}">
+        <p14:creationId xmlns:p14="http://schemas.microsoft.com/office/powerpoint/2010/main" val="1681402336"/>
       </p:ext>
     </p:extLst>
   </p:cSld>

--- a/java/slides/ppt/02 - Java Basics.pptx
+++ b/java/slides/ppt/02 - Java Basics.pptx
@@ -5,10 +5,10 @@
     <p:sldMasterId id="2147483672" r:id="rId1"/>
   </p:sldMasterIdLst>
   <p:notesMasterIdLst>
-    <p:notesMasterId r:id="rId62"/>
+    <p:notesMasterId r:id="rId64"/>
   </p:notesMasterIdLst>
   <p:handoutMasterIdLst>
-    <p:handoutMasterId r:id="rId63"/>
+    <p:handoutMasterId r:id="rId65"/>
   </p:handoutMasterIdLst>
   <p:sldIdLst>
     <p:sldId id="256" r:id="rId2"/>
@@ -68,9 +68,11 @@
     <p:sldId id="406" r:id="rId56"/>
     <p:sldId id="422" r:id="rId57"/>
     <p:sldId id="424" r:id="rId58"/>
-    <p:sldId id="423" r:id="rId59"/>
-    <p:sldId id="425" r:id="rId60"/>
-    <p:sldId id="421" r:id="rId61"/>
+    <p:sldId id="426" r:id="rId59"/>
+    <p:sldId id="427" r:id="rId60"/>
+    <p:sldId id="423" r:id="rId61"/>
+    <p:sldId id="425" r:id="rId62"/>
+    <p:sldId id="421" r:id="rId63"/>
   </p:sldIdLst>
   <p:sldSz cx="12192000" cy="6858000"/>
   <p:notesSz cx="6858000" cy="9144000"/>
@@ -282,7 +284,7 @@
           <a:p>
             <a:fld id="{5591E39A-28E5-5D4D-B97C-ECEB96F19817}" type="datetimeFigureOut">
               <a:rPr lang="en-IT" smtClean="0"/>
-              <a:t>10/10/21</a:t>
+              <a:t>13/10/21</a:t>
             </a:fld>
             <a:endParaRPr lang="en-IT"/>
           </a:p>
@@ -461,7 +463,7 @@
             <a:fld id="{BAEB7694-8561-4BE2-948D-EDF7A201F8BB}" type="datetimeFigureOut">
               <a:rPr lang="it-IT" smtClean="0"/>
               <a:pPr/>
-              <a:t>10/10/21</a:t>
+              <a:t>13/10/21</a:t>
             </a:fld>
             <a:endParaRPr lang="it-IT"/>
           </a:p>
@@ -21327,7 +21329,10 @@
           <a:bodyPr/>
           <a:lstStyle/>
           <a:p>
-            <a:endParaRPr lang="en-IT"/>
+            <a:r>
+              <a:rPr lang="en-IT" dirty="0"/>
+              <a:t>Standard files</a:t>
+            </a:r>
           </a:p>
         </p:txBody>
       </p:sp>
@@ -21355,81 +21360,192 @@
           <a:lstStyle/>
           <a:p>
             <a:r>
-              <a:rPr lang="en-IT" sz="2800" dirty="0">
-                <a:latin typeface="Consolas" panose="020B0609020204030204" pitchFamily="49" charset="0"/>
-                <a:cs typeface="Consolas" panose="020B0609020204030204" pitchFamily="49" charset="0"/>
+              <a:rPr lang="en-GB" sz="2800" dirty="0" err="1">
+                <a:solidFill>
+                  <a:schemeClr val="accent6">
+                    <a:lumMod val="75000"/>
+                  </a:schemeClr>
+                </a:solidFill>
+                <a:latin typeface="Calibri" panose="020F0502020204030204" pitchFamily="34" charset="0"/>
+                <a:cs typeface="Calibri" panose="020F0502020204030204" pitchFamily="34" charset="0"/>
               </a:rPr>
               <a:t>System.in</a:t>
             </a:r>
-          </a:p>
-          <a:p>
-            <a:r>
-              <a:rPr lang="en-IT" sz="2800" dirty="0">
-                <a:latin typeface="Consolas" panose="020B0609020204030204" pitchFamily="49" charset="0"/>
-                <a:cs typeface="Consolas" panose="020B0609020204030204" pitchFamily="49" charset="0"/>
+            <a:r>
+              <a:rPr lang="en-GB" sz="2800" dirty="0">
+                <a:solidFill>
+                  <a:schemeClr val="accent6">
+                    <a:lumMod val="75000"/>
+                  </a:schemeClr>
+                </a:solidFill>
+                <a:latin typeface="Calibri" panose="020F0502020204030204" pitchFamily="34" charset="0"/>
+                <a:cs typeface="Calibri" panose="020F0502020204030204" pitchFamily="34" charset="0"/>
+              </a:rPr>
+              <a:t> </a:t>
+            </a:r>
+            <a:r>
+              <a:rPr lang="en-GB" sz="2800" dirty="0">
+                <a:latin typeface="Calibri" panose="020F0502020204030204" pitchFamily="34" charset="0"/>
+                <a:cs typeface="Calibri" panose="020F0502020204030204" pitchFamily="34" charset="0"/>
+              </a:rPr>
+              <a:t>is an </a:t>
+            </a:r>
+            <a:r>
+              <a:rPr lang="en-GB" sz="2800" dirty="0" err="1">
+                <a:solidFill>
+                  <a:schemeClr val="accent6">
+                    <a:lumMod val="75000"/>
+                  </a:schemeClr>
+                </a:solidFill>
+                <a:latin typeface="Calibri" panose="020F0502020204030204" pitchFamily="34" charset="0"/>
+                <a:cs typeface="Calibri" panose="020F0502020204030204" pitchFamily="34" charset="0"/>
+              </a:rPr>
+              <a:t>InputStream</a:t>
+            </a:r>
+            <a:r>
+              <a:rPr lang="en-GB" sz="2800" dirty="0">
+                <a:latin typeface="Calibri" panose="020F0502020204030204" pitchFamily="34" charset="0"/>
+                <a:cs typeface="Calibri" panose="020F0502020204030204" pitchFamily="34" charset="0"/>
+              </a:rPr>
+              <a:t> which is typically connected to keyboard input of console programs.</a:t>
+            </a:r>
+          </a:p>
+          <a:p>
+            <a:r>
+              <a:rPr lang="en-GB" sz="2800" dirty="0" err="1">
+                <a:solidFill>
+                  <a:schemeClr val="accent6">
+                    <a:lumMod val="75000"/>
+                  </a:schemeClr>
+                </a:solidFill>
+                <a:latin typeface="Calibri" panose="020F0502020204030204" pitchFamily="34" charset="0"/>
+                <a:cs typeface="Calibri" panose="020F0502020204030204" pitchFamily="34" charset="0"/>
               </a:rPr>
               <a:t>System.out</a:t>
             </a:r>
-          </a:p>
-          <a:p>
             <a:r>
               <a:rPr lang="en-GB" sz="2800" dirty="0">
-                <a:latin typeface="Consolas" panose="020B0609020204030204" pitchFamily="49" charset="0"/>
-                <a:cs typeface="Consolas" panose="020B0609020204030204" pitchFamily="49" charset="0"/>
-              </a:rPr>
-              <a:t>print()</a:t>
-            </a:r>
-          </a:p>
-          <a:p>
+                <a:solidFill>
+                  <a:schemeClr val="accent6">
+                    <a:lumMod val="75000"/>
+                  </a:schemeClr>
+                </a:solidFill>
+                <a:latin typeface="Calibri" panose="020F0502020204030204" pitchFamily="34" charset="0"/>
+                <a:cs typeface="Calibri" panose="020F0502020204030204" pitchFamily="34" charset="0"/>
+              </a:rPr>
+              <a:t> </a:t>
+            </a:r>
+            <a:r>
+              <a:rPr lang="en-GB" sz="2800" dirty="0">
+                <a:latin typeface="Calibri" panose="020F0502020204030204" pitchFamily="34" charset="0"/>
+                <a:cs typeface="Calibri" panose="020F0502020204030204" pitchFamily="34" charset="0"/>
+              </a:rPr>
+              <a:t>is a </a:t>
+            </a:r>
             <a:r>
               <a:rPr lang="en-GB" sz="2800" dirty="0" err="1">
-                <a:latin typeface="Consolas" panose="020B0609020204030204" pitchFamily="49" charset="0"/>
-                <a:cs typeface="Consolas" panose="020B0609020204030204" pitchFamily="49" charset="0"/>
-              </a:rPr>
-              <a:t>println</a:t>
+                <a:solidFill>
+                  <a:schemeClr val="accent6">
+                    <a:lumMod val="75000"/>
+                  </a:schemeClr>
+                </a:solidFill>
+                <a:latin typeface="Calibri" panose="020F0502020204030204" pitchFamily="34" charset="0"/>
+                <a:cs typeface="Calibri" panose="020F0502020204030204" pitchFamily="34" charset="0"/>
+              </a:rPr>
+              <a:t>PrintStream</a:t>
             </a:r>
             <a:r>
               <a:rPr lang="en-GB" sz="2800" dirty="0">
-                <a:latin typeface="Consolas" panose="020B0609020204030204" pitchFamily="49" charset="0"/>
-                <a:cs typeface="Consolas" panose="020B0609020204030204" pitchFamily="49" charset="0"/>
-              </a:rPr>
-              <a:t>()</a:t>
+                <a:latin typeface="Calibri" panose="020F0502020204030204" pitchFamily="34" charset="0"/>
+                <a:cs typeface="Calibri" panose="020F0502020204030204" pitchFamily="34" charset="0"/>
+              </a:rPr>
+              <a:t> to which you can write characters. It normally outputs the data you write to it to the console / terminal.</a:t>
             </a:r>
           </a:p>
           <a:p>
             <a:r>
               <a:rPr lang="en-GB" sz="2800" dirty="0" err="1">
-                <a:latin typeface="Consolas" panose="020B0609020204030204" pitchFamily="49" charset="0"/>
-                <a:cs typeface="Consolas" panose="020B0609020204030204" pitchFamily="49" charset="0"/>
-              </a:rPr>
-              <a:t>printf</a:t>
+                <a:solidFill>
+                  <a:schemeClr val="accent6">
+                    <a:lumMod val="75000"/>
+                  </a:schemeClr>
+                </a:solidFill>
+                <a:latin typeface="Calibri" panose="020F0502020204030204" pitchFamily="34" charset="0"/>
+                <a:cs typeface="Calibri" panose="020F0502020204030204" pitchFamily="34" charset="0"/>
+              </a:rPr>
+              <a:t>System.err</a:t>
             </a:r>
             <a:r>
               <a:rPr lang="en-GB" sz="2800" dirty="0">
-                <a:latin typeface="Consolas" panose="020B0609020204030204" pitchFamily="49" charset="0"/>
-                <a:cs typeface="Consolas" panose="020B0609020204030204" pitchFamily="49" charset="0"/>
-              </a:rPr>
-              <a:t>()</a:t>
-            </a:r>
-          </a:p>
-          <a:p>
+                <a:solidFill>
+                  <a:schemeClr val="accent6">
+                    <a:lumMod val="75000"/>
+                  </a:schemeClr>
+                </a:solidFill>
+                <a:latin typeface="Calibri" panose="020F0502020204030204" pitchFamily="34" charset="0"/>
+                <a:cs typeface="Calibri" panose="020F0502020204030204" pitchFamily="34" charset="0"/>
+              </a:rPr>
+              <a:t> </a:t>
+            </a:r>
+            <a:r>
+              <a:rPr lang="en-GB" sz="2800" dirty="0">
+                <a:latin typeface="Calibri" panose="020F0502020204030204" pitchFamily="34" charset="0"/>
+                <a:cs typeface="Calibri" panose="020F0502020204030204" pitchFamily="34" charset="0"/>
+              </a:rPr>
+              <a:t>is a </a:t>
+            </a:r>
             <a:r>
               <a:rPr lang="en-GB" sz="2800" dirty="0" err="1">
-                <a:latin typeface="Consolas" panose="020B0609020204030204" pitchFamily="49" charset="0"/>
-                <a:cs typeface="Consolas" panose="020B0609020204030204" pitchFamily="49" charset="0"/>
-              </a:rPr>
-              <a:t>String.format</a:t>
+                <a:solidFill>
+                  <a:schemeClr val="accent6">
+                    <a:lumMod val="75000"/>
+                  </a:schemeClr>
+                </a:solidFill>
+                <a:latin typeface="Calibri" panose="020F0502020204030204" pitchFamily="34" charset="0"/>
+                <a:cs typeface="Calibri" panose="020F0502020204030204" pitchFamily="34" charset="0"/>
+              </a:rPr>
+              <a:t>PrintStream</a:t>
             </a:r>
             <a:r>
               <a:rPr lang="en-GB" sz="2800" dirty="0">
-                <a:latin typeface="Consolas" panose="020B0609020204030204" pitchFamily="49" charset="0"/>
-                <a:cs typeface="Consolas" panose="020B0609020204030204" pitchFamily="49" charset="0"/>
-              </a:rPr>
-              <a:t>()</a:t>
-            </a:r>
+                <a:latin typeface="Calibri" panose="020F0502020204030204" pitchFamily="34" charset="0"/>
+                <a:cs typeface="Calibri" panose="020F0502020204030204" pitchFamily="34" charset="0"/>
+              </a:rPr>
+              <a:t>. It works like </a:t>
+            </a:r>
+            <a:r>
+              <a:rPr lang="en-GB" sz="2800" dirty="0" err="1">
+                <a:latin typeface="Calibri" panose="020F0502020204030204" pitchFamily="34" charset="0"/>
+                <a:cs typeface="Calibri" panose="020F0502020204030204" pitchFamily="34" charset="0"/>
+              </a:rPr>
+              <a:t>System.out</a:t>
+            </a:r>
+            <a:r>
+              <a:rPr lang="en-GB" sz="2800" dirty="0">
+                <a:latin typeface="Calibri" panose="020F0502020204030204" pitchFamily="34" charset="0"/>
+                <a:cs typeface="Calibri" panose="020F0502020204030204" pitchFamily="34" charset="0"/>
+              </a:rPr>
+              <a:t> except it is normally only used to output error texts. Some programs (like Eclipse) will show the output to </a:t>
+            </a:r>
+            <a:r>
+              <a:rPr lang="en-GB" sz="2800" dirty="0" err="1">
+                <a:latin typeface="Calibri" panose="020F0502020204030204" pitchFamily="34" charset="0"/>
+                <a:cs typeface="Calibri" panose="020F0502020204030204" pitchFamily="34" charset="0"/>
+              </a:rPr>
+              <a:t>System.err</a:t>
+            </a:r>
+            <a:r>
+              <a:rPr lang="en-GB" sz="2800" dirty="0">
+                <a:latin typeface="Calibri" panose="020F0502020204030204" pitchFamily="34" charset="0"/>
+                <a:cs typeface="Calibri" panose="020F0502020204030204" pitchFamily="34" charset="0"/>
+              </a:rPr>
+              <a:t> in red text, to make it more obvious that it is error text.</a:t>
+            </a:r>
+          </a:p>
+          <a:p>
             <a:endParaRPr lang="en-IT" sz="2800" dirty="0">
-              <a:latin typeface="Consolas" panose="020B0609020204030204" pitchFamily="49" charset="0"/>
-              <a:cs typeface="Consolas" panose="020B0609020204030204" pitchFamily="49" charset="0"/>
+              <a:latin typeface="Calibri" panose="020F0502020204030204" pitchFamily="34" charset="0"/>
+              <a:cs typeface="Calibri" panose="020F0502020204030204" pitchFamily="34" charset="0"/>
             </a:endParaRPr>
           </a:p>
         </p:txBody>
@@ -21496,12 +21612,46 @@
       </p:grpSpPr>
       <p:sp>
         <p:nvSpPr>
-          <p:cNvPr id="2" name="Titolo 1"/>
+          <p:cNvPr id="2" name="Title 1">
+            <a:extLst>
+              <a:ext uri="{FF2B5EF4-FFF2-40B4-BE49-F238E27FC236}">
+                <a16:creationId xmlns:a16="http://schemas.microsoft.com/office/drawing/2014/main" id="{E95AA141-33D8-A44F-A00F-63437AF88DD9}"/>
+              </a:ext>
+            </a:extLst>
+          </p:cNvPr>
           <p:cNvSpPr>
             <a:spLocks noGrp="1"/>
           </p:cNvSpPr>
           <p:nvPr>
-            <p:ph type="ctrTitle"/>
+            <p:ph type="title"/>
+          </p:nvPr>
+        </p:nvSpPr>
+        <p:spPr/>
+        <p:txBody>
+          <a:bodyPr/>
+          <a:lstStyle/>
+          <a:p>
+            <a:r>
+              <a:rPr lang="en-IT" dirty="0"/>
+              <a:t>PrintStream Methods</a:t>
+            </a:r>
+          </a:p>
+        </p:txBody>
+      </p:sp>
+      <p:sp>
+        <p:nvSpPr>
+          <p:cNvPr id="3" name="Content Placeholder 2">
+            <a:extLst>
+              <a:ext uri="{FF2B5EF4-FFF2-40B4-BE49-F238E27FC236}">
+                <a16:creationId xmlns:a16="http://schemas.microsoft.com/office/drawing/2014/main" id="{98B3CD6C-F4E1-174F-86A6-255FEE8E8323}"/>
+              </a:ext>
+            </a:extLst>
+          </p:cNvPr>
+          <p:cNvSpPr>
+            <a:spLocks noGrp="1"/>
+          </p:cNvSpPr>
+          <p:nvPr>
+            <p:ph idx="1"/>
           </p:nvPr>
         </p:nvSpPr>
         <p:spPr/>
@@ -21512,9 +21662,276 @@
           <a:lstStyle/>
           <a:p>
             <a:r>
-              <a:rPr lang="en-US" dirty="0"/>
-              <a:t>Random Numbers</a:t>
-            </a:r>
+              <a:rPr lang="en-GB" sz="2800" dirty="0">
+                <a:solidFill>
+                  <a:schemeClr val="accent6">
+                    <a:lumMod val="75000"/>
+                  </a:schemeClr>
+                </a:solidFill>
+                <a:latin typeface="Consolas" panose="020B0609020204030204" pitchFamily="49" charset="0"/>
+                <a:cs typeface="Consolas" panose="020B0609020204030204" pitchFamily="49" charset="0"/>
+              </a:rPr>
+              <a:t>void print(String s) </a:t>
+            </a:r>
+            <a:r>
+              <a:rPr lang="en-GB" sz="2800" dirty="0">
+                <a:latin typeface="Consolas" panose="020B0609020204030204" pitchFamily="49" charset="0"/>
+                <a:cs typeface="Consolas" panose="020B0609020204030204" pitchFamily="49" charset="0"/>
+              </a:rPr>
+              <a:t>		</a:t>
+            </a:r>
+          </a:p>
+          <a:p>
+            <a:pPr lvl="1"/>
+            <a:r>
+              <a:rPr lang="en-GB" sz="2400" dirty="0"/>
+              <a:t>Prints a string</a:t>
+            </a:r>
+            <a:endParaRPr lang="en-GB" sz="2400" dirty="0">
+              <a:latin typeface="Consolas" panose="020B0609020204030204" pitchFamily="49" charset="0"/>
+              <a:cs typeface="Consolas" panose="020B0609020204030204" pitchFamily="49" charset="0"/>
+            </a:endParaRPr>
+          </a:p>
+          <a:p>
+            <a:r>
+              <a:rPr lang="en-GB" sz="2800" dirty="0">
+                <a:solidFill>
+                  <a:schemeClr val="accent6">
+                    <a:lumMod val="75000"/>
+                  </a:schemeClr>
+                </a:solidFill>
+                <a:latin typeface="Consolas" panose="020B0609020204030204" pitchFamily="49" charset="0"/>
+                <a:cs typeface="Consolas" panose="020B0609020204030204" pitchFamily="49" charset="0"/>
+              </a:rPr>
+              <a:t>void </a:t>
+            </a:r>
+            <a:r>
+              <a:rPr lang="en-GB" sz="2800" dirty="0" err="1">
+                <a:solidFill>
+                  <a:schemeClr val="accent6">
+                    <a:lumMod val="75000"/>
+                  </a:schemeClr>
+                </a:solidFill>
+                <a:latin typeface="Consolas" panose="020B0609020204030204" pitchFamily="49" charset="0"/>
+                <a:cs typeface="Consolas" panose="020B0609020204030204" pitchFamily="49" charset="0"/>
+              </a:rPr>
+              <a:t>println</a:t>
+            </a:r>
+            <a:r>
+              <a:rPr lang="en-GB" sz="2800" dirty="0">
+                <a:solidFill>
+                  <a:schemeClr val="accent6">
+                    <a:lumMod val="75000"/>
+                  </a:schemeClr>
+                </a:solidFill>
+                <a:latin typeface="Consolas" panose="020B0609020204030204" pitchFamily="49" charset="0"/>
+                <a:cs typeface="Consolas" panose="020B0609020204030204" pitchFamily="49" charset="0"/>
+              </a:rPr>
+              <a:t>(String s) </a:t>
+            </a:r>
+            <a:r>
+              <a:rPr lang="en-GB" sz="2800" dirty="0">
+                <a:latin typeface="Consolas" panose="020B0609020204030204" pitchFamily="49" charset="0"/>
+                <a:cs typeface="Consolas" panose="020B0609020204030204" pitchFamily="49" charset="0"/>
+              </a:rPr>
+              <a:t>	</a:t>
+            </a:r>
+          </a:p>
+          <a:p>
+            <a:pPr lvl="1"/>
+            <a:r>
+              <a:rPr lang="en-GB" sz="2400" dirty="0"/>
+              <a:t>Prints a String and then terminate the line</a:t>
+            </a:r>
+            <a:endParaRPr lang="en-GB" sz="2400" dirty="0">
+              <a:latin typeface="Consolas" panose="020B0609020204030204" pitchFamily="49" charset="0"/>
+              <a:cs typeface="Consolas" panose="020B0609020204030204" pitchFamily="49" charset="0"/>
+            </a:endParaRPr>
+          </a:p>
+          <a:p>
+            <a:r>
+              <a:rPr lang="en-GB" sz="2800" dirty="0">
+                <a:solidFill>
+                  <a:schemeClr val="accent6">
+                    <a:lumMod val="75000"/>
+                  </a:schemeClr>
+                </a:solidFill>
+                <a:latin typeface="Consolas" panose="020B0609020204030204" pitchFamily="49" charset="0"/>
+                <a:cs typeface="Consolas" panose="020B0609020204030204" pitchFamily="49" charset="0"/>
+              </a:rPr>
+              <a:t>void </a:t>
+            </a:r>
+            <a:r>
+              <a:rPr lang="en-GB" sz="2800" dirty="0" err="1">
+                <a:solidFill>
+                  <a:schemeClr val="accent6">
+                    <a:lumMod val="75000"/>
+                  </a:schemeClr>
+                </a:solidFill>
+                <a:latin typeface="Consolas" panose="020B0609020204030204" pitchFamily="49" charset="0"/>
+                <a:cs typeface="Consolas" panose="020B0609020204030204" pitchFamily="49" charset="0"/>
+              </a:rPr>
+              <a:t>printf</a:t>
+            </a:r>
+            <a:r>
+              <a:rPr lang="en-GB" sz="2800" dirty="0">
+                <a:solidFill>
+                  <a:schemeClr val="accent6">
+                    <a:lumMod val="75000"/>
+                  </a:schemeClr>
+                </a:solidFill>
+                <a:latin typeface="Consolas" panose="020B0609020204030204" pitchFamily="49" charset="0"/>
+                <a:cs typeface="Consolas" panose="020B0609020204030204" pitchFamily="49" charset="0"/>
+              </a:rPr>
+              <a:t>(String format, Object... </a:t>
+            </a:r>
+            <a:r>
+              <a:rPr lang="en-GB" sz="2800" dirty="0" err="1">
+                <a:solidFill>
+                  <a:schemeClr val="accent6">
+                    <a:lumMod val="75000"/>
+                  </a:schemeClr>
+                </a:solidFill>
+                <a:latin typeface="Consolas" panose="020B0609020204030204" pitchFamily="49" charset="0"/>
+                <a:cs typeface="Consolas" panose="020B0609020204030204" pitchFamily="49" charset="0"/>
+              </a:rPr>
+              <a:t>args</a:t>
+            </a:r>
+            <a:r>
+              <a:rPr lang="en-GB" sz="2800" dirty="0">
+                <a:solidFill>
+                  <a:schemeClr val="accent6">
+                    <a:lumMod val="75000"/>
+                  </a:schemeClr>
+                </a:solidFill>
+                <a:latin typeface="Consolas" panose="020B0609020204030204" pitchFamily="49" charset="0"/>
+                <a:cs typeface="Consolas" panose="020B0609020204030204" pitchFamily="49" charset="0"/>
+              </a:rPr>
+              <a:t>) </a:t>
+            </a:r>
+            <a:r>
+              <a:rPr lang="en-GB" sz="2800" dirty="0">
+                <a:latin typeface="Consolas" panose="020B0609020204030204" pitchFamily="49" charset="0"/>
+                <a:cs typeface="Consolas" panose="020B0609020204030204" pitchFamily="49" charset="0"/>
+              </a:rPr>
+              <a:t>	</a:t>
+            </a:r>
+          </a:p>
+          <a:p>
+            <a:pPr lvl="1"/>
+            <a:r>
+              <a:rPr lang="en-GB" sz="2400" dirty="0"/>
+              <a:t>Write a formatted string using the specified format string and arguments</a:t>
+            </a:r>
+            <a:endParaRPr lang="en-GB" sz="2400" dirty="0">
+              <a:latin typeface="Consolas" panose="020B0609020204030204" pitchFamily="49" charset="0"/>
+              <a:cs typeface="Consolas" panose="020B0609020204030204" pitchFamily="49" charset="0"/>
+            </a:endParaRPr>
+          </a:p>
+          <a:p>
+            <a:r>
+              <a:rPr lang="en-GB" sz="2800" dirty="0">
+                <a:solidFill>
+                  <a:schemeClr val="accent6">
+                    <a:lumMod val="75000"/>
+                  </a:schemeClr>
+                </a:solidFill>
+                <a:latin typeface="Consolas" panose="020B0609020204030204" pitchFamily="49" charset="0"/>
+                <a:cs typeface="Consolas" panose="020B0609020204030204" pitchFamily="49" charset="0"/>
+              </a:rPr>
+              <a:t>String </a:t>
+            </a:r>
+            <a:r>
+              <a:rPr lang="en-GB" sz="2800" dirty="0" err="1">
+                <a:solidFill>
+                  <a:schemeClr val="accent6">
+                    <a:lumMod val="75000"/>
+                  </a:schemeClr>
+                </a:solidFill>
+                <a:latin typeface="Consolas" panose="020B0609020204030204" pitchFamily="49" charset="0"/>
+                <a:cs typeface="Consolas" panose="020B0609020204030204" pitchFamily="49" charset="0"/>
+              </a:rPr>
+              <a:t>String.format</a:t>
+            </a:r>
+            <a:r>
+              <a:rPr lang="en-GB" sz="2800" dirty="0">
+                <a:solidFill>
+                  <a:schemeClr val="accent6">
+                    <a:lumMod val="75000"/>
+                  </a:schemeClr>
+                </a:solidFill>
+                <a:latin typeface="Consolas" panose="020B0609020204030204" pitchFamily="49" charset="0"/>
+                <a:cs typeface="Consolas" panose="020B0609020204030204" pitchFamily="49" charset="0"/>
+              </a:rPr>
+              <a:t>(String format, Object... </a:t>
+            </a:r>
+            <a:r>
+              <a:rPr lang="en-GB" sz="2800" dirty="0" err="1">
+                <a:solidFill>
+                  <a:schemeClr val="accent6">
+                    <a:lumMod val="75000"/>
+                  </a:schemeClr>
+                </a:solidFill>
+                <a:latin typeface="Consolas" panose="020B0609020204030204" pitchFamily="49" charset="0"/>
+                <a:cs typeface="Consolas" panose="020B0609020204030204" pitchFamily="49" charset="0"/>
+              </a:rPr>
+              <a:t>args</a:t>
+            </a:r>
+            <a:r>
+              <a:rPr lang="en-GB" sz="2800" dirty="0">
+                <a:solidFill>
+                  <a:schemeClr val="accent6">
+                    <a:lumMod val="75000"/>
+                  </a:schemeClr>
+                </a:solidFill>
+                <a:latin typeface="Consolas" panose="020B0609020204030204" pitchFamily="49" charset="0"/>
+                <a:cs typeface="Consolas" panose="020B0609020204030204" pitchFamily="49" charset="0"/>
+              </a:rPr>
+              <a:t>) </a:t>
+            </a:r>
+          </a:p>
+          <a:p>
+            <a:pPr lvl="1"/>
+            <a:r>
+              <a:rPr lang="en-GB" sz="2400" dirty="0"/>
+              <a:t>Returns a formatted string using the specified format string and arguments</a:t>
+            </a:r>
+            <a:endParaRPr lang="en-IT" sz="2400" dirty="0">
+              <a:latin typeface="Consolas" panose="020B0609020204030204" pitchFamily="49" charset="0"/>
+              <a:cs typeface="Consolas" panose="020B0609020204030204" pitchFamily="49" charset="0"/>
+            </a:endParaRPr>
+          </a:p>
+          <a:p>
+            <a:endParaRPr lang="en-IT" sz="2800" dirty="0"/>
+          </a:p>
+        </p:txBody>
+      </p:sp>
+      <p:sp>
+        <p:nvSpPr>
+          <p:cNvPr id="4" name="Slide Number Placeholder 3">
+            <a:extLst>
+              <a:ext uri="{FF2B5EF4-FFF2-40B4-BE49-F238E27FC236}">
+                <a16:creationId xmlns:a16="http://schemas.microsoft.com/office/drawing/2014/main" id="{7FC3AB54-3F6B-FD42-9796-52A2F0C9C18A}"/>
+              </a:ext>
+            </a:extLst>
+          </p:cNvPr>
+          <p:cNvSpPr>
+            <a:spLocks noGrp="1"/>
+          </p:cNvSpPr>
+          <p:nvPr>
+            <p:ph type="sldNum" sz="quarter" idx="12"/>
+          </p:nvPr>
+        </p:nvSpPr>
+        <p:spPr/>
+        <p:txBody>
+          <a:bodyPr/>
+          <a:lstStyle/>
+          <a:p>
+            <a:fld id="{D2040F39-7941-49A4-B48D-F201B18B6351}" type="slidenum">
+              <a:rPr lang="it-IT" smtClean="0"/>
+              <a:pPr/>
+              <a:t>58</a:t>
+            </a:fld>
             <a:endParaRPr lang="it-IT" dirty="0"/>
           </a:p>
         </p:txBody>
@@ -21522,7 +21939,7 @@
     </p:spTree>
     <p:extLst>
       <p:ext uri="{BB962C8B-B14F-4D97-AF65-F5344CB8AC3E}">
-        <p14:creationId xmlns:p14="http://schemas.microsoft.com/office/powerpoint/2010/main" val="3407923413"/>
+        <p14:creationId xmlns:p14="http://schemas.microsoft.com/office/powerpoint/2010/main" val="1458067188"/>
       </p:ext>
     </p:extLst>
   </p:cSld>
@@ -21554,7 +21971,7 @@
           <p:cNvPr id="2" name="Title 1">
             <a:extLst>
               <a:ext uri="{FF2B5EF4-FFF2-40B4-BE49-F238E27FC236}">
-                <a16:creationId xmlns:a16="http://schemas.microsoft.com/office/drawing/2014/main" id="{5AD5CF95-8EA8-CE41-AFD5-C8121B3960B1}"/>
+                <a16:creationId xmlns:a16="http://schemas.microsoft.com/office/drawing/2014/main" id="{1698E5C4-8053-E84C-BF8B-B613F2DE5B4B}"/>
               </a:ext>
             </a:extLst>
           </p:cNvPr>
@@ -21570,7 +21987,10 @@
           <a:bodyPr/>
           <a:lstStyle/>
           <a:p>
-            <a:endParaRPr lang="en-IT"/>
+            <a:r>
+              <a:rPr lang="en-IT" dirty="0"/>
+              <a:t>Scanner</a:t>
+            </a:r>
           </a:p>
         </p:txBody>
       </p:sp>
@@ -21579,7 +21999,7 @@
           <p:cNvPr id="3" name="Content Placeholder 2">
             <a:extLst>
               <a:ext uri="{FF2B5EF4-FFF2-40B4-BE49-F238E27FC236}">
-                <a16:creationId xmlns:a16="http://schemas.microsoft.com/office/drawing/2014/main" id="{2B3C7F43-DF1D-FD44-95B0-ACF0F0BF3695}"/>
+                <a16:creationId xmlns:a16="http://schemas.microsoft.com/office/drawing/2014/main" id="{48335AFC-8442-944F-B6C4-9868CF98634B}"/>
               </a:ext>
             </a:extLst>
           </p:cNvPr>
@@ -21604,7 +22024,7 @@
           <p:cNvPr id="4" name="Slide Number Placeholder 3">
             <a:extLst>
               <a:ext uri="{FF2B5EF4-FFF2-40B4-BE49-F238E27FC236}">
-                <a16:creationId xmlns:a16="http://schemas.microsoft.com/office/drawing/2014/main" id="{F2F98F19-C953-7C4D-BFCD-53A12851C502}"/>
+                <a16:creationId xmlns:a16="http://schemas.microsoft.com/office/drawing/2014/main" id="{3DBAC72E-E214-EA41-B62A-6B7CCE27C36D}"/>
               </a:ext>
             </a:extLst>
           </p:cNvPr>
@@ -21632,7 +22052,7 @@
     </p:spTree>
     <p:extLst>
       <p:ext uri="{BB962C8B-B14F-4D97-AF65-F5344CB8AC3E}">
-        <p14:creationId xmlns:p14="http://schemas.microsoft.com/office/powerpoint/2010/main" val="1648934633"/>
+        <p14:creationId xmlns:p14="http://schemas.microsoft.com/office/powerpoint/2010/main" val="1475403332"/>
       </p:ext>
     </p:extLst>
   </p:cSld>
@@ -21826,6 +22246,417 @@
       </p:grpSpPr>
       <p:sp>
         <p:nvSpPr>
+          <p:cNvPr id="2" name="Titolo 1"/>
+          <p:cNvSpPr>
+            <a:spLocks noGrp="1"/>
+          </p:cNvSpPr>
+          <p:nvPr>
+            <p:ph type="ctrTitle"/>
+          </p:nvPr>
+        </p:nvSpPr>
+        <p:spPr/>
+        <p:txBody>
+          <a:bodyPr>
+            <a:normAutofit/>
+          </a:bodyPr>
+          <a:lstStyle/>
+          <a:p>
+            <a:r>
+              <a:rPr lang="en-US" dirty="0"/>
+              <a:t>Random Numbers</a:t>
+            </a:r>
+            <a:endParaRPr lang="it-IT" dirty="0"/>
+          </a:p>
+        </p:txBody>
+      </p:sp>
+    </p:spTree>
+    <p:extLst>
+      <p:ext uri="{BB962C8B-B14F-4D97-AF65-F5344CB8AC3E}">
+        <p14:creationId xmlns:p14="http://schemas.microsoft.com/office/powerpoint/2010/main" val="3407923413"/>
+      </p:ext>
+    </p:extLst>
+  </p:cSld>
+  <p:clrMapOvr>
+    <a:masterClrMapping/>
+  </p:clrMapOvr>
+</p:sld>
+</file>
+
+<file path=ppt/slides/slide61.xml><?xml version="1.0" encoding="utf-8"?>
+<p:sld xmlns:a="http://schemas.openxmlformats.org/drawingml/2006/main" xmlns:r="http://schemas.openxmlformats.org/officeDocument/2006/relationships" xmlns:p="http://schemas.openxmlformats.org/presentationml/2006/main">
+  <p:cSld>
+    <p:spTree>
+      <p:nvGrpSpPr>
+        <p:cNvPr id="1" name=""/>
+        <p:cNvGrpSpPr/>
+        <p:nvPr/>
+      </p:nvGrpSpPr>
+      <p:grpSpPr>
+        <a:xfrm>
+          <a:off x="0" y="0"/>
+          <a:ext cx="0" cy="0"/>
+          <a:chOff x="0" y="0"/>
+          <a:chExt cx="0" cy="0"/>
+        </a:xfrm>
+      </p:grpSpPr>
+      <p:sp>
+        <p:nvSpPr>
+          <p:cNvPr id="2" name="Title 1">
+            <a:extLst>
+              <a:ext uri="{FF2B5EF4-FFF2-40B4-BE49-F238E27FC236}">
+                <a16:creationId xmlns:a16="http://schemas.microsoft.com/office/drawing/2014/main" id="{5AD5CF95-8EA8-CE41-AFD5-C8121B3960B1}"/>
+              </a:ext>
+            </a:extLst>
+          </p:cNvPr>
+          <p:cNvSpPr>
+            <a:spLocks noGrp="1"/>
+          </p:cNvSpPr>
+          <p:nvPr>
+            <p:ph type="title"/>
+          </p:nvPr>
+        </p:nvSpPr>
+        <p:spPr/>
+        <p:txBody>
+          <a:bodyPr>
+            <a:normAutofit/>
+          </a:bodyPr>
+          <a:lstStyle/>
+          <a:p>
+            <a:r>
+              <a:rPr lang="en-IT" dirty="0"/>
+              <a:t>Random numbers</a:t>
+            </a:r>
+          </a:p>
+        </p:txBody>
+      </p:sp>
+      <p:sp>
+        <p:nvSpPr>
+          <p:cNvPr id="3" name="Content Placeholder 2">
+            <a:extLst>
+              <a:ext uri="{FF2B5EF4-FFF2-40B4-BE49-F238E27FC236}">
+                <a16:creationId xmlns:a16="http://schemas.microsoft.com/office/drawing/2014/main" id="{2B3C7F43-DF1D-FD44-95B0-ACF0F0BF3695}"/>
+              </a:ext>
+            </a:extLst>
+          </p:cNvPr>
+          <p:cNvSpPr>
+            <a:spLocks noGrp="1"/>
+          </p:cNvSpPr>
+          <p:nvPr>
+            <p:ph idx="1"/>
+          </p:nvPr>
+        </p:nvSpPr>
+        <p:spPr/>
+        <p:txBody>
+          <a:bodyPr>
+            <a:normAutofit lnSpcReduction="10000"/>
+          </a:bodyPr>
+          <a:lstStyle/>
+          <a:p>
+            <a:r>
+              <a:rPr lang="en-IT" sz="2800" dirty="0">
+                <a:solidFill>
+                  <a:schemeClr val="accent6">
+                    <a:lumMod val="75000"/>
+                  </a:schemeClr>
+                </a:solidFill>
+                <a:latin typeface="Consolas" panose="020B0609020204030204" pitchFamily="49" charset="0"/>
+                <a:cs typeface="Consolas" panose="020B0609020204030204" pitchFamily="49" charset="0"/>
+              </a:rPr>
+              <a:t>Math.random()</a:t>
+            </a:r>
+          </a:p>
+          <a:p>
+            <a:r>
+              <a:rPr lang="en-GB" sz="2800" dirty="0" err="1">
+                <a:solidFill>
+                  <a:schemeClr val="accent6">
+                    <a:lumMod val="75000"/>
+                  </a:schemeClr>
+                </a:solidFill>
+                <a:latin typeface="Consolas" panose="020B0609020204030204" pitchFamily="49" charset="0"/>
+                <a:cs typeface="Consolas" panose="020B0609020204030204" pitchFamily="49" charset="0"/>
+              </a:rPr>
+              <a:t>java.util.Random</a:t>
+            </a:r>
+            <a:endParaRPr lang="en-GB" sz="2800" dirty="0">
+              <a:solidFill>
+                <a:schemeClr val="accent6">
+                  <a:lumMod val="75000"/>
+                </a:schemeClr>
+              </a:solidFill>
+              <a:latin typeface="Consolas" panose="020B0609020204030204" pitchFamily="49" charset="0"/>
+              <a:cs typeface="Consolas" panose="020B0609020204030204" pitchFamily="49" charset="0"/>
+            </a:endParaRPr>
+          </a:p>
+          <a:p>
+            <a:pPr marL="457200" lvl="1" indent="0">
+              <a:buNone/>
+            </a:pPr>
+            <a:r>
+              <a:rPr lang="en-GB" sz="2400" dirty="0">
+                <a:latin typeface="Consolas" panose="020B0609020204030204" pitchFamily="49" charset="0"/>
+                <a:cs typeface="Consolas" panose="020B0609020204030204" pitchFamily="49" charset="0"/>
+              </a:rPr>
+              <a:t>Random random = new Random();</a:t>
+            </a:r>
+          </a:p>
+          <a:p>
+            <a:pPr marL="457200" lvl="1" indent="0">
+              <a:buNone/>
+            </a:pPr>
+            <a:r>
+              <a:rPr lang="en-GB" sz="2400" dirty="0" err="1">
+                <a:latin typeface="Consolas" panose="020B0609020204030204" pitchFamily="49" charset="0"/>
+                <a:cs typeface="Consolas" panose="020B0609020204030204" pitchFamily="49" charset="0"/>
+              </a:rPr>
+              <a:t>random.nextInt</a:t>
+            </a:r>
+            <a:r>
+              <a:rPr lang="en-GB" sz="2400" dirty="0">
+                <a:latin typeface="Consolas" panose="020B0609020204030204" pitchFamily="49" charset="0"/>
+                <a:cs typeface="Consolas" panose="020B0609020204030204" pitchFamily="49" charset="0"/>
+              </a:rPr>
+              <a:t>()			[MIN_VALUE, MAX_VALUE]</a:t>
+            </a:r>
+          </a:p>
+          <a:p>
+            <a:pPr marL="457200" lvl="1" indent="0">
+              <a:buNone/>
+            </a:pPr>
+            <a:r>
+              <a:rPr lang="en-GB" sz="2400" dirty="0" err="1">
+                <a:latin typeface="Consolas" panose="020B0609020204030204" pitchFamily="49" charset="0"/>
+                <a:cs typeface="Consolas" panose="020B0609020204030204" pitchFamily="49" charset="0"/>
+              </a:rPr>
+              <a:t>random.nextDouble</a:t>
+            </a:r>
+            <a:r>
+              <a:rPr lang="en-GB" sz="2400" dirty="0">
+                <a:latin typeface="Consolas" panose="020B0609020204030204" pitchFamily="49" charset="0"/>
+                <a:cs typeface="Consolas" panose="020B0609020204030204" pitchFamily="49" charset="0"/>
+              </a:rPr>
+              <a:t>()		[0, 1]</a:t>
+            </a:r>
+          </a:p>
+          <a:p>
+            <a:pPr marL="457200" lvl="1" indent="0">
+              <a:buNone/>
+            </a:pPr>
+            <a:r>
+              <a:rPr lang="en-GB" sz="2400" dirty="0" err="1">
+                <a:latin typeface="Consolas" panose="020B0609020204030204" pitchFamily="49" charset="0"/>
+                <a:cs typeface="Consolas" panose="020B0609020204030204" pitchFamily="49" charset="0"/>
+              </a:rPr>
+              <a:t>random.nextBoolean</a:t>
+            </a:r>
+            <a:r>
+              <a:rPr lang="en-GB" sz="2400" dirty="0">
+                <a:latin typeface="Consolas" panose="020B0609020204030204" pitchFamily="49" charset="0"/>
+                <a:cs typeface="Consolas" panose="020B0609020204030204" pitchFamily="49" charset="0"/>
+              </a:rPr>
+              <a:t>()	[true, false]</a:t>
+            </a:r>
+          </a:p>
+          <a:p>
+            <a:r>
+              <a:rPr lang="en-GB" sz="2800" dirty="0" err="1">
+                <a:solidFill>
+                  <a:schemeClr val="accent6">
+                    <a:lumMod val="75000"/>
+                  </a:schemeClr>
+                </a:solidFill>
+                <a:latin typeface="Consolas" panose="020B0609020204030204" pitchFamily="49" charset="0"/>
+                <a:cs typeface="Consolas" panose="020B0609020204030204" pitchFamily="49" charset="0"/>
+              </a:rPr>
+              <a:t>java.util.concurrent.ThreadLocalRandom</a:t>
+            </a:r>
+            <a:endParaRPr lang="en-GB" sz="2800" dirty="0">
+              <a:solidFill>
+                <a:schemeClr val="accent6">
+                  <a:lumMod val="75000"/>
+                </a:schemeClr>
+              </a:solidFill>
+              <a:latin typeface="Consolas" panose="020B0609020204030204" pitchFamily="49" charset="0"/>
+              <a:cs typeface="Consolas" panose="020B0609020204030204" pitchFamily="49" charset="0"/>
+            </a:endParaRPr>
+          </a:p>
+          <a:p>
+            <a:pPr marL="457200" lvl="1" indent="0">
+              <a:buNone/>
+            </a:pPr>
+            <a:r>
+              <a:rPr lang="en-GB" sz="2400" dirty="0" err="1">
+                <a:latin typeface="Consolas" panose="020B0609020204030204" pitchFamily="49" charset="0"/>
+                <a:cs typeface="Consolas" panose="020B0609020204030204" pitchFamily="49" charset="0"/>
+              </a:rPr>
+              <a:t>ThreadLocalRandom.current</a:t>
+            </a:r>
+            <a:r>
+              <a:rPr lang="en-GB" sz="2400" dirty="0">
+                <a:latin typeface="Consolas" panose="020B0609020204030204" pitchFamily="49" charset="0"/>
+                <a:cs typeface="Consolas" panose="020B0609020204030204" pitchFamily="49" charset="0"/>
+              </a:rPr>
+              <a:t>().</a:t>
+            </a:r>
+            <a:r>
+              <a:rPr lang="en-GB" sz="2400" dirty="0" err="1">
+                <a:latin typeface="Consolas" panose="020B0609020204030204" pitchFamily="49" charset="0"/>
+                <a:cs typeface="Consolas" panose="020B0609020204030204" pitchFamily="49" charset="0"/>
+              </a:rPr>
+              <a:t>nextInt</a:t>
+            </a:r>
+            <a:r>
+              <a:rPr lang="en-GB" sz="2400" dirty="0">
+                <a:latin typeface="Consolas" panose="020B0609020204030204" pitchFamily="49" charset="0"/>
+                <a:cs typeface="Consolas" panose="020B0609020204030204" pitchFamily="49" charset="0"/>
+              </a:rPr>
+              <a:t>()</a:t>
+            </a:r>
+          </a:p>
+          <a:p>
+            <a:pPr marL="457200" lvl="1" indent="0">
+              <a:buNone/>
+            </a:pPr>
+            <a:r>
+              <a:rPr lang="en-GB" sz="2400" dirty="0" err="1">
+                <a:latin typeface="Consolas" panose="020B0609020204030204" pitchFamily="49" charset="0"/>
+                <a:cs typeface="Consolas" panose="020B0609020204030204" pitchFamily="49" charset="0"/>
+              </a:rPr>
+              <a:t>ThreadLocalRandom.current</a:t>
+            </a:r>
+            <a:r>
+              <a:rPr lang="en-GB" sz="2400" dirty="0">
+                <a:latin typeface="Consolas" panose="020B0609020204030204" pitchFamily="49" charset="0"/>
+                <a:cs typeface="Consolas" panose="020B0609020204030204" pitchFamily="49" charset="0"/>
+              </a:rPr>
+              <a:t>().</a:t>
+            </a:r>
+            <a:r>
+              <a:rPr lang="en-GB" sz="2400" dirty="0" err="1">
+                <a:latin typeface="Consolas" panose="020B0609020204030204" pitchFamily="49" charset="0"/>
+                <a:cs typeface="Consolas" panose="020B0609020204030204" pitchFamily="49" charset="0"/>
+              </a:rPr>
+              <a:t>nextDouble</a:t>
+            </a:r>
+            <a:r>
+              <a:rPr lang="en-GB" sz="2400" dirty="0">
+                <a:latin typeface="Consolas" panose="020B0609020204030204" pitchFamily="49" charset="0"/>
+                <a:cs typeface="Consolas" panose="020B0609020204030204" pitchFamily="49" charset="0"/>
+              </a:rPr>
+              <a:t>()</a:t>
+            </a:r>
+          </a:p>
+          <a:p>
+            <a:pPr marL="457200" lvl="1" indent="0">
+              <a:buNone/>
+            </a:pPr>
+            <a:r>
+              <a:rPr lang="en-GB" sz="2400" dirty="0" err="1">
+                <a:latin typeface="Consolas" panose="020B0609020204030204" pitchFamily="49" charset="0"/>
+                <a:cs typeface="Consolas" panose="020B0609020204030204" pitchFamily="49" charset="0"/>
+              </a:rPr>
+              <a:t>ThreadLocalRandom.current</a:t>
+            </a:r>
+            <a:r>
+              <a:rPr lang="en-GB" sz="2400" dirty="0">
+                <a:latin typeface="Consolas" panose="020B0609020204030204" pitchFamily="49" charset="0"/>
+                <a:cs typeface="Consolas" panose="020B0609020204030204" pitchFamily="49" charset="0"/>
+              </a:rPr>
+              <a:t>().</a:t>
+            </a:r>
+            <a:r>
+              <a:rPr lang="en-GB" sz="2400" dirty="0" err="1">
+                <a:latin typeface="Consolas" panose="020B0609020204030204" pitchFamily="49" charset="0"/>
+                <a:cs typeface="Consolas" panose="020B0609020204030204" pitchFamily="49" charset="0"/>
+              </a:rPr>
+              <a:t>nextBoolean</a:t>
+            </a:r>
+            <a:r>
+              <a:rPr lang="en-GB" sz="2400" dirty="0">
+                <a:latin typeface="Consolas" panose="020B0609020204030204" pitchFamily="49" charset="0"/>
+                <a:cs typeface="Consolas" panose="020B0609020204030204" pitchFamily="49" charset="0"/>
+              </a:rPr>
+              <a:t>()</a:t>
+            </a:r>
+          </a:p>
+          <a:p>
+            <a:pPr lvl="1"/>
+            <a:endParaRPr lang="en-GB" sz="2400" dirty="0">
+              <a:latin typeface="Consolas" panose="020B0609020204030204" pitchFamily="49" charset="0"/>
+              <a:cs typeface="Consolas" panose="020B0609020204030204" pitchFamily="49" charset="0"/>
+            </a:endParaRPr>
+          </a:p>
+          <a:p>
+            <a:pPr lvl="1"/>
+            <a:endParaRPr lang="en-IT" sz="2400" dirty="0">
+              <a:latin typeface="Consolas" panose="020B0609020204030204" pitchFamily="49" charset="0"/>
+              <a:cs typeface="Consolas" panose="020B0609020204030204" pitchFamily="49" charset="0"/>
+            </a:endParaRPr>
+          </a:p>
+        </p:txBody>
+      </p:sp>
+      <p:sp>
+        <p:nvSpPr>
+          <p:cNvPr id="4" name="Slide Number Placeholder 3">
+            <a:extLst>
+              <a:ext uri="{FF2B5EF4-FFF2-40B4-BE49-F238E27FC236}">
+                <a16:creationId xmlns:a16="http://schemas.microsoft.com/office/drawing/2014/main" id="{F2F98F19-C953-7C4D-BFCD-53A12851C502}"/>
+              </a:ext>
+            </a:extLst>
+          </p:cNvPr>
+          <p:cNvSpPr>
+            <a:spLocks noGrp="1"/>
+          </p:cNvSpPr>
+          <p:nvPr>
+            <p:ph type="sldNum" sz="quarter" idx="12"/>
+          </p:nvPr>
+        </p:nvSpPr>
+        <p:spPr/>
+        <p:txBody>
+          <a:bodyPr/>
+          <a:lstStyle/>
+          <a:p>
+            <a:fld id="{D2040F39-7941-49A4-B48D-F201B18B6351}" type="slidenum">
+              <a:rPr lang="it-IT" smtClean="0"/>
+              <a:pPr/>
+              <a:t>61</a:t>
+            </a:fld>
+            <a:endParaRPr lang="it-IT" dirty="0"/>
+          </a:p>
+        </p:txBody>
+      </p:sp>
+    </p:spTree>
+    <p:extLst>
+      <p:ext uri="{BB962C8B-B14F-4D97-AF65-F5344CB8AC3E}">
+        <p14:creationId xmlns:p14="http://schemas.microsoft.com/office/powerpoint/2010/main" val="1648934633"/>
+      </p:ext>
+    </p:extLst>
+  </p:cSld>
+  <p:clrMapOvr>
+    <a:masterClrMapping/>
+  </p:clrMapOvr>
+</p:sld>
+</file>
+
+<file path=ppt/slides/slide62.xml><?xml version="1.0" encoding="utf-8"?>
+<p:sld xmlns:a="http://schemas.openxmlformats.org/drawingml/2006/main" xmlns:r="http://schemas.openxmlformats.org/officeDocument/2006/relationships" xmlns:p="http://schemas.openxmlformats.org/presentationml/2006/main">
+  <p:cSld>
+    <p:spTree>
+      <p:nvGrpSpPr>
+        <p:cNvPr id="1" name=""/>
+        <p:cNvGrpSpPr/>
+        <p:nvPr/>
+      </p:nvGrpSpPr>
+      <p:grpSpPr>
+        <a:xfrm>
+          <a:off x="0" y="0"/>
+          <a:ext cx="0" cy="0"/>
+          <a:chOff x="0" y="0"/>
+          <a:chExt cx="0" cy="0"/>
+        </a:xfrm>
+      </p:grpSpPr>
+      <p:sp>
+        <p:nvSpPr>
           <p:cNvPr id="2" name="Title 1">
             <a:extLst>
               <a:ext uri="{FF2B5EF4-FFF2-40B4-BE49-F238E27FC236}">
@@ -21914,7 +22745,7 @@
             <a:fld id="{D2040F39-7941-49A4-B48D-F201B18B6351}" type="slidenum">
               <a:rPr lang="it-IT" smtClean="0"/>
               <a:pPr/>
-              <a:t>60</a:t>
+              <a:t>62</a:t>
             </a:fld>
             <a:endParaRPr lang="it-IT" dirty="0"/>
           </a:p>

--- a/java/slides/ppt/02 - Java Basics.pptx
+++ b/java/slides/ppt/02 - Java Basics.pptx
@@ -284,7 +284,7 @@
           <a:p>
             <a:fld id="{5591E39A-28E5-5D4D-B97C-ECEB96F19817}" type="datetimeFigureOut">
               <a:rPr lang="en-IT" smtClean="0"/>
-              <a:t>13/10/21</a:t>
+              <a:t>14/10/21</a:t>
             </a:fld>
             <a:endParaRPr lang="en-IT"/>
           </a:p>
@@ -463,7 +463,7 @@
             <a:fld id="{BAEB7694-8561-4BE2-948D-EDF7A201F8BB}" type="datetimeFigureOut">
               <a:rPr lang="it-IT" smtClean="0"/>
               <a:pPr/>
-              <a:t>13/10/21</a:t>
+              <a:t>14/10/21</a:t>
             </a:fld>
             <a:endParaRPr lang="it-IT"/>
           </a:p>
@@ -21996,10 +21996,10 @@
       </p:sp>
       <p:sp>
         <p:nvSpPr>
-          <p:cNvPr id="3" name="Content Placeholder 2">
+          <p:cNvPr id="5" name="Content Placeholder 4">
             <a:extLst>
               <a:ext uri="{FF2B5EF4-FFF2-40B4-BE49-F238E27FC236}">
-                <a16:creationId xmlns:a16="http://schemas.microsoft.com/office/drawing/2014/main" id="{48335AFC-8442-944F-B6C4-9868CF98634B}"/>
+                <a16:creationId xmlns:a16="http://schemas.microsoft.com/office/drawing/2014/main" id="{490C2B60-BB91-724C-B887-C52B259EB780}"/>
               </a:ext>
             </a:extLst>
           </p:cNvPr>
@@ -22007,15 +22007,73 @@
             <a:spLocks noGrp="1"/>
           </p:cNvSpPr>
           <p:nvPr>
-            <p:ph idx="1"/>
+            <p:ph sz="half" idx="1"/>
           </p:nvPr>
         </p:nvSpPr>
         <p:spPr/>
         <p:txBody>
-          <a:bodyPr/>
+          <a:bodyPr>
+            <a:normAutofit/>
+          </a:bodyPr>
           <a:lstStyle/>
           <a:p>
-            <a:endParaRPr lang="en-IT"/>
+            <a:r>
+              <a:rPr lang="en-GB" sz="2400" dirty="0">
+                <a:solidFill>
+                  <a:schemeClr val="accent6">
+                    <a:lumMod val="75000"/>
+                  </a:schemeClr>
+                </a:solidFill>
+              </a:rPr>
+              <a:t>Scanner is a text scanner which can parse primitive types and strings using regular expressions</a:t>
+            </a:r>
+            <a:r>
+              <a:rPr lang="en-GB" sz="2400" dirty="0"/>
+              <a:t>.</a:t>
+            </a:r>
+          </a:p>
+          <a:p>
+            <a:r>
+              <a:rPr lang="en-GB" sz="2400" dirty="0"/>
+              <a:t>Scanner </a:t>
+            </a:r>
+            <a:r>
+              <a:rPr lang="en-GB" sz="2400" dirty="0">
+                <a:solidFill>
+                  <a:schemeClr val="accent6">
+                    <a:lumMod val="75000"/>
+                  </a:schemeClr>
+                </a:solidFill>
+              </a:rPr>
+              <a:t>breaks its input into tokens</a:t>
+            </a:r>
+            <a:r>
+              <a:rPr lang="en-GB" sz="2400" dirty="0"/>
+              <a:t> using a delimiter pattern, which by default matches whitespace. </a:t>
+            </a:r>
+          </a:p>
+          <a:p>
+            <a:r>
+              <a:rPr lang="en-GB" sz="2400" dirty="0"/>
+              <a:t>The resulting tokens may then be </a:t>
+            </a:r>
+            <a:r>
+              <a:rPr lang="en-GB" sz="2400" dirty="0">
+                <a:solidFill>
+                  <a:schemeClr val="accent6">
+                    <a:lumMod val="75000"/>
+                  </a:schemeClr>
+                </a:solidFill>
+              </a:rPr>
+              <a:t>converted into values of different types</a:t>
+            </a:r>
+            <a:r>
+              <a:rPr lang="en-GB" sz="2400" dirty="0"/>
+              <a:t> using the various next methods.</a:t>
+            </a:r>
+          </a:p>
+          <a:p>
+            <a:endParaRPr lang="en-IT" sz="2400" dirty="0"/>
           </a:p>
         </p:txBody>
       </p:sp>
@@ -22046,6 +22104,476 @@
               <a:t>59</a:t>
             </a:fld>
             <a:endParaRPr lang="it-IT" dirty="0"/>
+          </a:p>
+        </p:txBody>
+      </p:sp>
+      <p:sp>
+        <p:nvSpPr>
+          <p:cNvPr id="8" name="Content Placeholder 7">
+            <a:extLst>
+              <a:ext uri="{FF2B5EF4-FFF2-40B4-BE49-F238E27FC236}">
+                <a16:creationId xmlns:a16="http://schemas.microsoft.com/office/drawing/2014/main" id="{6E21358E-0866-A447-8258-14EEF73459C6}"/>
+              </a:ext>
+            </a:extLst>
+          </p:cNvPr>
+          <p:cNvSpPr>
+            <a:spLocks noGrp="1"/>
+          </p:cNvSpPr>
+          <p:nvPr>
+            <p:ph sz="half" idx="2"/>
+          </p:nvPr>
+        </p:nvSpPr>
+        <p:spPr/>
+        <p:txBody>
+          <a:bodyPr>
+            <a:normAutofit/>
+          </a:bodyPr>
+          <a:lstStyle/>
+          <a:p>
+            <a:pPr marL="0" indent="0">
+              <a:buNone/>
+            </a:pPr>
+            <a:r>
+              <a:rPr lang="en-GB" sz="1200" dirty="0">
+                <a:latin typeface="Consolas" panose="020B0609020204030204" pitchFamily="49" charset="0"/>
+                <a:cs typeface="Consolas" panose="020B0609020204030204" pitchFamily="49" charset="0"/>
+              </a:rPr>
+              <a:t>/* from stdin */</a:t>
+            </a:r>
+          </a:p>
+          <a:p>
+            <a:pPr marL="0" indent="0">
+              <a:buNone/>
+            </a:pPr>
+            <a:r>
+              <a:rPr lang="en-GB" sz="1200" dirty="0">
+                <a:latin typeface="Consolas" panose="020B0609020204030204" pitchFamily="49" charset="0"/>
+                <a:cs typeface="Consolas" panose="020B0609020204030204" pitchFamily="49" charset="0"/>
+              </a:rPr>
+              <a:t>Scanner </a:t>
+            </a:r>
+            <a:r>
+              <a:rPr lang="en-GB" sz="1200" dirty="0" err="1">
+                <a:latin typeface="Consolas" panose="020B0609020204030204" pitchFamily="49" charset="0"/>
+                <a:cs typeface="Consolas" panose="020B0609020204030204" pitchFamily="49" charset="0"/>
+              </a:rPr>
+              <a:t>sc</a:t>
+            </a:r>
+            <a:r>
+              <a:rPr lang="en-GB" sz="1200" dirty="0">
+                <a:latin typeface="Consolas" panose="020B0609020204030204" pitchFamily="49" charset="0"/>
+                <a:cs typeface="Consolas" panose="020B0609020204030204" pitchFamily="49" charset="0"/>
+              </a:rPr>
+              <a:t> = new Scanner(</a:t>
+            </a:r>
+            <a:r>
+              <a:rPr lang="en-GB" sz="1200" dirty="0" err="1">
+                <a:latin typeface="Consolas" panose="020B0609020204030204" pitchFamily="49" charset="0"/>
+                <a:cs typeface="Consolas" panose="020B0609020204030204" pitchFamily="49" charset="0"/>
+              </a:rPr>
+              <a:t>System.in</a:t>
+            </a:r>
+            <a:r>
+              <a:rPr lang="en-GB" sz="1200" dirty="0">
+                <a:latin typeface="Consolas" panose="020B0609020204030204" pitchFamily="49" charset="0"/>
+                <a:cs typeface="Consolas" panose="020B0609020204030204" pitchFamily="49" charset="0"/>
+              </a:rPr>
+              <a:t>); </a:t>
+            </a:r>
+          </a:p>
+          <a:p>
+            <a:pPr marL="0" indent="0">
+              <a:buNone/>
+            </a:pPr>
+            <a:r>
+              <a:rPr lang="en-GB" sz="1200" dirty="0">
+                <a:latin typeface="Consolas" panose="020B0609020204030204" pitchFamily="49" charset="0"/>
+                <a:cs typeface="Consolas" panose="020B0609020204030204" pitchFamily="49" charset="0"/>
+              </a:rPr>
+              <a:t>int </a:t>
+            </a:r>
+            <a:r>
+              <a:rPr lang="en-GB" sz="1200" dirty="0" err="1">
+                <a:latin typeface="Consolas" panose="020B0609020204030204" pitchFamily="49" charset="0"/>
+                <a:cs typeface="Consolas" panose="020B0609020204030204" pitchFamily="49" charset="0"/>
+              </a:rPr>
+              <a:t>i</a:t>
+            </a:r>
+            <a:r>
+              <a:rPr lang="en-GB" sz="1200" dirty="0">
+                <a:latin typeface="Consolas" panose="020B0609020204030204" pitchFamily="49" charset="0"/>
+                <a:cs typeface="Consolas" panose="020B0609020204030204" pitchFamily="49" charset="0"/>
+              </a:rPr>
+              <a:t> = </a:t>
+            </a:r>
+            <a:r>
+              <a:rPr lang="en-GB" sz="1200" dirty="0" err="1">
+                <a:latin typeface="Consolas" panose="020B0609020204030204" pitchFamily="49" charset="0"/>
+                <a:cs typeface="Consolas" panose="020B0609020204030204" pitchFamily="49" charset="0"/>
+              </a:rPr>
+              <a:t>sc.nextInt</a:t>
+            </a:r>
+            <a:r>
+              <a:rPr lang="en-GB" sz="1200" dirty="0">
+                <a:latin typeface="Consolas" panose="020B0609020204030204" pitchFamily="49" charset="0"/>
+                <a:cs typeface="Consolas" panose="020B0609020204030204" pitchFamily="49" charset="0"/>
+              </a:rPr>
+              <a:t>();</a:t>
+            </a:r>
+          </a:p>
+          <a:p>
+            <a:pPr marL="0" indent="0">
+              <a:buNone/>
+            </a:pPr>
+            <a:endParaRPr lang="en-GB" sz="1200" dirty="0">
+              <a:latin typeface="Consolas" panose="020B0609020204030204" pitchFamily="49" charset="0"/>
+              <a:cs typeface="Consolas" panose="020B0609020204030204" pitchFamily="49" charset="0"/>
+            </a:endParaRPr>
+          </a:p>
+          <a:p>
+            <a:pPr marL="0" indent="0">
+              <a:buNone/>
+            </a:pPr>
+            <a:r>
+              <a:rPr lang="en-GB" sz="1200" dirty="0">
+                <a:latin typeface="Consolas" panose="020B0609020204030204" pitchFamily="49" charset="0"/>
+                <a:cs typeface="Consolas" panose="020B0609020204030204" pitchFamily="49" charset="0"/>
+              </a:rPr>
+              <a:t>/* from a file */</a:t>
+            </a:r>
+          </a:p>
+          <a:p>
+            <a:pPr marL="0" indent="0">
+              <a:buNone/>
+            </a:pPr>
+            <a:r>
+              <a:rPr lang="en-GB" sz="1200" dirty="0">
+                <a:latin typeface="Consolas" panose="020B0609020204030204" pitchFamily="49" charset="0"/>
+                <a:cs typeface="Consolas" panose="020B0609020204030204" pitchFamily="49" charset="0"/>
+              </a:rPr>
+              <a:t>Scanner </a:t>
+            </a:r>
+            <a:r>
+              <a:rPr lang="en-GB" sz="1200" dirty="0" err="1">
+                <a:latin typeface="Consolas" panose="020B0609020204030204" pitchFamily="49" charset="0"/>
+                <a:cs typeface="Consolas" panose="020B0609020204030204" pitchFamily="49" charset="0"/>
+              </a:rPr>
+              <a:t>sc</a:t>
+            </a:r>
+            <a:r>
+              <a:rPr lang="en-GB" sz="1200" dirty="0">
+                <a:latin typeface="Consolas" panose="020B0609020204030204" pitchFamily="49" charset="0"/>
+                <a:cs typeface="Consolas" panose="020B0609020204030204" pitchFamily="49" charset="0"/>
+              </a:rPr>
+              <a:t> = new Scanner(</a:t>
+            </a:r>
+          </a:p>
+          <a:p>
+            <a:pPr marL="0" indent="0">
+              <a:buNone/>
+            </a:pPr>
+            <a:r>
+              <a:rPr lang="en-GB" sz="1200" dirty="0">
+                <a:latin typeface="Consolas" panose="020B0609020204030204" pitchFamily="49" charset="0"/>
+                <a:cs typeface="Consolas" panose="020B0609020204030204" pitchFamily="49" charset="0"/>
+              </a:rPr>
+              <a:t>		new File("</a:t>
+            </a:r>
+            <a:r>
+              <a:rPr lang="en-GB" sz="1200" dirty="0" err="1">
+                <a:latin typeface="Consolas" panose="020B0609020204030204" pitchFamily="49" charset="0"/>
+                <a:cs typeface="Consolas" panose="020B0609020204030204" pitchFamily="49" charset="0"/>
+              </a:rPr>
+              <a:t>myNumbers</a:t>
+            </a:r>
+            <a:r>
+              <a:rPr lang="en-GB" sz="1200" dirty="0">
+                <a:latin typeface="Consolas" panose="020B0609020204030204" pitchFamily="49" charset="0"/>
+                <a:cs typeface="Consolas" panose="020B0609020204030204" pitchFamily="49" charset="0"/>
+              </a:rPr>
+              <a:t>")); </a:t>
+            </a:r>
+          </a:p>
+          <a:p>
+            <a:pPr marL="0" indent="0">
+              <a:buNone/>
+            </a:pPr>
+            <a:r>
+              <a:rPr lang="en-GB" sz="1200" dirty="0">
+                <a:latin typeface="Consolas" panose="020B0609020204030204" pitchFamily="49" charset="0"/>
+                <a:cs typeface="Consolas" panose="020B0609020204030204" pitchFamily="49" charset="0"/>
+              </a:rPr>
+              <a:t>while (</a:t>
+            </a:r>
+            <a:r>
+              <a:rPr lang="en-GB" sz="1200" dirty="0" err="1">
+                <a:latin typeface="Consolas" panose="020B0609020204030204" pitchFamily="49" charset="0"/>
+                <a:cs typeface="Consolas" panose="020B0609020204030204" pitchFamily="49" charset="0"/>
+              </a:rPr>
+              <a:t>sc.hasNextLong</a:t>
+            </a:r>
+            <a:r>
+              <a:rPr lang="en-GB" sz="1200" dirty="0">
+                <a:latin typeface="Consolas" panose="020B0609020204030204" pitchFamily="49" charset="0"/>
+                <a:cs typeface="Consolas" panose="020B0609020204030204" pitchFamily="49" charset="0"/>
+              </a:rPr>
+              <a:t>()) { </a:t>
+            </a:r>
+          </a:p>
+          <a:p>
+            <a:pPr marL="0" indent="0">
+              <a:buNone/>
+            </a:pPr>
+            <a:r>
+              <a:rPr lang="en-GB" sz="1200" dirty="0">
+                <a:latin typeface="Consolas" panose="020B0609020204030204" pitchFamily="49" charset="0"/>
+                <a:cs typeface="Consolas" panose="020B0609020204030204" pitchFamily="49" charset="0"/>
+              </a:rPr>
+              <a:t>	long </a:t>
+            </a:r>
+            <a:r>
+              <a:rPr lang="en-GB" sz="1200" dirty="0" err="1">
+                <a:latin typeface="Consolas" panose="020B0609020204030204" pitchFamily="49" charset="0"/>
+                <a:cs typeface="Consolas" panose="020B0609020204030204" pitchFamily="49" charset="0"/>
+              </a:rPr>
+              <a:t>aLong</a:t>
+            </a:r>
+            <a:r>
+              <a:rPr lang="en-GB" sz="1200" dirty="0">
+                <a:latin typeface="Consolas" panose="020B0609020204030204" pitchFamily="49" charset="0"/>
+                <a:cs typeface="Consolas" panose="020B0609020204030204" pitchFamily="49" charset="0"/>
+              </a:rPr>
+              <a:t> = </a:t>
+            </a:r>
+            <a:r>
+              <a:rPr lang="en-GB" sz="1200" dirty="0" err="1">
+                <a:latin typeface="Consolas" panose="020B0609020204030204" pitchFamily="49" charset="0"/>
+                <a:cs typeface="Consolas" panose="020B0609020204030204" pitchFamily="49" charset="0"/>
+              </a:rPr>
+              <a:t>sc.nextLong</a:t>
+            </a:r>
+            <a:r>
+              <a:rPr lang="en-GB" sz="1200" dirty="0">
+                <a:latin typeface="Consolas" panose="020B0609020204030204" pitchFamily="49" charset="0"/>
+                <a:cs typeface="Consolas" panose="020B0609020204030204" pitchFamily="49" charset="0"/>
+              </a:rPr>
+              <a:t>(); </a:t>
+            </a:r>
+          </a:p>
+          <a:p>
+            <a:pPr marL="0" indent="0">
+              <a:buNone/>
+            </a:pPr>
+            <a:r>
+              <a:rPr lang="en-GB" sz="1200" dirty="0">
+                <a:latin typeface="Consolas" panose="020B0609020204030204" pitchFamily="49" charset="0"/>
+                <a:cs typeface="Consolas" panose="020B0609020204030204" pitchFamily="49" charset="0"/>
+              </a:rPr>
+              <a:t>}</a:t>
+            </a:r>
+            <a:endParaRPr lang="en-IT" sz="1200" dirty="0">
+              <a:latin typeface="Consolas" panose="020B0609020204030204" pitchFamily="49" charset="0"/>
+              <a:cs typeface="Consolas" panose="020B0609020204030204" pitchFamily="49" charset="0"/>
+            </a:endParaRPr>
+          </a:p>
+          <a:p>
+            <a:pPr marL="0" indent="0">
+              <a:buNone/>
+            </a:pPr>
+            <a:endParaRPr lang="en-IT" sz="1200" dirty="0">
+              <a:latin typeface="Consolas" panose="020B0609020204030204" pitchFamily="49" charset="0"/>
+              <a:cs typeface="Consolas" panose="020B0609020204030204" pitchFamily="49" charset="0"/>
+            </a:endParaRPr>
+          </a:p>
+          <a:p>
+            <a:pPr marL="0" indent="0">
+              <a:buNone/>
+            </a:pPr>
+            <a:r>
+              <a:rPr lang="en-IT" sz="1200" dirty="0">
+                <a:latin typeface="Consolas" panose="020B0609020204030204" pitchFamily="49" charset="0"/>
+                <a:cs typeface="Consolas" panose="020B0609020204030204" pitchFamily="49" charset="0"/>
+              </a:rPr>
+              <a:t>/* using regular expressions */</a:t>
+            </a:r>
+          </a:p>
+          <a:p>
+            <a:pPr marL="0" indent="0">
+              <a:buNone/>
+            </a:pPr>
+            <a:r>
+              <a:rPr lang="en-GB" sz="1200" dirty="0">
+                <a:latin typeface="Consolas" panose="020B0609020204030204" pitchFamily="49" charset="0"/>
+                <a:cs typeface="Consolas" panose="020B0609020204030204" pitchFamily="49" charset="0"/>
+              </a:rPr>
+              <a:t>String input = "1 fish 2 fish red fish blue fish"; </a:t>
+            </a:r>
+          </a:p>
+          <a:p>
+            <a:pPr marL="0" indent="0">
+              <a:buNone/>
+            </a:pPr>
+            <a:r>
+              <a:rPr lang="en-GB" sz="1200" dirty="0">
+                <a:latin typeface="Consolas" panose="020B0609020204030204" pitchFamily="49" charset="0"/>
+                <a:cs typeface="Consolas" panose="020B0609020204030204" pitchFamily="49" charset="0"/>
+              </a:rPr>
+              <a:t>Scanner s = new Scanner(input).</a:t>
+            </a:r>
+            <a:r>
+              <a:rPr lang="en-GB" sz="1200" dirty="0" err="1">
+                <a:latin typeface="Consolas" panose="020B0609020204030204" pitchFamily="49" charset="0"/>
+                <a:cs typeface="Consolas" panose="020B0609020204030204" pitchFamily="49" charset="0"/>
+              </a:rPr>
+              <a:t>useDelimiter</a:t>
+            </a:r>
+            <a:r>
+              <a:rPr lang="en-GB" sz="1200" dirty="0">
+                <a:latin typeface="Consolas" panose="020B0609020204030204" pitchFamily="49" charset="0"/>
+                <a:cs typeface="Consolas" panose="020B0609020204030204" pitchFamily="49" charset="0"/>
+              </a:rPr>
+              <a:t>("\\s*fish\\s*"); </a:t>
+            </a:r>
+            <a:r>
+              <a:rPr lang="en-GB" sz="1200" dirty="0" err="1">
+                <a:latin typeface="Consolas" panose="020B0609020204030204" pitchFamily="49" charset="0"/>
+                <a:cs typeface="Consolas" panose="020B0609020204030204" pitchFamily="49" charset="0"/>
+              </a:rPr>
+              <a:t>System.out.println</a:t>
+            </a:r>
+            <a:r>
+              <a:rPr lang="en-GB" sz="1200" dirty="0">
+                <a:latin typeface="Consolas" panose="020B0609020204030204" pitchFamily="49" charset="0"/>
+                <a:cs typeface="Consolas" panose="020B0609020204030204" pitchFamily="49" charset="0"/>
+              </a:rPr>
+              <a:t>(</a:t>
+            </a:r>
+            <a:r>
+              <a:rPr lang="en-GB" sz="1200" dirty="0" err="1">
+                <a:latin typeface="Consolas" panose="020B0609020204030204" pitchFamily="49" charset="0"/>
+                <a:cs typeface="Consolas" panose="020B0609020204030204" pitchFamily="49" charset="0"/>
+              </a:rPr>
+              <a:t>s.nextInt</a:t>
+            </a:r>
+            <a:r>
+              <a:rPr lang="en-GB" sz="1200" dirty="0">
+                <a:latin typeface="Consolas" panose="020B0609020204030204" pitchFamily="49" charset="0"/>
+                <a:cs typeface="Consolas" panose="020B0609020204030204" pitchFamily="49" charset="0"/>
+              </a:rPr>
+              <a:t>()); </a:t>
+            </a:r>
+            <a:r>
+              <a:rPr lang="en-GB" sz="1200" dirty="0" err="1">
+                <a:latin typeface="Consolas" panose="020B0609020204030204" pitchFamily="49" charset="0"/>
+                <a:cs typeface="Consolas" panose="020B0609020204030204" pitchFamily="49" charset="0"/>
+              </a:rPr>
+              <a:t>System.out.println</a:t>
+            </a:r>
+            <a:r>
+              <a:rPr lang="en-GB" sz="1200" dirty="0">
+                <a:latin typeface="Consolas" panose="020B0609020204030204" pitchFamily="49" charset="0"/>
+                <a:cs typeface="Consolas" panose="020B0609020204030204" pitchFamily="49" charset="0"/>
+              </a:rPr>
+              <a:t>(</a:t>
+            </a:r>
+            <a:r>
+              <a:rPr lang="en-GB" sz="1200" dirty="0" err="1">
+                <a:latin typeface="Consolas" panose="020B0609020204030204" pitchFamily="49" charset="0"/>
+                <a:cs typeface="Consolas" panose="020B0609020204030204" pitchFamily="49" charset="0"/>
+              </a:rPr>
+              <a:t>s.nextInt</a:t>
+            </a:r>
+            <a:r>
+              <a:rPr lang="en-GB" sz="1200" dirty="0">
+                <a:latin typeface="Consolas" panose="020B0609020204030204" pitchFamily="49" charset="0"/>
+                <a:cs typeface="Consolas" panose="020B0609020204030204" pitchFamily="49" charset="0"/>
+              </a:rPr>
+              <a:t>()); </a:t>
+            </a:r>
+            <a:r>
+              <a:rPr lang="en-GB" sz="1200" dirty="0" err="1">
+                <a:latin typeface="Consolas" panose="020B0609020204030204" pitchFamily="49" charset="0"/>
+                <a:cs typeface="Consolas" panose="020B0609020204030204" pitchFamily="49" charset="0"/>
+              </a:rPr>
+              <a:t>System.out.println</a:t>
+            </a:r>
+            <a:r>
+              <a:rPr lang="en-GB" sz="1200" dirty="0">
+                <a:latin typeface="Consolas" panose="020B0609020204030204" pitchFamily="49" charset="0"/>
+                <a:cs typeface="Consolas" panose="020B0609020204030204" pitchFamily="49" charset="0"/>
+              </a:rPr>
+              <a:t>(</a:t>
+            </a:r>
+            <a:r>
+              <a:rPr lang="en-GB" sz="1200" dirty="0" err="1">
+                <a:latin typeface="Consolas" panose="020B0609020204030204" pitchFamily="49" charset="0"/>
+                <a:cs typeface="Consolas" panose="020B0609020204030204" pitchFamily="49" charset="0"/>
+              </a:rPr>
+              <a:t>s.next</a:t>
+            </a:r>
+            <a:r>
+              <a:rPr lang="en-GB" sz="1200" dirty="0">
+                <a:latin typeface="Consolas" panose="020B0609020204030204" pitchFamily="49" charset="0"/>
+                <a:cs typeface="Consolas" panose="020B0609020204030204" pitchFamily="49" charset="0"/>
+              </a:rPr>
+              <a:t>()); </a:t>
+            </a:r>
+          </a:p>
+          <a:p>
+            <a:pPr marL="0" indent="0">
+              <a:buNone/>
+            </a:pPr>
+            <a:r>
+              <a:rPr lang="en-GB" sz="1200" dirty="0" err="1">
+                <a:latin typeface="Consolas" panose="020B0609020204030204" pitchFamily="49" charset="0"/>
+                <a:cs typeface="Consolas" panose="020B0609020204030204" pitchFamily="49" charset="0"/>
+              </a:rPr>
+              <a:t>System.out.println</a:t>
+            </a:r>
+            <a:r>
+              <a:rPr lang="en-GB" sz="1200" dirty="0">
+                <a:latin typeface="Consolas" panose="020B0609020204030204" pitchFamily="49" charset="0"/>
+                <a:cs typeface="Consolas" panose="020B0609020204030204" pitchFamily="49" charset="0"/>
+              </a:rPr>
+              <a:t>(</a:t>
+            </a:r>
+            <a:r>
+              <a:rPr lang="en-GB" sz="1200" dirty="0" err="1">
+                <a:latin typeface="Consolas" panose="020B0609020204030204" pitchFamily="49" charset="0"/>
+                <a:cs typeface="Consolas" panose="020B0609020204030204" pitchFamily="49" charset="0"/>
+              </a:rPr>
+              <a:t>s.next</a:t>
+            </a:r>
+            <a:r>
+              <a:rPr lang="en-GB" sz="1200" dirty="0">
+                <a:latin typeface="Consolas" panose="020B0609020204030204" pitchFamily="49" charset="0"/>
+                <a:cs typeface="Consolas" panose="020B0609020204030204" pitchFamily="49" charset="0"/>
+              </a:rPr>
+              <a:t>()); </a:t>
+            </a:r>
+          </a:p>
+          <a:p>
+            <a:pPr marL="0" indent="0">
+              <a:buNone/>
+            </a:pPr>
+            <a:r>
+              <a:rPr lang="en-GB" sz="1200" dirty="0" err="1">
+                <a:latin typeface="Consolas" panose="020B0609020204030204" pitchFamily="49" charset="0"/>
+                <a:cs typeface="Consolas" panose="020B0609020204030204" pitchFamily="49" charset="0"/>
+              </a:rPr>
+              <a:t>s.close</a:t>
+            </a:r>
+            <a:r>
+              <a:rPr lang="en-GB" sz="1200" dirty="0">
+                <a:latin typeface="Consolas" panose="020B0609020204030204" pitchFamily="49" charset="0"/>
+                <a:cs typeface="Consolas" panose="020B0609020204030204" pitchFamily="49" charset="0"/>
+              </a:rPr>
+              <a:t>();</a:t>
+            </a:r>
+            <a:endParaRPr lang="en-IT" sz="1200" dirty="0">
+              <a:latin typeface="Consolas" panose="020B0609020204030204" pitchFamily="49" charset="0"/>
+              <a:cs typeface="Consolas" panose="020B0609020204030204" pitchFamily="49" charset="0"/>
+            </a:endParaRPr>
           </a:p>
         </p:txBody>
       </p:sp>

--- a/java/slides/ppt/02 - Java Basics.pptx
+++ b/java/slides/ppt/02 - Java Basics.pptx
@@ -283,7 +283,7 @@
           <a:p>
             <a:fld id="{5591E39A-28E5-5D4D-B97C-ECEB96F19817}" type="datetimeFigureOut">
               <a:rPr lang="en-IT" smtClean="0"/>
-              <a:t>02/03/22</a:t>
+              <a:t>04/03/22</a:t>
             </a:fld>
             <a:endParaRPr lang="en-IT"/>
           </a:p>
@@ -462,7 +462,7 @@
             <a:fld id="{BAEB7694-8561-4BE2-948D-EDF7A201F8BB}" type="datetimeFigureOut">
               <a:rPr lang="it-IT" smtClean="0"/>
               <a:pPr/>
-              <a:t>02/03/22</a:t>
+              <a:t>04/03/22</a:t>
             </a:fld>
             <a:endParaRPr lang="it-IT"/>
           </a:p>
@@ -16496,26 +16496,38 @@
         <p:spPr/>
         <p:txBody>
           <a:bodyPr>
-            <a:normAutofit lnSpcReduction="10000"/>
+            <a:normAutofit/>
           </a:bodyPr>
           <a:lstStyle/>
           <a:p>
             <a:r>
-              <a:rPr lang="en-GB" dirty="0">
+              <a:rPr lang="en-GB" sz="2400" dirty="0">
                 <a:solidFill>
                   <a:schemeClr val="accent6">
                     <a:lumMod val="75000"/>
                   </a:schemeClr>
                 </a:solidFill>
               </a:rPr>
-              <a:t>Objects resides in heap memory. Their life do not depend on the life of the method they have been created in.</a:t>
-            </a:r>
-          </a:p>
-          <a:p>
-            <a:pPr marL="0" indent="0">
-              <a:buNone/>
-            </a:pPr>
-            <a:endParaRPr lang="en-GB" sz="2200" dirty="0">
+              <a:t>Objects resides in heap memory</a:t>
+            </a:r>
+          </a:p>
+          <a:p>
+            <a:r>
+              <a:rPr lang="en-GB" sz="2400" dirty="0">
+                <a:solidFill>
+                  <a:schemeClr val="accent6">
+                    <a:lumMod val="75000"/>
+                  </a:schemeClr>
+                </a:solidFill>
+              </a:rPr>
+              <a:t>Their life do not depend on the life of the method they have been created in</a:t>
+            </a:r>
+          </a:p>
+          <a:p>
+            <a:pPr marL="0" indent="0">
+              <a:buNone/>
+            </a:pPr>
+            <a:endParaRPr lang="en-GB" sz="1800" dirty="0">
               <a:latin typeface="Consolas" panose="020B0609020204030204" pitchFamily="49" charset="0"/>
               <a:cs typeface="Consolas" panose="020B0609020204030204" pitchFamily="49" charset="0"/>
             </a:endParaRPr>
@@ -16525,193 +16537,193 @@
               <a:buNone/>
             </a:pPr>
             <a:r>
-              <a:rPr lang="en-GB" sz="2200" dirty="0">
+              <a:rPr lang="en-GB" sz="1800" dirty="0">
                 <a:latin typeface="Consolas" panose="020B0609020204030204" pitchFamily="49" charset="0"/>
                 <a:cs typeface="Consolas" panose="020B0609020204030204" pitchFamily="49" charset="0"/>
               </a:rPr>
               <a:t>public class Test {</a:t>
             </a:r>
             <a:br>
-              <a:rPr lang="en-GB" sz="2200" dirty="0">
+              <a:rPr lang="en-GB" sz="1800" dirty="0">
                 <a:latin typeface="Consolas" panose="020B0609020204030204" pitchFamily="49" charset="0"/>
                 <a:cs typeface="Consolas" panose="020B0609020204030204" pitchFamily="49" charset="0"/>
               </a:rPr>
             </a:br>
             <a:r>
-              <a:rPr lang="en-GB" sz="2200" dirty="0">
+              <a:rPr lang="en-GB" sz="1800" dirty="0">
                 <a:latin typeface="Consolas" panose="020B0609020204030204" pitchFamily="49" charset="0"/>
                 <a:cs typeface="Consolas" panose="020B0609020204030204" pitchFamily="49" charset="0"/>
               </a:rPr>
               <a:t>    public static Point </a:t>
             </a:r>
             <a:r>
-              <a:rPr lang="en-GB" sz="2200" dirty="0" err="1">
+              <a:rPr lang="en-GB" sz="1800" dirty="0" err="1">
                 <a:latin typeface="Consolas" panose="020B0609020204030204" pitchFamily="49" charset="0"/>
                 <a:cs typeface="Consolas" panose="020B0609020204030204" pitchFamily="49" charset="0"/>
               </a:rPr>
               <a:t>allocatePoint</a:t>
             </a:r>
             <a:r>
-              <a:rPr lang="en-GB" sz="2200" dirty="0">
+              <a:rPr lang="en-GB" sz="1800" dirty="0">
                 <a:latin typeface="Consolas" panose="020B0609020204030204" pitchFamily="49" charset="0"/>
                 <a:cs typeface="Consolas" panose="020B0609020204030204" pitchFamily="49" charset="0"/>
               </a:rPr>
               <a:t>(int x, int y) {</a:t>
             </a:r>
             <a:br>
-              <a:rPr lang="en-GB" sz="2200" dirty="0">
+              <a:rPr lang="en-GB" sz="1800" dirty="0">
                 <a:latin typeface="Consolas" panose="020B0609020204030204" pitchFamily="49" charset="0"/>
                 <a:cs typeface="Consolas" panose="020B0609020204030204" pitchFamily="49" charset="0"/>
               </a:rPr>
             </a:br>
             <a:r>
-              <a:rPr lang="en-GB" sz="2200" dirty="0">
+              <a:rPr lang="en-GB" sz="1800" dirty="0">
                 <a:latin typeface="Consolas" panose="020B0609020204030204" pitchFamily="49" charset="0"/>
                 <a:cs typeface="Consolas" panose="020B0609020204030204" pitchFamily="49" charset="0"/>
               </a:rPr>
               <a:t>        return new Point(x, y);</a:t>
             </a:r>
             <a:br>
-              <a:rPr lang="en-GB" sz="2200" dirty="0">
+              <a:rPr lang="en-GB" sz="1800" dirty="0">
                 <a:latin typeface="Consolas" panose="020B0609020204030204" pitchFamily="49" charset="0"/>
                 <a:cs typeface="Consolas" panose="020B0609020204030204" pitchFamily="49" charset="0"/>
               </a:rPr>
             </a:br>
             <a:r>
-              <a:rPr lang="en-GB" sz="2200" dirty="0">
+              <a:rPr lang="en-GB" sz="1800" dirty="0">
                 <a:latin typeface="Consolas" panose="020B0609020204030204" pitchFamily="49" charset="0"/>
                 <a:cs typeface="Consolas" panose="020B0609020204030204" pitchFamily="49" charset="0"/>
               </a:rPr>
               <a:t>    }</a:t>
             </a:r>
             <a:br>
-              <a:rPr lang="en-GB" sz="2200" dirty="0">
+              <a:rPr lang="en-GB" sz="1800" dirty="0">
                 <a:latin typeface="Consolas" panose="020B0609020204030204" pitchFamily="49" charset="0"/>
                 <a:cs typeface="Consolas" panose="020B0609020204030204" pitchFamily="49" charset="0"/>
               </a:rPr>
             </a:br>
             <a:br>
-              <a:rPr lang="en-GB" sz="2200" dirty="0">
+              <a:rPr lang="en-GB" sz="1800" dirty="0">
                 <a:latin typeface="Consolas" panose="020B0609020204030204" pitchFamily="49" charset="0"/>
                 <a:cs typeface="Consolas" panose="020B0609020204030204" pitchFamily="49" charset="0"/>
               </a:rPr>
             </a:br>
             <a:r>
-              <a:rPr lang="en-GB" sz="2200" dirty="0">
+              <a:rPr lang="en-GB" sz="1800" dirty="0">
                 <a:latin typeface="Consolas" panose="020B0609020204030204" pitchFamily="49" charset="0"/>
                 <a:cs typeface="Consolas" panose="020B0609020204030204" pitchFamily="49" charset="0"/>
               </a:rPr>
               <a:t>    public static void main(String[] </a:t>
             </a:r>
             <a:r>
-              <a:rPr lang="en-GB" sz="2200" dirty="0" err="1">
+              <a:rPr lang="en-GB" sz="1800" dirty="0" err="1">
                 <a:latin typeface="Consolas" panose="020B0609020204030204" pitchFamily="49" charset="0"/>
                 <a:cs typeface="Consolas" panose="020B0609020204030204" pitchFamily="49" charset="0"/>
               </a:rPr>
               <a:t>args</a:t>
             </a:r>
             <a:r>
-              <a:rPr lang="en-GB" sz="2200" dirty="0">
+              <a:rPr lang="en-GB" sz="1800" dirty="0">
                 <a:latin typeface="Consolas" panose="020B0609020204030204" pitchFamily="49" charset="0"/>
                 <a:cs typeface="Consolas" panose="020B0609020204030204" pitchFamily="49" charset="0"/>
               </a:rPr>
               <a:t>) {</a:t>
             </a:r>
             <a:br>
-              <a:rPr lang="en-GB" sz="2200" dirty="0">
+              <a:rPr lang="en-GB" sz="1800" dirty="0">
                 <a:latin typeface="Consolas" panose="020B0609020204030204" pitchFamily="49" charset="0"/>
                 <a:cs typeface="Consolas" panose="020B0609020204030204" pitchFamily="49" charset="0"/>
               </a:rPr>
             </a:br>
             <a:r>
-              <a:rPr lang="en-GB" sz="2200" dirty="0">
+              <a:rPr lang="en-GB" sz="1800" dirty="0">
                 <a:latin typeface="Consolas" panose="020B0609020204030204" pitchFamily="49" charset="0"/>
                 <a:cs typeface="Consolas" panose="020B0609020204030204" pitchFamily="49" charset="0"/>
               </a:rPr>
               <a:t>        Point p = </a:t>
             </a:r>
             <a:r>
-              <a:rPr lang="en-GB" sz="2200" i="1" dirty="0" err="1">
+              <a:rPr lang="en-GB" sz="1800" i="1" dirty="0" err="1">
                 <a:latin typeface="Consolas" panose="020B0609020204030204" pitchFamily="49" charset="0"/>
                 <a:cs typeface="Consolas" panose="020B0609020204030204" pitchFamily="49" charset="0"/>
               </a:rPr>
               <a:t>allocatePoint</a:t>
             </a:r>
             <a:r>
-              <a:rPr lang="en-GB" sz="2200" dirty="0">
+              <a:rPr lang="en-GB" sz="1800" dirty="0">
                 <a:latin typeface="Consolas" panose="020B0609020204030204" pitchFamily="49" charset="0"/>
                 <a:cs typeface="Consolas" panose="020B0609020204030204" pitchFamily="49" charset="0"/>
               </a:rPr>
               <a:t>(2, 3);</a:t>
             </a:r>
             <a:br>
-              <a:rPr lang="en-GB" sz="2200" dirty="0">
+              <a:rPr lang="en-GB" sz="1800" dirty="0">
                 <a:latin typeface="Consolas" panose="020B0609020204030204" pitchFamily="49" charset="0"/>
                 <a:cs typeface="Consolas" panose="020B0609020204030204" pitchFamily="49" charset="0"/>
               </a:rPr>
             </a:br>
             <a:r>
-              <a:rPr lang="en-GB" sz="2200" dirty="0">
+              <a:rPr lang="en-GB" sz="1800" dirty="0">
                 <a:latin typeface="Consolas" panose="020B0609020204030204" pitchFamily="49" charset="0"/>
                 <a:cs typeface="Consolas" panose="020B0609020204030204" pitchFamily="49" charset="0"/>
               </a:rPr>
               <a:t>        </a:t>
             </a:r>
             <a:r>
-              <a:rPr lang="en-GB" sz="2200" dirty="0" err="1">
+              <a:rPr lang="en-GB" sz="1800" dirty="0" err="1">
                 <a:latin typeface="Consolas" panose="020B0609020204030204" pitchFamily="49" charset="0"/>
                 <a:cs typeface="Consolas" panose="020B0609020204030204" pitchFamily="49" charset="0"/>
               </a:rPr>
               <a:t>System.</a:t>
             </a:r>
             <a:r>
-              <a:rPr lang="en-GB" sz="2200" i="1" dirty="0" err="1">
+              <a:rPr lang="en-GB" sz="1800" i="1" dirty="0" err="1">
                 <a:latin typeface="Consolas" panose="020B0609020204030204" pitchFamily="49" charset="0"/>
                 <a:cs typeface="Consolas" panose="020B0609020204030204" pitchFamily="49" charset="0"/>
               </a:rPr>
               <a:t>out</a:t>
             </a:r>
             <a:r>
-              <a:rPr lang="en-GB" sz="2200" dirty="0" err="1">
+              <a:rPr lang="en-GB" sz="1800" dirty="0" err="1">
                 <a:latin typeface="Consolas" panose="020B0609020204030204" pitchFamily="49" charset="0"/>
                 <a:cs typeface="Consolas" panose="020B0609020204030204" pitchFamily="49" charset="0"/>
               </a:rPr>
               <a:t>.println</a:t>
             </a:r>
             <a:r>
-              <a:rPr lang="en-GB" sz="2200" dirty="0">
+              <a:rPr lang="en-GB" sz="1800" dirty="0">
                 <a:latin typeface="Consolas" panose="020B0609020204030204" pitchFamily="49" charset="0"/>
                 <a:cs typeface="Consolas" panose="020B0609020204030204" pitchFamily="49" charset="0"/>
               </a:rPr>
               <a:t>(p);</a:t>
             </a:r>
             <a:br>
-              <a:rPr lang="en-GB" sz="2200" dirty="0">
+              <a:rPr lang="en-GB" sz="1800" dirty="0">
                 <a:latin typeface="Consolas" panose="020B0609020204030204" pitchFamily="49" charset="0"/>
                 <a:cs typeface="Consolas" panose="020B0609020204030204" pitchFamily="49" charset="0"/>
               </a:rPr>
             </a:br>
             <a:r>
-              <a:rPr lang="en-GB" sz="2200" dirty="0">
+              <a:rPr lang="en-GB" sz="1800" dirty="0">
                 <a:latin typeface="Consolas" panose="020B0609020204030204" pitchFamily="49" charset="0"/>
                 <a:cs typeface="Consolas" panose="020B0609020204030204" pitchFamily="49" charset="0"/>
               </a:rPr>
               <a:t>    }</a:t>
             </a:r>
             <a:br>
-              <a:rPr lang="en-GB" sz="2200" dirty="0">
+              <a:rPr lang="en-GB" sz="1800" dirty="0">
                 <a:latin typeface="Consolas" panose="020B0609020204030204" pitchFamily="49" charset="0"/>
                 <a:cs typeface="Consolas" panose="020B0609020204030204" pitchFamily="49" charset="0"/>
               </a:rPr>
             </a:br>
             <a:r>
-              <a:rPr lang="en-GB" sz="2200" dirty="0">
+              <a:rPr lang="en-GB" sz="1800" dirty="0">
                 <a:latin typeface="Consolas" panose="020B0609020204030204" pitchFamily="49" charset="0"/>
                 <a:cs typeface="Consolas" panose="020B0609020204030204" pitchFamily="49" charset="0"/>
               </a:rPr>
               <a:t>}</a:t>
             </a:r>
-            <a:endParaRPr lang="en-IT" sz="2200" dirty="0">
+            <a:endParaRPr lang="en-IT" sz="1800" dirty="0">
               <a:latin typeface="Consolas" panose="020B0609020204030204" pitchFamily="49" charset="0"/>
               <a:cs typeface="Consolas" panose="020B0609020204030204" pitchFamily="49" charset="0"/>
             </a:endParaRPr>
@@ -18479,7 +18491,7 @@
                 <a:latin typeface="Consolas" panose="020B0609020204030204" pitchFamily="49" charset="0"/>
                 <a:cs typeface="Consolas" panose="020B0609020204030204" pitchFamily="49" charset="0"/>
               </a:rPr>
-              <a:t> String[][] table = {{"a", "b", "c"}, {"d", "e", "f"}};</a:t>
+              <a:t>String[][] table = {{"a", "b", "c"}, {"d", "e", "f"}};</a:t>
             </a:r>
             <a:br>
               <a:rPr lang="en-GB" sz="2000" dirty="0">
@@ -18494,13 +18506,6 @@
               </a:rPr>
             </a:br>
             <a:r>
-              <a:rPr lang="en-GB" sz="2000" dirty="0">
-                <a:latin typeface="Consolas" panose="020B0609020204030204" pitchFamily="49" charset="0"/>
-                <a:cs typeface="Consolas" panose="020B0609020204030204" pitchFamily="49" charset="0"/>
-              </a:rPr>
-              <a:t>    </a:t>
-            </a:r>
-            <a:r>
               <a:rPr lang="en-GB" sz="2000" dirty="0" err="1">
                 <a:latin typeface="Consolas" panose="020B0609020204030204" pitchFamily="49" charset="0"/>
                 <a:cs typeface="Consolas" panose="020B0609020204030204" pitchFamily="49" charset="0"/>
@@ -18566,7 +18571,7 @@
                 <a:latin typeface="Consolas" panose="020B0609020204030204" pitchFamily="49" charset="0"/>
                 <a:cs typeface="Consolas" panose="020B0609020204030204" pitchFamily="49" charset="0"/>
               </a:rPr>
-              <a:t>    // switching rows only requires switching references</a:t>
+              <a:t>// switching rows only requires switching references</a:t>
             </a:r>
           </a:p>
           <a:p>
@@ -18578,7 +18583,7 @@
                 <a:latin typeface="Consolas" panose="020B0609020204030204" pitchFamily="49" charset="0"/>
                 <a:cs typeface="Consolas" panose="020B0609020204030204" pitchFamily="49" charset="0"/>
               </a:rPr>
-              <a:t>    String[] </a:t>
+              <a:t>String[] </a:t>
             </a:r>
             <a:r>
               <a:rPr lang="en-GB" sz="2000" dirty="0" err="1">
@@ -18605,7 +18610,7 @@
                 <a:latin typeface="Consolas" panose="020B0609020204030204" pitchFamily="49" charset="0"/>
                 <a:cs typeface="Consolas" panose="020B0609020204030204" pitchFamily="49" charset="0"/>
               </a:rPr>
-              <a:t>    table[0] = table[1];</a:t>
+              <a:t>table[0] = table[1];</a:t>
             </a:r>
             <a:br>
               <a:rPr lang="en-GB" sz="2000" dirty="0">
@@ -18618,7 +18623,7 @@
                 <a:latin typeface="Consolas" panose="020B0609020204030204" pitchFamily="49" charset="0"/>
                 <a:cs typeface="Consolas" panose="020B0609020204030204" pitchFamily="49" charset="0"/>
               </a:rPr>
-              <a:t>    table[1] = </a:t>
+              <a:t>table[1] = </a:t>
             </a:r>
             <a:r>
               <a:rPr lang="en-GB" sz="2000" dirty="0" err="1">
@@ -18647,73 +18652,53 @@
               </a:rPr>
             </a:br>
             <a:r>
+              <a:rPr lang="en-GB" sz="2000" dirty="0" err="1">
+                <a:latin typeface="Consolas" panose="020B0609020204030204" pitchFamily="49" charset="0"/>
+                <a:cs typeface="Consolas" panose="020B0609020204030204" pitchFamily="49" charset="0"/>
+              </a:rPr>
+              <a:t>System.</a:t>
+            </a:r>
+            <a:r>
+              <a:rPr lang="en-GB" sz="2000" i="1" dirty="0" err="1">
+                <a:latin typeface="Consolas" panose="020B0609020204030204" pitchFamily="49" charset="0"/>
+                <a:cs typeface="Consolas" panose="020B0609020204030204" pitchFamily="49" charset="0"/>
+              </a:rPr>
+              <a:t>out</a:t>
+            </a:r>
+            <a:r>
+              <a:rPr lang="en-GB" sz="2000" dirty="0" err="1">
+                <a:latin typeface="Consolas" panose="020B0609020204030204" pitchFamily="49" charset="0"/>
+                <a:cs typeface="Consolas" panose="020B0609020204030204" pitchFamily="49" charset="0"/>
+              </a:rPr>
+              <a:t>.println</a:t>
+            </a:r>
+            <a:r>
               <a:rPr lang="en-GB" sz="2000" dirty="0">
                 <a:latin typeface="Consolas" panose="020B0609020204030204" pitchFamily="49" charset="0"/>
                 <a:cs typeface="Consolas" panose="020B0609020204030204" pitchFamily="49" charset="0"/>
               </a:rPr>
-              <a:t>    </a:t>
+              <a:t>(</a:t>
             </a:r>
             <a:r>
               <a:rPr lang="en-GB" sz="2000" dirty="0" err="1">
                 <a:latin typeface="Consolas" panose="020B0609020204030204" pitchFamily="49" charset="0"/>
                 <a:cs typeface="Consolas" panose="020B0609020204030204" pitchFamily="49" charset="0"/>
               </a:rPr>
-              <a:t>System.</a:t>
+              <a:t>Arrays.</a:t>
             </a:r>
             <a:r>
               <a:rPr lang="en-GB" sz="2000" i="1" dirty="0" err="1">
                 <a:latin typeface="Consolas" panose="020B0609020204030204" pitchFamily="49" charset="0"/>
                 <a:cs typeface="Consolas" panose="020B0609020204030204" pitchFamily="49" charset="0"/>
               </a:rPr>
-              <a:t>out</a:t>
-            </a:r>
-            <a:r>
-              <a:rPr lang="en-GB" sz="2000" dirty="0" err="1">
-                <a:latin typeface="Consolas" panose="020B0609020204030204" pitchFamily="49" charset="0"/>
-                <a:cs typeface="Consolas" panose="020B0609020204030204" pitchFamily="49" charset="0"/>
-              </a:rPr>
-              <a:t>.println</a:t>
+              <a:t>deepToString</a:t>
             </a:r>
             <a:r>
               <a:rPr lang="en-GB" sz="2000" dirty="0">
                 <a:latin typeface="Consolas" panose="020B0609020204030204" pitchFamily="49" charset="0"/>
                 <a:cs typeface="Consolas" panose="020B0609020204030204" pitchFamily="49" charset="0"/>
               </a:rPr>
-              <a:t>(</a:t>
-            </a:r>
-            <a:r>
-              <a:rPr lang="en-GB" sz="2000" dirty="0" err="1">
-                <a:latin typeface="Consolas" panose="020B0609020204030204" pitchFamily="49" charset="0"/>
-                <a:cs typeface="Consolas" panose="020B0609020204030204" pitchFamily="49" charset="0"/>
-              </a:rPr>
-              <a:t>Arrays.</a:t>
-            </a:r>
-            <a:r>
-              <a:rPr lang="en-GB" sz="2000" i="1" dirty="0" err="1">
-                <a:latin typeface="Consolas" panose="020B0609020204030204" pitchFamily="49" charset="0"/>
-                <a:cs typeface="Consolas" panose="020B0609020204030204" pitchFamily="49" charset="0"/>
-              </a:rPr>
-              <a:t>deepToString</a:t>
-            </a:r>
-            <a:r>
-              <a:rPr lang="en-GB" sz="2000" dirty="0">
-                <a:latin typeface="Consolas" panose="020B0609020204030204" pitchFamily="49" charset="0"/>
-                <a:cs typeface="Consolas" panose="020B0609020204030204" pitchFamily="49" charset="0"/>
-              </a:rPr>
               <a:t>(table));</a:t>
-            </a:r>
-            <a:br>
-              <a:rPr lang="en-GB" sz="2000" dirty="0">
-                <a:latin typeface="Consolas" panose="020B0609020204030204" pitchFamily="49" charset="0"/>
-                <a:cs typeface="Consolas" panose="020B0609020204030204" pitchFamily="49" charset="0"/>
-              </a:rPr>
-            </a:br>
-            <a:r>
-              <a:rPr lang="en-GB" sz="2000" dirty="0">
-                <a:latin typeface="Consolas" panose="020B0609020204030204" pitchFamily="49" charset="0"/>
-                <a:cs typeface="Consolas" panose="020B0609020204030204" pitchFamily="49" charset="0"/>
-              </a:rPr>
-              <a:t>}</a:t>
             </a:r>
             <a:endParaRPr lang="en-IT" sz="2000" dirty="0">
               <a:latin typeface="Consolas" panose="020B0609020204030204" pitchFamily="49" charset="0"/>
@@ -18835,7 +18820,7 @@
         <p:spPr/>
         <p:txBody>
           <a:bodyPr>
-            <a:normAutofit lnSpcReduction="10000"/>
+            <a:normAutofit fontScale="92500"/>
           </a:bodyPr>
           <a:lstStyle/>
           <a:p>
@@ -19079,12 +19064,30 @@
             <a:pPr lvl="1"/>
             <a:r>
               <a:rPr lang="it-IT" dirty="0" err="1"/>
-              <a:t>binarySearch</a:t>
+              <a:t>asList</a:t>
             </a:r>
             <a:r>
               <a:rPr lang="it-IT" dirty="0"/>
               <a:t>()</a:t>
             </a:r>
+            <a:endParaRPr lang="it-IT" dirty="0">
+              <a:solidFill>
+                <a:schemeClr val="accent6">
+                  <a:lumMod val="75000"/>
+                </a:schemeClr>
+              </a:solidFill>
+            </a:endParaRPr>
+          </a:p>
+          <a:p>
+            <a:pPr lvl="1"/>
+            <a:r>
+              <a:rPr lang="it-IT" dirty="0" err="1"/>
+              <a:t>binarySearch</a:t>
+            </a:r>
+            <a:r>
+              <a:rPr lang="it-IT" dirty="0"/>
+              <a:t>()</a:t>
+            </a:r>
           </a:p>
           <a:p>
             <a:pPr lvl="1"/>
@@ -19123,7 +19126,7 @@
             <a:pPr lvl="1"/>
             <a:r>
               <a:rPr lang="it-IT" dirty="0" err="1"/>
-              <a:t>asList</a:t>
+              <a:t>deepToString</a:t>
             </a:r>
             <a:r>
               <a:rPr lang="it-IT" dirty="0"/>
@@ -19268,13 +19271,13 @@
             <a:spLocks noGrp="1"/>
           </p:cNvSpPr>
           <p:nvPr>
-            <p:ph idx="1"/>
+            <p:ph sz="half" idx="1"/>
           </p:nvPr>
         </p:nvSpPr>
         <p:spPr/>
         <p:txBody>
           <a:bodyPr>
-            <a:normAutofit/>
+            <a:normAutofit fontScale="92500"/>
           </a:bodyPr>
           <a:lstStyle/>
           <a:p>
@@ -19673,6 +19676,407 @@
           </a:p>
           <a:p>
             <a:endParaRPr lang="en-GB" sz="2800" dirty="0"/>
+          </a:p>
+        </p:txBody>
+      </p:sp>
+      <p:sp>
+        <p:nvSpPr>
+          <p:cNvPr id="5" name="Content Placeholder 4">
+            <a:extLst>
+              <a:ext uri="{FF2B5EF4-FFF2-40B4-BE49-F238E27FC236}">
+                <a16:creationId xmlns:a16="http://schemas.microsoft.com/office/drawing/2014/main" id="{01C3937A-9492-134E-9D83-52262A24C55E}"/>
+              </a:ext>
+            </a:extLst>
+          </p:cNvPr>
+          <p:cNvSpPr>
+            <a:spLocks noGrp="1"/>
+          </p:cNvSpPr>
+          <p:nvPr>
+            <p:ph sz="half" idx="2"/>
+          </p:nvPr>
+        </p:nvSpPr>
+        <p:spPr/>
+        <p:txBody>
+          <a:bodyPr>
+            <a:normAutofit fontScale="92500"/>
+          </a:bodyPr>
+          <a:lstStyle/>
+          <a:p>
+            <a:pPr marL="0" indent="0">
+              <a:buNone/>
+            </a:pPr>
+            <a:r>
+              <a:rPr lang="en-GB" sz="1600" dirty="0">
+                <a:latin typeface="Consolas" panose="020B0609020204030204" pitchFamily="49" charset="0"/>
+                <a:cs typeface="Consolas" panose="020B0609020204030204" pitchFamily="49" charset="0"/>
+              </a:rPr>
+              <a:t>int[] v1 = new int[8];</a:t>
+            </a:r>
+            <a:br>
+              <a:rPr lang="en-GB" sz="1600" dirty="0">
+                <a:latin typeface="Consolas" panose="020B0609020204030204" pitchFamily="49" charset="0"/>
+                <a:cs typeface="Consolas" panose="020B0609020204030204" pitchFamily="49" charset="0"/>
+              </a:rPr>
+            </a:br>
+            <a:r>
+              <a:rPr lang="en-GB" sz="1600" dirty="0">
+                <a:latin typeface="Consolas" panose="020B0609020204030204" pitchFamily="49" charset="0"/>
+                <a:cs typeface="Consolas" panose="020B0609020204030204" pitchFamily="49" charset="0"/>
+              </a:rPr>
+              <a:t>int[] v2 = new int[8];</a:t>
+            </a:r>
+            <a:br>
+              <a:rPr lang="en-GB" sz="1600" dirty="0">
+                <a:latin typeface="Consolas" panose="020B0609020204030204" pitchFamily="49" charset="0"/>
+                <a:cs typeface="Consolas" panose="020B0609020204030204" pitchFamily="49" charset="0"/>
+              </a:rPr>
+            </a:br>
+            <a:br>
+              <a:rPr lang="en-GB" sz="1600" dirty="0">
+                <a:latin typeface="Consolas" panose="020B0609020204030204" pitchFamily="49" charset="0"/>
+                <a:cs typeface="Consolas" panose="020B0609020204030204" pitchFamily="49" charset="0"/>
+              </a:rPr>
+            </a:br>
+            <a:r>
+              <a:rPr lang="en-GB" sz="1600" dirty="0" err="1">
+                <a:latin typeface="Consolas" panose="020B0609020204030204" pitchFamily="49" charset="0"/>
+                <a:cs typeface="Consolas" panose="020B0609020204030204" pitchFamily="49" charset="0"/>
+              </a:rPr>
+              <a:t>Arrays.</a:t>
+            </a:r>
+            <a:r>
+              <a:rPr lang="en-GB" sz="1600" i="1" dirty="0" err="1">
+                <a:latin typeface="Consolas" panose="020B0609020204030204" pitchFamily="49" charset="0"/>
+                <a:cs typeface="Consolas" panose="020B0609020204030204" pitchFamily="49" charset="0"/>
+              </a:rPr>
+              <a:t>fill</a:t>
+            </a:r>
+            <a:r>
+              <a:rPr lang="en-GB" sz="1600" dirty="0">
+                <a:latin typeface="Consolas" panose="020B0609020204030204" pitchFamily="49" charset="0"/>
+                <a:cs typeface="Consolas" panose="020B0609020204030204" pitchFamily="49" charset="0"/>
+              </a:rPr>
+              <a:t>(v1, 10);</a:t>
+            </a:r>
+            <a:br>
+              <a:rPr lang="en-GB" sz="1600" dirty="0">
+                <a:latin typeface="Consolas" panose="020B0609020204030204" pitchFamily="49" charset="0"/>
+                <a:cs typeface="Consolas" panose="020B0609020204030204" pitchFamily="49" charset="0"/>
+              </a:rPr>
+            </a:br>
+            <a:r>
+              <a:rPr lang="en-GB" sz="1600" dirty="0" err="1">
+                <a:latin typeface="Consolas" panose="020B0609020204030204" pitchFamily="49" charset="0"/>
+                <a:cs typeface="Consolas" panose="020B0609020204030204" pitchFamily="49" charset="0"/>
+              </a:rPr>
+              <a:t>Arrays.</a:t>
+            </a:r>
+            <a:r>
+              <a:rPr lang="en-GB" sz="1600" i="1" dirty="0" err="1">
+                <a:latin typeface="Consolas" panose="020B0609020204030204" pitchFamily="49" charset="0"/>
+                <a:cs typeface="Consolas" panose="020B0609020204030204" pitchFamily="49" charset="0"/>
+              </a:rPr>
+              <a:t>fill</a:t>
+            </a:r>
+            <a:r>
+              <a:rPr lang="en-GB" sz="1600" dirty="0">
+                <a:latin typeface="Consolas" panose="020B0609020204030204" pitchFamily="49" charset="0"/>
+                <a:cs typeface="Consolas" panose="020B0609020204030204" pitchFamily="49" charset="0"/>
+              </a:rPr>
+              <a:t>(v2, 12);</a:t>
+            </a:r>
+            <a:br>
+              <a:rPr lang="en-GB" sz="1600" dirty="0">
+                <a:latin typeface="Consolas" panose="020B0609020204030204" pitchFamily="49" charset="0"/>
+                <a:cs typeface="Consolas" panose="020B0609020204030204" pitchFamily="49" charset="0"/>
+              </a:rPr>
+            </a:br>
+            <a:br>
+              <a:rPr lang="en-GB" sz="1600" dirty="0">
+                <a:latin typeface="Consolas" panose="020B0609020204030204" pitchFamily="49" charset="0"/>
+                <a:cs typeface="Consolas" panose="020B0609020204030204" pitchFamily="49" charset="0"/>
+              </a:rPr>
+            </a:br>
+            <a:r>
+              <a:rPr lang="en-GB" sz="1600" dirty="0">
+                <a:solidFill>
+                  <a:schemeClr val="accent6">
+                    <a:lumMod val="75000"/>
+                  </a:schemeClr>
+                </a:solidFill>
+                <a:latin typeface="Consolas" panose="020B0609020204030204" pitchFamily="49" charset="0"/>
+                <a:cs typeface="Consolas" panose="020B0609020204030204" pitchFamily="49" charset="0"/>
+              </a:rPr>
+              <a:t>// manual array copy</a:t>
+            </a:r>
+          </a:p>
+          <a:p>
+            <a:pPr marL="0" indent="0">
+              <a:buNone/>
+            </a:pPr>
+            <a:r>
+              <a:rPr lang="en-GB" sz="1600" dirty="0">
+                <a:solidFill>
+                  <a:schemeClr val="accent6">
+                    <a:lumMod val="75000"/>
+                  </a:schemeClr>
+                </a:solidFill>
+                <a:latin typeface="Consolas" panose="020B0609020204030204" pitchFamily="49" charset="0"/>
+                <a:cs typeface="Consolas" panose="020B0609020204030204" pitchFamily="49" charset="0"/>
+              </a:rPr>
+              <a:t>// </a:t>
+            </a:r>
+            <a:r>
+              <a:rPr lang="en-GB" sz="1600" dirty="0" err="1">
+                <a:solidFill>
+                  <a:schemeClr val="accent6">
+                    <a:lumMod val="75000"/>
+                  </a:schemeClr>
+                </a:solidFill>
+                <a:latin typeface="Consolas" panose="020B0609020204030204" pitchFamily="49" charset="0"/>
+                <a:cs typeface="Consolas" panose="020B0609020204030204" pitchFamily="49" charset="0"/>
+              </a:rPr>
+              <a:t>System.</a:t>
+            </a:r>
+            <a:r>
+              <a:rPr lang="en-GB" sz="1600" i="1" dirty="0" err="1">
+                <a:solidFill>
+                  <a:schemeClr val="accent6">
+                    <a:lumMod val="75000"/>
+                  </a:schemeClr>
+                </a:solidFill>
+                <a:latin typeface="Consolas" panose="020B0609020204030204" pitchFamily="49" charset="0"/>
+                <a:cs typeface="Consolas" panose="020B0609020204030204" pitchFamily="49" charset="0"/>
+              </a:rPr>
+              <a:t>arraycopy</a:t>
+            </a:r>
+            <a:r>
+              <a:rPr lang="en-GB" sz="1600" dirty="0">
+                <a:solidFill>
+                  <a:schemeClr val="accent6">
+                    <a:lumMod val="75000"/>
+                  </a:schemeClr>
+                </a:solidFill>
+                <a:latin typeface="Consolas" panose="020B0609020204030204" pitchFamily="49" charset="0"/>
+                <a:cs typeface="Consolas" panose="020B0609020204030204" pitchFamily="49" charset="0"/>
+              </a:rPr>
+              <a:t>(v1, 0, v2, 4, 4);</a:t>
+            </a:r>
+            <a:br>
+              <a:rPr lang="en-GB" sz="1600" dirty="0">
+                <a:latin typeface="Consolas" panose="020B0609020204030204" pitchFamily="49" charset="0"/>
+                <a:cs typeface="Consolas" panose="020B0609020204030204" pitchFamily="49" charset="0"/>
+              </a:rPr>
+            </a:br>
+            <a:r>
+              <a:rPr lang="en-GB" sz="1600" dirty="0">
+                <a:latin typeface="Consolas" panose="020B0609020204030204" pitchFamily="49" charset="0"/>
+                <a:cs typeface="Consolas" panose="020B0609020204030204" pitchFamily="49" charset="0"/>
+              </a:rPr>
+              <a:t>for (int </a:t>
+            </a:r>
+            <a:r>
+              <a:rPr lang="en-GB" sz="1600" dirty="0" err="1">
+                <a:latin typeface="Consolas" panose="020B0609020204030204" pitchFamily="49" charset="0"/>
+                <a:cs typeface="Consolas" panose="020B0609020204030204" pitchFamily="49" charset="0"/>
+              </a:rPr>
+              <a:t>i</a:t>
+            </a:r>
+            <a:r>
+              <a:rPr lang="en-GB" sz="1600" dirty="0">
+                <a:latin typeface="Consolas" panose="020B0609020204030204" pitchFamily="49" charset="0"/>
+                <a:cs typeface="Consolas" panose="020B0609020204030204" pitchFamily="49" charset="0"/>
+              </a:rPr>
+              <a:t> = 0; </a:t>
+            </a:r>
+            <a:r>
+              <a:rPr lang="en-GB" sz="1600" dirty="0" err="1">
+                <a:latin typeface="Consolas" panose="020B0609020204030204" pitchFamily="49" charset="0"/>
+                <a:cs typeface="Consolas" panose="020B0609020204030204" pitchFamily="49" charset="0"/>
+              </a:rPr>
+              <a:t>i</a:t>
+            </a:r>
+            <a:r>
+              <a:rPr lang="en-GB" sz="1600" dirty="0">
+                <a:latin typeface="Consolas" panose="020B0609020204030204" pitchFamily="49" charset="0"/>
+                <a:cs typeface="Consolas" panose="020B0609020204030204" pitchFamily="49" charset="0"/>
+              </a:rPr>
+              <a:t> &lt; 4; </a:t>
+            </a:r>
+            <a:r>
+              <a:rPr lang="en-GB" sz="1600" dirty="0" err="1">
+                <a:latin typeface="Consolas" panose="020B0609020204030204" pitchFamily="49" charset="0"/>
+                <a:cs typeface="Consolas" panose="020B0609020204030204" pitchFamily="49" charset="0"/>
+              </a:rPr>
+              <a:t>i</a:t>
+            </a:r>
+            <a:r>
+              <a:rPr lang="en-GB" sz="1600" dirty="0">
+                <a:latin typeface="Consolas" panose="020B0609020204030204" pitchFamily="49" charset="0"/>
+                <a:cs typeface="Consolas" panose="020B0609020204030204" pitchFamily="49" charset="0"/>
+              </a:rPr>
+              <a:t>++) {</a:t>
+            </a:r>
+            <a:br>
+              <a:rPr lang="en-GB" sz="1600" dirty="0">
+                <a:latin typeface="Consolas" panose="020B0609020204030204" pitchFamily="49" charset="0"/>
+                <a:cs typeface="Consolas" panose="020B0609020204030204" pitchFamily="49" charset="0"/>
+              </a:rPr>
+            </a:br>
+            <a:r>
+              <a:rPr lang="en-GB" sz="1600" dirty="0">
+                <a:latin typeface="Consolas" panose="020B0609020204030204" pitchFamily="49" charset="0"/>
+                <a:cs typeface="Consolas" panose="020B0609020204030204" pitchFamily="49" charset="0"/>
+              </a:rPr>
+              <a:t>    v2[i+4] = v1[</a:t>
+            </a:r>
+            <a:r>
+              <a:rPr lang="en-GB" sz="1600" dirty="0" err="1">
+                <a:latin typeface="Consolas" panose="020B0609020204030204" pitchFamily="49" charset="0"/>
+                <a:cs typeface="Consolas" panose="020B0609020204030204" pitchFamily="49" charset="0"/>
+              </a:rPr>
+              <a:t>i</a:t>
+            </a:r>
+            <a:r>
+              <a:rPr lang="en-GB" sz="1600" dirty="0">
+                <a:latin typeface="Consolas" panose="020B0609020204030204" pitchFamily="49" charset="0"/>
+                <a:cs typeface="Consolas" panose="020B0609020204030204" pitchFamily="49" charset="0"/>
+              </a:rPr>
+              <a:t>];</a:t>
+            </a:r>
+            <a:br>
+              <a:rPr lang="en-GB" sz="1600" dirty="0">
+                <a:latin typeface="Consolas" panose="020B0609020204030204" pitchFamily="49" charset="0"/>
+                <a:cs typeface="Consolas" panose="020B0609020204030204" pitchFamily="49" charset="0"/>
+              </a:rPr>
+            </a:br>
+            <a:r>
+              <a:rPr lang="en-GB" sz="1600" dirty="0">
+                <a:latin typeface="Consolas" panose="020B0609020204030204" pitchFamily="49" charset="0"/>
+                <a:cs typeface="Consolas" panose="020B0609020204030204" pitchFamily="49" charset="0"/>
+              </a:rPr>
+              <a:t>}</a:t>
+            </a:r>
+            <a:br>
+              <a:rPr lang="en-GB" sz="1600" dirty="0">
+                <a:latin typeface="Consolas" panose="020B0609020204030204" pitchFamily="49" charset="0"/>
+                <a:cs typeface="Consolas" panose="020B0609020204030204" pitchFamily="49" charset="0"/>
+              </a:rPr>
+            </a:br>
+            <a:br>
+              <a:rPr lang="en-GB" sz="1600" dirty="0">
+                <a:latin typeface="Consolas" panose="020B0609020204030204" pitchFamily="49" charset="0"/>
+                <a:cs typeface="Consolas" panose="020B0609020204030204" pitchFamily="49" charset="0"/>
+              </a:rPr>
+            </a:br>
+            <a:r>
+              <a:rPr lang="en-GB" sz="1600" dirty="0" err="1">
+                <a:latin typeface="Consolas" panose="020B0609020204030204" pitchFamily="49" charset="0"/>
+                <a:cs typeface="Consolas" panose="020B0609020204030204" pitchFamily="49" charset="0"/>
+              </a:rPr>
+              <a:t>System.</a:t>
+            </a:r>
+            <a:r>
+              <a:rPr lang="en-GB" sz="1600" i="1" dirty="0" err="1">
+                <a:latin typeface="Consolas" panose="020B0609020204030204" pitchFamily="49" charset="0"/>
+                <a:cs typeface="Consolas" panose="020B0609020204030204" pitchFamily="49" charset="0"/>
+              </a:rPr>
+              <a:t>out</a:t>
+            </a:r>
+            <a:r>
+              <a:rPr lang="en-GB" sz="1600" dirty="0" err="1">
+                <a:latin typeface="Consolas" panose="020B0609020204030204" pitchFamily="49" charset="0"/>
+                <a:cs typeface="Consolas" panose="020B0609020204030204" pitchFamily="49" charset="0"/>
+              </a:rPr>
+              <a:t>.println</a:t>
+            </a:r>
+            <a:r>
+              <a:rPr lang="en-GB" sz="1600" dirty="0">
+                <a:latin typeface="Consolas" panose="020B0609020204030204" pitchFamily="49" charset="0"/>
+                <a:cs typeface="Consolas" panose="020B0609020204030204" pitchFamily="49" charset="0"/>
+              </a:rPr>
+              <a:t>(</a:t>
+            </a:r>
+            <a:r>
+              <a:rPr lang="en-GB" sz="1600" dirty="0" err="1">
+                <a:latin typeface="Consolas" panose="020B0609020204030204" pitchFamily="49" charset="0"/>
+                <a:cs typeface="Consolas" panose="020B0609020204030204" pitchFamily="49" charset="0"/>
+              </a:rPr>
+              <a:t>Arrays.</a:t>
+            </a:r>
+            <a:r>
+              <a:rPr lang="en-GB" sz="1600" i="1" dirty="0" err="1">
+                <a:latin typeface="Consolas" panose="020B0609020204030204" pitchFamily="49" charset="0"/>
+                <a:cs typeface="Consolas" panose="020B0609020204030204" pitchFamily="49" charset="0"/>
+              </a:rPr>
+              <a:t>toString</a:t>
+            </a:r>
+            <a:r>
+              <a:rPr lang="en-GB" sz="1600" dirty="0">
+                <a:latin typeface="Consolas" panose="020B0609020204030204" pitchFamily="49" charset="0"/>
+                <a:cs typeface="Consolas" panose="020B0609020204030204" pitchFamily="49" charset="0"/>
+              </a:rPr>
+              <a:t>(v1));</a:t>
+            </a:r>
+            <a:br>
+              <a:rPr lang="en-GB" sz="1600" dirty="0">
+                <a:latin typeface="Consolas" panose="020B0609020204030204" pitchFamily="49" charset="0"/>
+                <a:cs typeface="Consolas" panose="020B0609020204030204" pitchFamily="49" charset="0"/>
+              </a:rPr>
+            </a:br>
+            <a:r>
+              <a:rPr lang="en-GB" sz="1600" dirty="0" err="1">
+                <a:latin typeface="Consolas" panose="020B0609020204030204" pitchFamily="49" charset="0"/>
+                <a:cs typeface="Consolas" panose="020B0609020204030204" pitchFamily="49" charset="0"/>
+              </a:rPr>
+              <a:t>System.</a:t>
+            </a:r>
+            <a:r>
+              <a:rPr lang="en-GB" sz="1600" i="1" dirty="0" err="1">
+                <a:latin typeface="Consolas" panose="020B0609020204030204" pitchFamily="49" charset="0"/>
+                <a:cs typeface="Consolas" panose="020B0609020204030204" pitchFamily="49" charset="0"/>
+              </a:rPr>
+              <a:t>out</a:t>
+            </a:r>
+            <a:r>
+              <a:rPr lang="en-GB" sz="1600" dirty="0" err="1">
+                <a:latin typeface="Consolas" panose="020B0609020204030204" pitchFamily="49" charset="0"/>
+                <a:cs typeface="Consolas" panose="020B0609020204030204" pitchFamily="49" charset="0"/>
+              </a:rPr>
+              <a:t>.println</a:t>
+            </a:r>
+            <a:r>
+              <a:rPr lang="en-GB" sz="1600" dirty="0">
+                <a:latin typeface="Consolas" panose="020B0609020204030204" pitchFamily="49" charset="0"/>
+                <a:cs typeface="Consolas" panose="020B0609020204030204" pitchFamily="49" charset="0"/>
+              </a:rPr>
+              <a:t>(</a:t>
+            </a:r>
+            <a:r>
+              <a:rPr lang="en-GB" sz="1600" dirty="0" err="1">
+                <a:latin typeface="Consolas" panose="020B0609020204030204" pitchFamily="49" charset="0"/>
+                <a:cs typeface="Consolas" panose="020B0609020204030204" pitchFamily="49" charset="0"/>
+              </a:rPr>
+              <a:t>Arrays.</a:t>
+            </a:r>
+            <a:r>
+              <a:rPr lang="en-GB" sz="1600" i="1" dirty="0" err="1">
+                <a:latin typeface="Consolas" panose="020B0609020204030204" pitchFamily="49" charset="0"/>
+                <a:cs typeface="Consolas" panose="020B0609020204030204" pitchFamily="49" charset="0"/>
+              </a:rPr>
+              <a:t>toString</a:t>
+            </a:r>
+            <a:r>
+              <a:rPr lang="en-GB" sz="1600" dirty="0">
+                <a:latin typeface="Consolas" panose="020B0609020204030204" pitchFamily="49" charset="0"/>
+                <a:cs typeface="Consolas" panose="020B0609020204030204" pitchFamily="49" charset="0"/>
+              </a:rPr>
+              <a:t>(v2));</a:t>
+            </a:r>
+            <a:endParaRPr lang="en-IT" sz="1600" dirty="0">
+              <a:latin typeface="Consolas" panose="020B0609020204030204" pitchFamily="49" charset="0"/>
+              <a:cs typeface="Consolas" panose="020B0609020204030204" pitchFamily="49" charset="0"/>
+            </a:endParaRPr>
           </a:p>
         </p:txBody>
       </p:sp>
@@ -20836,16 +21240,6 @@
               </a:rPr>
               <a:t>immutable</a:t>
             </a:r>
-            <a:r>
-              <a:rPr lang="it-IT" sz="2800" dirty="0">
-                <a:solidFill>
-                  <a:schemeClr val="accent6">
-                    <a:lumMod val="75000"/>
-                  </a:schemeClr>
-                </a:solidFill>
-              </a:rPr>
-              <a:t> in Java</a:t>
-            </a:r>
             <a:endParaRPr lang="it-IT" sz="2800" dirty="0"/>
           </a:p>
           <a:p>
@@ -21928,11 +22322,11 @@
           <a:lstStyle/>
           <a:p>
             <a:r>
-              <a:rPr lang="en-US" sz="4000" dirty="0"/>
+              <a:rPr lang="en-US" sz="3200" dirty="0"/>
               <a:t>The </a:t>
             </a:r>
             <a:r>
-              <a:rPr lang="en-US" sz="4000" dirty="0">
+              <a:rPr lang="en-US" sz="3200" dirty="0">
                 <a:solidFill>
                   <a:schemeClr val="accent6">
                     <a:lumMod val="75000"/>
@@ -21942,17 +22336,17 @@
               <a:t>== operator </a:t>
             </a:r>
             <a:r>
-              <a:rPr lang="en-US" sz="4000" dirty="0"/>
+              <a:rPr lang="en-US" sz="3200" dirty="0"/>
               <a:t>verifies if two references point to the same object</a:t>
             </a:r>
           </a:p>
           <a:p>
             <a:r>
-              <a:rPr lang="en-US" sz="4000" dirty="0"/>
+              <a:rPr lang="en-US" sz="3200" dirty="0"/>
               <a:t>The </a:t>
             </a:r>
             <a:r>
-              <a:rPr lang="en-US" sz="4000" dirty="0">
+              <a:rPr lang="en-US" sz="3200" dirty="0">
                 <a:solidFill>
                   <a:schemeClr val="accent6">
                     <a:lumMod val="75000"/>
@@ -21962,7 +22356,7 @@
               <a:t>equals() method</a:t>
             </a:r>
             <a:r>
-              <a:rPr lang="en-US" sz="4000" dirty="0"/>
+              <a:rPr lang="en-US" sz="3200" dirty="0"/>
               <a:t>, instead, verifies if two objects (any object!) have the same internal state</a:t>
             </a:r>
           </a:p>
@@ -22709,7 +23103,7 @@
                 <a:latin typeface="Calibri" panose="020F0502020204030204" pitchFamily="34" charset="0"/>
                 <a:cs typeface="Calibri" panose="020F0502020204030204" pitchFamily="34" charset="0"/>
               </a:rPr>
-              <a:t>Strings are immutable. </a:t>
+              <a:t>Being Strings immutable, </a:t>
             </a:r>
             <a:r>
               <a:rPr lang="en-US" sz="2400" dirty="0">
@@ -22721,7 +23115,7 @@
                 <a:latin typeface="Calibri" panose="020F0502020204030204" pitchFamily="34" charset="0"/>
                 <a:cs typeface="Calibri" panose="020F0502020204030204" pitchFamily="34" charset="0"/>
               </a:rPr>
-              <a:t>When two Strings are concatenated using +, the two Strings are actually discarded and a new one (containing their concatenation) is instantiated. </a:t>
+              <a:t>when two Strings are concatenated using +, the two Strings are actually discarded and a new one (containing their concatenation) is instantiated. </a:t>
             </a:r>
           </a:p>
           <a:p>
@@ -22751,7 +23145,7 @@
                 <a:latin typeface="Calibri" panose="020F0502020204030204" pitchFamily="34" charset="0"/>
                 <a:cs typeface="Calibri" panose="020F0502020204030204" pitchFamily="34" charset="0"/>
               </a:rPr>
-              <a:t>StringBuilder provides a better way</a:t>
+              <a:t>StringBuilder provides a better way for concatenating Strings</a:t>
             </a:r>
             <a:endParaRPr lang="en-US" sz="2000" dirty="0">
               <a:latin typeface="Calibri" panose="020F0502020204030204" pitchFamily="34" charset="0"/>
@@ -23662,7 +24056,7 @@
           <a:lstStyle/>
           <a:p>
             <a:r>
-              <a:rPr lang="en-GB" sz="2800" dirty="0">
+              <a:rPr lang="en-GB" sz="2400" dirty="0">
                 <a:solidFill>
                   <a:schemeClr val="accent6">
                     <a:lumMod val="75000"/>
@@ -23674,7 +24068,7 @@
               <a:t>void print(String s) </a:t>
             </a:r>
             <a:r>
-              <a:rPr lang="en-GB" sz="2800" dirty="0">
+              <a:rPr lang="en-GB" sz="2400" dirty="0">
                 <a:latin typeface="Consolas" panose="020B0609020204030204" pitchFamily="49" charset="0"/>
                 <a:cs typeface="Consolas" panose="020B0609020204030204" pitchFamily="49" charset="0"/>
               </a:rPr>
@@ -23684,17 +24078,17 @@
           <a:p>
             <a:pPr lvl="1"/>
             <a:r>
-              <a:rPr lang="en-GB" sz="2400" dirty="0"/>
+              <a:rPr lang="en-GB" sz="2000" dirty="0"/>
               <a:t>Prints a string</a:t>
             </a:r>
-            <a:endParaRPr lang="en-GB" sz="2400" dirty="0">
+            <a:endParaRPr lang="en-GB" sz="2000" dirty="0">
               <a:latin typeface="Consolas" panose="020B0609020204030204" pitchFamily="49" charset="0"/>
               <a:cs typeface="Consolas" panose="020B0609020204030204" pitchFamily="49" charset="0"/>
             </a:endParaRPr>
           </a:p>
           <a:p>
             <a:r>
-              <a:rPr lang="en-GB" sz="2800" dirty="0">
+              <a:rPr lang="en-GB" sz="2400" dirty="0">
                 <a:solidFill>
                   <a:schemeClr val="accent6">
                     <a:lumMod val="75000"/>
@@ -23706,7 +24100,7 @@
               <a:t>void </a:t>
             </a:r>
             <a:r>
-              <a:rPr lang="en-GB" sz="2800" dirty="0" err="1">
+              <a:rPr lang="en-GB" sz="2400" dirty="0" err="1">
                 <a:solidFill>
                   <a:schemeClr val="accent6">
                     <a:lumMod val="75000"/>
@@ -23718,7 +24112,7 @@
               <a:t>println</a:t>
             </a:r>
             <a:r>
-              <a:rPr lang="en-GB" sz="2800" dirty="0">
+              <a:rPr lang="en-GB" sz="2400" dirty="0">
                 <a:solidFill>
                   <a:schemeClr val="accent6">
                     <a:lumMod val="75000"/>
@@ -23730,7 +24124,7 @@
               <a:t>(String s) </a:t>
             </a:r>
             <a:r>
-              <a:rPr lang="en-GB" sz="2800" dirty="0">
+              <a:rPr lang="en-GB" sz="2400" dirty="0">
                 <a:latin typeface="Consolas" panose="020B0609020204030204" pitchFamily="49" charset="0"/>
                 <a:cs typeface="Consolas" panose="020B0609020204030204" pitchFamily="49" charset="0"/>
               </a:rPr>
@@ -23740,17 +24134,17 @@
           <a:p>
             <a:pPr lvl="1"/>
             <a:r>
-              <a:rPr lang="en-GB" sz="2400" dirty="0"/>
+              <a:rPr lang="en-GB" sz="2000" dirty="0"/>
               <a:t>Prints a String and then terminate the line</a:t>
             </a:r>
-            <a:endParaRPr lang="en-GB" sz="2400" dirty="0">
+            <a:endParaRPr lang="en-GB" sz="2000" dirty="0">
               <a:latin typeface="Consolas" panose="020B0609020204030204" pitchFamily="49" charset="0"/>
               <a:cs typeface="Consolas" panose="020B0609020204030204" pitchFamily="49" charset="0"/>
             </a:endParaRPr>
           </a:p>
           <a:p>
             <a:r>
-              <a:rPr lang="en-GB" sz="2800" dirty="0">
+              <a:rPr lang="en-GB" sz="2400" dirty="0">
                 <a:solidFill>
                   <a:schemeClr val="accent6">
                     <a:lumMod val="75000"/>
@@ -23762,7 +24156,7 @@
               <a:t>void </a:t>
             </a:r>
             <a:r>
-              <a:rPr lang="en-GB" sz="2800" dirty="0" err="1">
+              <a:rPr lang="en-GB" sz="2400" dirty="0" err="1">
                 <a:solidFill>
                   <a:schemeClr val="accent6">
                     <a:lumMod val="75000"/>
@@ -23774,7 +24168,7 @@
               <a:t>printf</a:t>
             </a:r>
             <a:r>
-              <a:rPr lang="en-GB" sz="2800" dirty="0">
+              <a:rPr lang="en-GB" sz="2400" dirty="0">
                 <a:solidFill>
                   <a:schemeClr val="accent6">
                     <a:lumMod val="75000"/>
@@ -23786,7 +24180,7 @@
               <a:t>(String format, Object... </a:t>
             </a:r>
             <a:r>
-              <a:rPr lang="en-GB" sz="2800" dirty="0" err="1">
+              <a:rPr lang="en-GB" sz="2400" dirty="0" err="1">
                 <a:solidFill>
                   <a:schemeClr val="accent6">
                     <a:lumMod val="75000"/>
@@ -23798,7 +24192,7 @@
               <a:t>args</a:t>
             </a:r>
             <a:r>
-              <a:rPr lang="en-GB" sz="2800" dirty="0">
+              <a:rPr lang="en-GB" sz="2400" dirty="0">
                 <a:solidFill>
                   <a:schemeClr val="accent6">
                     <a:lumMod val="75000"/>
@@ -23810,7 +24204,7 @@
               <a:t>) </a:t>
             </a:r>
             <a:r>
-              <a:rPr lang="en-GB" sz="2800" dirty="0">
+              <a:rPr lang="en-GB" sz="2400" dirty="0">
                 <a:latin typeface="Consolas" panose="020B0609020204030204" pitchFamily="49" charset="0"/>
                 <a:cs typeface="Consolas" panose="020B0609020204030204" pitchFamily="49" charset="0"/>
               </a:rPr>
@@ -23820,16 +24214,16 @@
           <a:p>
             <a:pPr lvl="1"/>
             <a:r>
-              <a:rPr lang="en-GB" sz="2400" dirty="0"/>
+              <a:rPr lang="en-GB" sz="2000" dirty="0"/>
               <a:t>Write a formatted string using the specified format string and arguments</a:t>
             </a:r>
-            <a:endParaRPr lang="en-GB" sz="2400" dirty="0">
+            <a:endParaRPr lang="en-GB" sz="2000" dirty="0">
               <a:latin typeface="Consolas" panose="020B0609020204030204" pitchFamily="49" charset="0"/>
               <a:cs typeface="Consolas" panose="020B0609020204030204" pitchFamily="49" charset="0"/>
             </a:endParaRPr>
           </a:p>
           <a:p>
-            <a:endParaRPr lang="en-GB" sz="2800" dirty="0">
+            <a:endParaRPr lang="en-GB" sz="2400" dirty="0">
               <a:solidFill>
                 <a:schemeClr val="accent6">
                   <a:lumMod val="75000"/>
@@ -23841,7 +24235,7 @@
           </a:p>
           <a:p>
             <a:r>
-              <a:rPr lang="en-GB" sz="2800" dirty="0">
+              <a:rPr lang="en-GB" sz="2400" dirty="0">
                 <a:solidFill>
                   <a:schemeClr val="accent6">
                     <a:lumMod val="75000"/>
@@ -23853,7 +24247,7 @@
               <a:t>String </a:t>
             </a:r>
             <a:r>
-              <a:rPr lang="en-GB" sz="2800" dirty="0" err="1">
+              <a:rPr lang="en-GB" sz="2400" dirty="0" err="1">
                 <a:solidFill>
                   <a:schemeClr val="accent6">
                     <a:lumMod val="75000"/>
@@ -23865,7 +24259,7 @@
               <a:t>String.format</a:t>
             </a:r>
             <a:r>
-              <a:rPr lang="en-GB" sz="2800" dirty="0">
+              <a:rPr lang="en-GB" sz="2400" dirty="0">
                 <a:solidFill>
                   <a:schemeClr val="accent6">
                     <a:lumMod val="75000"/>
@@ -23877,7 +24271,7 @@
               <a:t>(String format, Object... </a:t>
             </a:r>
             <a:r>
-              <a:rPr lang="en-GB" sz="2800" dirty="0" err="1">
+              <a:rPr lang="en-GB" sz="2400" dirty="0" err="1">
                 <a:solidFill>
                   <a:schemeClr val="accent6">
                     <a:lumMod val="75000"/>
@@ -23889,7 +24283,7 @@
               <a:t>args</a:t>
             </a:r>
             <a:r>
-              <a:rPr lang="en-GB" sz="2800" dirty="0">
+              <a:rPr lang="en-GB" sz="2400" dirty="0">
                 <a:solidFill>
                   <a:schemeClr val="accent6">
                     <a:lumMod val="75000"/>
@@ -23904,16 +24298,16 @@
           <a:p>
             <a:pPr lvl="1"/>
             <a:r>
-              <a:rPr lang="en-GB" sz="2400" dirty="0"/>
+              <a:rPr lang="en-GB" sz="2000" dirty="0"/>
               <a:t>Returns a formatted string using the specified format string and arguments</a:t>
             </a:r>
-            <a:endParaRPr lang="en-IT" sz="2400" dirty="0">
+            <a:endParaRPr lang="en-IT" sz="2000" dirty="0">
               <a:latin typeface="Consolas" panose="020B0609020204030204" pitchFamily="49" charset="0"/>
               <a:cs typeface="Consolas" panose="020B0609020204030204" pitchFamily="49" charset="0"/>
             </a:endParaRPr>
           </a:p>
           <a:p>
-            <a:endParaRPr lang="en-IT" sz="2800" dirty="0"/>
+            <a:endParaRPr lang="en-IT" sz="2400" dirty="0"/>
           </a:p>
         </p:txBody>
       </p:sp>

--- a/java/slides/ppt/02 - Java Basics.pptx
+++ b/java/slides/ppt/02 - Java Basics.pptx
@@ -5,10 +5,10 @@
     <p:sldMasterId id="2147483672" r:id="rId1"/>
   </p:sldMasterIdLst>
   <p:notesMasterIdLst>
-    <p:notesMasterId r:id="rId63"/>
+    <p:notesMasterId r:id="rId62"/>
   </p:notesMasterIdLst>
   <p:handoutMasterIdLst>
-    <p:handoutMasterId r:id="rId64"/>
+    <p:handoutMasterId r:id="rId63"/>
   </p:handoutMasterIdLst>
   <p:sldIdLst>
     <p:sldId id="256" r:id="rId2"/>
@@ -59,19 +59,18 @@
     <p:sldId id="406" r:id="rId47"/>
     <p:sldId id="412" r:id="rId48"/>
     <p:sldId id="375" r:id="rId49"/>
-    <p:sldId id="394" r:id="rId50"/>
-    <p:sldId id="395" r:id="rId51"/>
-    <p:sldId id="384" r:id="rId52"/>
-    <p:sldId id="383" r:id="rId53"/>
-    <p:sldId id="376" r:id="rId54"/>
-    <p:sldId id="408" r:id="rId55"/>
-    <p:sldId id="422" r:id="rId56"/>
-    <p:sldId id="424" r:id="rId57"/>
-    <p:sldId id="426" r:id="rId58"/>
-    <p:sldId id="427" r:id="rId59"/>
-    <p:sldId id="423" r:id="rId60"/>
-    <p:sldId id="425" r:id="rId61"/>
-    <p:sldId id="421" r:id="rId62"/>
+    <p:sldId id="444" r:id="rId50"/>
+    <p:sldId id="384" r:id="rId51"/>
+    <p:sldId id="383" r:id="rId52"/>
+    <p:sldId id="376" r:id="rId53"/>
+    <p:sldId id="408" r:id="rId54"/>
+    <p:sldId id="422" r:id="rId55"/>
+    <p:sldId id="424" r:id="rId56"/>
+    <p:sldId id="426" r:id="rId57"/>
+    <p:sldId id="427" r:id="rId58"/>
+    <p:sldId id="423" r:id="rId59"/>
+    <p:sldId id="425" r:id="rId60"/>
+    <p:sldId id="421" r:id="rId61"/>
   </p:sldIdLst>
   <p:sldSz cx="12192000" cy="6858000"/>
   <p:notesSz cx="6858000" cy="9144000"/>
@@ -283,7 +282,7 @@
           <a:p>
             <a:fld id="{5591E39A-28E5-5D4D-B97C-ECEB96F19817}" type="datetimeFigureOut">
               <a:rPr lang="en-IT" smtClean="0"/>
-              <a:t>04/03/22</a:t>
+              <a:t>06/03/22</a:t>
             </a:fld>
             <a:endParaRPr lang="en-IT"/>
           </a:p>
@@ -462,7 +461,7 @@
             <a:fld id="{BAEB7694-8561-4BE2-948D-EDF7A201F8BB}" type="datetimeFigureOut">
               <a:rPr lang="it-IT" smtClean="0"/>
               <a:pPr/>
-              <a:t>04/03/22</a:t>
+              <a:t>06/03/22</a:t>
             </a:fld>
             <a:endParaRPr lang="it-IT"/>
           </a:p>
@@ -20943,7 +20942,7 @@
           <a:p>
             <a:r>
               <a:rPr lang="en-US" sz="2800" dirty="0"/>
-              <a:t>C (char[] == string)</a:t>
+              <a:t>In C char[] == string</a:t>
             </a:r>
             <a:endParaRPr lang="en-US" sz="2000" dirty="0">
               <a:latin typeface="Consolas" panose="020B0609020204030204" pitchFamily="49" charset="0"/>
@@ -21014,7 +21013,17 @@
           <a:p>
             <a:r>
               <a:rPr lang="en-US" dirty="0"/>
-              <a:t>Java (char[] != string)</a:t>
+              <a:t>In Java </a:t>
+            </a:r>
+            <a:r>
+              <a:rPr lang="en-US" dirty="0">
+                <a:solidFill>
+                  <a:schemeClr val="accent6">
+                    <a:lumMod val="75000"/>
+                  </a:schemeClr>
+                </a:solidFill>
+              </a:rPr>
+              <a:t>char[] != String</a:t>
             </a:r>
           </a:p>
           <a:p>
@@ -21029,6 +21038,18 @@
             <a:r>
               <a:rPr lang="en-US" dirty="0"/>
               <a:t>)</a:t>
+            </a:r>
+          </a:p>
+          <a:p>
+            <a:r>
+              <a:rPr lang="en-US" dirty="0">
+                <a:solidFill>
+                  <a:schemeClr val="accent6">
+                    <a:lumMod val="75000"/>
+                  </a:schemeClr>
+                </a:solidFill>
+              </a:rPr>
+              <a:t>Strings are immutable objects</a:t>
             </a:r>
           </a:p>
           <a:p>
@@ -21075,19 +21096,19 @@
                 <a:latin typeface="Consolas" panose="020B0609020204030204" pitchFamily="49" charset="0"/>
                 <a:cs typeface="Consolas" panose="020B0609020204030204" pitchFamily="49" charset="0"/>
               </a:rPr>
+              <a:t>String s = “hello”;</a:t>
+            </a:r>
+          </a:p>
+          <a:p>
+            <a:pPr marL="0" indent="0">
+              <a:buNone/>
+            </a:pPr>
+            <a:r>
+              <a:rPr lang="en-US" sz="2000" dirty="0">
+                <a:latin typeface="Consolas" panose="020B0609020204030204" pitchFamily="49" charset="0"/>
+                <a:cs typeface="Consolas" panose="020B0609020204030204" pitchFamily="49" charset="0"/>
+              </a:rPr>
               <a:t>String s = new String(“Hello”);</a:t>
-            </a:r>
-          </a:p>
-          <a:p>
-            <a:pPr marL="0" indent="0">
-              <a:buNone/>
-            </a:pPr>
-            <a:r>
-              <a:rPr lang="en-US" sz="2000" dirty="0">
-                <a:latin typeface="Consolas" panose="020B0609020204030204" pitchFamily="49" charset="0"/>
-                <a:cs typeface="Consolas" panose="020B0609020204030204" pitchFamily="49" charset="0"/>
-              </a:rPr>
-              <a:t>String s = “hello”;</a:t>
             </a:r>
           </a:p>
           <a:p>
@@ -21151,10 +21172,10 @@
       </p:grpSpPr>
       <p:sp>
         <p:nvSpPr>
-          <p:cNvPr id="2" name="Title 1">
+          <p:cNvPr id="5" name="Title 4">
             <a:extLst>
               <a:ext uri="{FF2B5EF4-FFF2-40B4-BE49-F238E27FC236}">
-                <a16:creationId xmlns:a16="http://schemas.microsoft.com/office/drawing/2014/main" id="{12BF8FEE-DFDC-7F49-BC61-975248B16179}"/>
+                <a16:creationId xmlns:a16="http://schemas.microsoft.com/office/drawing/2014/main" id="{623284AB-FE1F-3B43-9AA0-FB1A6A54EA2C}"/>
               </a:ext>
             </a:extLst>
           </p:cNvPr>
@@ -21182,16 +21203,16 @@
               <a:rPr lang="it-IT" dirty="0" err="1"/>
               <a:t>memory</a:t>
             </a:r>
-            <a:endParaRPr lang="it-IT" dirty="0"/>
+            <a:endParaRPr lang="en-IT" dirty="0"/>
           </a:p>
         </p:txBody>
       </p:sp>
       <p:sp>
         <p:nvSpPr>
-          <p:cNvPr id="3" name="Content Placeholder 2">
+          <p:cNvPr id="6" name="Content Placeholder 5">
             <a:extLst>
               <a:ext uri="{FF2B5EF4-FFF2-40B4-BE49-F238E27FC236}">
-                <a16:creationId xmlns:a16="http://schemas.microsoft.com/office/drawing/2014/main" id="{CA8E69DF-8FF9-9F4A-BBB2-C4DCEEAE00CE}"/>
+                <a16:creationId xmlns:a16="http://schemas.microsoft.com/office/drawing/2014/main" id="{08BA7E74-3A12-C84E-9C0C-18AC86B76B37}"/>
               </a:ext>
             </a:extLst>
           </p:cNvPr>
@@ -21199,361 +21220,867 @@
             <a:spLocks noGrp="1"/>
           </p:cNvSpPr>
           <p:nvPr>
-            <p:ph idx="1"/>
+            <p:ph sz="half" idx="1"/>
           </p:nvPr>
         </p:nvSpPr>
         <p:spPr/>
         <p:txBody>
           <a:bodyPr>
-            <a:normAutofit/>
+            <a:normAutofit fontScale="92500" lnSpcReduction="20000"/>
           </a:bodyPr>
           <a:lstStyle/>
           <a:p>
-            <a:pPr algn="just"/>
-            <a:r>
-              <a:rPr lang="it-IT" sz="2800" dirty="0" err="1">
+            <a:r>
+              <a:rPr lang="it-IT" sz="2200" dirty="0" err="1"/>
+              <a:t>When</a:t>
+            </a:r>
+            <a:r>
+              <a:rPr lang="it-IT" sz="2200" dirty="0"/>
+              <a:t> </a:t>
+            </a:r>
+            <a:r>
+              <a:rPr lang="it-IT" sz="2200" dirty="0" err="1"/>
+              <a:t>created</a:t>
+            </a:r>
+            <a:r>
+              <a:rPr lang="it-IT" sz="2200" dirty="0"/>
+              <a:t> </a:t>
+            </a:r>
+            <a:r>
+              <a:rPr lang="it-IT" sz="2200" dirty="0" err="1"/>
+              <a:t>using</a:t>
+            </a:r>
+            <a:r>
+              <a:rPr lang="it-IT" sz="2200" dirty="0"/>
+              <a:t> </a:t>
+            </a:r>
+            <a:r>
+              <a:rPr lang="it-IT" sz="2200" dirty="0" err="1"/>
+              <a:t>String</a:t>
+            </a:r>
+            <a:r>
+              <a:rPr lang="it-IT" sz="2200" dirty="0"/>
+              <a:t> </a:t>
+            </a:r>
+            <a:r>
+              <a:rPr lang="it-IT" sz="2200" dirty="0" err="1"/>
+              <a:t>s</a:t>
+            </a:r>
+            <a:r>
+              <a:rPr lang="it-IT" sz="2200" dirty="0"/>
+              <a:t> = </a:t>
+            </a:r>
+            <a:r>
+              <a:rPr lang="it-IT" sz="2200" dirty="0">
+                <a:latin typeface="Consolas" panose="020B0609020204030204" pitchFamily="49" charset="0"/>
+                <a:cs typeface="Consolas" panose="020B0609020204030204" pitchFamily="49" charset="0"/>
+              </a:rPr>
+              <a:t>"</a:t>
+            </a:r>
+            <a:r>
+              <a:rPr lang="it-IT" sz="2200" dirty="0" err="1">
+                <a:latin typeface="Consolas" panose="020B0609020204030204" pitchFamily="49" charset="0"/>
+                <a:cs typeface="Consolas" panose="020B0609020204030204" pitchFamily="49" charset="0"/>
+              </a:rPr>
+              <a:t>something</a:t>
+            </a:r>
+            <a:r>
+              <a:rPr lang="it-IT" sz="2200" dirty="0">
+                <a:latin typeface="Consolas" panose="020B0609020204030204" pitchFamily="49" charset="0"/>
+                <a:cs typeface="Consolas" panose="020B0609020204030204" pitchFamily="49" charset="0"/>
+              </a:rPr>
+              <a:t>"; </a:t>
+            </a:r>
+            <a:r>
+              <a:rPr lang="it-IT" sz="2200" dirty="0" err="1"/>
+              <a:t>they</a:t>
+            </a:r>
+            <a:r>
+              <a:rPr lang="it-IT" sz="2200" dirty="0"/>
+              <a:t> are </a:t>
+            </a:r>
+            <a:r>
+              <a:rPr lang="it-IT" sz="2200" dirty="0" err="1"/>
+              <a:t>stored</a:t>
+            </a:r>
+            <a:r>
+              <a:rPr lang="it-IT" sz="2200" dirty="0"/>
+              <a:t> in a special pool in </a:t>
+            </a:r>
+            <a:r>
+              <a:rPr lang="it-IT" sz="2200" dirty="0" err="1"/>
+              <a:t>which</a:t>
+            </a:r>
+            <a:r>
+              <a:rPr lang="it-IT" sz="2200" dirty="0"/>
+              <a:t> the </a:t>
+            </a:r>
+            <a:r>
+              <a:rPr lang="it-IT" sz="2200" dirty="0" err="1"/>
+              <a:t>same</a:t>
+            </a:r>
+            <a:r>
+              <a:rPr lang="it-IT" sz="2200" dirty="0"/>
+              <a:t> </a:t>
+            </a:r>
+            <a:r>
+              <a:rPr lang="it-IT" sz="2200" dirty="0" err="1"/>
+              <a:t>string</a:t>
+            </a:r>
+            <a:r>
+              <a:rPr lang="it-IT" sz="2200" dirty="0"/>
+              <a:t> </a:t>
+            </a:r>
+            <a:r>
+              <a:rPr lang="it-IT" sz="2200" dirty="0" err="1"/>
+              <a:t>is</a:t>
+            </a:r>
+            <a:r>
+              <a:rPr lang="it-IT" sz="2200" dirty="0"/>
+              <a:t> </a:t>
+            </a:r>
+            <a:r>
+              <a:rPr lang="it-IT" sz="2200" dirty="0" err="1"/>
+              <a:t>stored</a:t>
+            </a:r>
+            <a:r>
+              <a:rPr lang="it-IT" sz="2200" dirty="0"/>
+              <a:t> </a:t>
+            </a:r>
+            <a:r>
+              <a:rPr lang="it-IT" sz="2200" dirty="0" err="1"/>
+              <a:t>only</a:t>
+            </a:r>
+            <a:r>
+              <a:rPr lang="it-IT" sz="2200" dirty="0"/>
+              <a:t> once</a:t>
+            </a:r>
+            <a:endParaRPr lang="it-IT" sz="2200" dirty="0">
+              <a:latin typeface="Consolas" panose="020B0609020204030204" pitchFamily="49" charset="0"/>
+              <a:cs typeface="Consolas" panose="020B0609020204030204" pitchFamily="49" charset="0"/>
+            </a:endParaRPr>
+          </a:p>
+          <a:p>
+            <a:pPr marL="0" indent="0" algn="just" fontAlgn="base">
+              <a:buNone/>
+            </a:pPr>
+            <a:endParaRPr lang="it-IT" sz="1600" dirty="0">
+              <a:latin typeface="Consolas" panose="020B0609020204030204" pitchFamily="49" charset="0"/>
+              <a:cs typeface="Consolas" panose="020B0609020204030204" pitchFamily="49" charset="0"/>
+            </a:endParaRPr>
+          </a:p>
+          <a:p>
+            <a:pPr marL="0" indent="0" algn="just" fontAlgn="base">
+              <a:buNone/>
+            </a:pPr>
+            <a:r>
+              <a:rPr lang="it-IT" sz="1600" dirty="0">
+                <a:latin typeface="Consolas" panose="020B0609020204030204" pitchFamily="49" charset="0"/>
+                <a:cs typeface="Consolas" panose="020B0609020204030204" pitchFamily="49" charset="0"/>
+              </a:rPr>
+              <a:t>// </a:t>
+            </a:r>
+            <a:r>
+              <a:rPr lang="it-IT" sz="1600" dirty="0" err="1">
+                <a:latin typeface="Consolas" panose="020B0609020204030204" pitchFamily="49" charset="0"/>
+                <a:cs typeface="Consolas" panose="020B0609020204030204" pitchFamily="49" charset="0"/>
+              </a:rPr>
+              <a:t>memory</a:t>
+            </a:r>
+            <a:r>
+              <a:rPr lang="it-IT" sz="1600" dirty="0">
+                <a:latin typeface="Consolas" panose="020B0609020204030204" pitchFamily="49" charset="0"/>
+                <a:cs typeface="Consolas" panose="020B0609020204030204" pitchFamily="49" charset="0"/>
+              </a:rPr>
+              <a:t> use</a:t>
+            </a:r>
+          </a:p>
+          <a:p>
+            <a:pPr marL="0" indent="0" algn="just" fontAlgn="base">
+              <a:buNone/>
+            </a:pPr>
+            <a:r>
+              <a:rPr lang="it-IT" sz="1600" dirty="0" err="1">
+                <a:latin typeface="Consolas" panose="020B0609020204030204" pitchFamily="49" charset="0"/>
+                <a:cs typeface="Consolas" panose="020B0609020204030204" pitchFamily="49" charset="0"/>
+              </a:rPr>
+              <a:t>String</a:t>
+            </a:r>
+            <a:r>
+              <a:rPr lang="it-IT" sz="1600" dirty="0">
+                <a:latin typeface="Consolas" panose="020B0609020204030204" pitchFamily="49" charset="0"/>
+                <a:cs typeface="Consolas" panose="020B0609020204030204" pitchFamily="49" charset="0"/>
+              </a:rPr>
+              <a:t> first = "</a:t>
+            </a:r>
+            <a:r>
+              <a:rPr lang="it-IT" sz="1600" dirty="0" err="1">
+                <a:latin typeface="Consolas" panose="020B0609020204030204" pitchFamily="49" charset="0"/>
+                <a:cs typeface="Consolas" panose="020B0609020204030204" pitchFamily="49" charset="0"/>
+              </a:rPr>
+              <a:t>Baeldung</a:t>
+            </a:r>
+            <a:r>
+              <a:rPr lang="it-IT" sz="1600" dirty="0">
+                <a:latin typeface="Consolas" panose="020B0609020204030204" pitchFamily="49" charset="0"/>
+                <a:cs typeface="Consolas" panose="020B0609020204030204" pitchFamily="49" charset="0"/>
+              </a:rPr>
+              <a:t>";</a:t>
+            </a:r>
+          </a:p>
+          <a:p>
+            <a:pPr marL="0" indent="0" algn="just" fontAlgn="base">
+              <a:buNone/>
+            </a:pPr>
+            <a:r>
+              <a:rPr lang="it-IT" sz="1600" dirty="0">
+                <a:latin typeface="Consolas" panose="020B0609020204030204" pitchFamily="49" charset="0"/>
+                <a:cs typeface="Consolas" panose="020B0609020204030204" pitchFamily="49" charset="0"/>
+              </a:rPr>
+              <a:t> </a:t>
+            </a:r>
+          </a:p>
+          <a:p>
+            <a:pPr marL="0" indent="0" algn="just" fontAlgn="base">
+              <a:buNone/>
+            </a:pPr>
+            <a:r>
+              <a:rPr lang="it-IT" sz="1600" dirty="0">
+                <a:latin typeface="Consolas" panose="020B0609020204030204" pitchFamily="49" charset="0"/>
+                <a:cs typeface="Consolas" panose="020B0609020204030204" pitchFamily="49" charset="0"/>
+              </a:rPr>
+              <a:t>// no </a:t>
+            </a:r>
+            <a:r>
+              <a:rPr lang="it-IT" sz="1600" dirty="0" err="1">
+                <a:latin typeface="Consolas" panose="020B0609020204030204" pitchFamily="49" charset="0"/>
+                <a:cs typeface="Consolas" panose="020B0609020204030204" pitchFamily="49" charset="0"/>
+              </a:rPr>
+              <a:t>actual</a:t>
+            </a:r>
+            <a:r>
+              <a:rPr lang="it-IT" sz="1600" dirty="0">
+                <a:latin typeface="Consolas" panose="020B0609020204030204" pitchFamily="49" charset="0"/>
+                <a:cs typeface="Consolas" panose="020B0609020204030204" pitchFamily="49" charset="0"/>
+              </a:rPr>
+              <a:t> </a:t>
+            </a:r>
+            <a:r>
+              <a:rPr lang="it-IT" sz="1600" dirty="0" err="1">
+                <a:latin typeface="Consolas" panose="020B0609020204030204" pitchFamily="49" charset="0"/>
+                <a:cs typeface="Consolas" panose="020B0609020204030204" pitchFamily="49" charset="0"/>
+              </a:rPr>
+              <a:t>memory</a:t>
+            </a:r>
+            <a:r>
+              <a:rPr lang="it-IT" sz="1600" dirty="0">
+                <a:latin typeface="Consolas" panose="020B0609020204030204" pitchFamily="49" charset="0"/>
+                <a:cs typeface="Consolas" panose="020B0609020204030204" pitchFamily="49" charset="0"/>
+              </a:rPr>
+              <a:t> use</a:t>
+            </a:r>
+          </a:p>
+          <a:p>
+            <a:pPr marL="0" indent="0" algn="just" fontAlgn="base">
+              <a:buNone/>
+            </a:pPr>
+            <a:r>
+              <a:rPr lang="it-IT" sz="1600" dirty="0" err="1">
+                <a:latin typeface="Consolas" panose="020B0609020204030204" pitchFamily="49" charset="0"/>
+                <a:cs typeface="Consolas" panose="020B0609020204030204" pitchFamily="49" charset="0"/>
+              </a:rPr>
+              <a:t>String</a:t>
+            </a:r>
+            <a:r>
+              <a:rPr lang="it-IT" sz="1600" dirty="0">
+                <a:latin typeface="Consolas" panose="020B0609020204030204" pitchFamily="49" charset="0"/>
+                <a:cs typeface="Consolas" panose="020B0609020204030204" pitchFamily="49" charset="0"/>
+              </a:rPr>
+              <a:t> </a:t>
+            </a:r>
+            <a:r>
+              <a:rPr lang="it-IT" sz="1600" dirty="0" err="1">
+                <a:latin typeface="Consolas" panose="020B0609020204030204" pitchFamily="49" charset="0"/>
+                <a:cs typeface="Consolas" panose="020B0609020204030204" pitchFamily="49" charset="0"/>
+              </a:rPr>
+              <a:t>second</a:t>
+            </a:r>
+            <a:r>
+              <a:rPr lang="it-IT" sz="1600" dirty="0">
+                <a:latin typeface="Consolas" panose="020B0609020204030204" pitchFamily="49" charset="0"/>
+                <a:cs typeface="Consolas" panose="020B0609020204030204" pitchFamily="49" charset="0"/>
+              </a:rPr>
+              <a:t> = "</a:t>
+            </a:r>
+            <a:r>
+              <a:rPr lang="it-IT" sz="1600" dirty="0" err="1">
+                <a:latin typeface="Consolas" panose="020B0609020204030204" pitchFamily="49" charset="0"/>
+                <a:cs typeface="Consolas" panose="020B0609020204030204" pitchFamily="49" charset="0"/>
+              </a:rPr>
+              <a:t>Baeldung</a:t>
+            </a:r>
+            <a:r>
+              <a:rPr lang="it-IT" sz="1600" dirty="0">
+                <a:latin typeface="Consolas" panose="020B0609020204030204" pitchFamily="49" charset="0"/>
+                <a:cs typeface="Consolas" panose="020B0609020204030204" pitchFamily="49" charset="0"/>
+              </a:rPr>
+              <a:t>"; 				</a:t>
+            </a:r>
+          </a:p>
+          <a:p>
+            <a:pPr marL="0" indent="0" algn="just" fontAlgn="base">
+              <a:buNone/>
+            </a:pPr>
+            <a:endParaRPr lang="it-IT" sz="1600" dirty="0">
+              <a:latin typeface="Consolas" panose="020B0609020204030204" pitchFamily="49" charset="0"/>
+              <a:cs typeface="Consolas" panose="020B0609020204030204" pitchFamily="49" charset="0"/>
+            </a:endParaRPr>
+          </a:p>
+          <a:p>
+            <a:pPr marL="0" indent="0" algn="just" fontAlgn="base">
+              <a:buNone/>
+            </a:pPr>
+            <a:r>
+              <a:rPr lang="it-IT" sz="1600" dirty="0">
+                <a:latin typeface="Consolas" panose="020B0609020204030204" pitchFamily="49" charset="0"/>
+                <a:cs typeface="Consolas" panose="020B0609020204030204" pitchFamily="49" charset="0"/>
+              </a:rPr>
+              <a:t>// True</a:t>
+            </a:r>
+          </a:p>
+          <a:p>
+            <a:pPr marL="0" indent="0" algn="just" fontAlgn="base">
+              <a:buNone/>
+            </a:pPr>
+            <a:r>
+              <a:rPr lang="it-IT" sz="1600" dirty="0" err="1">
+                <a:latin typeface="Consolas" panose="020B0609020204030204" pitchFamily="49" charset="0"/>
+                <a:cs typeface="Consolas" panose="020B0609020204030204" pitchFamily="49" charset="0"/>
+              </a:rPr>
+              <a:t>System.out.println</a:t>
+            </a:r>
+            <a:r>
+              <a:rPr lang="it-IT" sz="1600" dirty="0">
+                <a:latin typeface="Consolas" panose="020B0609020204030204" pitchFamily="49" charset="0"/>
+                <a:cs typeface="Consolas" panose="020B0609020204030204" pitchFamily="49" charset="0"/>
+              </a:rPr>
+              <a:t>(first == </a:t>
+            </a:r>
+            <a:r>
+              <a:rPr lang="it-IT" sz="1600" dirty="0" err="1">
+                <a:latin typeface="Consolas" panose="020B0609020204030204" pitchFamily="49" charset="0"/>
+                <a:cs typeface="Consolas" panose="020B0609020204030204" pitchFamily="49" charset="0"/>
+              </a:rPr>
+              <a:t>second</a:t>
+            </a:r>
+            <a:r>
+              <a:rPr lang="it-IT" sz="1600" dirty="0">
+                <a:latin typeface="Consolas" panose="020B0609020204030204" pitchFamily="49" charset="0"/>
+                <a:cs typeface="Consolas" panose="020B0609020204030204" pitchFamily="49" charset="0"/>
+              </a:rPr>
+              <a:t>);  </a:t>
+            </a:r>
+          </a:p>
+          <a:p>
+            <a:endParaRPr lang="en-IT" sz="1600" dirty="0"/>
+          </a:p>
+        </p:txBody>
+      </p:sp>
+      <p:sp>
+        <p:nvSpPr>
+          <p:cNvPr id="7" name="Content Placeholder 6">
+            <a:extLst>
+              <a:ext uri="{FF2B5EF4-FFF2-40B4-BE49-F238E27FC236}">
+                <a16:creationId xmlns:a16="http://schemas.microsoft.com/office/drawing/2014/main" id="{412FFCD5-14F9-C941-AA8E-3F5CB3A266AA}"/>
+              </a:ext>
+            </a:extLst>
+          </p:cNvPr>
+          <p:cNvSpPr>
+            <a:spLocks noGrp="1"/>
+          </p:cNvSpPr>
+          <p:nvPr>
+            <p:ph sz="half" idx="2"/>
+          </p:nvPr>
+        </p:nvSpPr>
+        <p:spPr/>
+        <p:txBody>
+          <a:bodyPr>
+            <a:normAutofit fontScale="92500" lnSpcReduction="20000"/>
+          </a:bodyPr>
+          <a:lstStyle/>
+          <a:p>
+            <a:r>
+              <a:rPr lang="it-IT" sz="2200" dirty="0" err="1"/>
+              <a:t>When</a:t>
+            </a:r>
+            <a:r>
+              <a:rPr lang="it-IT" sz="2200" dirty="0"/>
+              <a:t> </a:t>
+            </a:r>
+            <a:r>
+              <a:rPr lang="it-IT" sz="2200" dirty="0" err="1"/>
+              <a:t>created</a:t>
+            </a:r>
+            <a:r>
+              <a:rPr lang="it-IT" sz="2200" dirty="0"/>
+              <a:t> </a:t>
+            </a:r>
+            <a:r>
+              <a:rPr lang="it-IT" sz="2200" dirty="0" err="1"/>
+              <a:t>using</a:t>
+            </a:r>
+            <a:r>
+              <a:rPr lang="it-IT" sz="2200" dirty="0"/>
+              <a:t> the </a:t>
+            </a:r>
+            <a:r>
+              <a:rPr lang="it-IT" sz="2200" dirty="0">
                 <a:solidFill>
                   <a:schemeClr val="accent6">
                     <a:lumMod val="75000"/>
                   </a:schemeClr>
                 </a:solidFill>
               </a:rPr>
+              <a:t>new</a:t>
+            </a:r>
+            <a:r>
+              <a:rPr lang="it-IT" sz="2200" dirty="0"/>
+              <a:t> operator, </a:t>
+            </a:r>
+            <a:r>
+              <a:rPr lang="it-IT" sz="2200" dirty="0" err="1"/>
               <a:t>Strings</a:t>
             </a:r>
             <a:r>
-              <a:rPr lang="it-IT" sz="2800" dirty="0">
-                <a:solidFill>
-                  <a:schemeClr val="accent6">
-                    <a:lumMod val="75000"/>
-                  </a:schemeClr>
-                </a:solidFill>
-              </a:rPr>
+              <a:rPr lang="it-IT" sz="2200" dirty="0"/>
               <a:t> are </a:t>
             </a:r>
             <a:r>
-              <a:rPr lang="it-IT" sz="2800" dirty="0" err="1">
-                <a:solidFill>
-                  <a:schemeClr val="accent6">
-                    <a:lumMod val="75000"/>
-                  </a:schemeClr>
-                </a:solidFill>
-              </a:rPr>
-              <a:t>immutable</a:t>
-            </a:r>
-            <a:endParaRPr lang="it-IT" sz="2800" dirty="0"/>
-          </a:p>
-          <a:p>
-            <a:pPr algn="just"/>
-            <a:r>
-              <a:rPr lang="it-IT" sz="2800" dirty="0" err="1"/>
-              <a:t>Being</a:t>
-            </a:r>
-            <a:r>
-              <a:rPr lang="it-IT" sz="2800" dirty="0"/>
+              <a:rPr lang="it-IT" sz="2200" dirty="0" err="1"/>
+              <a:t>stored</a:t>
+            </a:r>
+            <a:r>
+              <a:rPr lang="it-IT" sz="2200" dirty="0"/>
+              <a:t> in </a:t>
+            </a:r>
+            <a:r>
+              <a:rPr lang="it-IT" sz="2200" dirty="0" err="1"/>
+              <a:t>memory</a:t>
+            </a:r>
+            <a:r>
+              <a:rPr lang="it-IT" sz="2200" dirty="0"/>
+              <a:t> (</a:t>
+            </a:r>
+            <a:r>
+              <a:rPr lang="it-IT" sz="2200" dirty="0" err="1"/>
+              <a:t>heap</a:t>
+            </a:r>
+            <a:r>
+              <a:rPr lang="it-IT" sz="2200" dirty="0"/>
+              <a:t>) </a:t>
+            </a:r>
+            <a:r>
+              <a:rPr lang="it-IT" sz="2200" dirty="0" err="1"/>
+              <a:t>as</a:t>
+            </a:r>
+            <a:r>
+              <a:rPr lang="it-IT" sz="2200" dirty="0"/>
+              <a:t> standard </a:t>
+            </a:r>
+            <a:r>
+              <a:rPr lang="it-IT" sz="2200" dirty="0" err="1"/>
+              <a:t>objects</a:t>
+            </a:r>
+            <a:endParaRPr lang="it-IT" sz="2200" dirty="0"/>
+          </a:p>
+          <a:p>
+            <a:pPr marL="0" indent="0">
+              <a:buNone/>
+            </a:pPr>
+            <a:endParaRPr lang="it-IT" sz="1600" dirty="0">
+              <a:latin typeface="Consolas" panose="020B0609020204030204" pitchFamily="49" charset="0"/>
+              <a:cs typeface="Consolas" panose="020B0609020204030204" pitchFamily="49" charset="0"/>
+            </a:endParaRPr>
+          </a:p>
+          <a:p>
+            <a:pPr marL="0" indent="0">
+              <a:buNone/>
+            </a:pPr>
+            <a:endParaRPr lang="it-IT" sz="1600" dirty="0">
+              <a:latin typeface="Consolas" panose="020B0609020204030204" pitchFamily="49" charset="0"/>
+              <a:cs typeface="Consolas" panose="020B0609020204030204" pitchFamily="49" charset="0"/>
+            </a:endParaRPr>
+          </a:p>
+          <a:p>
+            <a:pPr marL="0" indent="0">
+              <a:buNone/>
+            </a:pPr>
+            <a:r>
+              <a:rPr lang="it-IT" sz="1600" dirty="0">
+                <a:latin typeface="Consolas" panose="020B0609020204030204" pitchFamily="49" charset="0"/>
+                <a:cs typeface="Consolas" panose="020B0609020204030204" pitchFamily="49" charset="0"/>
+              </a:rPr>
+              <a:t>// </a:t>
+            </a:r>
+            <a:r>
+              <a:rPr lang="it-IT" sz="1600" dirty="0" err="1">
+                <a:latin typeface="Consolas" panose="020B0609020204030204" pitchFamily="49" charset="0"/>
+                <a:cs typeface="Consolas" panose="020B0609020204030204" pitchFamily="49" charset="0"/>
+              </a:rPr>
+              <a:t>memory</a:t>
+            </a:r>
+            <a:r>
+              <a:rPr lang="it-IT" sz="1600" dirty="0">
+                <a:latin typeface="Consolas" panose="020B0609020204030204" pitchFamily="49" charset="0"/>
+                <a:cs typeface="Consolas" panose="020B0609020204030204" pitchFamily="49" charset="0"/>
+              </a:rPr>
+              <a:t> use</a:t>
+            </a:r>
+          </a:p>
+          <a:p>
+            <a:pPr marL="0" indent="0">
+              <a:buNone/>
+            </a:pPr>
+            <a:r>
+              <a:rPr lang="it-IT" sz="1600" dirty="0" err="1">
+                <a:latin typeface="Consolas" panose="020B0609020204030204" pitchFamily="49" charset="0"/>
+                <a:cs typeface="Consolas" panose="020B0609020204030204" pitchFamily="49" charset="0"/>
+              </a:rPr>
+              <a:t>String</a:t>
+            </a:r>
+            <a:r>
+              <a:rPr lang="it-IT" sz="1600" dirty="0">
+                <a:latin typeface="Consolas" panose="020B0609020204030204" pitchFamily="49" charset="0"/>
+                <a:cs typeface="Consolas" panose="020B0609020204030204" pitchFamily="49" charset="0"/>
+              </a:rPr>
+              <a:t> first = new </a:t>
+            </a:r>
+            <a:r>
+              <a:rPr lang="it-IT" sz="1600" dirty="0" err="1">
+                <a:latin typeface="Consolas" panose="020B0609020204030204" pitchFamily="49" charset="0"/>
+                <a:cs typeface="Consolas" panose="020B0609020204030204" pitchFamily="49" charset="0"/>
+              </a:rPr>
+              <a:t>String</a:t>
+            </a:r>
+            <a:r>
+              <a:rPr lang="it-IT" sz="1600" dirty="0">
+                <a:latin typeface="Consolas" panose="020B0609020204030204" pitchFamily="49" charset="0"/>
+                <a:cs typeface="Consolas" panose="020B0609020204030204" pitchFamily="49" charset="0"/>
+              </a:rPr>
+              <a:t>("</a:t>
+            </a:r>
+            <a:r>
+              <a:rPr lang="it-IT" sz="1600" dirty="0" err="1">
+                <a:latin typeface="Consolas" panose="020B0609020204030204" pitchFamily="49" charset="0"/>
+                <a:cs typeface="Consolas" panose="020B0609020204030204" pitchFamily="49" charset="0"/>
+              </a:rPr>
+              <a:t>Baeldung</a:t>
+            </a:r>
+            <a:r>
+              <a:rPr lang="it-IT" sz="1600" dirty="0">
+                <a:latin typeface="Consolas" panose="020B0609020204030204" pitchFamily="49" charset="0"/>
+                <a:cs typeface="Consolas" panose="020B0609020204030204" pitchFamily="49" charset="0"/>
+              </a:rPr>
+              <a:t>");</a:t>
+            </a:r>
+          </a:p>
+          <a:p>
+            <a:pPr marL="0" indent="0">
+              <a:buNone/>
+            </a:pPr>
+            <a:endParaRPr lang="it-IT" sz="1600" dirty="0">
+              <a:latin typeface="Consolas" panose="020B0609020204030204" pitchFamily="49" charset="0"/>
+              <a:cs typeface="Consolas" panose="020B0609020204030204" pitchFamily="49" charset="0"/>
+            </a:endParaRPr>
+          </a:p>
+          <a:p>
+            <a:pPr marL="0" indent="0">
+              <a:buNone/>
+            </a:pPr>
+            <a:r>
+              <a:rPr lang="it-IT" sz="1600" dirty="0">
+                <a:latin typeface="Consolas" panose="020B0609020204030204" pitchFamily="49" charset="0"/>
+                <a:cs typeface="Consolas" panose="020B0609020204030204" pitchFamily="49" charset="0"/>
+              </a:rPr>
+              <a:t>// </a:t>
+            </a:r>
+            <a:r>
+              <a:rPr lang="it-IT" sz="1600" dirty="0" err="1">
+                <a:latin typeface="Consolas" panose="020B0609020204030204" pitchFamily="49" charset="0"/>
+                <a:cs typeface="Consolas" panose="020B0609020204030204" pitchFamily="49" charset="0"/>
+              </a:rPr>
+              <a:t>memory</a:t>
+            </a:r>
+            <a:r>
+              <a:rPr lang="it-IT" sz="1600" dirty="0">
+                <a:latin typeface="Consolas" panose="020B0609020204030204" pitchFamily="49" charset="0"/>
+                <a:cs typeface="Consolas" panose="020B0609020204030204" pitchFamily="49" charset="0"/>
+              </a:rPr>
+              <a:t> use</a:t>
+            </a:r>
+          </a:p>
+          <a:p>
+            <a:pPr marL="0" indent="0">
+              <a:buNone/>
+            </a:pPr>
+            <a:r>
+              <a:rPr lang="it-IT" sz="1600" dirty="0" err="1">
+                <a:latin typeface="Consolas" panose="020B0609020204030204" pitchFamily="49" charset="0"/>
+                <a:cs typeface="Consolas" panose="020B0609020204030204" pitchFamily="49" charset="0"/>
+              </a:rPr>
+              <a:t>String</a:t>
+            </a:r>
+            <a:r>
+              <a:rPr lang="it-IT" sz="1600" dirty="0">
+                <a:latin typeface="Consolas" panose="020B0609020204030204" pitchFamily="49" charset="0"/>
+                <a:cs typeface="Consolas" panose="020B0609020204030204" pitchFamily="49" charset="0"/>
+              </a:rPr>
               <a:t> </a:t>
             </a:r>
             <a:r>
-              <a:rPr lang="it-IT" sz="2800" dirty="0" err="1"/>
-              <a:t>immutable</a:t>
-            </a:r>
-            <a:r>
-              <a:rPr lang="it-IT" sz="2800" dirty="0"/>
-              <a:t>, </a:t>
-            </a:r>
-            <a:r>
-              <a:rPr lang="it-IT" sz="2800" dirty="0" err="1"/>
-              <a:t>when</a:t>
-            </a:r>
-            <a:r>
-              <a:rPr lang="it-IT" sz="2800" dirty="0"/>
+              <a:rPr lang="it-IT" sz="1600" dirty="0" err="1">
+                <a:latin typeface="Consolas" panose="020B0609020204030204" pitchFamily="49" charset="0"/>
+                <a:cs typeface="Consolas" panose="020B0609020204030204" pitchFamily="49" charset="0"/>
+              </a:rPr>
+              <a:t>second</a:t>
+            </a:r>
+            <a:r>
+              <a:rPr lang="it-IT" sz="1600" dirty="0">
+                <a:latin typeface="Consolas" panose="020B0609020204030204" pitchFamily="49" charset="0"/>
+                <a:cs typeface="Consolas" panose="020B0609020204030204" pitchFamily="49" charset="0"/>
+              </a:rPr>
+              <a:t> = new </a:t>
+            </a:r>
+            <a:r>
+              <a:rPr lang="it-IT" sz="1600" dirty="0" err="1">
+                <a:latin typeface="Consolas" panose="020B0609020204030204" pitchFamily="49" charset="0"/>
+                <a:cs typeface="Consolas" panose="020B0609020204030204" pitchFamily="49" charset="0"/>
+              </a:rPr>
+              <a:t>String</a:t>
+            </a:r>
+            <a:r>
+              <a:rPr lang="it-IT" sz="1600" dirty="0">
+                <a:latin typeface="Consolas" panose="020B0609020204030204" pitchFamily="49" charset="0"/>
+                <a:cs typeface="Consolas" panose="020B0609020204030204" pitchFamily="49" charset="0"/>
+              </a:rPr>
+              <a:t>("</a:t>
+            </a:r>
+            <a:r>
+              <a:rPr lang="it-IT" sz="1600" dirty="0" err="1">
+                <a:latin typeface="Consolas" panose="020B0609020204030204" pitchFamily="49" charset="0"/>
+                <a:cs typeface="Consolas" panose="020B0609020204030204" pitchFamily="49" charset="0"/>
+              </a:rPr>
+              <a:t>Baeldung</a:t>
+            </a:r>
+            <a:r>
+              <a:rPr lang="it-IT" sz="1600" dirty="0">
+                <a:latin typeface="Consolas" panose="020B0609020204030204" pitchFamily="49" charset="0"/>
+                <a:cs typeface="Consolas" panose="020B0609020204030204" pitchFamily="49" charset="0"/>
+              </a:rPr>
+              <a:t>");</a:t>
+            </a:r>
+          </a:p>
+          <a:p>
+            <a:pPr marL="0" indent="0">
+              <a:buNone/>
+            </a:pPr>
+            <a:endParaRPr lang="it-IT" sz="1600" dirty="0">
+              <a:latin typeface="Consolas" panose="020B0609020204030204" pitchFamily="49" charset="0"/>
+              <a:cs typeface="Consolas" panose="020B0609020204030204" pitchFamily="49" charset="0"/>
+            </a:endParaRPr>
+          </a:p>
+          <a:p>
+            <a:pPr marL="0" indent="0">
+              <a:buNone/>
+            </a:pPr>
+            <a:r>
+              <a:rPr lang="it-IT" sz="1600" dirty="0">
+                <a:latin typeface="Consolas" panose="020B0609020204030204" pitchFamily="49" charset="0"/>
+                <a:cs typeface="Consolas" panose="020B0609020204030204" pitchFamily="49" charset="0"/>
+              </a:rPr>
+              <a:t>// </a:t>
+            </a:r>
+            <a:r>
+              <a:rPr lang="it-IT" sz="1600" dirty="0" err="1">
+                <a:latin typeface="Consolas" panose="020B0609020204030204" pitchFamily="49" charset="0"/>
+                <a:cs typeface="Consolas" panose="020B0609020204030204" pitchFamily="49" charset="0"/>
+              </a:rPr>
+              <a:t>memory</a:t>
+            </a:r>
+            <a:r>
+              <a:rPr lang="it-IT" sz="1600" dirty="0">
+                <a:latin typeface="Consolas" panose="020B0609020204030204" pitchFamily="49" charset="0"/>
+                <a:cs typeface="Consolas" panose="020B0609020204030204" pitchFamily="49" charset="0"/>
+              </a:rPr>
+              <a:t> use</a:t>
+            </a:r>
+          </a:p>
+          <a:p>
+            <a:pPr marL="0" indent="0">
+              <a:buNone/>
+            </a:pPr>
+            <a:r>
+              <a:rPr lang="it-IT" sz="1600" dirty="0" err="1">
+                <a:latin typeface="Consolas" panose="020B0609020204030204" pitchFamily="49" charset="0"/>
+                <a:cs typeface="Consolas" panose="020B0609020204030204" pitchFamily="49" charset="0"/>
+              </a:rPr>
+              <a:t>String</a:t>
+            </a:r>
+            <a:r>
+              <a:rPr lang="it-IT" sz="1600" dirty="0">
+                <a:latin typeface="Consolas" panose="020B0609020204030204" pitchFamily="49" charset="0"/>
+                <a:cs typeface="Consolas" panose="020B0609020204030204" pitchFamily="49" charset="0"/>
+              </a:rPr>
               <a:t> </a:t>
             </a:r>
             <a:r>
-              <a:rPr lang="it-IT" sz="2800" dirty="0" err="1"/>
-              <a:t>we</a:t>
-            </a:r>
-            <a:r>
-              <a:rPr lang="it-IT" sz="2800" dirty="0"/>
-              <a:t> create a </a:t>
-            </a:r>
-            <a:r>
-              <a:rPr lang="it-IT" sz="2800" dirty="0" err="1"/>
-              <a:t>String</a:t>
-            </a:r>
-            <a:r>
-              <a:rPr lang="it-IT" sz="2800" dirty="0"/>
-              <a:t> </a:t>
-            </a:r>
-            <a:r>
-              <a:rPr lang="it-IT" sz="2800" dirty="0" err="1"/>
-              <a:t>variable</a:t>
-            </a:r>
-            <a:r>
-              <a:rPr lang="it-IT" sz="2800" dirty="0"/>
-              <a:t> and </a:t>
-            </a:r>
-            <a:r>
-              <a:rPr lang="it-IT" sz="2800" dirty="0" err="1"/>
-              <a:t>assign</a:t>
-            </a:r>
-            <a:r>
-              <a:rPr lang="it-IT" sz="2800" dirty="0"/>
-              <a:t> a </a:t>
-            </a:r>
-            <a:r>
-              <a:rPr lang="it-IT" sz="2800" dirty="0" err="1"/>
-              <a:t>value</a:t>
-            </a:r>
-            <a:r>
-              <a:rPr lang="it-IT" sz="2800" dirty="0"/>
-              <a:t> to </a:t>
-            </a:r>
-            <a:r>
-              <a:rPr lang="it-IT" sz="2800" dirty="0" err="1"/>
-              <a:t>it</a:t>
-            </a:r>
-            <a:r>
-              <a:rPr lang="it-IT" sz="2800" dirty="0"/>
-              <a:t>, the JVM can </a:t>
-            </a:r>
-            <a:r>
-              <a:rPr lang="it-IT" sz="2800" dirty="0" err="1"/>
-              <a:t>optimize</a:t>
-            </a:r>
-            <a:r>
-              <a:rPr lang="it-IT" sz="2800" dirty="0"/>
-              <a:t> the </a:t>
-            </a:r>
-            <a:r>
-              <a:rPr lang="it-IT" sz="2800" dirty="0" err="1"/>
-              <a:t>amount</a:t>
-            </a:r>
-            <a:r>
-              <a:rPr lang="it-IT" sz="2800" dirty="0"/>
-              <a:t> of </a:t>
-            </a:r>
-            <a:r>
-              <a:rPr lang="it-IT" sz="2800" dirty="0" err="1"/>
-              <a:t>memory</a:t>
-            </a:r>
-            <a:r>
-              <a:rPr lang="it-IT" sz="2800" dirty="0"/>
-              <a:t> </a:t>
-            </a:r>
-            <a:r>
-              <a:rPr lang="it-IT" sz="2800" dirty="0" err="1"/>
-              <a:t>allocated</a:t>
-            </a:r>
-            <a:r>
-              <a:rPr lang="it-IT" sz="2800" dirty="0"/>
-              <a:t> by </a:t>
-            </a:r>
-            <a:r>
-              <a:rPr lang="it-IT" sz="2800" dirty="0" err="1"/>
-              <a:t>storing</a:t>
-            </a:r>
-            <a:r>
-              <a:rPr lang="it-IT" sz="2800" dirty="0"/>
-              <a:t> </a:t>
-            </a:r>
-            <a:r>
-              <a:rPr lang="it-IT" sz="2800" dirty="0" err="1"/>
-              <a:t>only</a:t>
-            </a:r>
-            <a:r>
-              <a:rPr lang="it-IT" sz="2800" dirty="0"/>
-              <a:t> </a:t>
-            </a:r>
-            <a:r>
-              <a:rPr lang="it-IT" sz="2800" dirty="0" err="1"/>
-              <a:t>one</a:t>
-            </a:r>
-            <a:r>
-              <a:rPr lang="it-IT" sz="2800" dirty="0"/>
-              <a:t> copy of </a:t>
-            </a:r>
-            <a:r>
-              <a:rPr lang="it-IT" sz="2800" dirty="0" err="1"/>
-              <a:t>each</a:t>
-            </a:r>
-            <a:r>
-              <a:rPr lang="it-IT" sz="2800" dirty="0"/>
-              <a:t> </a:t>
-            </a:r>
-            <a:r>
-              <a:rPr lang="it-IT" sz="2800" dirty="0" err="1"/>
-              <a:t>literal</a:t>
-            </a:r>
-            <a:r>
-              <a:rPr lang="it-IT" sz="2800" dirty="0"/>
-              <a:t> </a:t>
-            </a:r>
-            <a:r>
-              <a:rPr lang="it-IT" sz="2800" dirty="0" err="1"/>
-              <a:t>String</a:t>
-            </a:r>
-            <a:endParaRPr lang="it-IT" sz="2800" dirty="0"/>
-          </a:p>
-          <a:p>
-            <a:pPr marL="0" indent="0" algn="just">
-              <a:buNone/>
-            </a:pPr>
-            <a:endParaRPr lang="it-IT" sz="2800" dirty="0"/>
-          </a:p>
-          <a:p>
-            <a:pPr marL="0" indent="0" algn="just" fontAlgn="base">
-              <a:buNone/>
-            </a:pPr>
-            <a:r>
-              <a:rPr lang="it-IT" sz="2400" dirty="0" err="1">
-                <a:latin typeface="Consolas" panose="020B0609020204030204" pitchFamily="49" charset="0"/>
-                <a:cs typeface="Consolas" panose="020B0609020204030204" pitchFamily="49" charset="0"/>
-              </a:rPr>
-              <a:t>String</a:t>
-            </a:r>
-            <a:r>
-              <a:rPr lang="it-IT" sz="2400" dirty="0">
-                <a:latin typeface="Consolas" panose="020B0609020204030204" pitchFamily="49" charset="0"/>
-                <a:cs typeface="Consolas" panose="020B0609020204030204" pitchFamily="49" charset="0"/>
-              </a:rPr>
-              <a:t> first = "</a:t>
-            </a:r>
-            <a:r>
-              <a:rPr lang="it-IT" sz="2400" dirty="0" err="1">
+              <a:rPr lang="it-IT" sz="1600" dirty="0" err="1">
+                <a:latin typeface="Consolas" panose="020B0609020204030204" pitchFamily="49" charset="0"/>
+                <a:cs typeface="Consolas" panose="020B0609020204030204" pitchFamily="49" charset="0"/>
+              </a:rPr>
+              <a:t>third</a:t>
+            </a:r>
+            <a:r>
+              <a:rPr lang="it-IT" sz="1600" dirty="0">
+                <a:latin typeface="Consolas" panose="020B0609020204030204" pitchFamily="49" charset="0"/>
+                <a:cs typeface="Consolas" panose="020B0609020204030204" pitchFamily="49" charset="0"/>
+              </a:rPr>
+              <a:t> = "</a:t>
+            </a:r>
+            <a:r>
+              <a:rPr lang="it-IT" sz="1600" dirty="0" err="1">
                 <a:latin typeface="Consolas" panose="020B0609020204030204" pitchFamily="49" charset="0"/>
                 <a:cs typeface="Consolas" panose="020B0609020204030204" pitchFamily="49" charset="0"/>
               </a:rPr>
               <a:t>Baeldung</a:t>
             </a:r>
             <a:r>
-              <a:rPr lang="it-IT" sz="2400" dirty="0">
-                <a:latin typeface="Consolas" panose="020B0609020204030204" pitchFamily="49" charset="0"/>
-                <a:cs typeface="Consolas" panose="020B0609020204030204" pitchFamily="49" charset="0"/>
-              </a:rPr>
-              <a:t>";            // </a:t>
-            </a:r>
-            <a:r>
-              <a:rPr lang="it-IT" sz="2400" dirty="0" err="1">
-                <a:latin typeface="Consolas" panose="020B0609020204030204" pitchFamily="49" charset="0"/>
-                <a:cs typeface="Consolas" panose="020B0609020204030204" pitchFamily="49" charset="0"/>
-              </a:rPr>
-              <a:t>memory</a:t>
-            </a:r>
-            <a:r>
-              <a:rPr lang="it-IT" sz="2400" dirty="0">
-                <a:latin typeface="Consolas" panose="020B0609020204030204" pitchFamily="49" charset="0"/>
-                <a:cs typeface="Consolas" panose="020B0609020204030204" pitchFamily="49" charset="0"/>
-              </a:rPr>
-              <a:t> use</a:t>
-            </a:r>
-          </a:p>
-          <a:p>
-            <a:pPr marL="0" indent="0" algn="just" fontAlgn="base">
-              <a:buNone/>
-            </a:pPr>
-            <a:r>
-              <a:rPr lang="it-IT" sz="2400" dirty="0" err="1">
-                <a:latin typeface="Consolas" panose="020B0609020204030204" pitchFamily="49" charset="0"/>
-                <a:cs typeface="Consolas" panose="020B0609020204030204" pitchFamily="49" charset="0"/>
-              </a:rPr>
-              <a:t>String</a:t>
-            </a:r>
-            <a:r>
-              <a:rPr lang="it-IT" sz="2400" dirty="0">
-                <a:latin typeface="Consolas" panose="020B0609020204030204" pitchFamily="49" charset="0"/>
-                <a:cs typeface="Consolas" panose="020B0609020204030204" pitchFamily="49" charset="0"/>
-              </a:rPr>
-              <a:t> </a:t>
-            </a:r>
-            <a:r>
-              <a:rPr lang="it-IT" sz="2400" dirty="0" err="1">
+              <a:rPr lang="it-IT" sz="1600" dirty="0">
+                <a:latin typeface="Consolas" panose="020B0609020204030204" pitchFamily="49" charset="0"/>
+                <a:cs typeface="Consolas" panose="020B0609020204030204" pitchFamily="49" charset="0"/>
+              </a:rPr>
+              <a:t>";</a:t>
+            </a:r>
+          </a:p>
+          <a:p>
+            <a:pPr marL="0" indent="0">
+              <a:buNone/>
+            </a:pPr>
+            <a:endParaRPr lang="it-IT" sz="1600" dirty="0">
+              <a:latin typeface="Consolas" panose="020B0609020204030204" pitchFamily="49" charset="0"/>
+              <a:cs typeface="Consolas" panose="020B0609020204030204" pitchFamily="49" charset="0"/>
+            </a:endParaRPr>
+          </a:p>
+          <a:p>
+            <a:pPr marL="0" indent="0">
+              <a:buNone/>
+            </a:pPr>
+            <a:r>
+              <a:rPr lang="it-IT" sz="1600" dirty="0">
+                <a:latin typeface="Consolas" panose="020B0609020204030204" pitchFamily="49" charset="0"/>
+                <a:cs typeface="Consolas" panose="020B0609020204030204" pitchFamily="49" charset="0"/>
+              </a:rPr>
+              <a:t>// False</a:t>
+            </a:r>
+          </a:p>
+          <a:p>
+            <a:pPr marL="0" indent="0" fontAlgn="base">
+              <a:buNone/>
+            </a:pPr>
+            <a:r>
+              <a:rPr lang="it-IT" sz="1600" dirty="0" err="1">
+                <a:latin typeface="Consolas" panose="020B0609020204030204" pitchFamily="49" charset="0"/>
+                <a:cs typeface="Consolas" panose="020B0609020204030204" pitchFamily="49" charset="0"/>
+              </a:rPr>
+              <a:t>System.out.println</a:t>
+            </a:r>
+            <a:r>
+              <a:rPr lang="it-IT" sz="1600" dirty="0">
+                <a:latin typeface="Consolas" panose="020B0609020204030204" pitchFamily="49" charset="0"/>
+                <a:cs typeface="Consolas" panose="020B0609020204030204" pitchFamily="49" charset="0"/>
+              </a:rPr>
+              <a:t>(first == </a:t>
+            </a:r>
+            <a:r>
+              <a:rPr lang="it-IT" sz="1600" dirty="0" err="1">
                 <a:latin typeface="Consolas" panose="020B0609020204030204" pitchFamily="49" charset="0"/>
                 <a:cs typeface="Consolas" panose="020B0609020204030204" pitchFamily="49" charset="0"/>
               </a:rPr>
               <a:t>second</a:t>
             </a:r>
             <a:r>
-              <a:rPr lang="it-IT" sz="2400" dirty="0">
-                <a:latin typeface="Consolas" panose="020B0609020204030204" pitchFamily="49" charset="0"/>
-                <a:cs typeface="Consolas" panose="020B0609020204030204" pitchFamily="49" charset="0"/>
-              </a:rPr>
-              <a:t> = "</a:t>
-            </a:r>
-            <a:r>
-              <a:rPr lang="it-IT" sz="2400" dirty="0" err="1">
-                <a:latin typeface="Consolas" panose="020B0609020204030204" pitchFamily="49" charset="0"/>
-                <a:cs typeface="Consolas" panose="020B0609020204030204" pitchFamily="49" charset="0"/>
-              </a:rPr>
-              <a:t>Baeldung</a:t>
-            </a:r>
-            <a:r>
-              <a:rPr lang="it-IT" sz="2400" dirty="0">
-                <a:latin typeface="Consolas" panose="020B0609020204030204" pitchFamily="49" charset="0"/>
-                <a:cs typeface="Consolas" panose="020B0609020204030204" pitchFamily="49" charset="0"/>
-              </a:rPr>
-              <a:t>"; 				// no </a:t>
-            </a:r>
-            <a:r>
-              <a:rPr lang="it-IT" sz="2400" dirty="0" err="1">
-                <a:latin typeface="Consolas" panose="020B0609020204030204" pitchFamily="49" charset="0"/>
-                <a:cs typeface="Consolas" panose="020B0609020204030204" pitchFamily="49" charset="0"/>
-              </a:rPr>
-              <a:t>actual</a:t>
-            </a:r>
-            <a:r>
-              <a:rPr lang="it-IT" sz="2400" dirty="0">
-                <a:latin typeface="Consolas" panose="020B0609020204030204" pitchFamily="49" charset="0"/>
-                <a:cs typeface="Consolas" panose="020B0609020204030204" pitchFamily="49" charset="0"/>
-              </a:rPr>
-              <a:t> </a:t>
-            </a:r>
-            <a:r>
-              <a:rPr lang="it-IT" sz="2400" dirty="0" err="1">
-                <a:latin typeface="Consolas" panose="020B0609020204030204" pitchFamily="49" charset="0"/>
-                <a:cs typeface="Consolas" panose="020B0609020204030204" pitchFamily="49" charset="0"/>
-              </a:rPr>
-              <a:t>memory</a:t>
-            </a:r>
-            <a:r>
-              <a:rPr lang="it-IT" sz="2400" dirty="0">
-                <a:latin typeface="Consolas" panose="020B0609020204030204" pitchFamily="49" charset="0"/>
-                <a:cs typeface="Consolas" panose="020B0609020204030204" pitchFamily="49" charset="0"/>
-              </a:rPr>
-              <a:t> use</a:t>
-            </a:r>
-          </a:p>
-          <a:p>
-            <a:pPr marL="0" indent="0" algn="just" fontAlgn="base">
-              <a:buNone/>
-            </a:pPr>
-            <a:r>
-              <a:rPr lang="it-IT" sz="2400" dirty="0" err="1">
+              <a:rPr lang="it-IT" sz="1600" dirty="0">
+                <a:latin typeface="Consolas" panose="020B0609020204030204" pitchFamily="49" charset="0"/>
+                <a:cs typeface="Consolas" panose="020B0609020204030204" pitchFamily="49" charset="0"/>
+              </a:rPr>
+              <a:t>);  </a:t>
+            </a:r>
+          </a:p>
+          <a:p>
+            <a:pPr marL="0" indent="0" fontAlgn="base">
+              <a:buNone/>
+            </a:pPr>
+            <a:endParaRPr lang="it-IT" sz="1600" dirty="0">
+              <a:latin typeface="Consolas" panose="020B0609020204030204" pitchFamily="49" charset="0"/>
+              <a:cs typeface="Consolas" panose="020B0609020204030204" pitchFamily="49" charset="0"/>
+            </a:endParaRPr>
+          </a:p>
+          <a:p>
+            <a:pPr marL="0" indent="0" fontAlgn="base">
+              <a:buNone/>
+            </a:pPr>
+            <a:r>
+              <a:rPr lang="it-IT" sz="1600" dirty="0">
+                <a:latin typeface="Consolas" panose="020B0609020204030204" pitchFamily="49" charset="0"/>
+                <a:cs typeface="Consolas" panose="020B0609020204030204" pitchFamily="49" charset="0"/>
+              </a:rPr>
+              <a:t>// False</a:t>
+            </a:r>
+          </a:p>
+          <a:p>
+            <a:pPr marL="0" indent="0" fontAlgn="base">
+              <a:buNone/>
+            </a:pPr>
+            <a:r>
+              <a:rPr lang="it-IT" sz="1600" dirty="0" err="1">
                 <a:latin typeface="Consolas" panose="020B0609020204030204" pitchFamily="49" charset="0"/>
                 <a:cs typeface="Consolas" panose="020B0609020204030204" pitchFamily="49" charset="0"/>
               </a:rPr>
               <a:t>System.out.println</a:t>
             </a:r>
             <a:r>
-              <a:rPr lang="it-IT" sz="2400" dirty="0">
+              <a:rPr lang="it-IT" sz="1600" dirty="0">
                 <a:latin typeface="Consolas" panose="020B0609020204030204" pitchFamily="49" charset="0"/>
                 <a:cs typeface="Consolas" panose="020B0609020204030204" pitchFamily="49" charset="0"/>
               </a:rPr>
               <a:t>(first == </a:t>
             </a:r>
             <a:r>
-              <a:rPr lang="it-IT" sz="2400" dirty="0" err="1">
-                <a:latin typeface="Consolas" panose="020B0609020204030204" pitchFamily="49" charset="0"/>
-                <a:cs typeface="Consolas" panose="020B0609020204030204" pitchFamily="49" charset="0"/>
-              </a:rPr>
-              <a:t>second</a:t>
-            </a:r>
-            <a:r>
-              <a:rPr lang="it-IT" sz="2400" dirty="0">
-                <a:latin typeface="Consolas" panose="020B0609020204030204" pitchFamily="49" charset="0"/>
-                <a:cs typeface="Consolas" panose="020B0609020204030204" pitchFamily="49" charset="0"/>
-              </a:rPr>
-              <a:t>);  // True</a:t>
-            </a:r>
+              <a:rPr lang="it-IT" sz="1600" dirty="0" err="1">
+                <a:latin typeface="Consolas" panose="020B0609020204030204" pitchFamily="49" charset="0"/>
+                <a:cs typeface="Consolas" panose="020B0609020204030204" pitchFamily="49" charset="0"/>
+              </a:rPr>
+              <a:t>third</a:t>
+            </a:r>
+            <a:r>
+              <a:rPr lang="it-IT" sz="1600" dirty="0">
+                <a:latin typeface="Consolas" panose="020B0609020204030204" pitchFamily="49" charset="0"/>
+                <a:cs typeface="Consolas" panose="020B0609020204030204" pitchFamily="49" charset="0"/>
+              </a:rPr>
+              <a:t>);   </a:t>
+            </a:r>
+          </a:p>
+          <a:p>
+            <a:pPr marL="0" indent="0">
+              <a:buNone/>
+            </a:pPr>
+            <a:endParaRPr lang="en-IT" sz="1600" dirty="0"/>
+          </a:p>
+          <a:p>
+            <a:pPr marL="0" indent="0">
+              <a:buNone/>
+            </a:pPr>
+            <a:endParaRPr lang="en-IT" sz="1600" dirty="0"/>
           </a:p>
         </p:txBody>
       </p:sp>
@@ -21562,7 +22089,7 @@
           <p:cNvPr id="4" name="Slide Number Placeholder 3">
             <a:extLst>
               <a:ext uri="{FF2B5EF4-FFF2-40B4-BE49-F238E27FC236}">
-                <a16:creationId xmlns:a16="http://schemas.microsoft.com/office/drawing/2014/main" id="{0E9A5C60-5AB2-C94B-ACC2-52D17DE8DB30}"/>
+                <a16:creationId xmlns:a16="http://schemas.microsoft.com/office/drawing/2014/main" id="{0B45EC92-7209-C349-85CE-736756E0E8F6}"/>
               </a:ext>
             </a:extLst>
           </p:cNvPr>
@@ -21590,7 +22117,7 @@
     </p:spTree>
     <p:extLst>
       <p:ext uri="{BB962C8B-B14F-4D97-AF65-F5344CB8AC3E}">
-        <p14:creationId xmlns:p14="http://schemas.microsoft.com/office/powerpoint/2010/main" val="755920124"/>
+        <p14:creationId xmlns:p14="http://schemas.microsoft.com/office/powerpoint/2010/main" val="1021769595"/>
       </p:ext>
     </p:extLst>
   </p:cSld>
@@ -21769,13 +22296,7 @@
       </p:grpSpPr>
       <p:sp>
         <p:nvSpPr>
-          <p:cNvPr id="2" name="Title 1">
-            <a:extLst>
-              <a:ext uri="{FF2B5EF4-FFF2-40B4-BE49-F238E27FC236}">
-                <a16:creationId xmlns:a16="http://schemas.microsoft.com/office/drawing/2014/main" id="{12BF8FEE-DFDC-7F49-BC61-975248B16179}"/>
-              </a:ext>
-            </a:extLst>
-          </p:cNvPr>
+          <p:cNvPr id="2" name="Title 1"/>
           <p:cNvSpPr>
             <a:spLocks noGrp="1"/>
           </p:cNvSpPr>
@@ -21789,27 +22310,90 @@
           <a:lstStyle/>
           <a:p>
             <a:r>
-              <a:rPr lang="it-IT" dirty="0" err="1"/>
-              <a:t>Strings</a:t>
-            </a:r>
-            <a:r>
-              <a:rPr lang="it-IT" dirty="0"/>
-              <a:t> in </a:t>
-            </a:r>
-            <a:r>
-              <a:rPr lang="it-IT" dirty="0" err="1"/>
-              <a:t>memory</a:t>
-            </a:r>
-            <a:endParaRPr lang="it-IT" dirty="0"/>
+              <a:rPr lang="en-US" i="1" dirty="0"/>
+              <a:t>equals</a:t>
+            </a:r>
+            <a:r>
+              <a:rPr lang="en-US" dirty="0"/>
+              <a:t> vs ==</a:t>
+            </a:r>
           </a:p>
         </p:txBody>
       </p:sp>
       <p:sp>
         <p:nvSpPr>
-          <p:cNvPr id="3" name="Content Placeholder 2">
+          <p:cNvPr id="3" name="Content Placeholder 2"/>
+          <p:cNvSpPr>
+            <a:spLocks noGrp="1"/>
+          </p:cNvSpPr>
+          <p:nvPr>
+            <p:ph sz="half" idx="1"/>
+          </p:nvPr>
+        </p:nvSpPr>
+        <p:spPr/>
+        <p:txBody>
+          <a:bodyPr>
+            <a:normAutofit fontScale="85000" lnSpcReduction="20000"/>
+          </a:bodyPr>
+          <a:lstStyle/>
+          <a:p>
+            <a:r>
+              <a:rPr lang="en-US" sz="3200" dirty="0"/>
+              <a:t>The </a:t>
+            </a:r>
+            <a:r>
+              <a:rPr lang="en-US" sz="3200" dirty="0">
+                <a:solidFill>
+                  <a:schemeClr val="accent6">
+                    <a:lumMod val="75000"/>
+                  </a:schemeClr>
+                </a:solidFill>
+              </a:rPr>
+              <a:t>== operator </a:t>
+            </a:r>
+            <a:r>
+              <a:rPr lang="en-US" sz="3200" dirty="0"/>
+              <a:t>verifies if two references point to the same object</a:t>
+            </a:r>
+          </a:p>
+          <a:p>
+            <a:r>
+              <a:rPr lang="en-US" sz="3200" dirty="0"/>
+              <a:t>The </a:t>
+            </a:r>
+            <a:r>
+              <a:rPr lang="en-US" sz="3200" dirty="0">
+                <a:solidFill>
+                  <a:schemeClr val="accent6">
+                    <a:lumMod val="75000"/>
+                  </a:schemeClr>
+                </a:solidFill>
+              </a:rPr>
+              <a:t>equals() method</a:t>
+            </a:r>
+            <a:r>
+              <a:rPr lang="en-US" sz="3200" dirty="0"/>
+              <a:t>, instead, verifies if two objects (any object!) have the same internal state</a:t>
+            </a:r>
+          </a:p>
+          <a:p>
+            <a:pPr marL="0" indent="0">
+              <a:buNone/>
+            </a:pPr>
+            <a:endParaRPr lang="en-US" dirty="0">
+              <a:solidFill>
+                <a:srgbClr val="E46C0A"/>
+              </a:solidFill>
+            </a:endParaRPr>
+          </a:p>
+        </p:txBody>
+      </p:sp>
+      <p:sp>
+        <p:nvSpPr>
+          <p:cNvPr id="5" name="Content Placeholder 4">
             <a:extLst>
               <a:ext uri="{FF2B5EF4-FFF2-40B4-BE49-F238E27FC236}">
-                <a16:creationId xmlns:a16="http://schemas.microsoft.com/office/drawing/2014/main" id="{CA8E69DF-8FF9-9F4A-BBB2-C4DCEEAE00CE}"/>
+                <a16:creationId xmlns:a16="http://schemas.microsoft.com/office/drawing/2014/main" id="{9E3B039C-0387-7A4F-BC9C-5E2341166ABD}"/>
               </a:ext>
             </a:extLst>
           </p:cNvPr>
@@ -21817,416 +22401,266 @@
             <a:spLocks noGrp="1"/>
           </p:cNvSpPr>
           <p:nvPr>
-            <p:ph idx="1"/>
+            <p:ph sz="half" idx="2"/>
           </p:nvPr>
         </p:nvSpPr>
         <p:spPr/>
         <p:txBody>
           <a:bodyPr>
-            <a:normAutofit/>
+            <a:normAutofit fontScale="85000" lnSpcReduction="20000"/>
           </a:bodyPr>
           <a:lstStyle/>
           <a:p>
-            <a:pPr algn="just"/>
-            <a:r>
-              <a:rPr lang="it-IT" dirty="0" err="1"/>
-              <a:t>If</a:t>
-            </a:r>
-            <a:r>
-              <a:rPr lang="it-IT" dirty="0"/>
-              <a:t> </a:t>
-            </a:r>
-            <a:r>
-              <a:rPr lang="it-IT" dirty="0" err="1"/>
-              <a:t>we</a:t>
-            </a:r>
-            <a:r>
-              <a:rPr lang="it-IT" dirty="0"/>
-              <a:t> call the </a:t>
-            </a:r>
-            <a:r>
-              <a:rPr lang="it-IT" dirty="0" err="1"/>
-              <a:t>constructor</a:t>
-            </a:r>
-            <a:r>
-              <a:rPr lang="it-IT" dirty="0"/>
-              <a:t> of the </a:t>
-            </a:r>
-            <a:r>
-              <a:rPr lang="it-IT" dirty="0" err="1"/>
-              <a:t>class</a:t>
-            </a:r>
-            <a:r>
-              <a:rPr lang="it-IT" dirty="0"/>
-              <a:t> </a:t>
-            </a:r>
-            <a:r>
-              <a:rPr lang="it-IT" dirty="0" err="1"/>
-              <a:t>using</a:t>
-            </a:r>
-            <a:r>
-              <a:rPr lang="it-IT" dirty="0"/>
-              <a:t> the </a:t>
-            </a:r>
-            <a:r>
-              <a:rPr lang="it-IT" dirty="0">
-                <a:solidFill>
-                  <a:schemeClr val="accent6">
-                    <a:lumMod val="75000"/>
-                  </a:schemeClr>
-                </a:solidFill>
-              </a:rPr>
-              <a:t>new</a:t>
-            </a:r>
-            <a:r>
-              <a:rPr lang="it-IT" dirty="0"/>
-              <a:t> operator, </a:t>
-            </a:r>
-            <a:r>
-              <a:rPr lang="it-IT" dirty="0" err="1"/>
-              <a:t>Strings</a:t>
-            </a:r>
-            <a:r>
-              <a:rPr lang="it-IT" dirty="0"/>
-              <a:t> are </a:t>
-            </a:r>
-            <a:r>
-              <a:rPr lang="it-IT" dirty="0" err="1"/>
-              <a:t>stored</a:t>
-            </a:r>
-            <a:r>
-              <a:rPr lang="it-IT" dirty="0"/>
-              <a:t> in </a:t>
-            </a:r>
-            <a:r>
-              <a:rPr lang="it-IT" dirty="0" err="1"/>
-              <a:t>memory</a:t>
-            </a:r>
-            <a:r>
-              <a:rPr lang="it-IT" dirty="0"/>
-              <a:t> (</a:t>
-            </a:r>
-            <a:r>
-              <a:rPr lang="it-IT" dirty="0" err="1"/>
-              <a:t>heap</a:t>
-            </a:r>
-            <a:r>
-              <a:rPr lang="it-IT" dirty="0"/>
-              <a:t>) </a:t>
-            </a:r>
-            <a:r>
-              <a:rPr lang="it-IT" dirty="0" err="1"/>
-              <a:t>as</a:t>
-            </a:r>
-            <a:r>
-              <a:rPr lang="it-IT" dirty="0"/>
-              <a:t> standard </a:t>
-            </a:r>
-            <a:r>
-              <a:rPr lang="it-IT" dirty="0" err="1"/>
-              <a:t>objects</a:t>
-            </a:r>
-            <a:r>
-              <a:rPr lang="it-IT" dirty="0"/>
-              <a:t>.</a:t>
-            </a:r>
-          </a:p>
-          <a:p>
-            <a:pPr algn="just"/>
-            <a:endParaRPr lang="it-IT" dirty="0"/>
-          </a:p>
-          <a:p>
-            <a:pPr marL="0" indent="0" fontAlgn="base">
-              <a:buNone/>
-            </a:pPr>
-            <a:r>
-              <a:rPr lang="it-IT" sz="2000" dirty="0" err="1">
-                <a:latin typeface="Consolas" panose="020B0609020204030204" pitchFamily="49" charset="0"/>
-                <a:cs typeface="Consolas" panose="020B0609020204030204" pitchFamily="49" charset="0"/>
-              </a:rPr>
-              <a:t>String</a:t>
-            </a:r>
-            <a:r>
-              <a:rPr lang="it-IT" sz="2000" dirty="0">
-                <a:latin typeface="Consolas" panose="020B0609020204030204" pitchFamily="49" charset="0"/>
-                <a:cs typeface="Consolas" panose="020B0609020204030204" pitchFamily="49" charset="0"/>
-              </a:rPr>
-              <a:t> first = new </a:t>
-            </a:r>
-            <a:r>
-              <a:rPr lang="it-IT" sz="2000" dirty="0" err="1">
-                <a:latin typeface="Consolas" panose="020B0609020204030204" pitchFamily="49" charset="0"/>
-                <a:cs typeface="Consolas" panose="020B0609020204030204" pitchFamily="49" charset="0"/>
-              </a:rPr>
-              <a:t>String</a:t>
-            </a:r>
-            <a:r>
-              <a:rPr lang="it-IT" sz="2000" dirty="0">
-                <a:latin typeface="Consolas" panose="020B0609020204030204" pitchFamily="49" charset="0"/>
-                <a:cs typeface="Consolas" panose="020B0609020204030204" pitchFamily="49" charset="0"/>
-              </a:rPr>
-              <a:t>("</a:t>
-            </a:r>
-            <a:r>
-              <a:rPr lang="it-IT" sz="2000" dirty="0" err="1">
-                <a:latin typeface="Consolas" panose="020B0609020204030204" pitchFamily="49" charset="0"/>
-                <a:cs typeface="Consolas" panose="020B0609020204030204" pitchFamily="49" charset="0"/>
-              </a:rPr>
-              <a:t>Baeldung</a:t>
-            </a:r>
-            <a:r>
-              <a:rPr lang="it-IT" sz="2000" dirty="0">
-                <a:latin typeface="Consolas" panose="020B0609020204030204" pitchFamily="49" charset="0"/>
-                <a:cs typeface="Consolas" panose="020B0609020204030204" pitchFamily="49" charset="0"/>
-              </a:rPr>
-              <a:t>");     // </a:t>
-            </a:r>
-            <a:r>
-              <a:rPr lang="it-IT" sz="2000" dirty="0" err="1">
-                <a:latin typeface="Consolas" panose="020B0609020204030204" pitchFamily="49" charset="0"/>
-                <a:cs typeface="Consolas" panose="020B0609020204030204" pitchFamily="49" charset="0"/>
-              </a:rPr>
-              <a:t>memory</a:t>
-            </a:r>
-            <a:r>
-              <a:rPr lang="it-IT" sz="2000" dirty="0">
-                <a:latin typeface="Consolas" panose="020B0609020204030204" pitchFamily="49" charset="0"/>
-                <a:cs typeface="Consolas" panose="020B0609020204030204" pitchFamily="49" charset="0"/>
-              </a:rPr>
-              <a:t> use</a:t>
-            </a:r>
-          </a:p>
-          <a:p>
-            <a:pPr marL="0" indent="0" fontAlgn="base">
-              <a:buNone/>
-            </a:pPr>
-            <a:r>
-              <a:rPr lang="it-IT" sz="2000" dirty="0" err="1">
-                <a:latin typeface="Consolas" panose="020B0609020204030204" pitchFamily="49" charset="0"/>
-                <a:cs typeface="Consolas" panose="020B0609020204030204" pitchFamily="49" charset="0"/>
-              </a:rPr>
-              <a:t>String</a:t>
-            </a:r>
-            <a:r>
-              <a:rPr lang="it-IT" sz="2000" dirty="0">
-                <a:latin typeface="Consolas" panose="020B0609020204030204" pitchFamily="49" charset="0"/>
-                <a:cs typeface="Consolas" panose="020B0609020204030204" pitchFamily="49" charset="0"/>
-              </a:rPr>
-              <a:t> </a:t>
-            </a:r>
-            <a:r>
-              <a:rPr lang="it-IT" sz="2000" dirty="0" err="1">
-                <a:latin typeface="Consolas" panose="020B0609020204030204" pitchFamily="49" charset="0"/>
-                <a:cs typeface="Consolas" panose="020B0609020204030204" pitchFamily="49" charset="0"/>
-              </a:rPr>
-              <a:t>second</a:t>
-            </a:r>
-            <a:r>
-              <a:rPr lang="it-IT" sz="2000" dirty="0">
-                <a:latin typeface="Consolas" panose="020B0609020204030204" pitchFamily="49" charset="0"/>
-                <a:cs typeface="Consolas" panose="020B0609020204030204" pitchFamily="49" charset="0"/>
-              </a:rPr>
-              <a:t> = new </a:t>
-            </a:r>
-            <a:r>
-              <a:rPr lang="it-IT" sz="2000" dirty="0" err="1">
-                <a:latin typeface="Consolas" panose="020B0609020204030204" pitchFamily="49" charset="0"/>
-                <a:cs typeface="Consolas" panose="020B0609020204030204" pitchFamily="49" charset="0"/>
-              </a:rPr>
-              <a:t>String</a:t>
-            </a:r>
-            <a:r>
-              <a:rPr lang="it-IT" sz="2000" dirty="0">
-                <a:latin typeface="Consolas" panose="020B0609020204030204" pitchFamily="49" charset="0"/>
-                <a:cs typeface="Consolas" panose="020B0609020204030204" pitchFamily="49" charset="0"/>
-              </a:rPr>
-              <a:t>("</a:t>
-            </a:r>
-            <a:r>
-              <a:rPr lang="it-IT" sz="2000" dirty="0" err="1">
-                <a:latin typeface="Consolas" panose="020B0609020204030204" pitchFamily="49" charset="0"/>
-                <a:cs typeface="Consolas" panose="020B0609020204030204" pitchFamily="49" charset="0"/>
-              </a:rPr>
-              <a:t>Baeldung</a:t>
-            </a:r>
-            <a:r>
-              <a:rPr lang="it-IT" sz="2000" dirty="0">
-                <a:latin typeface="Consolas" panose="020B0609020204030204" pitchFamily="49" charset="0"/>
-                <a:cs typeface="Consolas" panose="020B0609020204030204" pitchFamily="49" charset="0"/>
-              </a:rPr>
-              <a:t>");    // </a:t>
-            </a:r>
-            <a:r>
-              <a:rPr lang="it-IT" sz="2000" dirty="0" err="1">
-                <a:latin typeface="Consolas" panose="020B0609020204030204" pitchFamily="49" charset="0"/>
-                <a:cs typeface="Consolas" panose="020B0609020204030204" pitchFamily="49" charset="0"/>
-              </a:rPr>
-              <a:t>memory</a:t>
-            </a:r>
-            <a:r>
-              <a:rPr lang="it-IT" sz="2000" dirty="0">
-                <a:latin typeface="Consolas" panose="020B0609020204030204" pitchFamily="49" charset="0"/>
-                <a:cs typeface="Consolas" panose="020B0609020204030204" pitchFamily="49" charset="0"/>
-              </a:rPr>
-              <a:t> use</a:t>
-            </a:r>
-          </a:p>
-          <a:p>
-            <a:pPr marL="0" indent="0" fontAlgn="base">
-              <a:buNone/>
-            </a:pPr>
-            <a:r>
-              <a:rPr lang="it-IT" sz="2000" dirty="0" err="1">
-                <a:latin typeface="Consolas" panose="020B0609020204030204" pitchFamily="49" charset="0"/>
-                <a:cs typeface="Consolas" panose="020B0609020204030204" pitchFamily="49" charset="0"/>
-              </a:rPr>
-              <a:t>String</a:t>
-            </a:r>
-            <a:r>
-              <a:rPr lang="it-IT" sz="2000" dirty="0">
-                <a:latin typeface="Consolas" panose="020B0609020204030204" pitchFamily="49" charset="0"/>
-                <a:cs typeface="Consolas" panose="020B0609020204030204" pitchFamily="49" charset="0"/>
-              </a:rPr>
-              <a:t> </a:t>
-            </a:r>
-            <a:r>
-              <a:rPr lang="it-IT" sz="2000" dirty="0" err="1">
-                <a:latin typeface="Consolas" panose="020B0609020204030204" pitchFamily="49" charset="0"/>
-                <a:cs typeface="Consolas" panose="020B0609020204030204" pitchFamily="49" charset="0"/>
-              </a:rPr>
-              <a:t>third</a:t>
-            </a:r>
-            <a:r>
-              <a:rPr lang="it-IT" sz="2000" dirty="0">
-                <a:latin typeface="Consolas" panose="020B0609020204030204" pitchFamily="49" charset="0"/>
-                <a:cs typeface="Consolas" panose="020B0609020204030204" pitchFamily="49" charset="0"/>
-              </a:rPr>
-              <a:t> = "</a:t>
-            </a:r>
-            <a:r>
-              <a:rPr lang="it-IT" sz="2000" dirty="0" err="1">
-                <a:latin typeface="Consolas" panose="020B0609020204030204" pitchFamily="49" charset="0"/>
-                <a:cs typeface="Consolas" panose="020B0609020204030204" pitchFamily="49" charset="0"/>
-              </a:rPr>
-              <a:t>Baeldung</a:t>
-            </a:r>
-            <a:r>
-              <a:rPr lang="it-IT" sz="2000" dirty="0">
-                <a:latin typeface="Consolas" panose="020B0609020204030204" pitchFamily="49" charset="0"/>
-                <a:cs typeface="Consolas" panose="020B0609020204030204" pitchFamily="49" charset="0"/>
-              </a:rPr>
-              <a:t>";                 // </a:t>
-            </a:r>
-            <a:r>
-              <a:rPr lang="it-IT" sz="2000" dirty="0" err="1">
-                <a:latin typeface="Consolas" panose="020B0609020204030204" pitchFamily="49" charset="0"/>
-                <a:cs typeface="Consolas" panose="020B0609020204030204" pitchFamily="49" charset="0"/>
-              </a:rPr>
-              <a:t>memory</a:t>
-            </a:r>
-            <a:r>
-              <a:rPr lang="it-IT" sz="2000" dirty="0">
-                <a:latin typeface="Consolas" panose="020B0609020204030204" pitchFamily="49" charset="0"/>
-                <a:cs typeface="Consolas" panose="020B0609020204030204" pitchFamily="49" charset="0"/>
-              </a:rPr>
-              <a:t> use</a:t>
-            </a:r>
-          </a:p>
-          <a:p>
-            <a:pPr marL="0" indent="0" fontAlgn="base">
-              <a:buNone/>
-            </a:pPr>
-            <a:endParaRPr lang="it-IT" sz="2000" dirty="0">
-              <a:latin typeface="Consolas" panose="020B0609020204030204" pitchFamily="49" charset="0"/>
-              <a:cs typeface="Consolas" panose="020B0609020204030204" pitchFamily="49" charset="0"/>
+            <a:pPr marL="0" indent="0">
+              <a:buNone/>
+            </a:pPr>
+            <a:r>
+              <a:rPr lang="en-US" sz="1600" dirty="0">
+                <a:latin typeface="Courier"/>
+                <a:cs typeface="Courier"/>
+              </a:rPr>
+              <a:t>String s1 = “hello”;</a:t>
+            </a:r>
+          </a:p>
+          <a:p>
+            <a:pPr marL="0" indent="0">
+              <a:buNone/>
+            </a:pPr>
+            <a:r>
+              <a:rPr lang="en-US" sz="1600" dirty="0">
+                <a:latin typeface="Courier"/>
+                <a:cs typeface="Courier"/>
+              </a:rPr>
+              <a:t>String s2 = ”hello”;</a:t>
+            </a:r>
+          </a:p>
+          <a:p>
+            <a:pPr marL="0" indent="0">
+              <a:buNone/>
+            </a:pPr>
+            <a:endParaRPr lang="en-US" sz="1600" dirty="0">
+              <a:latin typeface="Courier"/>
+              <a:cs typeface="Courier"/>
             </a:endParaRPr>
           </a:p>
           <a:p>
-            <a:pPr marL="0" indent="0" fontAlgn="base">
-              <a:buNone/>
-            </a:pPr>
-            <a:r>
-              <a:rPr lang="it-IT" sz="2000" dirty="0" err="1">
-                <a:latin typeface="Consolas" panose="020B0609020204030204" pitchFamily="49" charset="0"/>
-                <a:cs typeface="Consolas" panose="020B0609020204030204" pitchFamily="49" charset="0"/>
-              </a:rPr>
-              <a:t>System.out.println</a:t>
-            </a:r>
-            <a:r>
-              <a:rPr lang="it-IT" sz="2000" dirty="0">
-                <a:latin typeface="Consolas" panose="020B0609020204030204" pitchFamily="49" charset="0"/>
-                <a:cs typeface="Consolas" panose="020B0609020204030204" pitchFamily="49" charset="0"/>
-              </a:rPr>
-              <a:t>(first == </a:t>
-            </a:r>
-            <a:r>
-              <a:rPr lang="it-IT" sz="2000" dirty="0" err="1">
-                <a:latin typeface="Consolas" panose="020B0609020204030204" pitchFamily="49" charset="0"/>
-                <a:cs typeface="Consolas" panose="020B0609020204030204" pitchFamily="49" charset="0"/>
-              </a:rPr>
-              <a:t>second</a:t>
-            </a:r>
-            <a:r>
-              <a:rPr lang="it-IT" sz="2000" dirty="0">
-                <a:latin typeface="Consolas" panose="020B0609020204030204" pitchFamily="49" charset="0"/>
-                <a:cs typeface="Consolas" panose="020B0609020204030204" pitchFamily="49" charset="0"/>
-              </a:rPr>
-              <a:t>);  // False</a:t>
-            </a:r>
-          </a:p>
-          <a:p>
-            <a:pPr marL="0" indent="0" fontAlgn="base">
-              <a:buNone/>
-            </a:pPr>
-            <a:r>
-              <a:rPr lang="it-IT" sz="2000" dirty="0" err="1">
-                <a:latin typeface="Consolas" panose="020B0609020204030204" pitchFamily="49" charset="0"/>
-                <a:cs typeface="Consolas" panose="020B0609020204030204" pitchFamily="49" charset="0"/>
-              </a:rPr>
-              <a:t>System.out.println</a:t>
-            </a:r>
-            <a:r>
-              <a:rPr lang="it-IT" sz="2000" dirty="0">
-                <a:latin typeface="Consolas" panose="020B0609020204030204" pitchFamily="49" charset="0"/>
-                <a:cs typeface="Consolas" panose="020B0609020204030204" pitchFamily="49" charset="0"/>
-              </a:rPr>
-              <a:t>(first == </a:t>
-            </a:r>
-            <a:r>
-              <a:rPr lang="it-IT" sz="2000" dirty="0" err="1">
-                <a:latin typeface="Consolas" panose="020B0609020204030204" pitchFamily="49" charset="0"/>
-                <a:cs typeface="Consolas" panose="020B0609020204030204" pitchFamily="49" charset="0"/>
-              </a:rPr>
-              <a:t>third</a:t>
-            </a:r>
-            <a:r>
-              <a:rPr lang="it-IT" sz="2000" dirty="0">
-                <a:latin typeface="Consolas" panose="020B0609020204030204" pitchFamily="49" charset="0"/>
-                <a:cs typeface="Consolas" panose="020B0609020204030204" pitchFamily="49" charset="0"/>
-              </a:rPr>
-              <a:t>);   // False</a:t>
-            </a:r>
-          </a:p>
-          <a:p>
-            <a:pPr marL="0" indent="0" fontAlgn="base">
-              <a:buNone/>
-            </a:pPr>
-            <a:endParaRPr lang="it-IT" sz="2000" dirty="0">
-              <a:latin typeface="Consolas" panose="020B0609020204030204" pitchFamily="49" charset="0"/>
-              <a:cs typeface="Consolas" panose="020B0609020204030204" pitchFamily="49" charset="0"/>
+            <a:pPr marL="0" indent="0">
+              <a:buNone/>
+            </a:pPr>
+            <a:r>
+              <a:rPr lang="en-US" sz="1600" dirty="0">
+                <a:latin typeface="Courier"/>
+                <a:cs typeface="Courier"/>
+              </a:rPr>
+              <a:t>// true! Same object!</a:t>
+            </a:r>
+          </a:p>
+          <a:p>
+            <a:pPr marL="0" indent="0">
+              <a:buNone/>
+            </a:pPr>
+            <a:r>
+              <a:rPr lang="en-US" sz="1600" dirty="0">
+                <a:latin typeface="Courier"/>
+                <a:cs typeface="Courier"/>
+              </a:rPr>
+              <a:t>if (s1 == s2) { . . . }</a:t>
+            </a:r>
+          </a:p>
+          <a:p>
+            <a:pPr marL="0" indent="0">
+              <a:buNone/>
+            </a:pPr>
+            <a:endParaRPr lang="en-US" sz="1600" dirty="0">
+              <a:latin typeface="Courier"/>
+              <a:cs typeface="Courier"/>
             </a:endParaRPr>
+          </a:p>
+          <a:p>
+            <a:pPr marL="0" indent="0">
+              <a:buNone/>
+            </a:pPr>
+            <a:r>
+              <a:rPr lang="en-US" sz="1600" dirty="0">
+                <a:latin typeface="Courier"/>
+                <a:cs typeface="Courier"/>
+              </a:rPr>
+              <a:t>// true</a:t>
+            </a:r>
+          </a:p>
+          <a:p>
+            <a:pPr marL="0" indent="0">
+              <a:buNone/>
+            </a:pPr>
+            <a:r>
+              <a:rPr lang="en-US" sz="1600" dirty="0">
+                <a:latin typeface="Courier"/>
+                <a:cs typeface="Courier"/>
+              </a:rPr>
+              <a:t>if (s1.equals(s2)) { . . . }</a:t>
+            </a:r>
+          </a:p>
+          <a:p>
+            <a:pPr marL="0" indent="0">
+              <a:buNone/>
+            </a:pPr>
+            <a:endParaRPr lang="en-US" sz="1600" dirty="0">
+              <a:latin typeface="Courier"/>
+              <a:cs typeface="Courier"/>
+            </a:endParaRPr>
+          </a:p>
+          <a:p>
+            <a:pPr marL="0" indent="0">
+              <a:buNone/>
+            </a:pPr>
+            <a:endParaRPr lang="en-US" sz="1600" dirty="0">
+              <a:latin typeface="Courier"/>
+              <a:cs typeface="Courier"/>
+            </a:endParaRPr>
+          </a:p>
+          <a:p>
+            <a:pPr marL="0" indent="0">
+              <a:buNone/>
+            </a:pPr>
+            <a:endParaRPr lang="en-US" sz="1600" dirty="0">
+              <a:latin typeface="Courier"/>
+              <a:cs typeface="Courier"/>
+            </a:endParaRPr>
+          </a:p>
+          <a:p>
+            <a:pPr marL="0" indent="0">
+              <a:buNone/>
+            </a:pPr>
+            <a:endParaRPr lang="en-US" sz="1600" dirty="0">
+              <a:latin typeface="Courier"/>
+              <a:cs typeface="Courier"/>
+            </a:endParaRPr>
+          </a:p>
+          <a:p>
+            <a:pPr marL="0" indent="0">
+              <a:buNone/>
+            </a:pPr>
+            <a:r>
+              <a:rPr lang="en-US" sz="1600" dirty="0">
+                <a:latin typeface="Courier"/>
+                <a:cs typeface="Courier"/>
+              </a:rPr>
+              <a:t>String s1 = new String(“hello”);</a:t>
+            </a:r>
+          </a:p>
+          <a:p>
+            <a:pPr marL="0" indent="0">
+              <a:buNone/>
+            </a:pPr>
+            <a:r>
+              <a:rPr lang="en-US" sz="1600" dirty="0">
+                <a:latin typeface="Courier"/>
+                <a:cs typeface="Courier"/>
+              </a:rPr>
+              <a:t>String s2 = new String(”hello”);</a:t>
+            </a:r>
+          </a:p>
+          <a:p>
+            <a:pPr marL="0" indent="0">
+              <a:buNone/>
+            </a:pPr>
+            <a:endParaRPr lang="en-US" sz="1600" dirty="0">
+              <a:latin typeface="Courier"/>
+              <a:cs typeface="Courier"/>
+            </a:endParaRPr>
+          </a:p>
+          <a:p>
+            <a:pPr marL="0" indent="0">
+              <a:buNone/>
+            </a:pPr>
+            <a:r>
+              <a:rPr lang="en-US" sz="1600" dirty="0">
+                <a:latin typeface="Courier"/>
+                <a:cs typeface="Courier"/>
+              </a:rPr>
+              <a:t>// false! Different objects!</a:t>
+            </a:r>
+          </a:p>
+          <a:p>
+            <a:pPr marL="0" indent="0">
+              <a:buNone/>
+            </a:pPr>
+            <a:r>
+              <a:rPr lang="en-US" sz="1600" dirty="0">
+                <a:latin typeface="Courier"/>
+                <a:cs typeface="Courier"/>
+              </a:rPr>
+              <a:t>if (s1 == s2) { . . . }</a:t>
+            </a:r>
+          </a:p>
+          <a:p>
+            <a:pPr marL="0" indent="0">
+              <a:buNone/>
+            </a:pPr>
+            <a:endParaRPr lang="en-US" sz="1600" dirty="0">
+              <a:latin typeface="Courier"/>
+              <a:cs typeface="Courier"/>
+            </a:endParaRPr>
+          </a:p>
+          <a:p>
+            <a:pPr marL="0" indent="0">
+              <a:buNone/>
+            </a:pPr>
+            <a:r>
+              <a:rPr lang="en-US" sz="1600" dirty="0">
+                <a:latin typeface="Courier"/>
+                <a:cs typeface="Courier"/>
+              </a:rPr>
+              <a:t>// true</a:t>
+            </a:r>
+          </a:p>
+          <a:p>
+            <a:pPr marL="0" indent="0">
+              <a:buNone/>
+            </a:pPr>
+            <a:r>
+              <a:rPr lang="en-US" sz="1600" dirty="0">
+                <a:latin typeface="Courier"/>
+                <a:cs typeface="Courier"/>
+              </a:rPr>
+              <a:t>if (s1.equals(s2)) { . . . }</a:t>
+            </a:r>
+          </a:p>
+          <a:p>
+            <a:pPr marL="0" indent="0">
+              <a:buNone/>
+            </a:pPr>
+            <a:endParaRPr lang="en-US" sz="1600" dirty="0">
+              <a:latin typeface="Courier"/>
+              <a:cs typeface="Courier"/>
+            </a:endParaRPr>
+          </a:p>
+          <a:p>
+            <a:pPr marL="0" indent="0">
+              <a:buNone/>
+            </a:pPr>
+            <a:endParaRPr lang="en-US" sz="1600" dirty="0">
+              <a:latin typeface="Courier"/>
+              <a:cs typeface="Courier"/>
+            </a:endParaRPr>
+          </a:p>
+          <a:p>
+            <a:pPr marL="0" indent="0">
+              <a:buNone/>
+            </a:pPr>
+            <a:endParaRPr lang="en-IT" dirty="0"/>
+          </a:p>
+          <a:p>
+            <a:pPr marL="0" indent="0">
+              <a:buNone/>
+            </a:pPr>
+            <a:endParaRPr lang="en-IT" dirty="0"/>
           </a:p>
         </p:txBody>
       </p:sp>
       <p:sp>
         <p:nvSpPr>
-          <p:cNvPr id="4" name="Slide Number Placeholder 3">
-            <a:extLst>
-              <a:ext uri="{FF2B5EF4-FFF2-40B4-BE49-F238E27FC236}">
-                <a16:creationId xmlns:a16="http://schemas.microsoft.com/office/drawing/2014/main" id="{0E9A5C60-5AB2-C94B-ACC2-52D17DE8DB30}"/>
-              </a:ext>
-            </a:extLst>
-          </p:cNvPr>
+          <p:cNvPr id="4" name="Slide Number Placeholder 3"/>
           <p:cNvSpPr>
             <a:spLocks noGrp="1"/>
           </p:cNvSpPr>
@@ -22251,7 +22685,7 @@
     </p:spTree>
     <p:extLst>
       <p:ext uri="{BB962C8B-B14F-4D97-AF65-F5344CB8AC3E}">
-        <p14:creationId xmlns:p14="http://schemas.microsoft.com/office/powerpoint/2010/main" val="1200616775"/>
+        <p14:creationId xmlns:p14="http://schemas.microsoft.com/office/powerpoint/2010/main" val="968077037"/>
       </p:ext>
     </p:extLst>
   </p:cSld>
@@ -22294,351 +22728,9 @@
           <a:lstStyle/>
           <a:p>
             <a:r>
-              <a:rPr lang="en-US" i="1" dirty="0"/>
-              <a:t>equals</a:t>
-            </a:r>
-            <a:r>
               <a:rPr lang="en-US" dirty="0"/>
-              <a:t> vs ==</a:t>
-            </a:r>
-          </a:p>
-        </p:txBody>
-      </p:sp>
-      <p:sp>
-        <p:nvSpPr>
-          <p:cNvPr id="3" name="Content Placeholder 2"/>
-          <p:cNvSpPr>
-            <a:spLocks noGrp="1"/>
-          </p:cNvSpPr>
-          <p:nvPr>
-            <p:ph sz="half" idx="1"/>
-          </p:nvPr>
-        </p:nvSpPr>
-        <p:spPr/>
-        <p:txBody>
-          <a:bodyPr>
-            <a:normAutofit fontScale="85000" lnSpcReduction="20000"/>
-          </a:bodyPr>
-          <a:lstStyle/>
-          <a:p>
-            <a:r>
-              <a:rPr lang="en-US" sz="3200" dirty="0"/>
-              <a:t>The </a:t>
-            </a:r>
-            <a:r>
-              <a:rPr lang="en-US" sz="3200" dirty="0">
-                <a:solidFill>
-                  <a:schemeClr val="accent6">
-                    <a:lumMod val="75000"/>
-                  </a:schemeClr>
-                </a:solidFill>
-              </a:rPr>
-              <a:t>== operator </a:t>
-            </a:r>
-            <a:r>
-              <a:rPr lang="en-US" sz="3200" dirty="0"/>
-              <a:t>verifies if two references point to the same object</a:t>
-            </a:r>
-          </a:p>
-          <a:p>
-            <a:r>
-              <a:rPr lang="en-US" sz="3200" dirty="0"/>
-              <a:t>The </a:t>
-            </a:r>
-            <a:r>
-              <a:rPr lang="en-US" sz="3200" dirty="0">
-                <a:solidFill>
-                  <a:schemeClr val="accent6">
-                    <a:lumMod val="75000"/>
-                  </a:schemeClr>
-                </a:solidFill>
-              </a:rPr>
-              <a:t>equals() method</a:t>
-            </a:r>
-            <a:r>
-              <a:rPr lang="en-US" sz="3200" dirty="0"/>
-              <a:t>, instead, verifies if two objects (any object!) have the same internal state</a:t>
-            </a:r>
-          </a:p>
-          <a:p>
-            <a:pPr marL="0" indent="0">
-              <a:buNone/>
-            </a:pPr>
-            <a:endParaRPr lang="en-US" dirty="0">
-              <a:solidFill>
-                <a:srgbClr val="E46C0A"/>
-              </a:solidFill>
-            </a:endParaRPr>
-          </a:p>
-        </p:txBody>
-      </p:sp>
-      <p:sp>
-        <p:nvSpPr>
-          <p:cNvPr id="5" name="Content Placeholder 4">
-            <a:extLst>
-              <a:ext uri="{FF2B5EF4-FFF2-40B4-BE49-F238E27FC236}">
-                <a16:creationId xmlns:a16="http://schemas.microsoft.com/office/drawing/2014/main" id="{9E3B039C-0387-7A4F-BC9C-5E2341166ABD}"/>
-              </a:ext>
-            </a:extLst>
-          </p:cNvPr>
-          <p:cNvSpPr>
-            <a:spLocks noGrp="1"/>
-          </p:cNvSpPr>
-          <p:nvPr>
-            <p:ph sz="half" idx="2"/>
-          </p:nvPr>
-        </p:nvSpPr>
-        <p:spPr/>
-        <p:txBody>
-          <a:bodyPr>
-            <a:normAutofit fontScale="85000" lnSpcReduction="20000"/>
-          </a:bodyPr>
-          <a:lstStyle/>
-          <a:p>
-            <a:pPr marL="0" indent="0">
-              <a:buNone/>
-            </a:pPr>
-            <a:r>
-              <a:rPr lang="en-US" sz="1600" dirty="0">
-                <a:latin typeface="Courier"/>
-                <a:cs typeface="Courier"/>
-              </a:rPr>
-              <a:t>String s1 = “hello”;</a:t>
-            </a:r>
-          </a:p>
-          <a:p>
-            <a:pPr marL="0" indent="0">
-              <a:buNone/>
-            </a:pPr>
-            <a:r>
-              <a:rPr lang="en-US" sz="1600" dirty="0">
-                <a:latin typeface="Courier"/>
-                <a:cs typeface="Courier"/>
-              </a:rPr>
-              <a:t>String s2 = ”hello”;</a:t>
-            </a:r>
-          </a:p>
-          <a:p>
-            <a:pPr marL="0" indent="0">
-              <a:buNone/>
-            </a:pPr>
-            <a:endParaRPr lang="en-US" sz="1600" dirty="0">
-              <a:latin typeface="Courier"/>
-              <a:cs typeface="Courier"/>
-            </a:endParaRPr>
-          </a:p>
-          <a:p>
-            <a:pPr marL="0" indent="0">
-              <a:buNone/>
-            </a:pPr>
-            <a:r>
-              <a:rPr lang="en-US" sz="1600" dirty="0">
-                <a:latin typeface="Courier"/>
-                <a:cs typeface="Courier"/>
-              </a:rPr>
-              <a:t>// true! Same object!</a:t>
-            </a:r>
-          </a:p>
-          <a:p>
-            <a:pPr marL="0" indent="0">
-              <a:buNone/>
-            </a:pPr>
-            <a:r>
-              <a:rPr lang="en-US" sz="1600" dirty="0">
-                <a:latin typeface="Courier"/>
-                <a:cs typeface="Courier"/>
-              </a:rPr>
-              <a:t>if (s1 == s2) { . . . }</a:t>
-            </a:r>
-          </a:p>
-          <a:p>
-            <a:pPr marL="0" indent="0">
-              <a:buNone/>
-            </a:pPr>
-            <a:endParaRPr lang="en-US" sz="1600" dirty="0">
-              <a:latin typeface="Courier"/>
-              <a:cs typeface="Courier"/>
-            </a:endParaRPr>
-          </a:p>
-          <a:p>
-            <a:pPr marL="0" indent="0">
-              <a:buNone/>
-            </a:pPr>
-            <a:r>
-              <a:rPr lang="en-US" sz="1600" dirty="0">
-                <a:latin typeface="Courier"/>
-                <a:cs typeface="Courier"/>
-              </a:rPr>
-              <a:t>// true</a:t>
-            </a:r>
-          </a:p>
-          <a:p>
-            <a:pPr marL="0" indent="0">
-              <a:buNone/>
-            </a:pPr>
-            <a:r>
-              <a:rPr lang="en-US" sz="1600" dirty="0">
-                <a:latin typeface="Courier"/>
-                <a:cs typeface="Courier"/>
-              </a:rPr>
-              <a:t>if (s1.equals(s2)) { . . . }</a:t>
-            </a:r>
-          </a:p>
-          <a:p>
-            <a:pPr marL="0" indent="0">
-              <a:buNone/>
-            </a:pPr>
-            <a:endParaRPr lang="en-US" sz="1600" dirty="0">
-              <a:latin typeface="Courier"/>
-              <a:cs typeface="Courier"/>
-            </a:endParaRPr>
-          </a:p>
-          <a:p>
-            <a:pPr marL="0" indent="0">
-              <a:buNone/>
-            </a:pPr>
-            <a:endParaRPr lang="en-US" sz="1600" dirty="0">
-              <a:latin typeface="Courier"/>
-              <a:cs typeface="Courier"/>
-            </a:endParaRPr>
-          </a:p>
-          <a:p>
-            <a:pPr marL="0" indent="0">
-              <a:buNone/>
-            </a:pPr>
-            <a:endParaRPr lang="en-US" sz="1600" dirty="0">
-              <a:latin typeface="Courier"/>
-              <a:cs typeface="Courier"/>
-            </a:endParaRPr>
-          </a:p>
-          <a:p>
-            <a:pPr marL="0" indent="0">
-              <a:buNone/>
-            </a:pPr>
-            <a:endParaRPr lang="en-US" sz="1600" dirty="0">
-              <a:latin typeface="Courier"/>
-              <a:cs typeface="Courier"/>
-            </a:endParaRPr>
-          </a:p>
-          <a:p>
-            <a:pPr marL="0" indent="0">
-              <a:buNone/>
-            </a:pPr>
-            <a:r>
-              <a:rPr lang="en-US" sz="1600" dirty="0">
-                <a:latin typeface="Courier"/>
-                <a:cs typeface="Courier"/>
-              </a:rPr>
-              <a:t>String s1 = new String(“hello”);</a:t>
-            </a:r>
-          </a:p>
-          <a:p>
-            <a:pPr marL="0" indent="0">
-              <a:buNone/>
-            </a:pPr>
-            <a:r>
-              <a:rPr lang="en-US" sz="1600" dirty="0">
-                <a:latin typeface="Courier"/>
-                <a:cs typeface="Courier"/>
-              </a:rPr>
-              <a:t>String s2 = new String(”hello”);</a:t>
-            </a:r>
-          </a:p>
-          <a:p>
-            <a:pPr marL="0" indent="0">
-              <a:buNone/>
-            </a:pPr>
-            <a:endParaRPr lang="en-US" sz="1600" dirty="0">
-              <a:latin typeface="Courier"/>
-              <a:cs typeface="Courier"/>
-            </a:endParaRPr>
-          </a:p>
-          <a:p>
-            <a:pPr marL="0" indent="0">
-              <a:buNone/>
-            </a:pPr>
-            <a:r>
-              <a:rPr lang="en-US" sz="1600" dirty="0">
-                <a:latin typeface="Courier"/>
-                <a:cs typeface="Courier"/>
-              </a:rPr>
-              <a:t>// false! Different objects!</a:t>
-            </a:r>
-          </a:p>
-          <a:p>
-            <a:pPr marL="0" indent="0">
-              <a:buNone/>
-            </a:pPr>
-            <a:r>
-              <a:rPr lang="en-US" sz="1600" dirty="0">
-                <a:latin typeface="Courier"/>
-                <a:cs typeface="Courier"/>
-              </a:rPr>
-              <a:t>if (s1 == s2) { . . . }</a:t>
-            </a:r>
-          </a:p>
-          <a:p>
-            <a:pPr marL="0" indent="0">
-              <a:buNone/>
-            </a:pPr>
-            <a:endParaRPr lang="en-US" sz="1600" dirty="0">
-              <a:latin typeface="Courier"/>
-              <a:cs typeface="Courier"/>
-            </a:endParaRPr>
-          </a:p>
-          <a:p>
-            <a:pPr marL="0" indent="0">
-              <a:buNone/>
-            </a:pPr>
-            <a:r>
-              <a:rPr lang="en-US" sz="1600" dirty="0">
-                <a:latin typeface="Courier"/>
-                <a:cs typeface="Courier"/>
-              </a:rPr>
-              <a:t>// true</a:t>
-            </a:r>
-          </a:p>
-          <a:p>
-            <a:pPr marL="0" indent="0">
-              <a:buNone/>
-            </a:pPr>
-            <a:r>
-              <a:rPr lang="en-US" sz="1600" dirty="0">
-                <a:latin typeface="Courier"/>
-                <a:cs typeface="Courier"/>
-              </a:rPr>
-              <a:t>if (s1.equals(s2)) { . . . }</a:t>
-            </a:r>
-          </a:p>
-          <a:p>
-            <a:pPr marL="0" indent="0">
-              <a:buNone/>
-            </a:pPr>
-            <a:endParaRPr lang="en-US" sz="1600" dirty="0">
-              <a:latin typeface="Courier"/>
-              <a:cs typeface="Courier"/>
-            </a:endParaRPr>
-          </a:p>
-          <a:p>
-            <a:pPr marL="0" indent="0">
-              <a:buNone/>
-            </a:pPr>
-            <a:endParaRPr lang="en-US" sz="1600" dirty="0">
-              <a:latin typeface="Courier"/>
-              <a:cs typeface="Courier"/>
-            </a:endParaRPr>
-          </a:p>
-          <a:p>
-            <a:pPr marL="0" indent="0">
-              <a:buNone/>
-            </a:pPr>
-            <a:endParaRPr lang="en-IT" dirty="0"/>
-          </a:p>
-          <a:p>
-            <a:pPr marL="0" indent="0">
-              <a:buNone/>
-            </a:pPr>
-            <a:endParaRPr lang="en-IT" dirty="0"/>
+              <a:t>String methods</a:t>
+            </a:r>
           </a:p>
         </p:txBody>
       </p:sp>
@@ -22666,10 +22758,143 @@
           </a:p>
         </p:txBody>
       </p:sp>
+      <p:sp>
+        <p:nvSpPr>
+          <p:cNvPr id="6" name="Content Placeholder 5">
+            <a:extLst>
+              <a:ext uri="{FF2B5EF4-FFF2-40B4-BE49-F238E27FC236}">
+                <a16:creationId xmlns:a16="http://schemas.microsoft.com/office/drawing/2014/main" id="{9E83A90B-43E4-6F48-84E9-104F95F6411E}"/>
+              </a:ext>
+            </a:extLst>
+          </p:cNvPr>
+          <p:cNvSpPr>
+            <a:spLocks noGrp="1"/>
+          </p:cNvSpPr>
+          <p:nvPr>
+            <p:ph idx="1"/>
+          </p:nvPr>
+        </p:nvSpPr>
+        <p:spPr/>
+        <p:txBody>
+          <a:bodyPr>
+            <a:normAutofit/>
+          </a:bodyPr>
+          <a:lstStyle/>
+          <a:p>
+            <a:r>
+              <a:rPr lang="en-GB" sz="1800" dirty="0" err="1"/>
+              <a:t>charAt</a:t>
+            </a:r>
+            <a:r>
+              <a:rPr lang="en-GB" sz="1800" dirty="0"/>
+              <a:t>()		Returns the character at the specified index (position)</a:t>
+            </a:r>
+          </a:p>
+          <a:p>
+            <a:r>
+              <a:rPr lang="en-GB" sz="1800" dirty="0" err="1"/>
+              <a:t>compareTo</a:t>
+            </a:r>
+            <a:r>
+              <a:rPr lang="en-GB" sz="1800" dirty="0"/>
+              <a:t>()	Compares two strings lexicographically</a:t>
+            </a:r>
+          </a:p>
+          <a:p>
+            <a:r>
+              <a:rPr lang="en-GB" sz="1800" dirty="0" err="1"/>
+              <a:t>concat</a:t>
+            </a:r>
+            <a:r>
+              <a:rPr lang="en-GB" sz="1800" dirty="0"/>
+              <a:t>()		Appends a string to the end of another string	</a:t>
+            </a:r>
+          </a:p>
+          <a:p>
+            <a:r>
+              <a:rPr lang="en-GB" sz="1800" dirty="0"/>
+              <a:t>contains()		Checks whether a string contains a sequence of characters</a:t>
+            </a:r>
+          </a:p>
+          <a:p>
+            <a:r>
+              <a:rPr lang="en-GB" sz="1800" dirty="0" err="1"/>
+              <a:t>endsWith</a:t>
+            </a:r>
+            <a:r>
+              <a:rPr lang="en-GB" sz="1800" dirty="0"/>
+              <a:t>()	Checks whether a string ends with the specified character(s)</a:t>
+            </a:r>
+          </a:p>
+          <a:p>
+            <a:r>
+              <a:rPr lang="en-GB" sz="1800" dirty="0" err="1"/>
+              <a:t>isEmpty</a:t>
+            </a:r>
+            <a:r>
+              <a:rPr lang="en-GB" sz="1800" dirty="0"/>
+              <a:t>()		Checks whether a string is empty or not</a:t>
+            </a:r>
+          </a:p>
+          <a:p>
+            <a:r>
+              <a:rPr lang="en-GB" sz="1800" dirty="0"/>
+              <a:t>length()		Returns the length of a specified string</a:t>
+            </a:r>
+          </a:p>
+          <a:p>
+            <a:r>
+              <a:rPr lang="en-GB" sz="1800" dirty="0"/>
+              <a:t>replace()		Searches a string for a specified value, and returns a new string where the specified values are replaced</a:t>
+            </a:r>
+          </a:p>
+          <a:p>
+            <a:r>
+              <a:rPr lang="en-GB" sz="1800" dirty="0"/>
+              <a:t>split()			Splits a string into an array of substrings</a:t>
+            </a:r>
+          </a:p>
+          <a:p>
+            <a:r>
+              <a:rPr lang="en-GB" sz="1800" dirty="0" err="1"/>
+              <a:t>startsWith</a:t>
+            </a:r>
+            <a:r>
+              <a:rPr lang="en-GB" sz="1800" dirty="0"/>
+              <a:t>()	Checks whether a string starts with specified characters</a:t>
+            </a:r>
+          </a:p>
+          <a:p>
+            <a:r>
+              <a:rPr lang="en-GB" sz="1800" dirty="0"/>
+              <a:t>substring()		Returns a new string which is the substring of a specified string</a:t>
+            </a:r>
+          </a:p>
+          <a:p>
+            <a:r>
+              <a:rPr lang="en-GB" sz="1800" dirty="0" err="1"/>
+              <a:t>valueOf</a:t>
+            </a:r>
+            <a:r>
+              <a:rPr lang="en-GB" sz="1800" dirty="0"/>
+              <a:t>()		Returns the string representation of the specified value</a:t>
+            </a:r>
+          </a:p>
+          <a:p>
+            <a:endParaRPr lang="en-GB" sz="1800" dirty="0"/>
+          </a:p>
+          <a:p>
+            <a:endParaRPr lang="en-IT" sz="1800" dirty="0"/>
+          </a:p>
+          <a:p>
+            <a:endParaRPr lang="en-IT" sz="1800" dirty="0"/>
+          </a:p>
+        </p:txBody>
+      </p:sp>
     </p:spTree>
     <p:extLst>
       <p:ext uri="{BB962C8B-B14F-4D97-AF65-F5344CB8AC3E}">
-        <p14:creationId xmlns:p14="http://schemas.microsoft.com/office/powerpoint/2010/main" val="968077037"/>
+        <p14:creationId xmlns:p14="http://schemas.microsoft.com/office/powerpoint/2010/main" val="545584852"/>
       </p:ext>
     </p:extLst>
   </p:cSld>
@@ -22713,8 +22938,85 @@
           <a:p>
             <a:r>
               <a:rPr lang="en-US" dirty="0"/>
-              <a:t>String methods</a:t>
-            </a:r>
+              <a:t>The + operator</a:t>
+            </a:r>
+          </a:p>
+        </p:txBody>
+      </p:sp>
+      <p:sp>
+        <p:nvSpPr>
+          <p:cNvPr id="3" name="Content Placeholder 2"/>
+          <p:cNvSpPr>
+            <a:spLocks noGrp="1"/>
+          </p:cNvSpPr>
+          <p:nvPr>
+            <p:ph idx="1"/>
+          </p:nvPr>
+        </p:nvSpPr>
+        <p:spPr/>
+        <p:txBody>
+          <a:bodyPr>
+            <a:normAutofit/>
+          </a:bodyPr>
+          <a:lstStyle/>
+          <a:p>
+            <a:r>
+              <a:rPr lang="en-US" sz="2400" dirty="0"/>
+              <a:t>It is used to concatenate 2 strings </a:t>
+            </a:r>
+          </a:p>
+          <a:p>
+            <a:pPr lvl="1"/>
+            <a:r>
+              <a:rPr lang="en-US" sz="2000" dirty="0">
+                <a:latin typeface="Consolas" panose="020B0609020204030204" pitchFamily="49" charset="0"/>
+                <a:cs typeface="Consolas" panose="020B0609020204030204" pitchFamily="49" charset="0"/>
+              </a:rPr>
+              <a:t>String s = “This string” + “is made by two strings” </a:t>
+            </a:r>
+          </a:p>
+          <a:p>
+            <a:r>
+              <a:rPr lang="en-US" sz="2400" dirty="0"/>
+              <a:t>Works also with other types (automatically converted to string) </a:t>
+            </a:r>
+          </a:p>
+          <a:p>
+            <a:pPr lvl="1"/>
+            <a:r>
+              <a:rPr lang="en-US" sz="2000" dirty="0" err="1">
+                <a:latin typeface="Consolas" panose="020B0609020204030204" pitchFamily="49" charset="0"/>
+                <a:cs typeface="Consolas" panose="020B0609020204030204" pitchFamily="49" charset="0"/>
+              </a:rPr>
+              <a:t>System.out.println</a:t>
+            </a:r>
+            <a:r>
+              <a:rPr lang="en-US" sz="2000" dirty="0">
+                <a:latin typeface="Consolas" panose="020B0609020204030204" pitchFamily="49" charset="0"/>
+                <a:cs typeface="Consolas" panose="020B0609020204030204" pitchFamily="49" charset="0"/>
+              </a:rPr>
+              <a:t>(“pi = ” + 3.14);</a:t>
+            </a:r>
+          </a:p>
+          <a:p>
+            <a:pPr lvl="1"/>
+            <a:r>
+              <a:rPr lang="en-US" sz="2000" dirty="0" err="1">
+                <a:latin typeface="Consolas" panose="020B0609020204030204" pitchFamily="49" charset="0"/>
+                <a:cs typeface="Consolas" panose="020B0609020204030204" pitchFamily="49" charset="0"/>
+              </a:rPr>
+              <a:t>System.out.println</a:t>
+            </a:r>
+            <a:r>
+              <a:rPr lang="en-US" sz="2000" dirty="0">
+                <a:latin typeface="Consolas" panose="020B0609020204030204" pitchFamily="49" charset="0"/>
+                <a:cs typeface="Consolas" panose="020B0609020204030204" pitchFamily="49" charset="0"/>
+              </a:rPr>
+              <a:t>(“x = ” + x); </a:t>
+            </a:r>
+          </a:p>
+          <a:p>
+            <a:endParaRPr lang="en-US" sz="2400" dirty="0"/>
           </a:p>
         </p:txBody>
       </p:sp>
@@ -22742,143 +23044,10 @@
           </a:p>
         </p:txBody>
       </p:sp>
-      <p:sp>
-        <p:nvSpPr>
-          <p:cNvPr id="6" name="Content Placeholder 5">
-            <a:extLst>
-              <a:ext uri="{FF2B5EF4-FFF2-40B4-BE49-F238E27FC236}">
-                <a16:creationId xmlns:a16="http://schemas.microsoft.com/office/drawing/2014/main" id="{9E83A90B-43E4-6F48-84E9-104F95F6411E}"/>
-              </a:ext>
-            </a:extLst>
-          </p:cNvPr>
-          <p:cNvSpPr>
-            <a:spLocks noGrp="1"/>
-          </p:cNvSpPr>
-          <p:nvPr>
-            <p:ph idx="1"/>
-          </p:nvPr>
-        </p:nvSpPr>
-        <p:spPr/>
-        <p:txBody>
-          <a:bodyPr>
-            <a:normAutofit/>
-          </a:bodyPr>
-          <a:lstStyle/>
-          <a:p>
-            <a:r>
-              <a:rPr lang="en-GB" sz="1800" dirty="0" err="1"/>
-              <a:t>charAt</a:t>
-            </a:r>
-            <a:r>
-              <a:rPr lang="en-GB" sz="1800" dirty="0"/>
-              <a:t>()		Returns the character at the specified index (position)</a:t>
-            </a:r>
-          </a:p>
-          <a:p>
-            <a:r>
-              <a:rPr lang="en-GB" sz="1800" dirty="0" err="1"/>
-              <a:t>compareTo</a:t>
-            </a:r>
-            <a:r>
-              <a:rPr lang="en-GB" sz="1800" dirty="0"/>
-              <a:t>()	Compares two strings lexicographically</a:t>
-            </a:r>
-          </a:p>
-          <a:p>
-            <a:r>
-              <a:rPr lang="en-GB" sz="1800" dirty="0" err="1"/>
-              <a:t>concat</a:t>
-            </a:r>
-            <a:r>
-              <a:rPr lang="en-GB" sz="1800" dirty="0"/>
-              <a:t>()		Appends a string to the end of another string	</a:t>
-            </a:r>
-          </a:p>
-          <a:p>
-            <a:r>
-              <a:rPr lang="en-GB" sz="1800" dirty="0"/>
-              <a:t>contains()		Checks whether a string contains a sequence of characters</a:t>
-            </a:r>
-          </a:p>
-          <a:p>
-            <a:r>
-              <a:rPr lang="en-GB" sz="1800" dirty="0" err="1"/>
-              <a:t>endsWith</a:t>
-            </a:r>
-            <a:r>
-              <a:rPr lang="en-GB" sz="1800" dirty="0"/>
-              <a:t>()	Checks whether a string ends with the specified character(s)</a:t>
-            </a:r>
-          </a:p>
-          <a:p>
-            <a:r>
-              <a:rPr lang="en-GB" sz="1800" dirty="0" err="1"/>
-              <a:t>isEmpty</a:t>
-            </a:r>
-            <a:r>
-              <a:rPr lang="en-GB" sz="1800" dirty="0"/>
-              <a:t>()		Checks whether a string is empty or not</a:t>
-            </a:r>
-          </a:p>
-          <a:p>
-            <a:r>
-              <a:rPr lang="en-GB" sz="1800" dirty="0"/>
-              <a:t>length()		Returns the length of a specified string</a:t>
-            </a:r>
-          </a:p>
-          <a:p>
-            <a:r>
-              <a:rPr lang="en-GB" sz="1800" dirty="0"/>
-              <a:t>replace()		Searches a string for a specified value, and returns a new string where the specified values are replaced</a:t>
-            </a:r>
-          </a:p>
-          <a:p>
-            <a:r>
-              <a:rPr lang="en-GB" sz="1800" dirty="0"/>
-              <a:t>split()			Splits a string into an array of substrings</a:t>
-            </a:r>
-          </a:p>
-          <a:p>
-            <a:r>
-              <a:rPr lang="en-GB" sz="1800" dirty="0" err="1"/>
-              <a:t>startsWith</a:t>
-            </a:r>
-            <a:r>
-              <a:rPr lang="en-GB" sz="1800" dirty="0"/>
-              <a:t>()	Checks whether a string starts with specified characters</a:t>
-            </a:r>
-          </a:p>
-          <a:p>
-            <a:r>
-              <a:rPr lang="en-GB" sz="1800" dirty="0"/>
-              <a:t>substring()		Returns a new string which is the substring of a specified string</a:t>
-            </a:r>
-          </a:p>
-          <a:p>
-            <a:r>
-              <a:rPr lang="en-GB" sz="1800" dirty="0" err="1"/>
-              <a:t>valueOf</a:t>
-            </a:r>
-            <a:r>
-              <a:rPr lang="en-GB" sz="1800" dirty="0"/>
-              <a:t>()		Returns the string representation of the specified value</a:t>
-            </a:r>
-          </a:p>
-          <a:p>
-            <a:endParaRPr lang="en-GB" sz="1800" dirty="0"/>
-          </a:p>
-          <a:p>
-            <a:endParaRPr lang="en-IT" sz="1800" dirty="0"/>
-          </a:p>
-          <a:p>
-            <a:endParaRPr lang="en-IT" sz="1800" dirty="0"/>
-          </a:p>
-        </p:txBody>
-      </p:sp>
     </p:spTree>
     <p:extLst>
       <p:ext uri="{BB962C8B-B14F-4D97-AF65-F5344CB8AC3E}">
-        <p14:creationId xmlns:p14="http://schemas.microsoft.com/office/powerpoint/2010/main" val="545584852"/>
+        <p14:creationId xmlns:p14="http://schemas.microsoft.com/office/powerpoint/2010/main" val="3752499795"/>
       </p:ext>
     </p:extLst>
   </p:cSld>
@@ -22921,159 +23090,6 @@
           <a:lstStyle/>
           <a:p>
             <a:r>
-              <a:rPr lang="en-US" dirty="0"/>
-              <a:t>The + operator</a:t>
-            </a:r>
-          </a:p>
-        </p:txBody>
-      </p:sp>
-      <p:sp>
-        <p:nvSpPr>
-          <p:cNvPr id="3" name="Content Placeholder 2"/>
-          <p:cNvSpPr>
-            <a:spLocks noGrp="1"/>
-          </p:cNvSpPr>
-          <p:nvPr>
-            <p:ph idx="1"/>
-          </p:nvPr>
-        </p:nvSpPr>
-        <p:spPr/>
-        <p:txBody>
-          <a:bodyPr>
-            <a:normAutofit/>
-          </a:bodyPr>
-          <a:lstStyle/>
-          <a:p>
-            <a:r>
-              <a:rPr lang="en-US" sz="2400" dirty="0"/>
-              <a:t>It is used to concatenate 2 strings </a:t>
-            </a:r>
-          </a:p>
-          <a:p>
-            <a:pPr lvl="1"/>
-            <a:r>
-              <a:rPr lang="en-US" sz="2000" dirty="0">
-                <a:latin typeface="Consolas" panose="020B0609020204030204" pitchFamily="49" charset="0"/>
-                <a:cs typeface="Consolas" panose="020B0609020204030204" pitchFamily="49" charset="0"/>
-              </a:rPr>
-              <a:t>String s = “This string” + “is made by two strings” </a:t>
-            </a:r>
-          </a:p>
-          <a:p>
-            <a:r>
-              <a:rPr lang="en-US" sz="2400" dirty="0"/>
-              <a:t>Works also with other types (automatically converted to string) </a:t>
-            </a:r>
-          </a:p>
-          <a:p>
-            <a:pPr lvl="1"/>
-            <a:r>
-              <a:rPr lang="en-US" sz="2000" dirty="0" err="1">
-                <a:latin typeface="Consolas" panose="020B0609020204030204" pitchFamily="49" charset="0"/>
-                <a:cs typeface="Consolas" panose="020B0609020204030204" pitchFamily="49" charset="0"/>
-              </a:rPr>
-              <a:t>System.out.println</a:t>
-            </a:r>
-            <a:r>
-              <a:rPr lang="en-US" sz="2000" dirty="0">
-                <a:latin typeface="Consolas" panose="020B0609020204030204" pitchFamily="49" charset="0"/>
-                <a:cs typeface="Consolas" panose="020B0609020204030204" pitchFamily="49" charset="0"/>
-              </a:rPr>
-              <a:t>(“pi = ” + 3.14);</a:t>
-            </a:r>
-          </a:p>
-          <a:p>
-            <a:pPr lvl="1"/>
-            <a:r>
-              <a:rPr lang="en-US" sz="2000" dirty="0" err="1">
-                <a:latin typeface="Consolas" panose="020B0609020204030204" pitchFamily="49" charset="0"/>
-                <a:cs typeface="Consolas" panose="020B0609020204030204" pitchFamily="49" charset="0"/>
-              </a:rPr>
-              <a:t>System.out.println</a:t>
-            </a:r>
-            <a:r>
-              <a:rPr lang="en-US" sz="2000" dirty="0">
-                <a:latin typeface="Consolas" panose="020B0609020204030204" pitchFamily="49" charset="0"/>
-                <a:cs typeface="Consolas" panose="020B0609020204030204" pitchFamily="49" charset="0"/>
-              </a:rPr>
-              <a:t>(“x = ” + x); </a:t>
-            </a:r>
-          </a:p>
-          <a:p>
-            <a:endParaRPr lang="en-US" sz="2400" dirty="0"/>
-          </a:p>
-        </p:txBody>
-      </p:sp>
-      <p:sp>
-        <p:nvSpPr>
-          <p:cNvPr id="4" name="Slide Number Placeholder 3"/>
-          <p:cNvSpPr>
-            <a:spLocks noGrp="1"/>
-          </p:cNvSpPr>
-          <p:nvPr>
-            <p:ph type="sldNum" sz="quarter" idx="12"/>
-          </p:nvPr>
-        </p:nvSpPr>
-        <p:spPr/>
-        <p:txBody>
-          <a:bodyPr/>
-          <a:lstStyle/>
-          <a:p>
-            <a:fld id="{D2040F39-7941-49A4-B48D-F201B18B6351}" type="slidenum">
-              <a:rPr lang="it-IT" smtClean="0"/>
-              <a:pPr/>
-              <a:t>53</a:t>
-            </a:fld>
-            <a:endParaRPr lang="it-IT" dirty="0"/>
-          </a:p>
-        </p:txBody>
-      </p:sp>
-    </p:spTree>
-    <p:extLst>
-      <p:ext uri="{BB962C8B-B14F-4D97-AF65-F5344CB8AC3E}">
-        <p14:creationId xmlns:p14="http://schemas.microsoft.com/office/powerpoint/2010/main" val="3752499795"/>
-      </p:ext>
-    </p:extLst>
-  </p:cSld>
-  <p:clrMapOvr>
-    <a:masterClrMapping/>
-  </p:clrMapOvr>
-</p:sld>
-</file>
-
-<file path=ppt/slides/slide54.xml><?xml version="1.0" encoding="utf-8"?>
-<p:sld xmlns:a="http://schemas.openxmlformats.org/drawingml/2006/main" xmlns:r="http://schemas.openxmlformats.org/officeDocument/2006/relationships" xmlns:p="http://schemas.openxmlformats.org/presentationml/2006/main">
-  <p:cSld>
-    <p:spTree>
-      <p:nvGrpSpPr>
-        <p:cNvPr id="1" name=""/>
-        <p:cNvGrpSpPr/>
-        <p:nvPr/>
-      </p:nvGrpSpPr>
-      <p:grpSpPr>
-        <a:xfrm>
-          <a:off x="0" y="0"/>
-          <a:ext cx="0" cy="0"/>
-          <a:chOff x="0" y="0"/>
-          <a:chExt cx="0" cy="0"/>
-        </a:xfrm>
-      </p:grpSpPr>
-      <p:sp>
-        <p:nvSpPr>
-          <p:cNvPr id="2" name="Title 1"/>
-          <p:cNvSpPr>
-            <a:spLocks noGrp="1"/>
-          </p:cNvSpPr>
-          <p:nvPr>
-            <p:ph type="title"/>
-          </p:nvPr>
-        </p:nvSpPr>
-        <p:spPr/>
-        <p:txBody>
-          <a:bodyPr/>
-          <a:lstStyle/>
-          <a:p>
-            <a:r>
               <a:rPr lang="en-US" dirty="0" err="1"/>
               <a:t>StringBuilder</a:t>
             </a:r>
@@ -23611,7 +23627,7 @@
             <a:fld id="{D2040F39-7941-49A4-B48D-F201B18B6351}" type="slidenum">
               <a:rPr lang="it-IT" smtClean="0"/>
               <a:pPr/>
-              <a:t>54</a:t>
+              <a:t>53</a:t>
             </a:fld>
             <a:endParaRPr lang="it-IT" dirty="0"/>
           </a:p>
@@ -23630,7 +23646,7 @@
 </p:sld>
 </file>
 
-<file path=ppt/slides/slide55.xml><?xml version="1.0" encoding="utf-8"?>
+<file path=ppt/slides/slide54.xml><?xml version="1.0" encoding="utf-8"?>
 <p:sld xmlns:a="http://schemas.openxmlformats.org/drawingml/2006/main" xmlns:r="http://schemas.openxmlformats.org/officeDocument/2006/relationships" xmlns:p="http://schemas.openxmlformats.org/presentationml/2006/main">
   <p:cSld>
     <p:spTree>
@@ -23685,7 +23701,7 @@
 </p:sld>
 </file>
 
-<file path=ppt/slides/slide56.xml><?xml version="1.0" encoding="utf-8"?>
+<file path=ppt/slides/slide55.xml><?xml version="1.0" encoding="utf-8"?>
 <p:sld xmlns:a="http://schemas.openxmlformats.org/drawingml/2006/main" xmlns:r="http://schemas.openxmlformats.org/officeDocument/2006/relationships" xmlns:p="http://schemas.openxmlformats.org/presentationml/2006/main">
   <p:cSld>
     <p:spTree>
@@ -23968,7 +23984,7 @@
             <a:fld id="{D2040F39-7941-49A4-B48D-F201B18B6351}" type="slidenum">
               <a:rPr lang="it-IT" smtClean="0"/>
               <a:pPr/>
-              <a:t>56</a:t>
+              <a:t>55</a:t>
             </a:fld>
             <a:endParaRPr lang="it-IT" dirty="0"/>
           </a:p>
@@ -23987,7 +24003,7 @@
 </p:sld>
 </file>
 
-<file path=ppt/slides/slide57.xml><?xml version="1.0" encoding="utf-8"?>
+<file path=ppt/slides/slide56.xml><?xml version="1.0" encoding="utf-8"?>
 <p:sld xmlns:a="http://schemas.openxmlformats.org/drawingml/2006/main" xmlns:r="http://schemas.openxmlformats.org/officeDocument/2006/relationships" xmlns:p="http://schemas.openxmlformats.org/presentationml/2006/main">
   <p:cSld>
     <p:spTree>
@@ -24335,7 +24351,7 @@
             <a:fld id="{D2040F39-7941-49A4-B48D-F201B18B6351}" type="slidenum">
               <a:rPr lang="it-IT" smtClean="0"/>
               <a:pPr/>
-              <a:t>57</a:t>
+              <a:t>56</a:t>
             </a:fld>
             <a:endParaRPr lang="it-IT" dirty="0"/>
           </a:p>
@@ -24354,7 +24370,7 @@
 </p:sld>
 </file>
 
-<file path=ppt/slides/slide58.xml><?xml version="1.0" encoding="utf-8"?>
+<file path=ppt/slides/slide57.xml><?xml version="1.0" encoding="utf-8"?>
 <p:sld xmlns:a="http://schemas.openxmlformats.org/drawingml/2006/main" xmlns:r="http://schemas.openxmlformats.org/officeDocument/2006/relationships" xmlns:p="http://schemas.openxmlformats.org/presentationml/2006/main">
   <p:cSld>
     <p:spTree>
@@ -24506,7 +24522,7 @@
             <a:fld id="{D2040F39-7941-49A4-B48D-F201B18B6351}" type="slidenum">
               <a:rPr lang="it-IT" smtClean="0"/>
               <a:pPr/>
-              <a:t>58</a:t>
+              <a:t>57</a:t>
             </a:fld>
             <a:endParaRPr lang="it-IT" dirty="0"/>
           </a:p>
@@ -24995,7 +25011,7 @@
 </p:sld>
 </file>
 
-<file path=ppt/slides/slide59.xml><?xml version="1.0" encoding="utf-8"?>
+<file path=ppt/slides/slide58.xml><?xml version="1.0" encoding="utf-8"?>
 <p:sld xmlns:a="http://schemas.openxmlformats.org/drawingml/2006/main" xmlns:r="http://schemas.openxmlformats.org/officeDocument/2006/relationships" xmlns:p="http://schemas.openxmlformats.org/presentationml/2006/main">
   <p:cSld>
     <p:spTree>
@@ -25041,6 +25057,471 @@
     <p:extLst>
       <p:ext uri="{BB962C8B-B14F-4D97-AF65-F5344CB8AC3E}">
         <p14:creationId xmlns:p14="http://schemas.microsoft.com/office/powerpoint/2010/main" val="3407923413"/>
+      </p:ext>
+    </p:extLst>
+  </p:cSld>
+  <p:clrMapOvr>
+    <a:masterClrMapping/>
+  </p:clrMapOvr>
+</p:sld>
+</file>
+
+<file path=ppt/slides/slide59.xml><?xml version="1.0" encoding="utf-8"?>
+<p:sld xmlns:a="http://schemas.openxmlformats.org/drawingml/2006/main" xmlns:r="http://schemas.openxmlformats.org/officeDocument/2006/relationships" xmlns:p="http://schemas.openxmlformats.org/presentationml/2006/main">
+  <p:cSld>
+    <p:spTree>
+      <p:nvGrpSpPr>
+        <p:cNvPr id="1" name=""/>
+        <p:cNvGrpSpPr/>
+        <p:nvPr/>
+      </p:nvGrpSpPr>
+      <p:grpSpPr>
+        <a:xfrm>
+          <a:off x="0" y="0"/>
+          <a:ext cx="0" cy="0"/>
+          <a:chOff x="0" y="0"/>
+          <a:chExt cx="0" cy="0"/>
+        </a:xfrm>
+      </p:grpSpPr>
+      <p:sp>
+        <p:nvSpPr>
+          <p:cNvPr id="2" name="Title 1">
+            <a:extLst>
+              <a:ext uri="{FF2B5EF4-FFF2-40B4-BE49-F238E27FC236}">
+                <a16:creationId xmlns:a16="http://schemas.microsoft.com/office/drawing/2014/main" id="{5AD5CF95-8EA8-CE41-AFD5-C8121B3960B1}"/>
+              </a:ext>
+            </a:extLst>
+          </p:cNvPr>
+          <p:cNvSpPr>
+            <a:spLocks noGrp="1"/>
+          </p:cNvSpPr>
+          <p:nvPr>
+            <p:ph type="title"/>
+          </p:nvPr>
+        </p:nvSpPr>
+        <p:spPr/>
+        <p:txBody>
+          <a:bodyPr>
+            <a:normAutofit/>
+          </a:bodyPr>
+          <a:lstStyle/>
+          <a:p>
+            <a:r>
+              <a:rPr lang="en-IT" dirty="0"/>
+              <a:t>Random numbers</a:t>
+            </a:r>
+          </a:p>
+        </p:txBody>
+      </p:sp>
+      <p:sp>
+        <p:nvSpPr>
+          <p:cNvPr id="3" name="Content Placeholder 2">
+            <a:extLst>
+              <a:ext uri="{FF2B5EF4-FFF2-40B4-BE49-F238E27FC236}">
+                <a16:creationId xmlns:a16="http://schemas.microsoft.com/office/drawing/2014/main" id="{2B3C7F43-DF1D-FD44-95B0-ACF0F0BF3695}"/>
+              </a:ext>
+            </a:extLst>
+          </p:cNvPr>
+          <p:cNvSpPr>
+            <a:spLocks noGrp="1"/>
+          </p:cNvSpPr>
+          <p:nvPr>
+            <p:ph idx="1"/>
+          </p:nvPr>
+        </p:nvSpPr>
+        <p:spPr/>
+        <p:txBody>
+          <a:bodyPr>
+            <a:normAutofit/>
+          </a:bodyPr>
+          <a:lstStyle/>
+          <a:p>
+            <a:r>
+              <a:rPr lang="en-IT" sz="1600" dirty="0">
+                <a:solidFill>
+                  <a:schemeClr val="accent6">
+                    <a:lumMod val="75000"/>
+                  </a:schemeClr>
+                </a:solidFill>
+                <a:latin typeface="Consolas" panose="020B0609020204030204" pitchFamily="49" charset="0"/>
+                <a:cs typeface="Consolas" panose="020B0609020204030204" pitchFamily="49" charset="0"/>
+              </a:rPr>
+              <a:t>Math.random()</a:t>
+            </a:r>
+          </a:p>
+          <a:p>
+            <a:r>
+              <a:rPr lang="en-GB" sz="1600" dirty="0" err="1">
+                <a:solidFill>
+                  <a:schemeClr val="accent6">
+                    <a:lumMod val="75000"/>
+                  </a:schemeClr>
+                </a:solidFill>
+                <a:latin typeface="Consolas" panose="020B0609020204030204" pitchFamily="49" charset="0"/>
+                <a:cs typeface="Consolas" panose="020B0609020204030204" pitchFamily="49" charset="0"/>
+              </a:rPr>
+              <a:t>java.util.Random</a:t>
+            </a:r>
+            <a:endParaRPr lang="en-GB" sz="1600" dirty="0">
+              <a:solidFill>
+                <a:schemeClr val="accent6">
+                  <a:lumMod val="75000"/>
+                </a:schemeClr>
+              </a:solidFill>
+              <a:latin typeface="Consolas" panose="020B0609020204030204" pitchFamily="49" charset="0"/>
+              <a:cs typeface="Consolas" panose="020B0609020204030204" pitchFamily="49" charset="0"/>
+            </a:endParaRPr>
+          </a:p>
+          <a:p>
+            <a:pPr marL="457200" lvl="1" indent="0">
+              <a:buNone/>
+            </a:pPr>
+            <a:r>
+              <a:rPr lang="en-GB" sz="1600" dirty="0">
+                <a:latin typeface="Consolas" panose="020B0609020204030204" pitchFamily="49" charset="0"/>
+                <a:cs typeface="Consolas" panose="020B0609020204030204" pitchFamily="49" charset="0"/>
+              </a:rPr>
+              <a:t>Random random = new Random();</a:t>
+            </a:r>
+          </a:p>
+          <a:p>
+            <a:pPr marL="457200" lvl="1" indent="0">
+              <a:buNone/>
+            </a:pPr>
+            <a:r>
+              <a:rPr lang="en-GB" sz="1600" dirty="0" err="1">
+                <a:latin typeface="Consolas" panose="020B0609020204030204" pitchFamily="49" charset="0"/>
+                <a:cs typeface="Consolas" panose="020B0609020204030204" pitchFamily="49" charset="0"/>
+              </a:rPr>
+              <a:t>random.nextInt</a:t>
+            </a:r>
+            <a:r>
+              <a:rPr lang="en-GB" sz="1600" dirty="0">
+                <a:latin typeface="Consolas" panose="020B0609020204030204" pitchFamily="49" charset="0"/>
+                <a:cs typeface="Consolas" panose="020B0609020204030204" pitchFamily="49" charset="0"/>
+              </a:rPr>
+              <a:t>()			[MIN_VALUE, MAX_VALUE]</a:t>
+            </a:r>
+          </a:p>
+          <a:p>
+            <a:pPr marL="457200" lvl="1" indent="0">
+              <a:buNone/>
+            </a:pPr>
+            <a:r>
+              <a:rPr lang="en-GB" sz="1600" dirty="0" err="1">
+                <a:latin typeface="Consolas" panose="020B0609020204030204" pitchFamily="49" charset="0"/>
+                <a:cs typeface="Consolas" panose="020B0609020204030204" pitchFamily="49" charset="0"/>
+              </a:rPr>
+              <a:t>random.nextDouble</a:t>
+            </a:r>
+            <a:r>
+              <a:rPr lang="en-GB" sz="1600" dirty="0">
+                <a:latin typeface="Consolas" panose="020B0609020204030204" pitchFamily="49" charset="0"/>
+                <a:cs typeface="Consolas" panose="020B0609020204030204" pitchFamily="49" charset="0"/>
+              </a:rPr>
+              <a:t>()		[0, 1]</a:t>
+            </a:r>
+          </a:p>
+          <a:p>
+            <a:pPr marL="457200" lvl="1" indent="0">
+              <a:buNone/>
+            </a:pPr>
+            <a:r>
+              <a:rPr lang="en-GB" sz="1600" dirty="0" err="1">
+                <a:latin typeface="Consolas" panose="020B0609020204030204" pitchFamily="49" charset="0"/>
+                <a:cs typeface="Consolas" panose="020B0609020204030204" pitchFamily="49" charset="0"/>
+              </a:rPr>
+              <a:t>random.nextBoolean</a:t>
+            </a:r>
+            <a:r>
+              <a:rPr lang="en-GB" sz="1600" dirty="0">
+                <a:latin typeface="Consolas" panose="020B0609020204030204" pitchFamily="49" charset="0"/>
+                <a:cs typeface="Consolas" panose="020B0609020204030204" pitchFamily="49" charset="0"/>
+              </a:rPr>
+              <a:t>()	[true, false]</a:t>
+            </a:r>
+          </a:p>
+          <a:p>
+            <a:pPr indent="-285750"/>
+            <a:r>
+              <a:rPr lang="en-GB" sz="1600" dirty="0" err="1">
+                <a:solidFill>
+                  <a:schemeClr val="accent6">
+                    <a:lumMod val="75000"/>
+                  </a:schemeClr>
+                </a:solidFill>
+                <a:latin typeface="Consolas" panose="020B0609020204030204" pitchFamily="49" charset="0"/>
+                <a:cs typeface="Consolas" panose="020B0609020204030204" pitchFamily="49" charset="0"/>
+              </a:rPr>
+              <a:t>java.util.random.RandomGenerator</a:t>
+            </a:r>
+            <a:endParaRPr lang="en-GB" sz="1600" dirty="0">
+              <a:solidFill>
+                <a:schemeClr val="accent6">
+                  <a:lumMod val="75000"/>
+                </a:schemeClr>
+              </a:solidFill>
+              <a:latin typeface="Consolas" panose="020B0609020204030204" pitchFamily="49" charset="0"/>
+              <a:cs typeface="Consolas" panose="020B0609020204030204" pitchFamily="49" charset="0"/>
+            </a:endParaRPr>
+          </a:p>
+          <a:p>
+            <a:pPr marL="457200" lvl="1" indent="0">
+              <a:buNone/>
+            </a:pPr>
+            <a:r>
+              <a:rPr lang="en-GB" sz="1600" dirty="0" err="1">
+                <a:latin typeface="Consolas" panose="020B0609020204030204" pitchFamily="49" charset="0"/>
+                <a:cs typeface="Consolas" panose="020B0609020204030204" pitchFamily="49" charset="0"/>
+              </a:rPr>
+              <a:t>RandomGenerator</a:t>
+            </a:r>
+            <a:r>
+              <a:rPr lang="en-GB" sz="1600" dirty="0">
+                <a:latin typeface="Consolas" panose="020B0609020204030204" pitchFamily="49" charset="0"/>
+                <a:cs typeface="Consolas" panose="020B0609020204030204" pitchFamily="49" charset="0"/>
+              </a:rPr>
+              <a:t> generator = </a:t>
+            </a:r>
+            <a:r>
+              <a:rPr lang="en-GB" sz="1600" dirty="0" err="1">
+                <a:latin typeface="Consolas" panose="020B0609020204030204" pitchFamily="49" charset="0"/>
+                <a:cs typeface="Consolas" panose="020B0609020204030204" pitchFamily="49" charset="0"/>
+              </a:rPr>
+              <a:t>RandomGenerator.getDefault</a:t>
+            </a:r>
+            <a:r>
+              <a:rPr lang="en-GB" sz="1600" dirty="0">
+                <a:latin typeface="Consolas" panose="020B0609020204030204" pitchFamily="49" charset="0"/>
+                <a:cs typeface="Consolas" panose="020B0609020204030204" pitchFamily="49" charset="0"/>
+              </a:rPr>
+              <a:t>();</a:t>
+            </a:r>
+          </a:p>
+          <a:p>
+            <a:pPr marL="457200" lvl="1" indent="0">
+              <a:buNone/>
+            </a:pPr>
+            <a:r>
+              <a:rPr lang="en-GB" sz="1600" dirty="0" err="1">
+                <a:latin typeface="Consolas" panose="020B0609020204030204" pitchFamily="49" charset="0"/>
+                <a:cs typeface="Consolas" panose="020B0609020204030204" pitchFamily="49" charset="0"/>
+              </a:rPr>
+              <a:t>RandomGenerator</a:t>
+            </a:r>
+            <a:r>
+              <a:rPr lang="en-GB" sz="1600" dirty="0">
+                <a:latin typeface="Consolas" panose="020B0609020204030204" pitchFamily="49" charset="0"/>
+                <a:cs typeface="Consolas" panose="020B0609020204030204" pitchFamily="49" charset="0"/>
+              </a:rPr>
+              <a:t> generator = </a:t>
+            </a:r>
+            <a:r>
+              <a:rPr lang="en-GB" sz="1600" dirty="0" err="1">
+                <a:latin typeface="Consolas" panose="020B0609020204030204" pitchFamily="49" charset="0"/>
+                <a:cs typeface="Consolas" panose="020B0609020204030204" pitchFamily="49" charset="0"/>
+              </a:rPr>
+              <a:t>RandomGenerator.of</a:t>
+            </a:r>
+            <a:r>
+              <a:rPr lang="en-GB" sz="1600" dirty="0">
+                <a:latin typeface="Consolas" panose="020B0609020204030204" pitchFamily="49" charset="0"/>
+                <a:cs typeface="Consolas" panose="020B0609020204030204" pitchFamily="49" charset="0"/>
+              </a:rPr>
+              <a:t>("L128X256MixRandom");</a:t>
+            </a:r>
+          </a:p>
+          <a:p>
+            <a:pPr marL="457200" lvl="1" indent="0">
+              <a:buNone/>
+            </a:pPr>
+            <a:r>
+              <a:rPr lang="en-GB" sz="1600" dirty="0" err="1">
+                <a:latin typeface="Consolas" panose="020B0609020204030204" pitchFamily="49" charset="0"/>
+                <a:cs typeface="Consolas" panose="020B0609020204030204" pitchFamily="49" charset="0"/>
+              </a:rPr>
+              <a:t>RandomGenerator</a:t>
+            </a:r>
+            <a:r>
+              <a:rPr lang="en-GB" sz="1600" dirty="0">
+                <a:latin typeface="Consolas" panose="020B0609020204030204" pitchFamily="49" charset="0"/>
+                <a:cs typeface="Consolas" panose="020B0609020204030204" pitchFamily="49" charset="0"/>
+              </a:rPr>
+              <a:t> generator = new Random();</a:t>
+            </a:r>
+          </a:p>
+          <a:p>
+            <a:r>
+              <a:rPr lang="en-GB" sz="1600" dirty="0" err="1">
+                <a:solidFill>
+                  <a:schemeClr val="accent6">
+                    <a:lumMod val="75000"/>
+                  </a:schemeClr>
+                </a:solidFill>
+                <a:latin typeface="Consolas" panose="020B0609020204030204" pitchFamily="49" charset="0"/>
+                <a:cs typeface="Consolas" panose="020B0609020204030204" pitchFamily="49" charset="0"/>
+              </a:rPr>
+              <a:t>java.util.concurrent.ThreadLocalRandom</a:t>
+            </a:r>
+            <a:endParaRPr lang="en-GB" sz="1600" dirty="0">
+              <a:solidFill>
+                <a:schemeClr val="accent6">
+                  <a:lumMod val="75000"/>
+                </a:schemeClr>
+              </a:solidFill>
+              <a:latin typeface="Consolas" panose="020B0609020204030204" pitchFamily="49" charset="0"/>
+              <a:cs typeface="Consolas" panose="020B0609020204030204" pitchFamily="49" charset="0"/>
+            </a:endParaRPr>
+          </a:p>
+          <a:p>
+            <a:pPr marL="457200" lvl="1" indent="0">
+              <a:buNone/>
+            </a:pPr>
+            <a:r>
+              <a:rPr lang="en-GB" sz="1600" dirty="0" err="1">
+                <a:latin typeface="Consolas" panose="020B0609020204030204" pitchFamily="49" charset="0"/>
+                <a:cs typeface="Consolas" panose="020B0609020204030204" pitchFamily="49" charset="0"/>
+              </a:rPr>
+              <a:t>ThreadLocalRandom.current</a:t>
+            </a:r>
+            <a:r>
+              <a:rPr lang="en-GB" sz="1600" dirty="0">
+                <a:latin typeface="Consolas" panose="020B0609020204030204" pitchFamily="49" charset="0"/>
+                <a:cs typeface="Consolas" panose="020B0609020204030204" pitchFamily="49" charset="0"/>
+              </a:rPr>
+              <a:t>().</a:t>
+            </a:r>
+            <a:r>
+              <a:rPr lang="en-GB" sz="1600" dirty="0" err="1">
+                <a:latin typeface="Consolas" panose="020B0609020204030204" pitchFamily="49" charset="0"/>
+                <a:cs typeface="Consolas" panose="020B0609020204030204" pitchFamily="49" charset="0"/>
+              </a:rPr>
+              <a:t>nextInt</a:t>
+            </a:r>
+            <a:r>
+              <a:rPr lang="en-GB" sz="1600" dirty="0">
+                <a:latin typeface="Consolas" panose="020B0609020204030204" pitchFamily="49" charset="0"/>
+                <a:cs typeface="Consolas" panose="020B0609020204030204" pitchFamily="49" charset="0"/>
+              </a:rPr>
+              <a:t>()</a:t>
+            </a:r>
+          </a:p>
+          <a:p>
+            <a:pPr marL="457200" lvl="1" indent="0">
+              <a:buNone/>
+            </a:pPr>
+            <a:r>
+              <a:rPr lang="en-GB" sz="1600" dirty="0" err="1">
+                <a:latin typeface="Consolas" panose="020B0609020204030204" pitchFamily="49" charset="0"/>
+                <a:cs typeface="Consolas" panose="020B0609020204030204" pitchFamily="49" charset="0"/>
+              </a:rPr>
+              <a:t>ThreadLocalRandom.current</a:t>
+            </a:r>
+            <a:r>
+              <a:rPr lang="en-GB" sz="1600" dirty="0">
+                <a:latin typeface="Consolas" panose="020B0609020204030204" pitchFamily="49" charset="0"/>
+                <a:cs typeface="Consolas" panose="020B0609020204030204" pitchFamily="49" charset="0"/>
+              </a:rPr>
+              <a:t>().</a:t>
+            </a:r>
+            <a:r>
+              <a:rPr lang="en-GB" sz="1600" dirty="0" err="1">
+                <a:latin typeface="Consolas" panose="020B0609020204030204" pitchFamily="49" charset="0"/>
+                <a:cs typeface="Consolas" panose="020B0609020204030204" pitchFamily="49" charset="0"/>
+              </a:rPr>
+              <a:t>nextDouble</a:t>
+            </a:r>
+            <a:r>
+              <a:rPr lang="en-GB" sz="1600" dirty="0">
+                <a:latin typeface="Consolas" panose="020B0609020204030204" pitchFamily="49" charset="0"/>
+                <a:cs typeface="Consolas" panose="020B0609020204030204" pitchFamily="49" charset="0"/>
+              </a:rPr>
+              <a:t>()</a:t>
+            </a:r>
+          </a:p>
+          <a:p>
+            <a:pPr marL="457200" lvl="1" indent="0">
+              <a:buNone/>
+            </a:pPr>
+            <a:r>
+              <a:rPr lang="en-GB" sz="1600" dirty="0" err="1">
+                <a:latin typeface="Consolas" panose="020B0609020204030204" pitchFamily="49" charset="0"/>
+                <a:cs typeface="Consolas" panose="020B0609020204030204" pitchFamily="49" charset="0"/>
+              </a:rPr>
+              <a:t>ThreadLocalRandom.current</a:t>
+            </a:r>
+            <a:r>
+              <a:rPr lang="en-GB" sz="1600" dirty="0">
+                <a:latin typeface="Consolas" panose="020B0609020204030204" pitchFamily="49" charset="0"/>
+                <a:cs typeface="Consolas" panose="020B0609020204030204" pitchFamily="49" charset="0"/>
+              </a:rPr>
+              <a:t>().</a:t>
+            </a:r>
+            <a:r>
+              <a:rPr lang="en-GB" sz="1600" dirty="0" err="1">
+                <a:latin typeface="Consolas" panose="020B0609020204030204" pitchFamily="49" charset="0"/>
+                <a:cs typeface="Consolas" panose="020B0609020204030204" pitchFamily="49" charset="0"/>
+              </a:rPr>
+              <a:t>nextBoolean</a:t>
+            </a:r>
+            <a:r>
+              <a:rPr lang="en-GB" sz="1600" dirty="0">
+                <a:latin typeface="Consolas" panose="020B0609020204030204" pitchFamily="49" charset="0"/>
+                <a:cs typeface="Consolas" panose="020B0609020204030204" pitchFamily="49" charset="0"/>
+              </a:rPr>
+              <a:t>()</a:t>
+            </a:r>
+          </a:p>
+          <a:p>
+            <a:pPr lvl="1"/>
+            <a:endParaRPr lang="en-GB" sz="1600" dirty="0">
+              <a:latin typeface="Consolas" panose="020B0609020204030204" pitchFamily="49" charset="0"/>
+              <a:cs typeface="Consolas" panose="020B0609020204030204" pitchFamily="49" charset="0"/>
+            </a:endParaRPr>
+          </a:p>
+          <a:p>
+            <a:pPr lvl="1"/>
+            <a:endParaRPr lang="en-IT" sz="1600" dirty="0">
+              <a:latin typeface="Consolas" panose="020B0609020204030204" pitchFamily="49" charset="0"/>
+              <a:cs typeface="Consolas" panose="020B0609020204030204" pitchFamily="49" charset="0"/>
+            </a:endParaRPr>
+          </a:p>
+        </p:txBody>
+      </p:sp>
+      <p:sp>
+        <p:nvSpPr>
+          <p:cNvPr id="4" name="Slide Number Placeholder 3">
+            <a:extLst>
+              <a:ext uri="{FF2B5EF4-FFF2-40B4-BE49-F238E27FC236}">
+                <a16:creationId xmlns:a16="http://schemas.microsoft.com/office/drawing/2014/main" id="{F2F98F19-C953-7C4D-BFCD-53A12851C502}"/>
+              </a:ext>
+            </a:extLst>
+          </p:cNvPr>
+          <p:cNvSpPr>
+            <a:spLocks noGrp="1"/>
+          </p:cNvSpPr>
+          <p:nvPr>
+            <p:ph type="sldNum" sz="quarter" idx="12"/>
+          </p:nvPr>
+        </p:nvSpPr>
+        <p:spPr/>
+        <p:txBody>
+          <a:bodyPr/>
+          <a:lstStyle/>
+          <a:p>
+            <a:fld id="{D2040F39-7941-49A4-B48D-F201B18B6351}" type="slidenum">
+              <a:rPr lang="it-IT" smtClean="0"/>
+              <a:pPr/>
+              <a:t>59</a:t>
+            </a:fld>
+            <a:endParaRPr lang="it-IT" dirty="0"/>
+          </a:p>
+        </p:txBody>
+      </p:sp>
+    </p:spTree>
+    <p:extLst>
+      <p:ext uri="{BB962C8B-B14F-4D97-AF65-F5344CB8AC3E}">
+        <p14:creationId xmlns:p14="http://schemas.microsoft.com/office/powerpoint/2010/main" val="1648934633"/>
       </p:ext>
     </p:extLst>
   </p:cSld>
@@ -25178,362 +25659,6 @@
           <p:cNvPr id="2" name="Title 1">
             <a:extLst>
               <a:ext uri="{FF2B5EF4-FFF2-40B4-BE49-F238E27FC236}">
-                <a16:creationId xmlns:a16="http://schemas.microsoft.com/office/drawing/2014/main" id="{5AD5CF95-8EA8-CE41-AFD5-C8121B3960B1}"/>
-              </a:ext>
-            </a:extLst>
-          </p:cNvPr>
-          <p:cNvSpPr>
-            <a:spLocks noGrp="1"/>
-          </p:cNvSpPr>
-          <p:nvPr>
-            <p:ph type="title"/>
-          </p:nvPr>
-        </p:nvSpPr>
-        <p:spPr/>
-        <p:txBody>
-          <a:bodyPr>
-            <a:normAutofit/>
-          </a:bodyPr>
-          <a:lstStyle/>
-          <a:p>
-            <a:r>
-              <a:rPr lang="en-IT" dirty="0"/>
-              <a:t>Random numbers</a:t>
-            </a:r>
-          </a:p>
-        </p:txBody>
-      </p:sp>
-      <p:sp>
-        <p:nvSpPr>
-          <p:cNvPr id="3" name="Content Placeholder 2">
-            <a:extLst>
-              <a:ext uri="{FF2B5EF4-FFF2-40B4-BE49-F238E27FC236}">
-                <a16:creationId xmlns:a16="http://schemas.microsoft.com/office/drawing/2014/main" id="{2B3C7F43-DF1D-FD44-95B0-ACF0F0BF3695}"/>
-              </a:ext>
-            </a:extLst>
-          </p:cNvPr>
-          <p:cNvSpPr>
-            <a:spLocks noGrp="1"/>
-          </p:cNvSpPr>
-          <p:nvPr>
-            <p:ph idx="1"/>
-          </p:nvPr>
-        </p:nvSpPr>
-        <p:spPr/>
-        <p:txBody>
-          <a:bodyPr>
-            <a:normAutofit lnSpcReduction="10000"/>
-          </a:bodyPr>
-          <a:lstStyle/>
-          <a:p>
-            <a:r>
-              <a:rPr lang="en-IT" sz="2800" dirty="0">
-                <a:solidFill>
-                  <a:schemeClr val="accent6">
-                    <a:lumMod val="75000"/>
-                  </a:schemeClr>
-                </a:solidFill>
-                <a:latin typeface="Consolas" panose="020B0609020204030204" pitchFamily="49" charset="0"/>
-                <a:cs typeface="Consolas" panose="020B0609020204030204" pitchFamily="49" charset="0"/>
-              </a:rPr>
-              <a:t>Math.random()</a:t>
-            </a:r>
-          </a:p>
-          <a:p>
-            <a:r>
-              <a:rPr lang="en-GB" sz="2800" dirty="0" err="1">
-                <a:solidFill>
-                  <a:schemeClr val="accent6">
-                    <a:lumMod val="75000"/>
-                  </a:schemeClr>
-                </a:solidFill>
-                <a:latin typeface="Consolas" panose="020B0609020204030204" pitchFamily="49" charset="0"/>
-                <a:cs typeface="Consolas" panose="020B0609020204030204" pitchFamily="49" charset="0"/>
-              </a:rPr>
-              <a:t>java.util.Random</a:t>
-            </a:r>
-            <a:endParaRPr lang="en-GB" sz="2800" dirty="0">
-              <a:solidFill>
-                <a:schemeClr val="accent6">
-                  <a:lumMod val="75000"/>
-                </a:schemeClr>
-              </a:solidFill>
-              <a:latin typeface="Consolas" panose="020B0609020204030204" pitchFamily="49" charset="0"/>
-              <a:cs typeface="Consolas" panose="020B0609020204030204" pitchFamily="49" charset="0"/>
-            </a:endParaRPr>
-          </a:p>
-          <a:p>
-            <a:pPr marL="457200" lvl="1" indent="0">
-              <a:buNone/>
-            </a:pPr>
-            <a:r>
-              <a:rPr lang="en-GB" sz="2400" dirty="0">
-                <a:latin typeface="Consolas" panose="020B0609020204030204" pitchFamily="49" charset="0"/>
-                <a:cs typeface="Consolas" panose="020B0609020204030204" pitchFamily="49" charset="0"/>
-              </a:rPr>
-              <a:t>Random random = new Random();</a:t>
-            </a:r>
-          </a:p>
-          <a:p>
-            <a:pPr marL="457200" lvl="1" indent="0">
-              <a:buNone/>
-            </a:pPr>
-            <a:r>
-              <a:rPr lang="en-GB" sz="2400" dirty="0" err="1">
-                <a:latin typeface="Consolas" panose="020B0609020204030204" pitchFamily="49" charset="0"/>
-                <a:cs typeface="Consolas" panose="020B0609020204030204" pitchFamily="49" charset="0"/>
-              </a:rPr>
-              <a:t>random.nextInt</a:t>
-            </a:r>
-            <a:r>
-              <a:rPr lang="en-GB" sz="2400" dirty="0">
-                <a:latin typeface="Consolas" panose="020B0609020204030204" pitchFamily="49" charset="0"/>
-                <a:cs typeface="Consolas" panose="020B0609020204030204" pitchFamily="49" charset="0"/>
-              </a:rPr>
-              <a:t>()			[MIN_VALUE, MAX_VALUE]</a:t>
-            </a:r>
-          </a:p>
-          <a:p>
-            <a:pPr marL="457200" lvl="1" indent="0">
-              <a:buNone/>
-            </a:pPr>
-            <a:r>
-              <a:rPr lang="en-GB" sz="2400" dirty="0" err="1">
-                <a:latin typeface="Consolas" panose="020B0609020204030204" pitchFamily="49" charset="0"/>
-                <a:cs typeface="Consolas" panose="020B0609020204030204" pitchFamily="49" charset="0"/>
-              </a:rPr>
-              <a:t>random.nextDouble</a:t>
-            </a:r>
-            <a:r>
-              <a:rPr lang="en-GB" sz="2400" dirty="0">
-                <a:latin typeface="Consolas" panose="020B0609020204030204" pitchFamily="49" charset="0"/>
-                <a:cs typeface="Consolas" panose="020B0609020204030204" pitchFamily="49" charset="0"/>
-              </a:rPr>
-              <a:t>()		[0, 1]</a:t>
-            </a:r>
-          </a:p>
-          <a:p>
-            <a:pPr marL="457200" lvl="1" indent="0">
-              <a:buNone/>
-            </a:pPr>
-            <a:r>
-              <a:rPr lang="en-GB" sz="2400" dirty="0" err="1">
-                <a:latin typeface="Consolas" panose="020B0609020204030204" pitchFamily="49" charset="0"/>
-                <a:cs typeface="Consolas" panose="020B0609020204030204" pitchFamily="49" charset="0"/>
-              </a:rPr>
-              <a:t>random.nextBoolean</a:t>
-            </a:r>
-            <a:r>
-              <a:rPr lang="en-GB" sz="2400" dirty="0">
-                <a:latin typeface="Consolas" panose="020B0609020204030204" pitchFamily="49" charset="0"/>
-                <a:cs typeface="Consolas" panose="020B0609020204030204" pitchFamily="49" charset="0"/>
-              </a:rPr>
-              <a:t>()	[true, false]</a:t>
-            </a:r>
-          </a:p>
-          <a:p>
-            <a:r>
-              <a:rPr lang="en-GB" sz="2800" dirty="0" err="1">
-                <a:solidFill>
-                  <a:schemeClr val="accent6">
-                    <a:lumMod val="75000"/>
-                  </a:schemeClr>
-                </a:solidFill>
-                <a:latin typeface="Consolas" panose="020B0609020204030204" pitchFamily="49" charset="0"/>
-                <a:cs typeface="Consolas" panose="020B0609020204030204" pitchFamily="49" charset="0"/>
-              </a:rPr>
-              <a:t>java.util.concurrent.ThreadLocalRandom</a:t>
-            </a:r>
-            <a:endParaRPr lang="en-GB" sz="2800" dirty="0">
-              <a:solidFill>
-                <a:schemeClr val="accent6">
-                  <a:lumMod val="75000"/>
-                </a:schemeClr>
-              </a:solidFill>
-              <a:latin typeface="Consolas" panose="020B0609020204030204" pitchFamily="49" charset="0"/>
-              <a:cs typeface="Consolas" panose="020B0609020204030204" pitchFamily="49" charset="0"/>
-            </a:endParaRPr>
-          </a:p>
-          <a:p>
-            <a:pPr marL="457200" lvl="1" indent="0">
-              <a:buNone/>
-            </a:pPr>
-            <a:r>
-              <a:rPr lang="en-GB" sz="2400" dirty="0" err="1">
-                <a:latin typeface="Consolas" panose="020B0609020204030204" pitchFamily="49" charset="0"/>
-                <a:cs typeface="Consolas" panose="020B0609020204030204" pitchFamily="49" charset="0"/>
-              </a:rPr>
-              <a:t>ThreadLocalRandom.current</a:t>
-            </a:r>
-            <a:r>
-              <a:rPr lang="en-GB" sz="2400" dirty="0">
-                <a:latin typeface="Consolas" panose="020B0609020204030204" pitchFamily="49" charset="0"/>
-                <a:cs typeface="Consolas" panose="020B0609020204030204" pitchFamily="49" charset="0"/>
-              </a:rPr>
-              <a:t>().</a:t>
-            </a:r>
-            <a:r>
-              <a:rPr lang="en-GB" sz="2400" dirty="0" err="1">
-                <a:latin typeface="Consolas" panose="020B0609020204030204" pitchFamily="49" charset="0"/>
-                <a:cs typeface="Consolas" panose="020B0609020204030204" pitchFamily="49" charset="0"/>
-              </a:rPr>
-              <a:t>nextInt</a:t>
-            </a:r>
-            <a:r>
-              <a:rPr lang="en-GB" sz="2400" dirty="0">
-                <a:latin typeface="Consolas" panose="020B0609020204030204" pitchFamily="49" charset="0"/>
-                <a:cs typeface="Consolas" panose="020B0609020204030204" pitchFamily="49" charset="0"/>
-              </a:rPr>
-              <a:t>()</a:t>
-            </a:r>
-          </a:p>
-          <a:p>
-            <a:pPr marL="457200" lvl="1" indent="0">
-              <a:buNone/>
-            </a:pPr>
-            <a:r>
-              <a:rPr lang="en-GB" sz="2400" dirty="0" err="1">
-                <a:latin typeface="Consolas" panose="020B0609020204030204" pitchFamily="49" charset="0"/>
-                <a:cs typeface="Consolas" panose="020B0609020204030204" pitchFamily="49" charset="0"/>
-              </a:rPr>
-              <a:t>ThreadLocalRandom.current</a:t>
-            </a:r>
-            <a:r>
-              <a:rPr lang="en-GB" sz="2400" dirty="0">
-                <a:latin typeface="Consolas" panose="020B0609020204030204" pitchFamily="49" charset="0"/>
-                <a:cs typeface="Consolas" panose="020B0609020204030204" pitchFamily="49" charset="0"/>
-              </a:rPr>
-              <a:t>().</a:t>
-            </a:r>
-            <a:r>
-              <a:rPr lang="en-GB" sz="2400" dirty="0" err="1">
-                <a:latin typeface="Consolas" panose="020B0609020204030204" pitchFamily="49" charset="0"/>
-                <a:cs typeface="Consolas" panose="020B0609020204030204" pitchFamily="49" charset="0"/>
-              </a:rPr>
-              <a:t>nextDouble</a:t>
-            </a:r>
-            <a:r>
-              <a:rPr lang="en-GB" sz="2400" dirty="0">
-                <a:latin typeface="Consolas" panose="020B0609020204030204" pitchFamily="49" charset="0"/>
-                <a:cs typeface="Consolas" panose="020B0609020204030204" pitchFamily="49" charset="0"/>
-              </a:rPr>
-              <a:t>()</a:t>
-            </a:r>
-          </a:p>
-          <a:p>
-            <a:pPr marL="457200" lvl="1" indent="0">
-              <a:buNone/>
-            </a:pPr>
-            <a:r>
-              <a:rPr lang="en-GB" sz="2400" dirty="0" err="1">
-                <a:latin typeface="Consolas" panose="020B0609020204030204" pitchFamily="49" charset="0"/>
-                <a:cs typeface="Consolas" panose="020B0609020204030204" pitchFamily="49" charset="0"/>
-              </a:rPr>
-              <a:t>ThreadLocalRandom.current</a:t>
-            </a:r>
-            <a:r>
-              <a:rPr lang="en-GB" sz="2400" dirty="0">
-                <a:latin typeface="Consolas" panose="020B0609020204030204" pitchFamily="49" charset="0"/>
-                <a:cs typeface="Consolas" panose="020B0609020204030204" pitchFamily="49" charset="0"/>
-              </a:rPr>
-              <a:t>().</a:t>
-            </a:r>
-            <a:r>
-              <a:rPr lang="en-GB" sz="2400" dirty="0" err="1">
-                <a:latin typeface="Consolas" panose="020B0609020204030204" pitchFamily="49" charset="0"/>
-                <a:cs typeface="Consolas" panose="020B0609020204030204" pitchFamily="49" charset="0"/>
-              </a:rPr>
-              <a:t>nextBoolean</a:t>
-            </a:r>
-            <a:r>
-              <a:rPr lang="en-GB" sz="2400" dirty="0">
-                <a:latin typeface="Consolas" panose="020B0609020204030204" pitchFamily="49" charset="0"/>
-                <a:cs typeface="Consolas" panose="020B0609020204030204" pitchFamily="49" charset="0"/>
-              </a:rPr>
-              <a:t>()</a:t>
-            </a:r>
-          </a:p>
-          <a:p>
-            <a:pPr lvl="1"/>
-            <a:endParaRPr lang="en-GB" sz="2400" dirty="0">
-              <a:latin typeface="Consolas" panose="020B0609020204030204" pitchFamily="49" charset="0"/>
-              <a:cs typeface="Consolas" panose="020B0609020204030204" pitchFamily="49" charset="0"/>
-            </a:endParaRPr>
-          </a:p>
-          <a:p>
-            <a:pPr lvl="1"/>
-            <a:endParaRPr lang="en-IT" sz="2400" dirty="0">
-              <a:latin typeface="Consolas" panose="020B0609020204030204" pitchFamily="49" charset="0"/>
-              <a:cs typeface="Consolas" panose="020B0609020204030204" pitchFamily="49" charset="0"/>
-            </a:endParaRPr>
-          </a:p>
-        </p:txBody>
-      </p:sp>
-      <p:sp>
-        <p:nvSpPr>
-          <p:cNvPr id="4" name="Slide Number Placeholder 3">
-            <a:extLst>
-              <a:ext uri="{FF2B5EF4-FFF2-40B4-BE49-F238E27FC236}">
-                <a16:creationId xmlns:a16="http://schemas.microsoft.com/office/drawing/2014/main" id="{F2F98F19-C953-7C4D-BFCD-53A12851C502}"/>
-              </a:ext>
-            </a:extLst>
-          </p:cNvPr>
-          <p:cNvSpPr>
-            <a:spLocks noGrp="1"/>
-          </p:cNvSpPr>
-          <p:nvPr>
-            <p:ph type="sldNum" sz="quarter" idx="12"/>
-          </p:nvPr>
-        </p:nvSpPr>
-        <p:spPr/>
-        <p:txBody>
-          <a:bodyPr/>
-          <a:lstStyle/>
-          <a:p>
-            <a:fld id="{D2040F39-7941-49A4-B48D-F201B18B6351}" type="slidenum">
-              <a:rPr lang="it-IT" smtClean="0"/>
-              <a:pPr/>
-              <a:t>60</a:t>
-            </a:fld>
-            <a:endParaRPr lang="it-IT" dirty="0"/>
-          </a:p>
-        </p:txBody>
-      </p:sp>
-    </p:spTree>
-    <p:extLst>
-      <p:ext uri="{BB962C8B-B14F-4D97-AF65-F5344CB8AC3E}">
-        <p14:creationId xmlns:p14="http://schemas.microsoft.com/office/powerpoint/2010/main" val="1648934633"/>
-      </p:ext>
-    </p:extLst>
-  </p:cSld>
-  <p:clrMapOvr>
-    <a:masterClrMapping/>
-  </p:clrMapOvr>
-</p:sld>
-</file>
-
-<file path=ppt/slides/slide61.xml><?xml version="1.0" encoding="utf-8"?>
-<p:sld xmlns:a="http://schemas.openxmlformats.org/drawingml/2006/main" xmlns:r="http://schemas.openxmlformats.org/officeDocument/2006/relationships" xmlns:p="http://schemas.openxmlformats.org/presentationml/2006/main">
-  <p:cSld>
-    <p:spTree>
-      <p:nvGrpSpPr>
-        <p:cNvPr id="1" name=""/>
-        <p:cNvGrpSpPr/>
-        <p:nvPr/>
-      </p:nvGrpSpPr>
-      <p:grpSpPr>
-        <a:xfrm>
-          <a:off x="0" y="0"/>
-          <a:ext cx="0" cy="0"/>
-          <a:chOff x="0" y="0"/>
-          <a:chExt cx="0" cy="0"/>
-        </a:xfrm>
-      </p:grpSpPr>
-      <p:sp>
-        <p:nvSpPr>
-          <p:cNvPr id="2" name="Title 1">
-            <a:extLst>
-              <a:ext uri="{FF2B5EF4-FFF2-40B4-BE49-F238E27FC236}">
                 <a16:creationId xmlns:a16="http://schemas.microsoft.com/office/drawing/2014/main" id="{4A0CF442-F795-3E46-AC58-421F9F5D5502}"/>
               </a:ext>
             </a:extLst>
@@ -25619,7 +25744,7 @@
             <a:fld id="{D2040F39-7941-49A4-B48D-F201B18B6351}" type="slidenum">
               <a:rPr lang="it-IT" smtClean="0"/>
               <a:pPr/>
-              <a:t>61</a:t>
+              <a:t>60</a:t>
             </a:fld>
             <a:endParaRPr lang="it-IT" dirty="0"/>
           </a:p>
